--- a/hun.pptx
+++ b/hun.pptx
@@ -7,8 +7,23 @@
   <p:sldIdLst>
     <p:sldId id="256" r:id="rId2"/>
     <p:sldId id="257" r:id="rId3"/>
-    <p:sldId id="259" r:id="rId4"/>
-    <p:sldId id="258" r:id="rId5"/>
+    <p:sldId id="269" r:id="rId4"/>
+    <p:sldId id="268" r:id="rId5"/>
+    <p:sldId id="272" r:id="rId6"/>
+    <p:sldId id="263" r:id="rId7"/>
+    <p:sldId id="261" r:id="rId8"/>
+    <p:sldId id="270" r:id="rId9"/>
+    <p:sldId id="271" r:id="rId10"/>
+    <p:sldId id="273" r:id="rId11"/>
+    <p:sldId id="274" r:id="rId12"/>
+    <p:sldId id="275" r:id="rId13"/>
+    <p:sldId id="277" r:id="rId14"/>
+    <p:sldId id="276" r:id="rId15"/>
+    <p:sldId id="278" r:id="rId16"/>
+    <p:sldId id="267" r:id="rId17"/>
+    <p:sldId id="281" r:id="rId18"/>
+    <p:sldId id="258" r:id="rId19"/>
+    <p:sldId id="280" r:id="rId20"/>
   </p:sldIdLst>
   <p:sldSz cx="12192000" cy="6858000"/>
   <p:notesSz cx="6858000" cy="9144000"/>
@@ -7134,8 +7149,8 @@
         </p:nvSpPr>
         <p:spPr>
           <a:xfrm>
-            <a:off x="1154955" y="4777380"/>
-            <a:ext cx="6974911" cy="861420"/>
+            <a:off x="292607" y="4777380"/>
+            <a:ext cx="7837259" cy="861420"/>
           </a:xfrm>
         </p:spPr>
         <p:txBody>
@@ -7145,7 +7160,7 @@
           <a:lstStyle/>
           <a:p>
             <a:r>
-              <a:rPr lang="hu-HU">
+              <a:rPr lang="hu-HU" dirty="0" err="1">
                 <a:solidFill>
                   <a:schemeClr val="tx1">
                     <a:lumMod val="85000"/>
@@ -7155,6 +7170,14 @@
               </a:rPr>
               <a:t>Intro</a:t>
             </a:r>
+            <a:endParaRPr lang="hu-HU" dirty="0">
+              <a:solidFill>
+                <a:schemeClr val="tx1">
+                  <a:lumMod val="85000"/>
+                  <a:lumOff val="15000"/>
+                </a:schemeClr>
+              </a:solidFill>
+            </a:endParaRPr>
           </a:p>
         </p:txBody>
       </p:sp>
@@ -7176,24 +7199,42 @@
         </p:nvSpPr>
         <p:spPr>
           <a:xfrm>
-            <a:off x="1154955" y="1447800"/>
-            <a:ext cx="6974915" cy="3329581"/>
+            <a:off x="292608" y="557784"/>
+            <a:ext cx="9404675" cy="4219597"/>
           </a:xfrm>
         </p:spPr>
         <p:txBody>
           <a:bodyPr>
-            <a:normAutofit/>
+            <a:normAutofit fontScale="90000"/>
           </a:bodyPr>
           <a:lstStyle/>
           <a:p>
             <a:r>
-              <a:rPr lang="hu-HU" dirty="0" err="1"/>
+              <a:rPr lang="hu-HU" b="1" dirty="0" err="1"/>
               <a:t>Hungarian</a:t>
             </a:r>
             <a:r>
-              <a:rPr lang="hu-HU" dirty="0"/>
-              <a:t> WVP</a:t>
-            </a:r>
+              <a:rPr lang="hu-HU" b="1" dirty="0"/>
+              <a:t> </a:t>
+            </a:r>
+            <a:br>
+              <a:rPr lang="en-US" b="1" dirty="0"/>
+            </a:br>
+            <a:br>
+              <a:rPr lang="en-US" b="1" dirty="0"/>
+            </a:br>
+            <a:r>
+              <a:rPr lang="en-US" dirty="0"/>
+              <a:t>Self-paced reading+ </a:t>
+            </a:r>
+            <a:br>
+              <a:rPr lang="en-US" dirty="0"/>
+            </a:br>
+            <a:r>
+              <a:rPr lang="en-US" dirty="0"/>
+              <a:t>Visual world paradigm</a:t>
+            </a:r>
+            <a:endParaRPr lang="hu-HU" dirty="0"/>
           </a:p>
         </p:txBody>
       </p:sp>
@@ -7267,145 +7308,4912 @@
   <p:clrMapOvr>
     <a:overrideClrMapping bg1="lt1" tx1="dk1" bg2="lt2" tx2="dk2" accent1="accent1" accent2="accent2" accent3="accent3" accent4="accent4" accent5="accent5" accent6="accent6" hlink="hlink" folHlink="folHlink"/>
   </p:clrMapOvr>
-  <p:timing>
-    <p:tnLst>
-      <p:par>
-        <p:cTn id="1" dur="indefinite" restart="never" nodeType="tmRoot">
-          <p:childTnLst>
-            <p:seq concurrent="1" nextAc="seek">
-              <p:cTn id="2" dur="indefinite" nodeType="mainSeq">
-                <p:childTnLst>
-                  <p:par>
-                    <p:cTn id="3" fill="hold">
-                      <p:stCondLst>
-                        <p:cond delay="indefinite"/>
-                        <p:cond evt="onBegin" delay="0">
-                          <p:tn val="2"/>
-                        </p:cond>
-                      </p:stCondLst>
-                      <p:childTnLst>
-                        <p:par>
-                          <p:cTn id="4" fill="hold">
-                            <p:stCondLst>
-                              <p:cond delay="0"/>
-                            </p:stCondLst>
-                            <p:childTnLst>
-                              <p:par>
-                                <p:cTn id="5" presetID="10" presetClass="entr" presetSubtype="0" fill="hold" grpId="0" nodeType="withEffect">
-                                  <p:stCondLst>
-                                    <p:cond delay="1000"/>
-                                  </p:stCondLst>
-                                  <p:iterate type="wd">
-                                    <p:tmPct val="15000"/>
-                                  </p:iterate>
-                                  <p:childTnLst>
-                                    <p:set>
-                                      <p:cBhvr>
-                                        <p:cTn id="6" dur="1" fill="hold">
-                                          <p:stCondLst>
-                                            <p:cond delay="0"/>
-                                          </p:stCondLst>
-                                        </p:cTn>
-                                        <p:tgtEl>
-                                          <p:spTgt spid="3">
-                                            <p:txEl>
-                                              <p:pRg st="0" end="0"/>
-                                            </p:txEl>
-                                          </p:spTgt>
-                                        </p:tgtEl>
-                                        <p:attrNameLst>
-                                          <p:attrName>style.visibility</p:attrName>
-                                        </p:attrNameLst>
-                                      </p:cBhvr>
-                                      <p:to>
-                                        <p:strVal val="visible"/>
-                                      </p:to>
-                                    </p:set>
-                                    <p:animEffect transition="in" filter="fade">
-                                      <p:cBhvr>
-                                        <p:cTn id="7" dur="1000"/>
-                                        <p:tgtEl>
-                                          <p:spTgt spid="3">
-                                            <p:txEl>
-                                              <p:pRg st="0" end="0"/>
-                                            </p:txEl>
-                                          </p:spTgt>
-                                        </p:tgtEl>
-                                      </p:cBhvr>
-                                    </p:animEffect>
-                                  </p:childTnLst>
-                                </p:cTn>
-                              </p:par>
-                              <p:par>
-                                <p:cTn id="8" presetID="10" presetClass="entr" presetSubtype="0" fill="hold" grpId="0" nodeType="withEffect">
-                                  <p:stCondLst>
-                                    <p:cond delay="500"/>
-                                  </p:stCondLst>
-                                  <p:iterate type="wd">
-                                    <p:tmPct val="15000"/>
-                                  </p:iterate>
-                                  <p:childTnLst>
-                                    <p:set>
-                                      <p:cBhvr>
-                                        <p:cTn id="9" dur="1" fill="hold">
-                                          <p:stCondLst>
-                                            <p:cond delay="0"/>
-                                          </p:stCondLst>
-                                        </p:cTn>
-                                        <p:tgtEl>
-                                          <p:spTgt spid="2"/>
-                                        </p:tgtEl>
-                                        <p:attrNameLst>
-                                          <p:attrName>style.visibility</p:attrName>
-                                        </p:attrNameLst>
-                                      </p:cBhvr>
-                                      <p:to>
-                                        <p:strVal val="visible"/>
-                                      </p:to>
-                                    </p:set>
-                                    <p:animEffect transition="in" filter="fade">
-                                      <p:cBhvr>
-                                        <p:cTn id="10" dur="1000"/>
-                                        <p:tgtEl>
-                                          <p:spTgt spid="2"/>
-                                        </p:tgtEl>
-                                      </p:cBhvr>
-                                    </p:animEffect>
-                                  </p:childTnLst>
-                                </p:cTn>
-                              </p:par>
-                            </p:childTnLst>
-                          </p:cTn>
-                        </p:par>
-                      </p:childTnLst>
-                    </p:cTn>
-                  </p:par>
-                </p:childTnLst>
-              </p:cTn>
-              <p:prevCondLst>
-                <p:cond evt="onPrev" delay="0">
-                  <p:tgtEl>
-                    <p:sldTgt/>
-                  </p:tgtEl>
-                </p:cond>
-              </p:prevCondLst>
-              <p:nextCondLst>
-                <p:cond evt="onNext" delay="0">
-                  <p:tgtEl>
-                    <p:sldTgt/>
-                  </p:tgtEl>
-                </p:cond>
-              </p:nextCondLst>
-            </p:seq>
-          </p:childTnLst>
-        </p:cTn>
-      </p:par>
-    </p:tnLst>
-    <p:bldLst>
-      <p:bldP spid="3" grpId="0" build="p"/>
-      <p:bldP spid="2" grpId="0"/>
-    </p:bldLst>
-  </p:timing>
+</p:sld>
+</file>
+
+<file path=ppt/slides/slide10.xml><?xml version="1.0" encoding="utf-8"?>
+<p:sld xmlns:a="http://schemas.openxmlformats.org/drawingml/2006/main" xmlns:r="http://schemas.openxmlformats.org/officeDocument/2006/relationships" xmlns:p="http://schemas.openxmlformats.org/presentationml/2006/main">
+  <p:cSld>
+    <p:spTree>
+      <p:nvGrpSpPr>
+        <p:cNvPr id="1" name="">
+          <a:extLst>
+            <a:ext uri="{FF2B5EF4-FFF2-40B4-BE49-F238E27FC236}">
+              <a16:creationId xmlns:a16="http://schemas.microsoft.com/office/drawing/2014/main" id="{30CCDE47-3E18-2BD4-C49C-CB86F27619D0}"/>
+            </a:ext>
+          </a:extLst>
+        </p:cNvPr>
+        <p:cNvGrpSpPr/>
+        <p:nvPr/>
+      </p:nvGrpSpPr>
+      <p:grpSpPr>
+        <a:xfrm>
+          <a:off x="0" y="0"/>
+          <a:ext cx="0" cy="0"/>
+          <a:chOff x="0" y="0"/>
+          <a:chExt cx="0" cy="0"/>
+        </a:xfrm>
+      </p:grpSpPr>
+      <p:sp>
+        <p:nvSpPr>
+          <p:cNvPr id="2" name="Title 1">
+            <a:extLst>
+              <a:ext uri="{FF2B5EF4-FFF2-40B4-BE49-F238E27FC236}">
+                <a16:creationId xmlns:a16="http://schemas.microsoft.com/office/drawing/2014/main" id="{5334C9C3-A105-63D6-ED45-A4522A371755}"/>
+              </a:ext>
+            </a:extLst>
+          </p:cNvPr>
+          <p:cNvSpPr>
+            <a:spLocks noGrp="1"/>
+          </p:cNvSpPr>
+          <p:nvPr>
+            <p:ph type="title"/>
+          </p:nvPr>
+        </p:nvSpPr>
+        <p:spPr/>
+        <p:txBody>
+          <a:bodyPr/>
+          <a:lstStyle/>
+          <a:p>
+            <a:r>
+              <a:rPr lang="en-US" dirty="0"/>
+              <a:t>Two experiments: 2A</a:t>
+            </a:r>
+            <a:endParaRPr lang="hu-HU" dirty="0"/>
+          </a:p>
+        </p:txBody>
+      </p:sp>
+      <p:sp>
+        <p:nvSpPr>
+          <p:cNvPr id="3" name="Content Placeholder 2">
+            <a:extLst>
+              <a:ext uri="{FF2B5EF4-FFF2-40B4-BE49-F238E27FC236}">
+                <a16:creationId xmlns:a16="http://schemas.microsoft.com/office/drawing/2014/main" id="{17A7D9BF-D5FE-1ED5-5562-CE09B86059E5}"/>
+              </a:ext>
+            </a:extLst>
+          </p:cNvPr>
+          <p:cNvSpPr>
+            <a:spLocks noGrp="1"/>
+          </p:cNvSpPr>
+          <p:nvPr>
+            <p:ph idx="1"/>
+          </p:nvPr>
+        </p:nvSpPr>
+        <p:spPr>
+          <a:xfrm>
+            <a:off x="1104293" y="2286000"/>
+            <a:ext cx="8946541" cy="4238154"/>
+          </a:xfrm>
+        </p:spPr>
+        <p:txBody>
+          <a:bodyPr>
+            <a:normAutofit/>
+          </a:bodyPr>
+          <a:lstStyle/>
+          <a:p>
+            <a:pPr marL="457200" indent="-457200"/>
+            <a:endParaRPr lang="en-US" dirty="0"/>
+          </a:p>
+          <a:p>
+            <a:pPr marL="457200" indent="-457200"/>
+            <a:endParaRPr lang="en-US" dirty="0"/>
+          </a:p>
+          <a:p>
+            <a:pPr marL="457200" indent="-457200"/>
+            <a:endParaRPr lang="en-US" dirty="0"/>
+          </a:p>
+          <a:p>
+            <a:pPr marL="857250" lvl="1" indent="-457200"/>
+            <a:endParaRPr lang="en-US" dirty="0"/>
+          </a:p>
+          <a:p>
+            <a:pPr marL="857250" lvl="1" indent="-457200"/>
+            <a:endParaRPr lang="en-US" dirty="0"/>
+          </a:p>
+          <a:p>
+            <a:pPr marL="857250" lvl="1" indent="-457200"/>
+            <a:endParaRPr lang="en-US" dirty="0"/>
+          </a:p>
+          <a:p>
+            <a:pPr marL="857250" lvl="1" indent="-457200"/>
+            <a:endParaRPr lang="en-US" dirty="0"/>
+          </a:p>
+          <a:p>
+            <a:pPr marL="457200" indent="-457200">
+              <a:buFont typeface="+mj-lt"/>
+              <a:buAutoNum type="arabicPeriod" startAt="2"/>
+            </a:pPr>
+            <a:r>
+              <a:rPr lang="en-US" dirty="0">
+                <a:solidFill>
+                  <a:schemeClr val="tx1">
+                    <a:lumMod val="75000"/>
+                  </a:schemeClr>
+                </a:solidFill>
+              </a:rPr>
+              <a:t>Verbal directionality and social bias</a:t>
+            </a:r>
+          </a:p>
+          <a:p>
+            <a:pPr marL="685800" lvl="1"/>
+            <a:r>
+              <a:rPr lang="en-US" dirty="0">
+                <a:solidFill>
+                  <a:schemeClr val="tx1">
+                    <a:lumMod val="75000"/>
+                  </a:schemeClr>
+                </a:solidFill>
+              </a:rPr>
+              <a:t>Testing if gender/status/societal bias can change verb directionality </a:t>
+            </a:r>
+          </a:p>
+          <a:p>
+            <a:pPr marL="685800" lvl="1"/>
+            <a:r>
+              <a:rPr lang="en-US" dirty="0">
+                <a:solidFill>
+                  <a:schemeClr val="tx1">
+                    <a:lumMod val="75000"/>
+                  </a:schemeClr>
+                </a:solidFill>
+              </a:rPr>
+              <a:t>2 halves, 3 conditions, 18 items</a:t>
+            </a:r>
+          </a:p>
+          <a:p>
+            <a:pPr marL="400050" lvl="1" indent="0">
+              <a:buNone/>
+            </a:pPr>
+            <a:endParaRPr lang="en-US" dirty="0"/>
+          </a:p>
+          <a:p>
+            <a:pPr marL="400050" lvl="1" indent="0">
+              <a:buNone/>
+            </a:pPr>
+            <a:endParaRPr lang="en-US" dirty="0"/>
+          </a:p>
+        </p:txBody>
+      </p:sp>
+      <p:sp>
+        <p:nvSpPr>
+          <p:cNvPr id="10" name="TextBox 9">
+            <a:extLst>
+              <a:ext uri="{FF2B5EF4-FFF2-40B4-BE49-F238E27FC236}">
+                <a16:creationId xmlns:a16="http://schemas.microsoft.com/office/drawing/2014/main" id="{0F1B379C-E466-4242-AAAA-C2DDEAD3D38F}"/>
+              </a:ext>
+            </a:extLst>
+          </p:cNvPr>
+          <p:cNvSpPr txBox="1"/>
+          <p:nvPr/>
+        </p:nvSpPr>
+        <p:spPr>
+          <a:xfrm>
+            <a:off x="1764792" y="1853248"/>
+            <a:ext cx="10011188" cy="3416320"/>
+          </a:xfrm>
+          <a:prstGeom prst="rect">
+            <a:avLst/>
+          </a:prstGeom>
+          <a:noFill/>
+        </p:spPr>
+        <p:txBody>
+          <a:bodyPr wrap="square">
+            <a:spAutoFit/>
+          </a:bodyPr>
+          <a:lstStyle/>
+          <a:p>
+            <a:r>
+              <a:rPr lang="hu-HU" b="1" dirty="0"/>
+              <a:t>A szakács	említette	hogy	a dolgozó	kérkedett		a főzőtudásával.</a:t>
+            </a:r>
+          </a:p>
+          <a:p>
+            <a:r>
+              <a:rPr lang="hu-HU" dirty="0" err="1"/>
+              <a:t>the</a:t>
+            </a:r>
+            <a:r>
+              <a:rPr lang="hu-HU" dirty="0"/>
+              <a:t> chef	</a:t>
+            </a:r>
+            <a:r>
+              <a:rPr lang="hu-HU" dirty="0" err="1"/>
+              <a:t>mentioned</a:t>
+            </a:r>
+            <a:r>
+              <a:rPr lang="hu-HU" dirty="0"/>
+              <a:t>	</a:t>
+            </a:r>
+            <a:r>
+              <a:rPr lang="hu-HU" dirty="0" err="1"/>
+              <a:t>that</a:t>
+            </a:r>
+            <a:r>
+              <a:rPr lang="hu-HU" dirty="0"/>
+              <a:t>	</a:t>
+            </a:r>
+            <a:r>
+              <a:rPr lang="en-US" dirty="0"/>
+              <a:t>	</a:t>
+            </a:r>
+            <a:r>
+              <a:rPr lang="hu-HU" dirty="0" err="1"/>
+              <a:t>the</a:t>
+            </a:r>
+            <a:r>
+              <a:rPr lang="hu-HU" dirty="0"/>
+              <a:t> </a:t>
+            </a:r>
+            <a:r>
+              <a:rPr lang="hu-HU" dirty="0" err="1"/>
+              <a:t>worker</a:t>
+            </a:r>
+            <a:r>
+              <a:rPr lang="hu-HU" dirty="0"/>
+              <a:t>	</a:t>
+            </a:r>
+            <a:r>
+              <a:rPr lang="hu-HU" dirty="0" err="1"/>
+              <a:t>boasted</a:t>
+            </a:r>
+            <a:r>
+              <a:rPr lang="hu-HU" dirty="0"/>
+              <a:t>		</a:t>
+            </a:r>
+            <a:r>
+              <a:rPr lang="hu-HU" dirty="0" err="1"/>
+              <a:t>the</a:t>
+            </a:r>
+            <a:r>
+              <a:rPr lang="hu-HU" dirty="0"/>
+              <a:t> </a:t>
+            </a:r>
+            <a:r>
+              <a:rPr lang="hu-HU" dirty="0" err="1"/>
+              <a:t>cooking</a:t>
+            </a:r>
+            <a:r>
+              <a:rPr lang="hu-HU" dirty="0"/>
+              <a:t> skill-3SG-INS</a:t>
+            </a:r>
+          </a:p>
+          <a:p>
+            <a:r>
+              <a:rPr lang="hu-HU" i="1" dirty="0"/>
+              <a:t>The chef </a:t>
+            </a:r>
+            <a:r>
+              <a:rPr lang="hu-HU" i="1" dirty="0" err="1"/>
+              <a:t>mentioned</a:t>
+            </a:r>
+            <a:r>
+              <a:rPr lang="hu-HU" i="1" dirty="0"/>
+              <a:t> </a:t>
+            </a:r>
+            <a:r>
+              <a:rPr lang="hu-HU" i="1" dirty="0" err="1"/>
+              <a:t>that</a:t>
+            </a:r>
+            <a:r>
+              <a:rPr lang="hu-HU" i="1" dirty="0"/>
+              <a:t> </a:t>
+            </a:r>
+            <a:r>
+              <a:rPr lang="hu-HU" i="1" dirty="0" err="1"/>
+              <a:t>the</a:t>
+            </a:r>
+            <a:r>
+              <a:rPr lang="hu-HU" i="1" dirty="0"/>
+              <a:t> </a:t>
+            </a:r>
+            <a:r>
+              <a:rPr lang="hu-HU" i="1" dirty="0" err="1"/>
+              <a:t>worker</a:t>
+            </a:r>
+            <a:r>
+              <a:rPr lang="hu-HU" i="1" dirty="0"/>
+              <a:t> </a:t>
+            </a:r>
+            <a:r>
+              <a:rPr lang="hu-HU" i="1" dirty="0" err="1"/>
+              <a:t>boasted</a:t>
+            </a:r>
+            <a:r>
+              <a:rPr lang="hu-HU" i="1" dirty="0"/>
+              <a:t> </a:t>
+            </a:r>
+            <a:r>
+              <a:rPr lang="hu-HU" i="1" dirty="0" err="1"/>
+              <a:t>about</a:t>
+            </a:r>
+            <a:r>
+              <a:rPr lang="hu-HU" i="1" dirty="0"/>
+              <a:t>  </a:t>
+            </a:r>
+            <a:r>
+              <a:rPr lang="hu-HU" i="1" dirty="0" err="1"/>
+              <a:t>his</a:t>
+            </a:r>
+            <a:r>
+              <a:rPr lang="hu-HU" i="1" dirty="0"/>
+              <a:t>/</a:t>
+            </a:r>
+            <a:r>
+              <a:rPr lang="hu-HU" i="1" dirty="0" err="1"/>
+              <a:t>her</a:t>
+            </a:r>
+            <a:r>
+              <a:rPr lang="hu-HU" i="1" dirty="0"/>
+              <a:t> </a:t>
+            </a:r>
+            <a:r>
+              <a:rPr lang="hu-HU" i="1" dirty="0" err="1"/>
+              <a:t>cooking</a:t>
+            </a:r>
+            <a:r>
+              <a:rPr lang="hu-HU" i="1" dirty="0"/>
+              <a:t> </a:t>
+            </a:r>
+            <a:r>
+              <a:rPr lang="hu-HU" i="1" dirty="0" err="1"/>
+              <a:t>skills</a:t>
+            </a:r>
+            <a:r>
+              <a:rPr lang="hu-HU" i="1" dirty="0"/>
+              <a:t>.	</a:t>
+            </a:r>
+            <a:r>
+              <a:rPr lang="hu-HU" dirty="0"/>
+              <a:t>		</a:t>
+            </a:r>
+            <a:endParaRPr lang="en-US" dirty="0"/>
+          </a:p>
+          <a:p>
+            <a:r>
+              <a:rPr lang="hu-HU" dirty="0"/>
+              <a:t>			</a:t>
+            </a:r>
+          </a:p>
+          <a:p>
+            <a:r>
+              <a:rPr lang="hu-HU" b="1" dirty="0"/>
+              <a:t>A szakács	említette	hogy	a dolgozó	megdicsérte	a főzőtudását.</a:t>
+            </a:r>
+          </a:p>
+          <a:p>
+            <a:r>
+              <a:rPr lang="hu-HU" dirty="0" err="1"/>
+              <a:t>the</a:t>
+            </a:r>
+            <a:r>
+              <a:rPr lang="hu-HU" dirty="0"/>
+              <a:t> chef	</a:t>
+            </a:r>
+            <a:r>
+              <a:rPr lang="hu-HU" dirty="0" err="1"/>
+              <a:t>mentioned</a:t>
+            </a:r>
+            <a:r>
+              <a:rPr lang="hu-HU" dirty="0"/>
+              <a:t>	</a:t>
+            </a:r>
+            <a:r>
+              <a:rPr lang="hu-HU" dirty="0" err="1"/>
+              <a:t>that</a:t>
+            </a:r>
+            <a:r>
+              <a:rPr lang="hu-HU" dirty="0"/>
+              <a:t>	</a:t>
+            </a:r>
+            <a:r>
+              <a:rPr lang="en-US" dirty="0"/>
+              <a:t>	</a:t>
+            </a:r>
+            <a:r>
+              <a:rPr lang="hu-HU" dirty="0" err="1"/>
+              <a:t>the</a:t>
+            </a:r>
+            <a:r>
+              <a:rPr lang="hu-HU" dirty="0"/>
+              <a:t> </a:t>
+            </a:r>
+            <a:r>
+              <a:rPr lang="hu-HU" dirty="0" err="1"/>
+              <a:t>worker</a:t>
+            </a:r>
+            <a:r>
+              <a:rPr lang="hu-HU" dirty="0"/>
+              <a:t>	</a:t>
+            </a:r>
+            <a:r>
+              <a:rPr lang="hu-HU" dirty="0" err="1"/>
+              <a:t>praised</a:t>
+            </a:r>
+            <a:r>
+              <a:rPr lang="hu-HU" dirty="0"/>
+              <a:t>	</a:t>
+            </a:r>
+            <a:r>
+              <a:rPr lang="en-US" dirty="0"/>
+              <a:t>		</a:t>
+            </a:r>
+            <a:r>
+              <a:rPr lang="hu-HU" dirty="0" err="1"/>
+              <a:t>the</a:t>
+            </a:r>
+            <a:r>
+              <a:rPr lang="hu-HU" dirty="0"/>
+              <a:t> </a:t>
+            </a:r>
+            <a:r>
+              <a:rPr lang="hu-HU" dirty="0" err="1"/>
+              <a:t>cooking</a:t>
+            </a:r>
+            <a:r>
+              <a:rPr lang="hu-HU" dirty="0"/>
+              <a:t> skill-3SG-DAT</a:t>
+            </a:r>
+          </a:p>
+          <a:p>
+            <a:r>
+              <a:rPr lang="hu-HU" i="1" dirty="0"/>
+              <a:t>The chef </a:t>
+            </a:r>
+            <a:r>
+              <a:rPr lang="hu-HU" i="1" dirty="0" err="1"/>
+              <a:t>mentioned</a:t>
+            </a:r>
+            <a:r>
+              <a:rPr lang="hu-HU" i="1" dirty="0"/>
+              <a:t> </a:t>
+            </a:r>
+            <a:r>
+              <a:rPr lang="hu-HU" i="1" dirty="0" err="1"/>
+              <a:t>that</a:t>
+            </a:r>
+            <a:r>
+              <a:rPr lang="hu-HU" i="1" dirty="0"/>
+              <a:t> </a:t>
+            </a:r>
+            <a:r>
+              <a:rPr lang="hu-HU" i="1" dirty="0" err="1"/>
+              <a:t>the</a:t>
+            </a:r>
+            <a:r>
+              <a:rPr lang="hu-HU" i="1" dirty="0"/>
+              <a:t> </a:t>
+            </a:r>
+            <a:r>
+              <a:rPr lang="hu-HU" i="1" dirty="0" err="1"/>
+              <a:t>worker</a:t>
+            </a:r>
+            <a:r>
+              <a:rPr lang="hu-HU" i="1" dirty="0"/>
+              <a:t> </a:t>
+            </a:r>
+            <a:r>
+              <a:rPr lang="hu-HU" i="1" dirty="0" err="1"/>
+              <a:t>praised</a:t>
+            </a:r>
+            <a:r>
+              <a:rPr lang="hu-HU" i="1" dirty="0"/>
+              <a:t> </a:t>
+            </a:r>
+            <a:r>
+              <a:rPr lang="hu-HU" i="1" dirty="0" err="1"/>
+              <a:t>his</a:t>
+            </a:r>
+            <a:r>
+              <a:rPr lang="hu-HU" i="1" dirty="0"/>
+              <a:t>/</a:t>
+            </a:r>
+            <a:r>
+              <a:rPr lang="hu-HU" i="1" dirty="0" err="1"/>
+              <a:t>her</a:t>
+            </a:r>
+            <a:r>
+              <a:rPr lang="hu-HU" i="1" dirty="0"/>
+              <a:t> </a:t>
+            </a:r>
+            <a:r>
+              <a:rPr lang="hu-HU" i="1" dirty="0" err="1"/>
+              <a:t>cooking</a:t>
+            </a:r>
+            <a:r>
+              <a:rPr lang="hu-HU" i="1" dirty="0"/>
+              <a:t> </a:t>
+            </a:r>
+            <a:r>
+              <a:rPr lang="hu-HU" i="1" dirty="0" err="1"/>
+              <a:t>skills</a:t>
+            </a:r>
+            <a:r>
+              <a:rPr lang="hu-HU" i="1" dirty="0"/>
+              <a:t>.	</a:t>
+            </a:r>
+            <a:r>
+              <a:rPr lang="hu-HU" dirty="0"/>
+              <a:t>				</a:t>
+            </a:r>
+            <a:endParaRPr lang="en-US" dirty="0"/>
+          </a:p>
+          <a:p>
+            <a:r>
+              <a:rPr lang="hu-HU" dirty="0"/>
+              <a:t>	</a:t>
+            </a:r>
+          </a:p>
+          <a:p>
+            <a:r>
+              <a:rPr lang="hu-HU" b="1" dirty="0"/>
+              <a:t>A dolgozó	említette	hogy	a szakács	kérkedett		a főzőtudásával.</a:t>
+            </a:r>
+          </a:p>
+          <a:p>
+            <a:r>
+              <a:rPr lang="hu-HU" dirty="0" err="1"/>
+              <a:t>the</a:t>
+            </a:r>
+            <a:r>
+              <a:rPr lang="hu-HU" dirty="0"/>
+              <a:t> </a:t>
+            </a:r>
+            <a:r>
+              <a:rPr lang="hu-HU" dirty="0" err="1"/>
+              <a:t>worker</a:t>
+            </a:r>
+            <a:r>
+              <a:rPr lang="hu-HU" dirty="0"/>
+              <a:t>	</a:t>
+            </a:r>
+            <a:r>
+              <a:rPr lang="hu-HU" dirty="0" err="1"/>
+              <a:t>mentioned</a:t>
+            </a:r>
+            <a:r>
+              <a:rPr lang="hu-HU" dirty="0"/>
+              <a:t>	</a:t>
+            </a:r>
+            <a:r>
+              <a:rPr lang="hu-HU" dirty="0" err="1"/>
+              <a:t>that</a:t>
+            </a:r>
+            <a:r>
+              <a:rPr lang="hu-HU" dirty="0"/>
+              <a:t>	</a:t>
+            </a:r>
+            <a:r>
+              <a:rPr lang="en-US" dirty="0"/>
+              <a:t>	</a:t>
+            </a:r>
+            <a:r>
+              <a:rPr lang="hu-HU" dirty="0" err="1"/>
+              <a:t>the</a:t>
+            </a:r>
+            <a:r>
+              <a:rPr lang="hu-HU" dirty="0"/>
+              <a:t> chef	</a:t>
+            </a:r>
+            <a:r>
+              <a:rPr lang="hu-HU" dirty="0" err="1"/>
+              <a:t>boasted</a:t>
+            </a:r>
+            <a:r>
+              <a:rPr lang="hu-HU" dirty="0"/>
+              <a:t>		</a:t>
+            </a:r>
+            <a:r>
+              <a:rPr lang="hu-HU" dirty="0" err="1"/>
+              <a:t>the</a:t>
+            </a:r>
+            <a:r>
+              <a:rPr lang="hu-HU" dirty="0"/>
+              <a:t> </a:t>
+            </a:r>
+            <a:r>
+              <a:rPr lang="hu-HU" dirty="0" err="1"/>
+              <a:t>cooking</a:t>
+            </a:r>
+            <a:r>
+              <a:rPr lang="hu-HU" dirty="0"/>
+              <a:t> skill-3SG-INS</a:t>
+            </a:r>
+          </a:p>
+          <a:p>
+            <a:r>
+              <a:rPr lang="hu-HU" i="1" dirty="0"/>
+              <a:t>The </a:t>
+            </a:r>
+            <a:r>
+              <a:rPr lang="hu-HU" i="1" dirty="0" err="1"/>
+              <a:t>worker</a:t>
+            </a:r>
+            <a:r>
+              <a:rPr lang="hu-HU" i="1" dirty="0"/>
+              <a:t> </a:t>
+            </a:r>
+            <a:r>
+              <a:rPr lang="hu-HU" i="1" dirty="0" err="1"/>
+              <a:t>mentioned</a:t>
+            </a:r>
+            <a:r>
+              <a:rPr lang="hu-HU" i="1" dirty="0"/>
+              <a:t> </a:t>
+            </a:r>
+            <a:r>
+              <a:rPr lang="hu-HU" i="1" dirty="0" err="1"/>
+              <a:t>that</a:t>
+            </a:r>
+            <a:r>
+              <a:rPr lang="hu-HU" i="1" dirty="0"/>
+              <a:t> </a:t>
+            </a:r>
+            <a:r>
+              <a:rPr lang="hu-HU" i="1" dirty="0" err="1"/>
+              <a:t>the</a:t>
+            </a:r>
+            <a:r>
+              <a:rPr lang="hu-HU" i="1" dirty="0"/>
+              <a:t> chef </a:t>
+            </a:r>
+            <a:r>
+              <a:rPr lang="hu-HU" i="1" dirty="0" err="1"/>
+              <a:t>boasted</a:t>
+            </a:r>
+            <a:r>
+              <a:rPr lang="hu-HU" i="1" dirty="0"/>
+              <a:t> </a:t>
+            </a:r>
+            <a:r>
+              <a:rPr lang="hu-HU" i="1" dirty="0" err="1"/>
+              <a:t>about</a:t>
+            </a:r>
+            <a:r>
+              <a:rPr lang="hu-HU" i="1" dirty="0"/>
+              <a:t>  </a:t>
+            </a:r>
+            <a:r>
+              <a:rPr lang="hu-HU" i="1" dirty="0" err="1"/>
+              <a:t>his</a:t>
+            </a:r>
+            <a:r>
+              <a:rPr lang="hu-HU" i="1" dirty="0"/>
+              <a:t>/</a:t>
+            </a:r>
+            <a:r>
+              <a:rPr lang="hu-HU" i="1" dirty="0" err="1"/>
+              <a:t>her</a:t>
+            </a:r>
+            <a:r>
+              <a:rPr lang="hu-HU" i="1" dirty="0"/>
+              <a:t> </a:t>
+            </a:r>
+            <a:r>
+              <a:rPr lang="hu-HU" i="1" dirty="0" err="1"/>
+              <a:t>cooking</a:t>
+            </a:r>
+            <a:r>
+              <a:rPr lang="hu-HU" i="1" dirty="0"/>
+              <a:t> </a:t>
+            </a:r>
+            <a:r>
+              <a:rPr lang="hu-HU" i="1" dirty="0" err="1"/>
+              <a:t>skills</a:t>
+            </a:r>
+            <a:r>
+              <a:rPr lang="hu-HU" i="1" dirty="0"/>
+              <a:t>.		</a:t>
+            </a:r>
+            <a:r>
+              <a:rPr lang="hu-HU" dirty="0"/>
+              <a:t>				</a:t>
+            </a:r>
+          </a:p>
+        </p:txBody>
+      </p:sp>
+      <p:sp>
+        <p:nvSpPr>
+          <p:cNvPr id="12" name="TextBox 11">
+            <a:extLst>
+              <a:ext uri="{FF2B5EF4-FFF2-40B4-BE49-F238E27FC236}">
+                <a16:creationId xmlns:a16="http://schemas.microsoft.com/office/drawing/2014/main" id="{0A38779B-1F7B-7D50-472D-B4DEB702AB9A}"/>
+              </a:ext>
+            </a:extLst>
+          </p:cNvPr>
+          <p:cNvSpPr txBox="1"/>
+          <p:nvPr/>
+        </p:nvSpPr>
+        <p:spPr>
+          <a:xfrm>
+            <a:off x="0" y="1853248"/>
+            <a:ext cx="6094476" cy="2585323"/>
+          </a:xfrm>
+          <a:prstGeom prst="rect">
+            <a:avLst/>
+          </a:prstGeom>
+          <a:noFill/>
+        </p:spPr>
+        <p:txBody>
+          <a:bodyPr wrap="square">
+            <a:spAutoFit/>
+          </a:bodyPr>
+          <a:lstStyle/>
+          <a:p>
+            <a:r>
+              <a:rPr lang="hu-HU" b="1" dirty="0" err="1">
+                <a:solidFill>
+                  <a:srgbClr val="FF0000"/>
+                </a:solidFill>
+              </a:rPr>
+              <a:t>self-directed</a:t>
+            </a:r>
+            <a:endParaRPr lang="hu-HU" b="1" dirty="0">
+              <a:solidFill>
+                <a:srgbClr val="FF0000"/>
+              </a:solidFill>
+            </a:endParaRPr>
+          </a:p>
+          <a:p>
+            <a:endParaRPr lang="en-US" b="1" dirty="0">
+              <a:solidFill>
+                <a:srgbClr val="FF0000"/>
+              </a:solidFill>
+            </a:endParaRPr>
+          </a:p>
+          <a:p>
+            <a:endParaRPr lang="hu-HU" b="1" dirty="0">
+              <a:solidFill>
+                <a:srgbClr val="FF0000"/>
+              </a:solidFill>
+            </a:endParaRPr>
+          </a:p>
+          <a:p>
+            <a:endParaRPr lang="hu-HU" b="1" dirty="0">
+              <a:solidFill>
+                <a:srgbClr val="FF0000"/>
+              </a:solidFill>
+            </a:endParaRPr>
+          </a:p>
+          <a:p>
+            <a:r>
+              <a:rPr lang="hu-HU" b="1" dirty="0" err="1">
+                <a:solidFill>
+                  <a:srgbClr val="FF0000"/>
+                </a:solidFill>
+              </a:rPr>
+              <a:t>other-directed</a:t>
+            </a:r>
+            <a:endParaRPr lang="hu-HU" b="1" dirty="0">
+              <a:solidFill>
+                <a:srgbClr val="FF0000"/>
+              </a:solidFill>
+            </a:endParaRPr>
+          </a:p>
+          <a:p>
+            <a:endParaRPr lang="hu-HU" b="1" dirty="0">
+              <a:solidFill>
+                <a:srgbClr val="FF0000"/>
+              </a:solidFill>
+            </a:endParaRPr>
+          </a:p>
+          <a:p>
+            <a:endParaRPr lang="en-US" b="1" dirty="0">
+              <a:solidFill>
+                <a:srgbClr val="FF0000"/>
+              </a:solidFill>
+            </a:endParaRPr>
+          </a:p>
+          <a:p>
+            <a:endParaRPr lang="hu-HU" b="1" dirty="0">
+              <a:solidFill>
+                <a:srgbClr val="FF0000"/>
+              </a:solidFill>
+            </a:endParaRPr>
+          </a:p>
+          <a:p>
+            <a:r>
+              <a:rPr lang="hu-HU" b="1" dirty="0" err="1">
+                <a:solidFill>
+                  <a:srgbClr val="FF0000"/>
+                </a:solidFill>
+              </a:rPr>
+              <a:t>self</a:t>
+            </a:r>
+            <a:r>
+              <a:rPr lang="hu-HU" b="1" dirty="0">
+                <a:solidFill>
+                  <a:srgbClr val="FF0000"/>
+                </a:solidFill>
+              </a:rPr>
+              <a:t>-</a:t>
+            </a:r>
+            <a:r>
+              <a:rPr lang="hu-HU" b="1" dirty="0" err="1">
+                <a:solidFill>
+                  <a:srgbClr val="FF0000"/>
+                </a:solidFill>
+              </a:rPr>
+              <a:t>directed</a:t>
+            </a:r>
+            <a:r>
+              <a:rPr lang="hu-HU" b="1" dirty="0">
+                <a:solidFill>
+                  <a:srgbClr val="FF0000"/>
+                </a:solidFill>
+              </a:rPr>
+              <a:t>-x</a:t>
+            </a:r>
+          </a:p>
+        </p:txBody>
+      </p:sp>
+    </p:spTree>
+    <p:extLst>
+      <p:ext uri="{BB962C8B-B14F-4D97-AF65-F5344CB8AC3E}">
+        <p14:creationId xmlns:p14="http://schemas.microsoft.com/office/powerpoint/2010/main" val="252358167"/>
+      </p:ext>
+    </p:extLst>
+  </p:cSld>
+  <p:clrMapOvr>
+    <a:masterClrMapping/>
+  </p:clrMapOvr>
+</p:sld>
+</file>
+
+<file path=ppt/slides/slide11.xml><?xml version="1.0" encoding="utf-8"?>
+<p:sld xmlns:a="http://schemas.openxmlformats.org/drawingml/2006/main" xmlns:r="http://schemas.openxmlformats.org/officeDocument/2006/relationships" xmlns:p="http://schemas.openxmlformats.org/presentationml/2006/main">
+  <p:cSld>
+    <p:spTree>
+      <p:nvGrpSpPr>
+        <p:cNvPr id="1" name="">
+          <a:extLst>
+            <a:ext uri="{FF2B5EF4-FFF2-40B4-BE49-F238E27FC236}">
+              <a16:creationId xmlns:a16="http://schemas.microsoft.com/office/drawing/2014/main" id="{C443117E-2E0B-8A49-6D21-A79321C38D20}"/>
+            </a:ext>
+          </a:extLst>
+        </p:cNvPr>
+        <p:cNvGrpSpPr/>
+        <p:nvPr/>
+      </p:nvGrpSpPr>
+      <p:grpSpPr>
+        <a:xfrm>
+          <a:off x="0" y="0"/>
+          <a:ext cx="0" cy="0"/>
+          <a:chOff x="0" y="0"/>
+          <a:chExt cx="0" cy="0"/>
+        </a:xfrm>
+      </p:grpSpPr>
+      <p:sp>
+        <p:nvSpPr>
+          <p:cNvPr id="2" name="Title 1">
+            <a:extLst>
+              <a:ext uri="{FF2B5EF4-FFF2-40B4-BE49-F238E27FC236}">
+                <a16:creationId xmlns:a16="http://schemas.microsoft.com/office/drawing/2014/main" id="{79A73CFA-5462-0169-220C-FA433C74C36C}"/>
+              </a:ext>
+            </a:extLst>
+          </p:cNvPr>
+          <p:cNvSpPr>
+            <a:spLocks noGrp="1"/>
+          </p:cNvSpPr>
+          <p:nvPr>
+            <p:ph type="title"/>
+          </p:nvPr>
+        </p:nvSpPr>
+        <p:spPr/>
+        <p:txBody>
+          <a:bodyPr/>
+          <a:lstStyle/>
+          <a:p>
+            <a:r>
+              <a:rPr lang="en-US" dirty="0"/>
+              <a:t>Two experiments: 2A - verb</a:t>
+            </a:r>
+            <a:endParaRPr lang="hu-HU" dirty="0"/>
+          </a:p>
+        </p:txBody>
+      </p:sp>
+      <p:sp>
+        <p:nvSpPr>
+          <p:cNvPr id="3" name="Content Placeholder 2">
+            <a:extLst>
+              <a:ext uri="{FF2B5EF4-FFF2-40B4-BE49-F238E27FC236}">
+                <a16:creationId xmlns:a16="http://schemas.microsoft.com/office/drawing/2014/main" id="{3C499743-B60C-2D6D-F060-80F117715EFE}"/>
+              </a:ext>
+            </a:extLst>
+          </p:cNvPr>
+          <p:cNvSpPr>
+            <a:spLocks noGrp="1"/>
+          </p:cNvSpPr>
+          <p:nvPr>
+            <p:ph idx="1"/>
+          </p:nvPr>
+        </p:nvSpPr>
+        <p:spPr>
+          <a:xfrm>
+            <a:off x="1104293" y="2286000"/>
+            <a:ext cx="8946541" cy="4238154"/>
+          </a:xfrm>
+        </p:spPr>
+        <p:txBody>
+          <a:bodyPr>
+            <a:normAutofit/>
+          </a:bodyPr>
+          <a:lstStyle/>
+          <a:p>
+            <a:pPr marL="457200" indent="-457200"/>
+            <a:endParaRPr lang="en-US" dirty="0"/>
+          </a:p>
+          <a:p>
+            <a:pPr marL="457200" indent="-457200"/>
+            <a:endParaRPr lang="en-US" dirty="0"/>
+          </a:p>
+          <a:p>
+            <a:pPr marL="457200" indent="-457200"/>
+            <a:endParaRPr lang="en-US" dirty="0"/>
+          </a:p>
+          <a:p>
+            <a:pPr marL="857250" lvl="1" indent="-457200"/>
+            <a:endParaRPr lang="en-US" dirty="0"/>
+          </a:p>
+          <a:p>
+            <a:pPr marL="857250" lvl="1" indent="-457200"/>
+            <a:endParaRPr lang="en-US" dirty="0"/>
+          </a:p>
+          <a:p>
+            <a:pPr marL="857250" lvl="1" indent="-457200"/>
+            <a:endParaRPr lang="en-US" dirty="0"/>
+          </a:p>
+          <a:p>
+            <a:pPr marL="857250" lvl="1" indent="-457200"/>
+            <a:endParaRPr lang="en-US" dirty="0"/>
+          </a:p>
+          <a:p>
+            <a:pPr marL="457200" indent="-457200">
+              <a:buFont typeface="+mj-lt"/>
+              <a:buAutoNum type="arabicPeriod" startAt="2"/>
+            </a:pPr>
+            <a:r>
+              <a:rPr lang="en-US" dirty="0">
+                <a:solidFill>
+                  <a:schemeClr val="tx1">
+                    <a:lumMod val="75000"/>
+                  </a:schemeClr>
+                </a:solidFill>
+              </a:rPr>
+              <a:t>Verbal directionality and social bias</a:t>
+            </a:r>
+          </a:p>
+          <a:p>
+            <a:pPr marL="685800" lvl="1"/>
+            <a:r>
+              <a:rPr lang="en-US" dirty="0">
+                <a:solidFill>
+                  <a:schemeClr val="tx1">
+                    <a:lumMod val="75000"/>
+                  </a:schemeClr>
+                </a:solidFill>
+              </a:rPr>
+              <a:t>Testing if gender/status/societal bias can change verb directionality </a:t>
+            </a:r>
+          </a:p>
+          <a:p>
+            <a:pPr marL="685800" lvl="1"/>
+            <a:r>
+              <a:rPr lang="en-US" dirty="0">
+                <a:solidFill>
+                  <a:schemeClr val="tx1">
+                    <a:lumMod val="75000"/>
+                  </a:schemeClr>
+                </a:solidFill>
+              </a:rPr>
+              <a:t>2 halves, 3 conditions, 18 items</a:t>
+            </a:r>
+          </a:p>
+          <a:p>
+            <a:pPr marL="400050" lvl="1" indent="0">
+              <a:buNone/>
+            </a:pPr>
+            <a:endParaRPr lang="en-US" dirty="0"/>
+          </a:p>
+          <a:p>
+            <a:pPr marL="400050" lvl="1" indent="0">
+              <a:buNone/>
+            </a:pPr>
+            <a:endParaRPr lang="en-US" dirty="0"/>
+          </a:p>
+        </p:txBody>
+      </p:sp>
+      <p:sp>
+        <p:nvSpPr>
+          <p:cNvPr id="10" name="TextBox 9">
+            <a:extLst>
+              <a:ext uri="{FF2B5EF4-FFF2-40B4-BE49-F238E27FC236}">
+                <a16:creationId xmlns:a16="http://schemas.microsoft.com/office/drawing/2014/main" id="{77FA5D25-98F4-221F-BD6C-15ED4D322EB1}"/>
+              </a:ext>
+            </a:extLst>
+          </p:cNvPr>
+          <p:cNvSpPr txBox="1"/>
+          <p:nvPr/>
+        </p:nvSpPr>
+        <p:spPr>
+          <a:xfrm>
+            <a:off x="1764792" y="1853248"/>
+            <a:ext cx="10011188" cy="3416320"/>
+          </a:xfrm>
+          <a:prstGeom prst="rect">
+            <a:avLst/>
+          </a:prstGeom>
+          <a:noFill/>
+        </p:spPr>
+        <p:txBody>
+          <a:bodyPr wrap="square">
+            <a:spAutoFit/>
+          </a:bodyPr>
+          <a:lstStyle/>
+          <a:p>
+            <a:r>
+              <a:rPr lang="hu-HU" b="1" dirty="0"/>
+              <a:t>A szakács	említette	hogy	a dolgozó	</a:t>
+            </a:r>
+            <a:r>
+              <a:rPr lang="hu-HU" b="1" dirty="0">
+                <a:solidFill>
+                  <a:srgbClr val="92D050"/>
+                </a:solidFill>
+              </a:rPr>
+              <a:t>kérkedett</a:t>
+            </a:r>
+            <a:r>
+              <a:rPr lang="hu-HU" b="1" dirty="0"/>
+              <a:t>		a főzőtudásával.</a:t>
+            </a:r>
+          </a:p>
+          <a:p>
+            <a:r>
+              <a:rPr lang="hu-HU" dirty="0" err="1"/>
+              <a:t>the</a:t>
+            </a:r>
+            <a:r>
+              <a:rPr lang="hu-HU" dirty="0"/>
+              <a:t> chef	</a:t>
+            </a:r>
+            <a:r>
+              <a:rPr lang="hu-HU" dirty="0" err="1"/>
+              <a:t>mentioned</a:t>
+            </a:r>
+            <a:r>
+              <a:rPr lang="hu-HU" dirty="0"/>
+              <a:t>	</a:t>
+            </a:r>
+            <a:r>
+              <a:rPr lang="hu-HU" dirty="0" err="1"/>
+              <a:t>that</a:t>
+            </a:r>
+            <a:r>
+              <a:rPr lang="hu-HU" dirty="0"/>
+              <a:t>	</a:t>
+            </a:r>
+            <a:r>
+              <a:rPr lang="en-US" dirty="0"/>
+              <a:t>	</a:t>
+            </a:r>
+            <a:r>
+              <a:rPr lang="hu-HU" dirty="0" err="1"/>
+              <a:t>the</a:t>
+            </a:r>
+            <a:r>
+              <a:rPr lang="hu-HU" dirty="0"/>
+              <a:t> </a:t>
+            </a:r>
+            <a:r>
+              <a:rPr lang="hu-HU" dirty="0" err="1"/>
+              <a:t>worker</a:t>
+            </a:r>
+            <a:r>
+              <a:rPr lang="hu-HU" dirty="0"/>
+              <a:t>	</a:t>
+            </a:r>
+            <a:r>
+              <a:rPr lang="hu-HU" dirty="0" err="1"/>
+              <a:t>boasted</a:t>
+            </a:r>
+            <a:r>
+              <a:rPr lang="hu-HU" dirty="0"/>
+              <a:t>		</a:t>
+            </a:r>
+            <a:r>
+              <a:rPr lang="hu-HU" dirty="0" err="1"/>
+              <a:t>the</a:t>
+            </a:r>
+            <a:r>
+              <a:rPr lang="hu-HU" dirty="0"/>
+              <a:t> </a:t>
+            </a:r>
+            <a:r>
+              <a:rPr lang="hu-HU" dirty="0" err="1"/>
+              <a:t>cooking</a:t>
+            </a:r>
+            <a:r>
+              <a:rPr lang="hu-HU" dirty="0"/>
+              <a:t> skill-3SG-INS</a:t>
+            </a:r>
+          </a:p>
+          <a:p>
+            <a:r>
+              <a:rPr lang="hu-HU" i="1" dirty="0"/>
+              <a:t>The chef </a:t>
+            </a:r>
+            <a:r>
+              <a:rPr lang="hu-HU" i="1" dirty="0" err="1"/>
+              <a:t>mentioned</a:t>
+            </a:r>
+            <a:r>
+              <a:rPr lang="hu-HU" i="1" dirty="0"/>
+              <a:t> </a:t>
+            </a:r>
+            <a:r>
+              <a:rPr lang="hu-HU" i="1" dirty="0" err="1"/>
+              <a:t>that</a:t>
+            </a:r>
+            <a:r>
+              <a:rPr lang="hu-HU" i="1" dirty="0"/>
+              <a:t> </a:t>
+            </a:r>
+            <a:r>
+              <a:rPr lang="hu-HU" i="1" dirty="0" err="1"/>
+              <a:t>the</a:t>
+            </a:r>
+            <a:r>
+              <a:rPr lang="hu-HU" i="1" dirty="0"/>
+              <a:t> </a:t>
+            </a:r>
+            <a:r>
+              <a:rPr lang="hu-HU" i="1" dirty="0" err="1"/>
+              <a:t>worker</a:t>
+            </a:r>
+            <a:r>
+              <a:rPr lang="hu-HU" i="1" dirty="0"/>
+              <a:t> </a:t>
+            </a:r>
+            <a:r>
+              <a:rPr lang="hu-HU" i="1" dirty="0" err="1"/>
+              <a:t>boasted</a:t>
+            </a:r>
+            <a:r>
+              <a:rPr lang="hu-HU" i="1" dirty="0"/>
+              <a:t> </a:t>
+            </a:r>
+            <a:r>
+              <a:rPr lang="hu-HU" i="1" dirty="0" err="1"/>
+              <a:t>about</a:t>
+            </a:r>
+            <a:r>
+              <a:rPr lang="hu-HU" i="1" dirty="0"/>
+              <a:t>  </a:t>
+            </a:r>
+            <a:r>
+              <a:rPr lang="hu-HU" i="1" dirty="0" err="1"/>
+              <a:t>his</a:t>
+            </a:r>
+            <a:r>
+              <a:rPr lang="hu-HU" i="1" dirty="0"/>
+              <a:t>/</a:t>
+            </a:r>
+            <a:r>
+              <a:rPr lang="hu-HU" i="1" dirty="0" err="1"/>
+              <a:t>her</a:t>
+            </a:r>
+            <a:r>
+              <a:rPr lang="hu-HU" i="1" dirty="0"/>
+              <a:t> </a:t>
+            </a:r>
+            <a:r>
+              <a:rPr lang="hu-HU" i="1" dirty="0" err="1"/>
+              <a:t>cooking</a:t>
+            </a:r>
+            <a:r>
+              <a:rPr lang="hu-HU" i="1" dirty="0"/>
+              <a:t> </a:t>
+            </a:r>
+            <a:r>
+              <a:rPr lang="hu-HU" i="1" dirty="0" err="1"/>
+              <a:t>skills</a:t>
+            </a:r>
+            <a:r>
+              <a:rPr lang="hu-HU" i="1" dirty="0"/>
+              <a:t>.	</a:t>
+            </a:r>
+            <a:r>
+              <a:rPr lang="hu-HU" dirty="0"/>
+              <a:t>		</a:t>
+            </a:r>
+            <a:endParaRPr lang="en-US" dirty="0"/>
+          </a:p>
+          <a:p>
+            <a:r>
+              <a:rPr lang="hu-HU" dirty="0"/>
+              <a:t>			</a:t>
+            </a:r>
+          </a:p>
+          <a:p>
+            <a:r>
+              <a:rPr lang="hu-HU" b="1" dirty="0"/>
+              <a:t>A szakács	említette	hogy	a dolgozó	</a:t>
+            </a:r>
+            <a:r>
+              <a:rPr lang="hu-HU" b="1" dirty="0">
+                <a:solidFill>
+                  <a:srgbClr val="92D050"/>
+                </a:solidFill>
+              </a:rPr>
+              <a:t>megdicsérte</a:t>
+            </a:r>
+            <a:r>
+              <a:rPr lang="hu-HU" b="1" dirty="0"/>
+              <a:t>	a főzőtudását.</a:t>
+            </a:r>
+          </a:p>
+          <a:p>
+            <a:r>
+              <a:rPr lang="hu-HU" dirty="0" err="1"/>
+              <a:t>the</a:t>
+            </a:r>
+            <a:r>
+              <a:rPr lang="hu-HU" dirty="0"/>
+              <a:t> chef	</a:t>
+            </a:r>
+            <a:r>
+              <a:rPr lang="hu-HU" dirty="0" err="1"/>
+              <a:t>mentioned</a:t>
+            </a:r>
+            <a:r>
+              <a:rPr lang="hu-HU" dirty="0"/>
+              <a:t>	</a:t>
+            </a:r>
+            <a:r>
+              <a:rPr lang="hu-HU" dirty="0" err="1"/>
+              <a:t>that</a:t>
+            </a:r>
+            <a:r>
+              <a:rPr lang="hu-HU" dirty="0"/>
+              <a:t>	</a:t>
+            </a:r>
+            <a:r>
+              <a:rPr lang="en-US" dirty="0"/>
+              <a:t>	</a:t>
+            </a:r>
+            <a:r>
+              <a:rPr lang="hu-HU" dirty="0" err="1"/>
+              <a:t>the</a:t>
+            </a:r>
+            <a:r>
+              <a:rPr lang="hu-HU" dirty="0"/>
+              <a:t> </a:t>
+            </a:r>
+            <a:r>
+              <a:rPr lang="hu-HU" dirty="0" err="1"/>
+              <a:t>worker</a:t>
+            </a:r>
+            <a:r>
+              <a:rPr lang="hu-HU" dirty="0"/>
+              <a:t>	</a:t>
+            </a:r>
+            <a:r>
+              <a:rPr lang="hu-HU" dirty="0" err="1"/>
+              <a:t>praised</a:t>
+            </a:r>
+            <a:r>
+              <a:rPr lang="hu-HU" dirty="0"/>
+              <a:t>	</a:t>
+            </a:r>
+            <a:r>
+              <a:rPr lang="en-US" dirty="0"/>
+              <a:t>		</a:t>
+            </a:r>
+            <a:r>
+              <a:rPr lang="hu-HU" dirty="0" err="1"/>
+              <a:t>the</a:t>
+            </a:r>
+            <a:r>
+              <a:rPr lang="hu-HU" dirty="0"/>
+              <a:t> </a:t>
+            </a:r>
+            <a:r>
+              <a:rPr lang="hu-HU" dirty="0" err="1"/>
+              <a:t>cooking</a:t>
+            </a:r>
+            <a:r>
+              <a:rPr lang="hu-HU" dirty="0"/>
+              <a:t> skill-3SG-DAT</a:t>
+            </a:r>
+          </a:p>
+          <a:p>
+            <a:r>
+              <a:rPr lang="hu-HU" i="1" dirty="0"/>
+              <a:t>The chef </a:t>
+            </a:r>
+            <a:r>
+              <a:rPr lang="hu-HU" i="1" dirty="0" err="1"/>
+              <a:t>mentioned</a:t>
+            </a:r>
+            <a:r>
+              <a:rPr lang="hu-HU" i="1" dirty="0"/>
+              <a:t> </a:t>
+            </a:r>
+            <a:r>
+              <a:rPr lang="hu-HU" i="1" dirty="0" err="1"/>
+              <a:t>that</a:t>
+            </a:r>
+            <a:r>
+              <a:rPr lang="hu-HU" i="1" dirty="0"/>
+              <a:t> </a:t>
+            </a:r>
+            <a:r>
+              <a:rPr lang="hu-HU" i="1" dirty="0" err="1"/>
+              <a:t>the</a:t>
+            </a:r>
+            <a:r>
+              <a:rPr lang="hu-HU" i="1" dirty="0"/>
+              <a:t> </a:t>
+            </a:r>
+            <a:r>
+              <a:rPr lang="hu-HU" i="1" dirty="0" err="1"/>
+              <a:t>worker</a:t>
+            </a:r>
+            <a:r>
+              <a:rPr lang="hu-HU" i="1" dirty="0"/>
+              <a:t> </a:t>
+            </a:r>
+            <a:r>
+              <a:rPr lang="hu-HU" i="1" dirty="0" err="1"/>
+              <a:t>praised</a:t>
+            </a:r>
+            <a:r>
+              <a:rPr lang="hu-HU" i="1" dirty="0"/>
+              <a:t> </a:t>
+            </a:r>
+            <a:r>
+              <a:rPr lang="hu-HU" i="1" dirty="0" err="1"/>
+              <a:t>his</a:t>
+            </a:r>
+            <a:r>
+              <a:rPr lang="hu-HU" i="1" dirty="0"/>
+              <a:t>/</a:t>
+            </a:r>
+            <a:r>
+              <a:rPr lang="hu-HU" i="1" dirty="0" err="1"/>
+              <a:t>her</a:t>
+            </a:r>
+            <a:r>
+              <a:rPr lang="hu-HU" i="1" dirty="0"/>
+              <a:t> </a:t>
+            </a:r>
+            <a:r>
+              <a:rPr lang="hu-HU" i="1" dirty="0" err="1"/>
+              <a:t>cooking</a:t>
+            </a:r>
+            <a:r>
+              <a:rPr lang="hu-HU" i="1" dirty="0"/>
+              <a:t> </a:t>
+            </a:r>
+            <a:r>
+              <a:rPr lang="hu-HU" i="1" dirty="0" err="1"/>
+              <a:t>skills</a:t>
+            </a:r>
+            <a:r>
+              <a:rPr lang="hu-HU" i="1" dirty="0"/>
+              <a:t>.	</a:t>
+            </a:r>
+            <a:r>
+              <a:rPr lang="hu-HU" dirty="0"/>
+              <a:t>				</a:t>
+            </a:r>
+            <a:endParaRPr lang="en-US" dirty="0"/>
+          </a:p>
+          <a:p>
+            <a:r>
+              <a:rPr lang="hu-HU" dirty="0"/>
+              <a:t>	</a:t>
+            </a:r>
+          </a:p>
+          <a:p>
+            <a:r>
+              <a:rPr lang="hu-HU" b="1" dirty="0"/>
+              <a:t>A dolgozó	említette	hogy	a szakács	</a:t>
+            </a:r>
+            <a:r>
+              <a:rPr lang="hu-HU" b="1" dirty="0">
+                <a:solidFill>
+                  <a:srgbClr val="92D050"/>
+                </a:solidFill>
+              </a:rPr>
+              <a:t>kérkedett</a:t>
+            </a:r>
+            <a:r>
+              <a:rPr lang="hu-HU" b="1" dirty="0"/>
+              <a:t>		a főzőtudásával.</a:t>
+            </a:r>
+          </a:p>
+          <a:p>
+            <a:r>
+              <a:rPr lang="hu-HU" dirty="0" err="1"/>
+              <a:t>the</a:t>
+            </a:r>
+            <a:r>
+              <a:rPr lang="hu-HU" dirty="0"/>
+              <a:t> </a:t>
+            </a:r>
+            <a:r>
+              <a:rPr lang="hu-HU" dirty="0" err="1"/>
+              <a:t>worker</a:t>
+            </a:r>
+            <a:r>
+              <a:rPr lang="hu-HU" dirty="0"/>
+              <a:t>	</a:t>
+            </a:r>
+            <a:r>
+              <a:rPr lang="hu-HU" dirty="0" err="1"/>
+              <a:t>mentioned</a:t>
+            </a:r>
+            <a:r>
+              <a:rPr lang="hu-HU" dirty="0"/>
+              <a:t>	</a:t>
+            </a:r>
+            <a:r>
+              <a:rPr lang="hu-HU" dirty="0" err="1"/>
+              <a:t>that</a:t>
+            </a:r>
+            <a:r>
+              <a:rPr lang="hu-HU" dirty="0"/>
+              <a:t>	</a:t>
+            </a:r>
+            <a:r>
+              <a:rPr lang="en-US" dirty="0"/>
+              <a:t>	</a:t>
+            </a:r>
+            <a:r>
+              <a:rPr lang="hu-HU" dirty="0" err="1"/>
+              <a:t>the</a:t>
+            </a:r>
+            <a:r>
+              <a:rPr lang="hu-HU" dirty="0"/>
+              <a:t> chef	</a:t>
+            </a:r>
+            <a:r>
+              <a:rPr lang="hu-HU" dirty="0" err="1"/>
+              <a:t>boasted</a:t>
+            </a:r>
+            <a:r>
+              <a:rPr lang="hu-HU" dirty="0"/>
+              <a:t>		</a:t>
+            </a:r>
+            <a:r>
+              <a:rPr lang="hu-HU" dirty="0" err="1"/>
+              <a:t>the</a:t>
+            </a:r>
+            <a:r>
+              <a:rPr lang="hu-HU" dirty="0"/>
+              <a:t> </a:t>
+            </a:r>
+            <a:r>
+              <a:rPr lang="hu-HU" dirty="0" err="1"/>
+              <a:t>cooking</a:t>
+            </a:r>
+            <a:r>
+              <a:rPr lang="hu-HU" dirty="0"/>
+              <a:t> skill-3SG-INS</a:t>
+            </a:r>
+          </a:p>
+          <a:p>
+            <a:r>
+              <a:rPr lang="hu-HU" i="1" dirty="0"/>
+              <a:t>The </a:t>
+            </a:r>
+            <a:r>
+              <a:rPr lang="hu-HU" i="1" dirty="0" err="1"/>
+              <a:t>worker</a:t>
+            </a:r>
+            <a:r>
+              <a:rPr lang="hu-HU" i="1" dirty="0"/>
+              <a:t> </a:t>
+            </a:r>
+            <a:r>
+              <a:rPr lang="hu-HU" i="1" dirty="0" err="1"/>
+              <a:t>mentioned</a:t>
+            </a:r>
+            <a:r>
+              <a:rPr lang="hu-HU" i="1" dirty="0"/>
+              <a:t> </a:t>
+            </a:r>
+            <a:r>
+              <a:rPr lang="hu-HU" i="1" dirty="0" err="1"/>
+              <a:t>that</a:t>
+            </a:r>
+            <a:r>
+              <a:rPr lang="hu-HU" i="1" dirty="0"/>
+              <a:t> </a:t>
+            </a:r>
+            <a:r>
+              <a:rPr lang="hu-HU" i="1" dirty="0" err="1"/>
+              <a:t>the</a:t>
+            </a:r>
+            <a:r>
+              <a:rPr lang="hu-HU" i="1" dirty="0"/>
+              <a:t> chef </a:t>
+            </a:r>
+            <a:r>
+              <a:rPr lang="hu-HU" i="1" dirty="0" err="1"/>
+              <a:t>boasted</a:t>
+            </a:r>
+            <a:r>
+              <a:rPr lang="hu-HU" i="1" dirty="0"/>
+              <a:t> </a:t>
+            </a:r>
+            <a:r>
+              <a:rPr lang="hu-HU" i="1" dirty="0" err="1"/>
+              <a:t>about</a:t>
+            </a:r>
+            <a:r>
+              <a:rPr lang="hu-HU" i="1" dirty="0"/>
+              <a:t>  </a:t>
+            </a:r>
+            <a:r>
+              <a:rPr lang="hu-HU" i="1" dirty="0" err="1"/>
+              <a:t>his</a:t>
+            </a:r>
+            <a:r>
+              <a:rPr lang="hu-HU" i="1" dirty="0"/>
+              <a:t>/</a:t>
+            </a:r>
+            <a:r>
+              <a:rPr lang="hu-HU" i="1" dirty="0" err="1"/>
+              <a:t>her</a:t>
+            </a:r>
+            <a:r>
+              <a:rPr lang="hu-HU" i="1" dirty="0"/>
+              <a:t> </a:t>
+            </a:r>
+            <a:r>
+              <a:rPr lang="hu-HU" i="1" dirty="0" err="1"/>
+              <a:t>cooking</a:t>
+            </a:r>
+            <a:r>
+              <a:rPr lang="hu-HU" i="1" dirty="0"/>
+              <a:t> </a:t>
+            </a:r>
+            <a:r>
+              <a:rPr lang="hu-HU" i="1" dirty="0" err="1"/>
+              <a:t>skills</a:t>
+            </a:r>
+            <a:r>
+              <a:rPr lang="hu-HU" i="1" dirty="0"/>
+              <a:t>.		</a:t>
+            </a:r>
+            <a:r>
+              <a:rPr lang="hu-HU" dirty="0"/>
+              <a:t>				</a:t>
+            </a:r>
+          </a:p>
+        </p:txBody>
+      </p:sp>
+      <p:sp>
+        <p:nvSpPr>
+          <p:cNvPr id="12" name="TextBox 11">
+            <a:extLst>
+              <a:ext uri="{FF2B5EF4-FFF2-40B4-BE49-F238E27FC236}">
+                <a16:creationId xmlns:a16="http://schemas.microsoft.com/office/drawing/2014/main" id="{54B15585-BDE7-BE0C-A376-7054332D6793}"/>
+              </a:ext>
+            </a:extLst>
+          </p:cNvPr>
+          <p:cNvSpPr txBox="1"/>
+          <p:nvPr/>
+        </p:nvSpPr>
+        <p:spPr>
+          <a:xfrm>
+            <a:off x="0" y="1853248"/>
+            <a:ext cx="6094476" cy="3416320"/>
+          </a:xfrm>
+          <a:prstGeom prst="rect">
+            <a:avLst/>
+          </a:prstGeom>
+          <a:noFill/>
+        </p:spPr>
+        <p:txBody>
+          <a:bodyPr wrap="square">
+            <a:spAutoFit/>
+          </a:bodyPr>
+          <a:lstStyle/>
+          <a:p>
+            <a:r>
+              <a:rPr lang="hu-HU" b="1" dirty="0" err="1">
+                <a:solidFill>
+                  <a:srgbClr val="FF0000"/>
+                </a:solidFill>
+              </a:rPr>
+              <a:t>self-directed</a:t>
+            </a:r>
+            <a:endParaRPr lang="hu-HU" b="1" dirty="0">
+              <a:solidFill>
+                <a:srgbClr val="FF0000"/>
+              </a:solidFill>
+            </a:endParaRPr>
+          </a:p>
+          <a:p>
+            <a:endParaRPr lang="en-US" b="1" dirty="0">
+              <a:solidFill>
+                <a:srgbClr val="FF0000"/>
+              </a:solidFill>
+            </a:endParaRPr>
+          </a:p>
+          <a:p>
+            <a:endParaRPr lang="hu-HU" b="1" dirty="0">
+              <a:solidFill>
+                <a:srgbClr val="FF0000"/>
+              </a:solidFill>
+            </a:endParaRPr>
+          </a:p>
+          <a:p>
+            <a:endParaRPr lang="hu-HU" b="1" dirty="0">
+              <a:solidFill>
+                <a:srgbClr val="FF0000"/>
+              </a:solidFill>
+            </a:endParaRPr>
+          </a:p>
+          <a:p>
+            <a:r>
+              <a:rPr lang="hu-HU" b="1" dirty="0" err="1">
+                <a:solidFill>
+                  <a:srgbClr val="FF0000"/>
+                </a:solidFill>
+              </a:rPr>
+              <a:t>other-directed</a:t>
+            </a:r>
+            <a:endParaRPr lang="hu-HU" b="1" dirty="0">
+              <a:solidFill>
+                <a:srgbClr val="FF0000"/>
+              </a:solidFill>
+            </a:endParaRPr>
+          </a:p>
+          <a:p>
+            <a:endParaRPr lang="hu-HU" b="1" dirty="0">
+              <a:solidFill>
+                <a:srgbClr val="FF0000"/>
+              </a:solidFill>
+            </a:endParaRPr>
+          </a:p>
+          <a:p>
+            <a:endParaRPr lang="en-US" b="1" dirty="0">
+              <a:solidFill>
+                <a:srgbClr val="FF0000"/>
+              </a:solidFill>
+            </a:endParaRPr>
+          </a:p>
+          <a:p>
+            <a:endParaRPr lang="hu-HU" b="1" dirty="0">
+              <a:solidFill>
+                <a:srgbClr val="FF0000"/>
+              </a:solidFill>
+            </a:endParaRPr>
+          </a:p>
+          <a:p>
+            <a:r>
+              <a:rPr lang="hu-HU" b="1" dirty="0" err="1">
+                <a:solidFill>
+                  <a:srgbClr val="FF0000"/>
+                </a:solidFill>
+              </a:rPr>
+              <a:t>self</a:t>
+            </a:r>
+            <a:r>
+              <a:rPr lang="hu-HU" b="1" dirty="0">
+                <a:solidFill>
+                  <a:srgbClr val="FF0000"/>
+                </a:solidFill>
+              </a:rPr>
+              <a:t>-</a:t>
+            </a:r>
+            <a:r>
+              <a:rPr lang="hu-HU" b="1" dirty="0" err="1">
+                <a:solidFill>
+                  <a:srgbClr val="FF0000"/>
+                </a:solidFill>
+              </a:rPr>
+              <a:t>directed</a:t>
+            </a:r>
+            <a:r>
+              <a:rPr lang="hu-HU" b="1" dirty="0">
+                <a:solidFill>
+                  <a:srgbClr val="FF0000"/>
+                </a:solidFill>
+              </a:rPr>
+              <a:t>-x</a:t>
+            </a:r>
+            <a:endParaRPr lang="en-US" b="1" dirty="0">
+              <a:solidFill>
+                <a:srgbClr val="FF0000"/>
+              </a:solidFill>
+            </a:endParaRPr>
+          </a:p>
+          <a:p>
+            <a:endParaRPr lang="en-US" b="1" dirty="0">
+              <a:solidFill>
+                <a:srgbClr val="FF0000"/>
+              </a:solidFill>
+            </a:endParaRPr>
+          </a:p>
+          <a:p>
+            <a:endParaRPr lang="en-US" b="1" dirty="0">
+              <a:solidFill>
+                <a:srgbClr val="FF0000"/>
+              </a:solidFill>
+            </a:endParaRPr>
+          </a:p>
+          <a:p>
+            <a:r>
+              <a:rPr lang="en-US" b="1" dirty="0">
+                <a:solidFill>
+                  <a:srgbClr val="FF0000"/>
+                </a:solidFill>
+              </a:rPr>
+              <a:t>other-directed-x</a:t>
+            </a:r>
+            <a:endParaRPr lang="hu-HU" b="1" dirty="0">
+              <a:solidFill>
+                <a:srgbClr val="FF0000"/>
+              </a:solidFill>
+            </a:endParaRPr>
+          </a:p>
+        </p:txBody>
+      </p:sp>
+    </p:spTree>
+    <p:extLst>
+      <p:ext uri="{BB962C8B-B14F-4D97-AF65-F5344CB8AC3E}">
+        <p14:creationId xmlns:p14="http://schemas.microsoft.com/office/powerpoint/2010/main" val="2674086849"/>
+      </p:ext>
+    </p:extLst>
+  </p:cSld>
+  <p:clrMapOvr>
+    <a:masterClrMapping/>
+  </p:clrMapOvr>
+</p:sld>
+</file>
+
+<file path=ppt/slides/slide12.xml><?xml version="1.0" encoding="utf-8"?>
+<p:sld xmlns:a="http://schemas.openxmlformats.org/drawingml/2006/main" xmlns:r="http://schemas.openxmlformats.org/officeDocument/2006/relationships" xmlns:p="http://schemas.openxmlformats.org/presentationml/2006/main">
+  <p:cSld>
+    <p:spTree>
+      <p:nvGrpSpPr>
+        <p:cNvPr id="1" name="">
+          <a:extLst>
+            <a:ext uri="{FF2B5EF4-FFF2-40B4-BE49-F238E27FC236}">
+              <a16:creationId xmlns:a16="http://schemas.microsoft.com/office/drawing/2014/main" id="{7292B541-694F-1F0F-C6B4-12F78338DB81}"/>
+            </a:ext>
+          </a:extLst>
+        </p:cNvPr>
+        <p:cNvGrpSpPr/>
+        <p:nvPr/>
+      </p:nvGrpSpPr>
+      <p:grpSpPr>
+        <a:xfrm>
+          <a:off x="0" y="0"/>
+          <a:ext cx="0" cy="0"/>
+          <a:chOff x="0" y="0"/>
+          <a:chExt cx="0" cy="0"/>
+        </a:xfrm>
+      </p:grpSpPr>
+      <p:sp>
+        <p:nvSpPr>
+          <p:cNvPr id="2" name="Title 1">
+            <a:extLst>
+              <a:ext uri="{FF2B5EF4-FFF2-40B4-BE49-F238E27FC236}">
+                <a16:creationId xmlns:a16="http://schemas.microsoft.com/office/drawing/2014/main" id="{A04D5DD2-33DA-4850-B1B1-A2DC25E4E9A8}"/>
+              </a:ext>
+            </a:extLst>
+          </p:cNvPr>
+          <p:cNvSpPr>
+            <a:spLocks noGrp="1"/>
+          </p:cNvSpPr>
+          <p:nvPr>
+            <p:ph type="title"/>
+          </p:nvPr>
+        </p:nvSpPr>
+        <p:spPr/>
+        <p:txBody>
+          <a:bodyPr/>
+          <a:lstStyle/>
+          <a:p>
+            <a:r>
+              <a:rPr lang="en-US" dirty="0"/>
+              <a:t>Two experiments: 2B - gender</a:t>
+            </a:r>
+            <a:endParaRPr lang="hu-HU" dirty="0"/>
+          </a:p>
+        </p:txBody>
+      </p:sp>
+      <p:sp>
+        <p:nvSpPr>
+          <p:cNvPr id="3" name="Content Placeholder 2">
+            <a:extLst>
+              <a:ext uri="{FF2B5EF4-FFF2-40B4-BE49-F238E27FC236}">
+                <a16:creationId xmlns:a16="http://schemas.microsoft.com/office/drawing/2014/main" id="{37CE1976-2287-E37A-F088-2C00EC3E2F3F}"/>
+              </a:ext>
+            </a:extLst>
+          </p:cNvPr>
+          <p:cNvSpPr>
+            <a:spLocks noGrp="1"/>
+          </p:cNvSpPr>
+          <p:nvPr>
+            <p:ph idx="1"/>
+          </p:nvPr>
+        </p:nvSpPr>
+        <p:spPr>
+          <a:xfrm>
+            <a:off x="1104293" y="2286000"/>
+            <a:ext cx="8946541" cy="4238154"/>
+          </a:xfrm>
+        </p:spPr>
+        <p:txBody>
+          <a:bodyPr>
+            <a:normAutofit/>
+          </a:bodyPr>
+          <a:lstStyle/>
+          <a:p>
+            <a:pPr marL="457200" indent="-457200"/>
+            <a:endParaRPr lang="en-US" dirty="0"/>
+          </a:p>
+          <a:p>
+            <a:pPr marL="457200" indent="-457200"/>
+            <a:endParaRPr lang="en-US" dirty="0"/>
+          </a:p>
+          <a:p>
+            <a:pPr marL="457200" indent="-457200"/>
+            <a:endParaRPr lang="en-US" dirty="0"/>
+          </a:p>
+          <a:p>
+            <a:pPr marL="857250" lvl="1" indent="-457200"/>
+            <a:endParaRPr lang="en-US" dirty="0"/>
+          </a:p>
+          <a:p>
+            <a:pPr marL="857250" lvl="1" indent="-457200"/>
+            <a:endParaRPr lang="en-US" dirty="0"/>
+          </a:p>
+          <a:p>
+            <a:pPr marL="857250" lvl="1" indent="-457200"/>
+            <a:endParaRPr lang="en-US" dirty="0"/>
+          </a:p>
+          <a:p>
+            <a:pPr marL="857250" lvl="1" indent="-457200"/>
+            <a:endParaRPr lang="en-US" dirty="0"/>
+          </a:p>
+          <a:p>
+            <a:pPr marL="457200" indent="-457200">
+              <a:buFont typeface="+mj-lt"/>
+              <a:buAutoNum type="arabicPeriod" startAt="2"/>
+            </a:pPr>
+            <a:r>
+              <a:rPr lang="en-US" dirty="0">
+                <a:solidFill>
+                  <a:schemeClr val="tx1">
+                    <a:lumMod val="75000"/>
+                  </a:schemeClr>
+                </a:solidFill>
+              </a:rPr>
+              <a:t>Verbal directionality and social bias</a:t>
+            </a:r>
+          </a:p>
+          <a:p>
+            <a:pPr marL="685800" lvl="1"/>
+            <a:r>
+              <a:rPr lang="en-US" dirty="0">
+                <a:solidFill>
+                  <a:schemeClr val="tx1">
+                    <a:lumMod val="75000"/>
+                  </a:schemeClr>
+                </a:solidFill>
+              </a:rPr>
+              <a:t>Testing if gender/status/societal bias can change verb directionality </a:t>
+            </a:r>
+          </a:p>
+          <a:p>
+            <a:pPr marL="685800" lvl="1"/>
+            <a:r>
+              <a:rPr lang="en-US" dirty="0">
+                <a:solidFill>
+                  <a:schemeClr val="tx1">
+                    <a:lumMod val="75000"/>
+                  </a:schemeClr>
+                </a:solidFill>
+              </a:rPr>
+              <a:t>2 halves, 3 conditions, 18 items</a:t>
+            </a:r>
+          </a:p>
+          <a:p>
+            <a:pPr marL="400050" lvl="1" indent="0">
+              <a:buNone/>
+            </a:pPr>
+            <a:endParaRPr lang="en-US" dirty="0"/>
+          </a:p>
+          <a:p>
+            <a:pPr marL="400050" lvl="1" indent="0">
+              <a:buNone/>
+            </a:pPr>
+            <a:endParaRPr lang="en-US" dirty="0"/>
+          </a:p>
+        </p:txBody>
+      </p:sp>
+      <p:sp>
+        <p:nvSpPr>
+          <p:cNvPr id="10" name="TextBox 9">
+            <a:extLst>
+              <a:ext uri="{FF2B5EF4-FFF2-40B4-BE49-F238E27FC236}">
+                <a16:creationId xmlns:a16="http://schemas.microsoft.com/office/drawing/2014/main" id="{FEC201E8-C1F6-ACD2-8042-FDC8C7E67428}"/>
+              </a:ext>
+            </a:extLst>
+          </p:cNvPr>
+          <p:cNvSpPr txBox="1"/>
+          <p:nvPr/>
+        </p:nvSpPr>
+        <p:spPr>
+          <a:xfrm>
+            <a:off x="1508760" y="1853248"/>
+            <a:ext cx="10267220" cy="3416320"/>
+          </a:xfrm>
+          <a:prstGeom prst="rect">
+            <a:avLst/>
+          </a:prstGeom>
+          <a:noFill/>
+        </p:spPr>
+        <p:txBody>
+          <a:bodyPr wrap="square">
+            <a:spAutoFit/>
+          </a:bodyPr>
+          <a:lstStyle/>
+          <a:p>
+            <a:r>
+              <a:rPr lang="en-US" b="1" dirty="0"/>
+              <a:t>A </a:t>
+            </a:r>
+            <a:r>
+              <a:rPr lang="en-US" b="1" dirty="0" err="1"/>
+              <a:t>pilóta</a:t>
+            </a:r>
+            <a:r>
+              <a:rPr lang="en-US" b="1" dirty="0"/>
+              <a:t>		</a:t>
+            </a:r>
+            <a:r>
+              <a:rPr lang="en-US" b="1" dirty="0" err="1"/>
+              <a:t>úgy</a:t>
+            </a:r>
+            <a:r>
+              <a:rPr lang="en-US" b="1" dirty="0"/>
+              <a:t> </a:t>
+            </a:r>
+            <a:r>
+              <a:rPr lang="en-US" b="1" dirty="0" err="1"/>
+              <a:t>vélte</a:t>
+            </a:r>
+            <a:r>
+              <a:rPr lang="en-US" b="1" dirty="0"/>
+              <a:t>	</a:t>
+            </a:r>
+            <a:r>
+              <a:rPr lang="en-US" b="1" dirty="0" err="1"/>
+              <a:t>hogy</a:t>
+            </a:r>
+            <a:r>
+              <a:rPr lang="en-US" b="1" dirty="0"/>
+              <a:t>	a </a:t>
+            </a:r>
+            <a:r>
+              <a:rPr lang="en-US" b="1" dirty="0" err="1"/>
+              <a:t>professzor</a:t>
+            </a:r>
+            <a:r>
+              <a:rPr lang="en-US" b="1" dirty="0"/>
+              <a:t>		</a:t>
+            </a:r>
+            <a:r>
+              <a:rPr lang="en-US" b="1" dirty="0" err="1"/>
+              <a:t>dicsekedett</a:t>
+            </a:r>
+            <a:r>
+              <a:rPr lang="en-US" b="1" dirty="0"/>
+              <a:t>		a </a:t>
+            </a:r>
+            <a:r>
+              <a:rPr lang="en-US" b="1" dirty="0" err="1"/>
+              <a:t>kapcsolataival</a:t>
+            </a:r>
+            <a:r>
+              <a:rPr lang="en-US" b="1" dirty="0"/>
+              <a:t>.</a:t>
+            </a:r>
+          </a:p>
+          <a:p>
+            <a:r>
+              <a:rPr lang="en-US" dirty="0"/>
+              <a:t>the pilot		</a:t>
+            </a:r>
+            <a:r>
+              <a:rPr lang="en-US" dirty="0" err="1"/>
+              <a:t>beleived</a:t>
+            </a:r>
+            <a:r>
+              <a:rPr lang="en-US" dirty="0"/>
+              <a:t>	that		the professor	boasted		the connections-3SG-INS</a:t>
+            </a:r>
+          </a:p>
+          <a:p>
+            <a:r>
+              <a:rPr lang="en-US" i="1" dirty="0"/>
+              <a:t>The pilot believed that the professor had boasted about his/her connections.	</a:t>
+            </a:r>
+            <a:r>
+              <a:rPr lang="en-US" dirty="0"/>
+              <a:t>					</a:t>
+            </a:r>
+          </a:p>
+          <a:p>
+            <a:r>
+              <a:rPr lang="en-US" b="1" dirty="0"/>
+              <a:t>A </a:t>
+            </a:r>
+            <a:r>
+              <a:rPr lang="en-US" b="1" dirty="0" err="1"/>
+              <a:t>modell</a:t>
+            </a:r>
+            <a:r>
+              <a:rPr lang="en-US" b="1" dirty="0"/>
+              <a:t>	</a:t>
+            </a:r>
+            <a:r>
+              <a:rPr lang="en-US" b="1" dirty="0" err="1"/>
+              <a:t>úgy</a:t>
+            </a:r>
+            <a:r>
+              <a:rPr lang="en-US" b="1" dirty="0"/>
+              <a:t> </a:t>
+            </a:r>
+            <a:r>
+              <a:rPr lang="en-US" b="1" dirty="0" err="1"/>
+              <a:t>vélte</a:t>
+            </a:r>
+            <a:r>
+              <a:rPr lang="en-US" b="1" dirty="0"/>
+              <a:t>	</a:t>
+            </a:r>
+            <a:r>
+              <a:rPr lang="en-US" b="1" dirty="0" err="1"/>
+              <a:t>hogy</a:t>
+            </a:r>
+            <a:r>
+              <a:rPr lang="en-US" b="1" dirty="0"/>
+              <a:t>	a </a:t>
+            </a:r>
+            <a:r>
+              <a:rPr lang="en-US" b="1" dirty="0" err="1"/>
+              <a:t>professzor</a:t>
+            </a:r>
+            <a:r>
+              <a:rPr lang="en-US" b="1" dirty="0"/>
+              <a:t>		</a:t>
+            </a:r>
+            <a:r>
+              <a:rPr lang="en-US" b="1" dirty="0" err="1"/>
+              <a:t>dicsekedett</a:t>
+            </a:r>
+            <a:r>
+              <a:rPr lang="en-US" b="1" dirty="0"/>
+              <a:t>		a </a:t>
+            </a:r>
+            <a:r>
+              <a:rPr lang="en-US" b="1" dirty="0" err="1"/>
+              <a:t>kapcsolataival</a:t>
+            </a:r>
+            <a:r>
+              <a:rPr lang="en-US" b="1" dirty="0"/>
+              <a:t>.</a:t>
+            </a:r>
+          </a:p>
+          <a:p>
+            <a:r>
+              <a:rPr lang="en-US" dirty="0"/>
+              <a:t>the model	</a:t>
+            </a:r>
+            <a:r>
+              <a:rPr lang="en-US" dirty="0" err="1"/>
+              <a:t>beleived</a:t>
+            </a:r>
+            <a:r>
+              <a:rPr lang="en-US" dirty="0"/>
+              <a:t>	that		the professor	boasted		the connections-3SG-INS</a:t>
+            </a:r>
+          </a:p>
+          <a:p>
+            <a:r>
+              <a:rPr lang="en-US" i="1" dirty="0"/>
+              <a:t>The model believed that the professor had boasted about his/her connections.</a:t>
+            </a:r>
+            <a:r>
+              <a:rPr lang="en-US" dirty="0"/>
+              <a:t>						</a:t>
+            </a:r>
+          </a:p>
+          <a:p>
+            <a:r>
+              <a:rPr lang="en-US" b="1" dirty="0"/>
+              <a:t>A </a:t>
+            </a:r>
+            <a:r>
+              <a:rPr lang="en-US" b="1" dirty="0" err="1"/>
+              <a:t>pilóta</a:t>
+            </a:r>
+            <a:r>
+              <a:rPr lang="en-US" b="1" dirty="0"/>
+              <a:t>		</a:t>
+            </a:r>
+            <a:r>
+              <a:rPr lang="en-US" b="1" dirty="0" err="1"/>
+              <a:t>úgy</a:t>
+            </a:r>
+            <a:r>
+              <a:rPr lang="en-US" b="1" dirty="0"/>
+              <a:t> </a:t>
+            </a:r>
+            <a:r>
+              <a:rPr lang="en-US" b="1" dirty="0" err="1"/>
+              <a:t>vélte</a:t>
+            </a:r>
+            <a:r>
+              <a:rPr lang="en-US" b="1" dirty="0"/>
+              <a:t>	</a:t>
+            </a:r>
+            <a:r>
+              <a:rPr lang="en-US" b="1" dirty="0" err="1"/>
+              <a:t>hogy</a:t>
+            </a:r>
+            <a:r>
+              <a:rPr lang="en-US" b="1" dirty="0"/>
+              <a:t>	a </a:t>
+            </a:r>
+            <a:r>
+              <a:rPr lang="en-US" b="1" dirty="0" err="1"/>
+              <a:t>modell</a:t>
+            </a:r>
+            <a:r>
+              <a:rPr lang="en-US" b="1" dirty="0"/>
+              <a:t>	</a:t>
+            </a:r>
+            <a:r>
+              <a:rPr lang="en-US" b="1" dirty="0" err="1"/>
+              <a:t>dicsekedett</a:t>
+            </a:r>
+            <a:r>
+              <a:rPr lang="en-US" b="1" dirty="0"/>
+              <a:t>		a </a:t>
+            </a:r>
+            <a:r>
+              <a:rPr lang="en-US" b="1" dirty="0" err="1"/>
+              <a:t>kapcsolataival</a:t>
+            </a:r>
+            <a:r>
+              <a:rPr lang="en-US" b="1" dirty="0"/>
+              <a:t>.</a:t>
+            </a:r>
+          </a:p>
+          <a:p>
+            <a:r>
+              <a:rPr lang="en-US" dirty="0"/>
+              <a:t>the pilot		</a:t>
+            </a:r>
+            <a:r>
+              <a:rPr lang="en-US" dirty="0" err="1"/>
+              <a:t>beleived</a:t>
+            </a:r>
+            <a:r>
+              <a:rPr lang="en-US" dirty="0"/>
+              <a:t>	that		the model	boasted		the connections-3SG-INS</a:t>
+            </a:r>
+          </a:p>
+          <a:p>
+            <a:r>
+              <a:rPr lang="en-US" i="1" dirty="0"/>
+              <a:t>The pilot believed that the model had boasted about his/her connections.	</a:t>
+            </a:r>
+            <a:r>
+              <a:rPr lang="en-US" dirty="0"/>
+              <a:t>					</a:t>
+            </a:r>
+          </a:p>
+        </p:txBody>
+      </p:sp>
+    </p:spTree>
+    <p:extLst>
+      <p:ext uri="{BB962C8B-B14F-4D97-AF65-F5344CB8AC3E}">
+        <p14:creationId xmlns:p14="http://schemas.microsoft.com/office/powerpoint/2010/main" val="2755741431"/>
+      </p:ext>
+    </p:extLst>
+  </p:cSld>
+  <p:clrMapOvr>
+    <a:masterClrMapping/>
+  </p:clrMapOvr>
+</p:sld>
+</file>
+
+<file path=ppt/slides/slide13.xml><?xml version="1.0" encoding="utf-8"?>
+<p:sld xmlns:a="http://schemas.openxmlformats.org/drawingml/2006/main" xmlns:r="http://schemas.openxmlformats.org/officeDocument/2006/relationships" xmlns:p="http://schemas.openxmlformats.org/presentationml/2006/main">
+  <p:cSld>
+    <p:spTree>
+      <p:nvGrpSpPr>
+        <p:cNvPr id="1" name="">
+          <a:extLst>
+            <a:ext uri="{FF2B5EF4-FFF2-40B4-BE49-F238E27FC236}">
+              <a16:creationId xmlns:a16="http://schemas.microsoft.com/office/drawing/2014/main" id="{FE863721-0F0E-C26F-C518-FA38271C984A}"/>
+            </a:ext>
+          </a:extLst>
+        </p:cNvPr>
+        <p:cNvGrpSpPr/>
+        <p:nvPr/>
+      </p:nvGrpSpPr>
+      <p:grpSpPr>
+        <a:xfrm>
+          <a:off x="0" y="0"/>
+          <a:ext cx="0" cy="0"/>
+          <a:chOff x="0" y="0"/>
+          <a:chExt cx="0" cy="0"/>
+        </a:xfrm>
+      </p:grpSpPr>
+      <p:sp>
+        <p:nvSpPr>
+          <p:cNvPr id="2" name="Title 1">
+            <a:extLst>
+              <a:ext uri="{FF2B5EF4-FFF2-40B4-BE49-F238E27FC236}">
+                <a16:creationId xmlns:a16="http://schemas.microsoft.com/office/drawing/2014/main" id="{3D67B822-64FC-FD7F-7F53-C8CDD5969315}"/>
+              </a:ext>
+            </a:extLst>
+          </p:cNvPr>
+          <p:cNvSpPr>
+            <a:spLocks noGrp="1"/>
+          </p:cNvSpPr>
+          <p:nvPr>
+            <p:ph type="title"/>
+          </p:nvPr>
+        </p:nvSpPr>
+        <p:spPr/>
+        <p:txBody>
+          <a:bodyPr/>
+          <a:lstStyle/>
+          <a:p>
+            <a:r>
+              <a:rPr lang="en-US" dirty="0"/>
+              <a:t>Two experiments: 2B - gender</a:t>
+            </a:r>
+            <a:endParaRPr lang="hu-HU" dirty="0"/>
+          </a:p>
+        </p:txBody>
+      </p:sp>
+      <p:sp>
+        <p:nvSpPr>
+          <p:cNvPr id="3" name="Content Placeholder 2">
+            <a:extLst>
+              <a:ext uri="{FF2B5EF4-FFF2-40B4-BE49-F238E27FC236}">
+                <a16:creationId xmlns:a16="http://schemas.microsoft.com/office/drawing/2014/main" id="{D92A3A91-220A-93D3-E15B-2F42EF184E48}"/>
+              </a:ext>
+            </a:extLst>
+          </p:cNvPr>
+          <p:cNvSpPr>
+            <a:spLocks noGrp="1"/>
+          </p:cNvSpPr>
+          <p:nvPr>
+            <p:ph idx="1"/>
+          </p:nvPr>
+        </p:nvSpPr>
+        <p:spPr>
+          <a:xfrm>
+            <a:off x="1104293" y="2286000"/>
+            <a:ext cx="8946541" cy="4238154"/>
+          </a:xfrm>
+        </p:spPr>
+        <p:txBody>
+          <a:bodyPr>
+            <a:normAutofit/>
+          </a:bodyPr>
+          <a:lstStyle/>
+          <a:p>
+            <a:pPr marL="457200" indent="-457200"/>
+            <a:endParaRPr lang="en-US" dirty="0"/>
+          </a:p>
+          <a:p>
+            <a:pPr marL="457200" indent="-457200"/>
+            <a:endParaRPr lang="en-US" dirty="0"/>
+          </a:p>
+          <a:p>
+            <a:pPr marL="457200" indent="-457200"/>
+            <a:endParaRPr lang="en-US" dirty="0"/>
+          </a:p>
+          <a:p>
+            <a:pPr marL="857250" lvl="1" indent="-457200"/>
+            <a:endParaRPr lang="en-US" dirty="0"/>
+          </a:p>
+          <a:p>
+            <a:pPr marL="857250" lvl="1" indent="-457200"/>
+            <a:endParaRPr lang="en-US" dirty="0"/>
+          </a:p>
+          <a:p>
+            <a:pPr marL="857250" lvl="1" indent="-457200"/>
+            <a:endParaRPr lang="en-US" dirty="0"/>
+          </a:p>
+          <a:p>
+            <a:pPr marL="857250" lvl="1" indent="-457200"/>
+            <a:endParaRPr lang="en-US" dirty="0"/>
+          </a:p>
+          <a:p>
+            <a:pPr marL="457200" indent="-457200">
+              <a:buFont typeface="+mj-lt"/>
+              <a:buAutoNum type="arabicPeriod" startAt="2"/>
+            </a:pPr>
+            <a:r>
+              <a:rPr lang="en-US" dirty="0">
+                <a:solidFill>
+                  <a:schemeClr val="tx1">
+                    <a:lumMod val="75000"/>
+                  </a:schemeClr>
+                </a:solidFill>
+              </a:rPr>
+              <a:t>Verbal directionality and social bias</a:t>
+            </a:r>
+          </a:p>
+          <a:p>
+            <a:pPr marL="685800" lvl="1"/>
+            <a:r>
+              <a:rPr lang="en-US" dirty="0">
+                <a:solidFill>
+                  <a:schemeClr val="tx1">
+                    <a:lumMod val="75000"/>
+                  </a:schemeClr>
+                </a:solidFill>
+              </a:rPr>
+              <a:t>Testing if gender/status/societal bias can change verb directionality </a:t>
+            </a:r>
+          </a:p>
+          <a:p>
+            <a:pPr marL="685800" lvl="1"/>
+            <a:r>
+              <a:rPr lang="en-US" dirty="0">
+                <a:solidFill>
+                  <a:schemeClr val="tx1">
+                    <a:lumMod val="75000"/>
+                  </a:schemeClr>
+                </a:solidFill>
+              </a:rPr>
+              <a:t>2 halves, 3 conditions, 18 items</a:t>
+            </a:r>
+          </a:p>
+          <a:p>
+            <a:pPr marL="400050" lvl="1" indent="0">
+              <a:buNone/>
+            </a:pPr>
+            <a:endParaRPr lang="en-US" dirty="0"/>
+          </a:p>
+          <a:p>
+            <a:pPr marL="400050" lvl="1" indent="0">
+              <a:buNone/>
+            </a:pPr>
+            <a:endParaRPr lang="en-US" dirty="0"/>
+          </a:p>
+        </p:txBody>
+      </p:sp>
+      <p:sp>
+        <p:nvSpPr>
+          <p:cNvPr id="10" name="TextBox 9">
+            <a:extLst>
+              <a:ext uri="{FF2B5EF4-FFF2-40B4-BE49-F238E27FC236}">
+                <a16:creationId xmlns:a16="http://schemas.microsoft.com/office/drawing/2014/main" id="{B9658AA8-D26B-922B-1EFB-BD2ECE5C235E}"/>
+              </a:ext>
+            </a:extLst>
+          </p:cNvPr>
+          <p:cNvSpPr txBox="1"/>
+          <p:nvPr/>
+        </p:nvSpPr>
+        <p:spPr>
+          <a:xfrm>
+            <a:off x="1508760" y="1853248"/>
+            <a:ext cx="10267220" cy="3416320"/>
+          </a:xfrm>
+          <a:prstGeom prst="rect">
+            <a:avLst/>
+          </a:prstGeom>
+          <a:noFill/>
+        </p:spPr>
+        <p:txBody>
+          <a:bodyPr wrap="square">
+            <a:spAutoFit/>
+          </a:bodyPr>
+          <a:lstStyle/>
+          <a:p>
+            <a:r>
+              <a:rPr lang="en-US" b="1" dirty="0"/>
+              <a:t>A </a:t>
+            </a:r>
+            <a:r>
+              <a:rPr lang="en-US" b="1" dirty="0" err="1"/>
+              <a:t>pilóta</a:t>
+            </a:r>
+            <a:r>
+              <a:rPr lang="en-US" b="1" dirty="0"/>
+              <a:t>		</a:t>
+            </a:r>
+            <a:r>
+              <a:rPr lang="en-US" b="1" dirty="0" err="1"/>
+              <a:t>úgy</a:t>
+            </a:r>
+            <a:r>
+              <a:rPr lang="en-US" b="1" dirty="0"/>
+              <a:t> </a:t>
+            </a:r>
+            <a:r>
+              <a:rPr lang="en-US" b="1" dirty="0" err="1"/>
+              <a:t>vélte</a:t>
+            </a:r>
+            <a:r>
+              <a:rPr lang="en-US" b="1" dirty="0"/>
+              <a:t>	</a:t>
+            </a:r>
+            <a:r>
+              <a:rPr lang="en-US" b="1" dirty="0" err="1"/>
+              <a:t>hogy</a:t>
+            </a:r>
+            <a:r>
+              <a:rPr lang="en-US" b="1" dirty="0"/>
+              <a:t>	a </a:t>
+            </a:r>
+            <a:r>
+              <a:rPr lang="en-US" b="1" dirty="0" err="1"/>
+              <a:t>professzor</a:t>
+            </a:r>
+            <a:r>
+              <a:rPr lang="en-US" b="1" dirty="0"/>
+              <a:t>		</a:t>
+            </a:r>
+            <a:r>
+              <a:rPr lang="en-US" b="1" dirty="0" err="1"/>
+              <a:t>dicsekedett</a:t>
+            </a:r>
+            <a:r>
+              <a:rPr lang="en-US" b="1" dirty="0"/>
+              <a:t>		a </a:t>
+            </a:r>
+            <a:r>
+              <a:rPr lang="en-US" b="1" dirty="0" err="1"/>
+              <a:t>kapcsolataival</a:t>
+            </a:r>
+            <a:r>
+              <a:rPr lang="en-US" b="1" dirty="0"/>
+              <a:t>.</a:t>
+            </a:r>
+          </a:p>
+          <a:p>
+            <a:r>
+              <a:rPr lang="en-US" dirty="0"/>
+              <a:t>the pilot		</a:t>
+            </a:r>
+            <a:r>
+              <a:rPr lang="en-US" dirty="0" err="1"/>
+              <a:t>beleived</a:t>
+            </a:r>
+            <a:r>
+              <a:rPr lang="en-US" dirty="0"/>
+              <a:t>	that		the professor	boasted		the connections-3SG-INS</a:t>
+            </a:r>
+          </a:p>
+          <a:p>
+            <a:r>
+              <a:rPr lang="en-US" i="1" dirty="0"/>
+              <a:t>The pilot believed that the professor had boasted about his/her connections.	</a:t>
+            </a:r>
+            <a:r>
+              <a:rPr lang="en-US" dirty="0"/>
+              <a:t>					</a:t>
+            </a:r>
+          </a:p>
+          <a:p>
+            <a:r>
+              <a:rPr lang="en-US" b="1" dirty="0"/>
+              <a:t>A </a:t>
+            </a:r>
+            <a:r>
+              <a:rPr lang="en-US" b="1" dirty="0" err="1"/>
+              <a:t>modell</a:t>
+            </a:r>
+            <a:r>
+              <a:rPr lang="en-US" b="1" dirty="0"/>
+              <a:t>	</a:t>
+            </a:r>
+            <a:r>
+              <a:rPr lang="en-US" b="1" dirty="0" err="1"/>
+              <a:t>úgy</a:t>
+            </a:r>
+            <a:r>
+              <a:rPr lang="en-US" b="1" dirty="0"/>
+              <a:t> </a:t>
+            </a:r>
+            <a:r>
+              <a:rPr lang="en-US" b="1" dirty="0" err="1"/>
+              <a:t>vélte</a:t>
+            </a:r>
+            <a:r>
+              <a:rPr lang="en-US" b="1" dirty="0"/>
+              <a:t>	</a:t>
+            </a:r>
+            <a:r>
+              <a:rPr lang="en-US" b="1" dirty="0" err="1"/>
+              <a:t>hogy</a:t>
+            </a:r>
+            <a:r>
+              <a:rPr lang="en-US" b="1" dirty="0"/>
+              <a:t>	a </a:t>
+            </a:r>
+            <a:r>
+              <a:rPr lang="en-US" b="1" dirty="0" err="1"/>
+              <a:t>professzor</a:t>
+            </a:r>
+            <a:r>
+              <a:rPr lang="en-US" b="1" dirty="0"/>
+              <a:t>		</a:t>
+            </a:r>
+            <a:r>
+              <a:rPr lang="en-US" b="1" dirty="0" err="1"/>
+              <a:t>dicsekedett</a:t>
+            </a:r>
+            <a:r>
+              <a:rPr lang="en-US" b="1" dirty="0"/>
+              <a:t>		a </a:t>
+            </a:r>
+            <a:r>
+              <a:rPr lang="en-US" b="1" dirty="0" err="1"/>
+              <a:t>kapcsolataival</a:t>
+            </a:r>
+            <a:r>
+              <a:rPr lang="en-US" b="1" dirty="0"/>
+              <a:t>.</a:t>
+            </a:r>
+          </a:p>
+          <a:p>
+            <a:r>
+              <a:rPr lang="en-US" dirty="0"/>
+              <a:t>the model	</a:t>
+            </a:r>
+            <a:r>
+              <a:rPr lang="en-US" dirty="0" err="1"/>
+              <a:t>beleived</a:t>
+            </a:r>
+            <a:r>
+              <a:rPr lang="en-US" dirty="0"/>
+              <a:t>	that		the professor	boasted		the connections-3SG-INS</a:t>
+            </a:r>
+          </a:p>
+          <a:p>
+            <a:r>
+              <a:rPr lang="en-US" i="1" dirty="0"/>
+              <a:t>The model believed that the professor had boasted about his/her connections.</a:t>
+            </a:r>
+            <a:r>
+              <a:rPr lang="en-US" dirty="0"/>
+              <a:t>						</a:t>
+            </a:r>
+          </a:p>
+          <a:p>
+            <a:r>
+              <a:rPr lang="en-US" b="1" dirty="0"/>
+              <a:t>A </a:t>
+            </a:r>
+            <a:r>
+              <a:rPr lang="en-US" b="1" dirty="0" err="1"/>
+              <a:t>pilóta</a:t>
+            </a:r>
+            <a:r>
+              <a:rPr lang="en-US" b="1" dirty="0"/>
+              <a:t>		</a:t>
+            </a:r>
+            <a:r>
+              <a:rPr lang="en-US" b="1" dirty="0" err="1"/>
+              <a:t>úgy</a:t>
+            </a:r>
+            <a:r>
+              <a:rPr lang="en-US" b="1" dirty="0"/>
+              <a:t> </a:t>
+            </a:r>
+            <a:r>
+              <a:rPr lang="en-US" b="1" dirty="0" err="1"/>
+              <a:t>vélte</a:t>
+            </a:r>
+            <a:r>
+              <a:rPr lang="en-US" b="1" dirty="0"/>
+              <a:t>	</a:t>
+            </a:r>
+            <a:r>
+              <a:rPr lang="en-US" b="1" dirty="0" err="1"/>
+              <a:t>hogy</a:t>
+            </a:r>
+            <a:r>
+              <a:rPr lang="en-US" b="1" dirty="0"/>
+              <a:t>	a </a:t>
+            </a:r>
+            <a:r>
+              <a:rPr lang="en-US" b="1" dirty="0" err="1"/>
+              <a:t>modell</a:t>
+            </a:r>
+            <a:r>
+              <a:rPr lang="en-US" b="1" dirty="0"/>
+              <a:t>	</a:t>
+            </a:r>
+            <a:r>
+              <a:rPr lang="en-US" b="1" dirty="0" err="1"/>
+              <a:t>dicsekedett</a:t>
+            </a:r>
+            <a:r>
+              <a:rPr lang="en-US" b="1" dirty="0"/>
+              <a:t>		a </a:t>
+            </a:r>
+            <a:r>
+              <a:rPr lang="en-US" b="1" dirty="0" err="1"/>
+              <a:t>kapcsolataival</a:t>
+            </a:r>
+            <a:r>
+              <a:rPr lang="en-US" b="1" dirty="0"/>
+              <a:t>.</a:t>
+            </a:r>
+          </a:p>
+          <a:p>
+            <a:r>
+              <a:rPr lang="en-US" dirty="0"/>
+              <a:t>the pilot		</a:t>
+            </a:r>
+            <a:r>
+              <a:rPr lang="en-US" dirty="0" err="1"/>
+              <a:t>beleived</a:t>
+            </a:r>
+            <a:r>
+              <a:rPr lang="en-US" dirty="0"/>
+              <a:t>	that		the model	boasted		the connections-3SG-INS</a:t>
+            </a:r>
+          </a:p>
+          <a:p>
+            <a:r>
+              <a:rPr lang="en-US" i="1" dirty="0"/>
+              <a:t>The pilot believed that the model had boasted about his/her connections.	</a:t>
+            </a:r>
+            <a:r>
+              <a:rPr lang="en-US" dirty="0"/>
+              <a:t>					</a:t>
+            </a:r>
+          </a:p>
+        </p:txBody>
+      </p:sp>
+      <p:sp>
+        <p:nvSpPr>
+          <p:cNvPr id="6" name="TextBox 5">
+            <a:extLst>
+              <a:ext uri="{FF2B5EF4-FFF2-40B4-BE49-F238E27FC236}">
+                <a16:creationId xmlns:a16="http://schemas.microsoft.com/office/drawing/2014/main" id="{89A4062C-BFC3-65E9-621F-92FD6D93B822}"/>
+              </a:ext>
+            </a:extLst>
+          </p:cNvPr>
+          <p:cNvSpPr txBox="1"/>
+          <p:nvPr/>
+        </p:nvSpPr>
+        <p:spPr>
+          <a:xfrm>
+            <a:off x="1524" y="1853248"/>
+            <a:ext cx="6094476" cy="2585323"/>
+          </a:xfrm>
+          <a:prstGeom prst="rect">
+            <a:avLst/>
+          </a:prstGeom>
+          <a:noFill/>
+        </p:spPr>
+        <p:txBody>
+          <a:bodyPr wrap="square">
+            <a:spAutoFit/>
+          </a:bodyPr>
+          <a:lstStyle/>
+          <a:p>
+            <a:r>
+              <a:rPr lang="hu-HU" b="1" dirty="0" err="1">
+                <a:solidFill>
+                  <a:srgbClr val="FF0000"/>
+                </a:solidFill>
+              </a:rPr>
+              <a:t>male-male</a:t>
+            </a:r>
+            <a:endParaRPr lang="hu-HU" b="1" dirty="0">
+              <a:solidFill>
+                <a:srgbClr val="FF0000"/>
+              </a:solidFill>
+            </a:endParaRPr>
+          </a:p>
+          <a:p>
+            <a:endParaRPr lang="en-US" b="1" dirty="0">
+              <a:solidFill>
+                <a:srgbClr val="FF0000"/>
+              </a:solidFill>
+            </a:endParaRPr>
+          </a:p>
+          <a:p>
+            <a:endParaRPr lang="hu-HU" b="1" dirty="0">
+              <a:solidFill>
+                <a:srgbClr val="FF0000"/>
+              </a:solidFill>
+            </a:endParaRPr>
+          </a:p>
+          <a:p>
+            <a:endParaRPr lang="hu-HU" b="1" dirty="0">
+              <a:solidFill>
+                <a:srgbClr val="FF0000"/>
+              </a:solidFill>
+            </a:endParaRPr>
+          </a:p>
+          <a:p>
+            <a:r>
+              <a:rPr lang="hu-HU" b="1" dirty="0" err="1">
+                <a:solidFill>
+                  <a:srgbClr val="FF0000"/>
+                </a:solidFill>
+              </a:rPr>
+              <a:t>female-male</a:t>
+            </a:r>
+            <a:endParaRPr lang="hu-HU" b="1" dirty="0">
+              <a:solidFill>
+                <a:srgbClr val="FF0000"/>
+              </a:solidFill>
+            </a:endParaRPr>
+          </a:p>
+          <a:p>
+            <a:endParaRPr lang="hu-HU" b="1" dirty="0">
+              <a:solidFill>
+                <a:srgbClr val="FF0000"/>
+              </a:solidFill>
+            </a:endParaRPr>
+          </a:p>
+          <a:p>
+            <a:endParaRPr lang="en-US" b="1" dirty="0">
+              <a:solidFill>
+                <a:srgbClr val="FF0000"/>
+              </a:solidFill>
+            </a:endParaRPr>
+          </a:p>
+          <a:p>
+            <a:endParaRPr lang="hu-HU" b="1" dirty="0">
+              <a:solidFill>
+                <a:srgbClr val="FF0000"/>
+              </a:solidFill>
+            </a:endParaRPr>
+          </a:p>
+          <a:p>
+            <a:r>
+              <a:rPr lang="hu-HU" b="1" dirty="0" err="1">
+                <a:solidFill>
+                  <a:srgbClr val="FF0000"/>
+                </a:solidFill>
+              </a:rPr>
+              <a:t>male-female</a:t>
+            </a:r>
+            <a:endParaRPr lang="hu-HU" b="1" dirty="0">
+              <a:solidFill>
+                <a:srgbClr val="FF0000"/>
+              </a:solidFill>
+            </a:endParaRPr>
+          </a:p>
+        </p:txBody>
+      </p:sp>
+    </p:spTree>
+    <p:extLst>
+      <p:ext uri="{BB962C8B-B14F-4D97-AF65-F5344CB8AC3E}">
+        <p14:creationId xmlns:p14="http://schemas.microsoft.com/office/powerpoint/2010/main" val="1738010821"/>
+      </p:ext>
+    </p:extLst>
+  </p:cSld>
+  <p:clrMapOvr>
+    <a:masterClrMapping/>
+  </p:clrMapOvr>
+</p:sld>
+</file>
+
+<file path=ppt/slides/slide14.xml><?xml version="1.0" encoding="utf-8"?>
+<p:sld xmlns:a="http://schemas.openxmlformats.org/drawingml/2006/main" xmlns:r="http://schemas.openxmlformats.org/officeDocument/2006/relationships" xmlns:p="http://schemas.openxmlformats.org/presentationml/2006/main">
+  <p:cSld>
+    <p:spTree>
+      <p:nvGrpSpPr>
+        <p:cNvPr id="1" name="">
+          <a:extLst>
+            <a:ext uri="{FF2B5EF4-FFF2-40B4-BE49-F238E27FC236}">
+              <a16:creationId xmlns:a16="http://schemas.microsoft.com/office/drawing/2014/main" id="{AA3F4FDF-F8A9-F280-6E91-E3C383A0FCA4}"/>
+            </a:ext>
+          </a:extLst>
+        </p:cNvPr>
+        <p:cNvGrpSpPr/>
+        <p:nvPr/>
+      </p:nvGrpSpPr>
+      <p:grpSpPr>
+        <a:xfrm>
+          <a:off x="0" y="0"/>
+          <a:ext cx="0" cy="0"/>
+          <a:chOff x="0" y="0"/>
+          <a:chExt cx="0" cy="0"/>
+        </a:xfrm>
+      </p:grpSpPr>
+      <p:sp>
+        <p:nvSpPr>
+          <p:cNvPr id="2" name="Title 1">
+            <a:extLst>
+              <a:ext uri="{FF2B5EF4-FFF2-40B4-BE49-F238E27FC236}">
+                <a16:creationId xmlns:a16="http://schemas.microsoft.com/office/drawing/2014/main" id="{AD766D45-2F57-1FF5-7484-452B4FDC67C0}"/>
+              </a:ext>
+            </a:extLst>
+          </p:cNvPr>
+          <p:cNvSpPr>
+            <a:spLocks noGrp="1"/>
+          </p:cNvSpPr>
+          <p:nvPr>
+            <p:ph type="title"/>
+          </p:nvPr>
+        </p:nvSpPr>
+        <p:spPr/>
+        <p:txBody>
+          <a:bodyPr/>
+          <a:lstStyle/>
+          <a:p>
+            <a:r>
+              <a:rPr lang="en-US" dirty="0"/>
+              <a:t>Two experiments: 2B - gender</a:t>
+            </a:r>
+            <a:endParaRPr lang="hu-HU" dirty="0"/>
+          </a:p>
+        </p:txBody>
+      </p:sp>
+      <p:sp>
+        <p:nvSpPr>
+          <p:cNvPr id="3" name="Content Placeholder 2">
+            <a:extLst>
+              <a:ext uri="{FF2B5EF4-FFF2-40B4-BE49-F238E27FC236}">
+                <a16:creationId xmlns:a16="http://schemas.microsoft.com/office/drawing/2014/main" id="{630D1BFE-9879-39EE-0427-68242672865F}"/>
+              </a:ext>
+            </a:extLst>
+          </p:cNvPr>
+          <p:cNvSpPr>
+            <a:spLocks noGrp="1"/>
+          </p:cNvSpPr>
+          <p:nvPr>
+            <p:ph idx="1"/>
+          </p:nvPr>
+        </p:nvSpPr>
+        <p:spPr>
+          <a:xfrm>
+            <a:off x="1104293" y="2286000"/>
+            <a:ext cx="8946541" cy="4238154"/>
+          </a:xfrm>
+        </p:spPr>
+        <p:txBody>
+          <a:bodyPr>
+            <a:normAutofit/>
+          </a:bodyPr>
+          <a:lstStyle/>
+          <a:p>
+            <a:pPr marL="457200" indent="-457200"/>
+            <a:endParaRPr lang="en-US" dirty="0"/>
+          </a:p>
+          <a:p>
+            <a:pPr marL="457200" indent="-457200"/>
+            <a:endParaRPr lang="en-US" dirty="0"/>
+          </a:p>
+          <a:p>
+            <a:pPr marL="457200" indent="-457200"/>
+            <a:endParaRPr lang="en-US" dirty="0"/>
+          </a:p>
+          <a:p>
+            <a:pPr marL="857250" lvl="1" indent="-457200"/>
+            <a:endParaRPr lang="en-US" dirty="0"/>
+          </a:p>
+          <a:p>
+            <a:pPr marL="857250" lvl="1" indent="-457200"/>
+            <a:endParaRPr lang="en-US" dirty="0"/>
+          </a:p>
+          <a:p>
+            <a:pPr marL="857250" lvl="1" indent="-457200"/>
+            <a:endParaRPr lang="en-US" dirty="0"/>
+          </a:p>
+          <a:p>
+            <a:pPr marL="857250" lvl="1" indent="-457200"/>
+            <a:endParaRPr lang="en-US" dirty="0"/>
+          </a:p>
+          <a:p>
+            <a:pPr marL="457200" indent="-457200">
+              <a:buFont typeface="+mj-lt"/>
+              <a:buAutoNum type="arabicPeriod" startAt="2"/>
+            </a:pPr>
+            <a:r>
+              <a:rPr lang="en-US" dirty="0">
+                <a:solidFill>
+                  <a:schemeClr val="tx1">
+                    <a:lumMod val="75000"/>
+                  </a:schemeClr>
+                </a:solidFill>
+              </a:rPr>
+              <a:t>Verbal directionality and social bias</a:t>
+            </a:r>
+          </a:p>
+          <a:p>
+            <a:pPr marL="685800" lvl="1"/>
+            <a:r>
+              <a:rPr lang="en-US" dirty="0">
+                <a:solidFill>
+                  <a:schemeClr val="tx1">
+                    <a:lumMod val="75000"/>
+                  </a:schemeClr>
+                </a:solidFill>
+              </a:rPr>
+              <a:t>Testing if gender/status/societal bias can change verb directionality </a:t>
+            </a:r>
+          </a:p>
+          <a:p>
+            <a:pPr marL="685800" lvl="1"/>
+            <a:r>
+              <a:rPr lang="en-US" dirty="0">
+                <a:solidFill>
+                  <a:schemeClr val="tx1">
+                    <a:lumMod val="75000"/>
+                  </a:schemeClr>
+                </a:solidFill>
+              </a:rPr>
+              <a:t>2 halves, 3 conditions, 18 items</a:t>
+            </a:r>
+          </a:p>
+          <a:p>
+            <a:pPr marL="400050" lvl="1" indent="0">
+              <a:buNone/>
+            </a:pPr>
+            <a:endParaRPr lang="en-US" dirty="0"/>
+          </a:p>
+          <a:p>
+            <a:pPr marL="400050" lvl="1" indent="0">
+              <a:buNone/>
+            </a:pPr>
+            <a:endParaRPr lang="en-US" dirty="0"/>
+          </a:p>
+        </p:txBody>
+      </p:sp>
+      <p:sp>
+        <p:nvSpPr>
+          <p:cNvPr id="10" name="TextBox 9">
+            <a:extLst>
+              <a:ext uri="{FF2B5EF4-FFF2-40B4-BE49-F238E27FC236}">
+                <a16:creationId xmlns:a16="http://schemas.microsoft.com/office/drawing/2014/main" id="{564253DA-AB1A-2874-244E-22FB07B6B2EB}"/>
+              </a:ext>
+            </a:extLst>
+          </p:cNvPr>
+          <p:cNvSpPr txBox="1"/>
+          <p:nvPr/>
+        </p:nvSpPr>
+        <p:spPr>
+          <a:xfrm>
+            <a:off x="1508760" y="1853248"/>
+            <a:ext cx="10267220" cy="3416320"/>
+          </a:xfrm>
+          <a:prstGeom prst="rect">
+            <a:avLst/>
+          </a:prstGeom>
+          <a:noFill/>
+        </p:spPr>
+        <p:txBody>
+          <a:bodyPr wrap="square">
+            <a:spAutoFit/>
+          </a:bodyPr>
+          <a:lstStyle/>
+          <a:p>
+            <a:r>
+              <a:rPr lang="en-US" b="1" dirty="0"/>
+              <a:t>A </a:t>
+            </a:r>
+            <a:r>
+              <a:rPr lang="en-US" b="1" dirty="0" err="1">
+                <a:solidFill>
+                  <a:srgbClr val="00B0F0"/>
+                </a:solidFill>
+              </a:rPr>
+              <a:t>pilóta</a:t>
+            </a:r>
+            <a:r>
+              <a:rPr lang="en-US" b="1" dirty="0"/>
+              <a:t>		</a:t>
+            </a:r>
+            <a:r>
+              <a:rPr lang="en-US" b="1" dirty="0" err="1"/>
+              <a:t>úgy</a:t>
+            </a:r>
+            <a:r>
+              <a:rPr lang="en-US" b="1" dirty="0"/>
+              <a:t> </a:t>
+            </a:r>
+            <a:r>
+              <a:rPr lang="en-US" b="1" dirty="0" err="1"/>
+              <a:t>vélte</a:t>
+            </a:r>
+            <a:r>
+              <a:rPr lang="en-US" b="1" dirty="0"/>
+              <a:t>	</a:t>
+            </a:r>
+            <a:r>
+              <a:rPr lang="en-US" b="1" dirty="0" err="1"/>
+              <a:t>hogy</a:t>
+            </a:r>
+            <a:r>
+              <a:rPr lang="en-US" b="1" dirty="0"/>
+              <a:t>	a </a:t>
+            </a:r>
+            <a:r>
+              <a:rPr lang="en-US" b="1" dirty="0" err="1">
+                <a:solidFill>
+                  <a:srgbClr val="00B0F0"/>
+                </a:solidFill>
+              </a:rPr>
+              <a:t>professzor</a:t>
+            </a:r>
+            <a:r>
+              <a:rPr lang="en-US" b="1" dirty="0"/>
+              <a:t>		</a:t>
+            </a:r>
+            <a:r>
+              <a:rPr lang="en-US" b="1" dirty="0" err="1"/>
+              <a:t>dicsekedett</a:t>
+            </a:r>
+            <a:r>
+              <a:rPr lang="en-US" b="1" dirty="0"/>
+              <a:t>		a </a:t>
+            </a:r>
+            <a:r>
+              <a:rPr lang="en-US" b="1" dirty="0" err="1"/>
+              <a:t>kapcsolataival</a:t>
+            </a:r>
+            <a:r>
+              <a:rPr lang="en-US" b="1" dirty="0"/>
+              <a:t>.</a:t>
+            </a:r>
+          </a:p>
+          <a:p>
+            <a:r>
+              <a:rPr lang="en-US" dirty="0"/>
+              <a:t>the pilot		</a:t>
+            </a:r>
+            <a:r>
+              <a:rPr lang="en-US" dirty="0" err="1"/>
+              <a:t>beleived</a:t>
+            </a:r>
+            <a:r>
+              <a:rPr lang="en-US" dirty="0"/>
+              <a:t>	that		the professor	boasted		the connections-3SG-INS</a:t>
+            </a:r>
+          </a:p>
+          <a:p>
+            <a:r>
+              <a:rPr lang="en-US" i="1" dirty="0"/>
+              <a:t>The pilot believed that the professor had boasted about his/her connections.	</a:t>
+            </a:r>
+            <a:r>
+              <a:rPr lang="en-US" dirty="0"/>
+              <a:t>					</a:t>
+            </a:r>
+          </a:p>
+          <a:p>
+            <a:r>
+              <a:rPr lang="en-US" b="1" dirty="0"/>
+              <a:t>A </a:t>
+            </a:r>
+            <a:r>
+              <a:rPr lang="en-US" b="1" dirty="0" err="1">
+                <a:solidFill>
+                  <a:schemeClr val="accent6">
+                    <a:lumMod val="60000"/>
+                    <a:lumOff val="40000"/>
+                  </a:schemeClr>
+                </a:solidFill>
+              </a:rPr>
+              <a:t>modell</a:t>
+            </a:r>
+            <a:r>
+              <a:rPr lang="en-US" b="1" dirty="0"/>
+              <a:t>	</a:t>
+            </a:r>
+            <a:r>
+              <a:rPr lang="en-US" b="1" dirty="0" err="1"/>
+              <a:t>úgy</a:t>
+            </a:r>
+            <a:r>
+              <a:rPr lang="en-US" b="1" dirty="0"/>
+              <a:t> </a:t>
+            </a:r>
+            <a:r>
+              <a:rPr lang="en-US" b="1" dirty="0" err="1"/>
+              <a:t>vélte</a:t>
+            </a:r>
+            <a:r>
+              <a:rPr lang="en-US" b="1" dirty="0"/>
+              <a:t>	</a:t>
+            </a:r>
+            <a:r>
+              <a:rPr lang="en-US" b="1" dirty="0" err="1"/>
+              <a:t>hogy</a:t>
+            </a:r>
+            <a:r>
+              <a:rPr lang="en-US" b="1" dirty="0"/>
+              <a:t>	a </a:t>
+            </a:r>
+            <a:r>
+              <a:rPr lang="en-US" b="1" dirty="0" err="1">
+                <a:solidFill>
+                  <a:srgbClr val="00B0F0"/>
+                </a:solidFill>
+              </a:rPr>
+              <a:t>professzor</a:t>
+            </a:r>
+            <a:r>
+              <a:rPr lang="en-US" b="1" dirty="0"/>
+              <a:t>		</a:t>
+            </a:r>
+            <a:r>
+              <a:rPr lang="en-US" b="1" dirty="0" err="1"/>
+              <a:t>dicsekedett</a:t>
+            </a:r>
+            <a:r>
+              <a:rPr lang="en-US" b="1" dirty="0"/>
+              <a:t>		a </a:t>
+            </a:r>
+            <a:r>
+              <a:rPr lang="en-US" b="1" dirty="0" err="1"/>
+              <a:t>kapcsolataival</a:t>
+            </a:r>
+            <a:r>
+              <a:rPr lang="en-US" b="1" dirty="0"/>
+              <a:t>.</a:t>
+            </a:r>
+          </a:p>
+          <a:p>
+            <a:r>
+              <a:rPr lang="en-US" dirty="0"/>
+              <a:t>the model	</a:t>
+            </a:r>
+            <a:r>
+              <a:rPr lang="en-US" dirty="0" err="1"/>
+              <a:t>beleived</a:t>
+            </a:r>
+            <a:r>
+              <a:rPr lang="en-US" dirty="0"/>
+              <a:t>	that		the professor	boasted		the connections-3SG-INS</a:t>
+            </a:r>
+          </a:p>
+          <a:p>
+            <a:r>
+              <a:rPr lang="en-US" i="1" dirty="0"/>
+              <a:t>The model believed that the professor had boasted about his/her connections.</a:t>
+            </a:r>
+            <a:r>
+              <a:rPr lang="en-US" dirty="0"/>
+              <a:t>						</a:t>
+            </a:r>
+          </a:p>
+          <a:p>
+            <a:r>
+              <a:rPr lang="en-US" b="1" dirty="0"/>
+              <a:t>A </a:t>
+            </a:r>
+            <a:r>
+              <a:rPr lang="en-US" b="1" dirty="0" err="1">
+                <a:solidFill>
+                  <a:srgbClr val="00B0F0"/>
+                </a:solidFill>
+              </a:rPr>
+              <a:t>pilóta</a:t>
+            </a:r>
+            <a:r>
+              <a:rPr lang="en-US" b="1" dirty="0"/>
+              <a:t>		</a:t>
+            </a:r>
+            <a:r>
+              <a:rPr lang="en-US" b="1" dirty="0" err="1"/>
+              <a:t>úgy</a:t>
+            </a:r>
+            <a:r>
+              <a:rPr lang="en-US" b="1" dirty="0"/>
+              <a:t> </a:t>
+            </a:r>
+            <a:r>
+              <a:rPr lang="en-US" b="1" dirty="0" err="1"/>
+              <a:t>vélte</a:t>
+            </a:r>
+            <a:r>
+              <a:rPr lang="en-US" b="1" dirty="0"/>
+              <a:t>	</a:t>
+            </a:r>
+            <a:r>
+              <a:rPr lang="en-US" b="1" dirty="0" err="1"/>
+              <a:t>hogy</a:t>
+            </a:r>
+            <a:r>
+              <a:rPr lang="en-US" b="1" dirty="0"/>
+              <a:t>	a </a:t>
+            </a:r>
+            <a:r>
+              <a:rPr lang="en-US" b="1" dirty="0" err="1">
+                <a:solidFill>
+                  <a:schemeClr val="accent6">
+                    <a:lumMod val="60000"/>
+                    <a:lumOff val="40000"/>
+                  </a:schemeClr>
+                </a:solidFill>
+              </a:rPr>
+              <a:t>modell</a:t>
+            </a:r>
+            <a:r>
+              <a:rPr lang="en-US" b="1" dirty="0"/>
+              <a:t>	</a:t>
+            </a:r>
+            <a:r>
+              <a:rPr lang="en-US" b="1" dirty="0" err="1"/>
+              <a:t>dicsekedett</a:t>
+            </a:r>
+            <a:r>
+              <a:rPr lang="en-US" b="1" dirty="0"/>
+              <a:t>		a </a:t>
+            </a:r>
+            <a:r>
+              <a:rPr lang="en-US" b="1" dirty="0" err="1"/>
+              <a:t>kapcsolataival</a:t>
+            </a:r>
+            <a:r>
+              <a:rPr lang="en-US" b="1" dirty="0"/>
+              <a:t>.</a:t>
+            </a:r>
+          </a:p>
+          <a:p>
+            <a:r>
+              <a:rPr lang="en-US" dirty="0"/>
+              <a:t>the pilot		</a:t>
+            </a:r>
+            <a:r>
+              <a:rPr lang="en-US" dirty="0" err="1"/>
+              <a:t>beleived</a:t>
+            </a:r>
+            <a:r>
+              <a:rPr lang="en-US" dirty="0"/>
+              <a:t>	that		the model	boasted		the connections-3SG-INS</a:t>
+            </a:r>
+          </a:p>
+          <a:p>
+            <a:r>
+              <a:rPr lang="en-US" i="1" dirty="0"/>
+              <a:t>The pilot believed that the model had boasted about his/her connections.	</a:t>
+            </a:r>
+            <a:r>
+              <a:rPr lang="en-US" dirty="0"/>
+              <a:t>					</a:t>
+            </a:r>
+          </a:p>
+        </p:txBody>
+      </p:sp>
+      <p:sp>
+        <p:nvSpPr>
+          <p:cNvPr id="6" name="TextBox 5">
+            <a:extLst>
+              <a:ext uri="{FF2B5EF4-FFF2-40B4-BE49-F238E27FC236}">
+                <a16:creationId xmlns:a16="http://schemas.microsoft.com/office/drawing/2014/main" id="{18777000-E4B1-C9BD-6301-F30EEFB2D265}"/>
+              </a:ext>
+            </a:extLst>
+          </p:cNvPr>
+          <p:cNvSpPr txBox="1"/>
+          <p:nvPr/>
+        </p:nvSpPr>
+        <p:spPr>
+          <a:xfrm>
+            <a:off x="1524" y="1853248"/>
+            <a:ext cx="1662684" cy="2585323"/>
+          </a:xfrm>
+          <a:prstGeom prst="rect">
+            <a:avLst/>
+          </a:prstGeom>
+          <a:noFill/>
+        </p:spPr>
+        <p:txBody>
+          <a:bodyPr wrap="square">
+            <a:spAutoFit/>
+          </a:bodyPr>
+          <a:lstStyle/>
+          <a:p>
+            <a:r>
+              <a:rPr lang="hu-HU" b="1" dirty="0" err="1">
+                <a:solidFill>
+                  <a:srgbClr val="FF0000"/>
+                </a:solidFill>
+              </a:rPr>
+              <a:t>male-male</a:t>
+            </a:r>
+            <a:endParaRPr lang="hu-HU" b="1" dirty="0">
+              <a:solidFill>
+                <a:srgbClr val="FF0000"/>
+              </a:solidFill>
+            </a:endParaRPr>
+          </a:p>
+          <a:p>
+            <a:endParaRPr lang="en-US" b="1" dirty="0">
+              <a:solidFill>
+                <a:srgbClr val="FF0000"/>
+              </a:solidFill>
+            </a:endParaRPr>
+          </a:p>
+          <a:p>
+            <a:endParaRPr lang="hu-HU" b="1" dirty="0">
+              <a:solidFill>
+                <a:srgbClr val="FF0000"/>
+              </a:solidFill>
+            </a:endParaRPr>
+          </a:p>
+          <a:p>
+            <a:endParaRPr lang="hu-HU" b="1" dirty="0">
+              <a:solidFill>
+                <a:srgbClr val="FF0000"/>
+              </a:solidFill>
+            </a:endParaRPr>
+          </a:p>
+          <a:p>
+            <a:r>
+              <a:rPr lang="hu-HU" b="1" dirty="0" err="1">
+                <a:solidFill>
+                  <a:srgbClr val="FF0000"/>
+                </a:solidFill>
+              </a:rPr>
+              <a:t>female-male</a:t>
+            </a:r>
+            <a:endParaRPr lang="hu-HU" b="1" dirty="0">
+              <a:solidFill>
+                <a:srgbClr val="FF0000"/>
+              </a:solidFill>
+            </a:endParaRPr>
+          </a:p>
+          <a:p>
+            <a:endParaRPr lang="hu-HU" b="1" dirty="0">
+              <a:solidFill>
+                <a:srgbClr val="FF0000"/>
+              </a:solidFill>
+            </a:endParaRPr>
+          </a:p>
+          <a:p>
+            <a:endParaRPr lang="en-US" b="1" dirty="0">
+              <a:solidFill>
+                <a:srgbClr val="FF0000"/>
+              </a:solidFill>
+            </a:endParaRPr>
+          </a:p>
+          <a:p>
+            <a:endParaRPr lang="hu-HU" b="1" dirty="0">
+              <a:solidFill>
+                <a:srgbClr val="FF0000"/>
+              </a:solidFill>
+            </a:endParaRPr>
+          </a:p>
+          <a:p>
+            <a:r>
+              <a:rPr lang="hu-HU" b="1" dirty="0" err="1">
+                <a:solidFill>
+                  <a:srgbClr val="FF0000"/>
+                </a:solidFill>
+              </a:rPr>
+              <a:t>male-female</a:t>
+            </a:r>
+            <a:endParaRPr lang="hu-HU" b="1" dirty="0">
+              <a:solidFill>
+                <a:srgbClr val="FF0000"/>
+              </a:solidFill>
+            </a:endParaRPr>
+          </a:p>
+        </p:txBody>
+      </p:sp>
+    </p:spTree>
+    <p:extLst>
+      <p:ext uri="{BB962C8B-B14F-4D97-AF65-F5344CB8AC3E}">
+        <p14:creationId xmlns:p14="http://schemas.microsoft.com/office/powerpoint/2010/main" val="2754863934"/>
+      </p:ext>
+    </p:extLst>
+  </p:cSld>
+  <p:clrMapOvr>
+    <a:masterClrMapping/>
+  </p:clrMapOvr>
+</p:sld>
+</file>
+
+<file path=ppt/slides/slide15.xml><?xml version="1.0" encoding="utf-8"?>
+<p:sld xmlns:a="http://schemas.openxmlformats.org/drawingml/2006/main" xmlns:r="http://schemas.openxmlformats.org/officeDocument/2006/relationships" xmlns:p="http://schemas.openxmlformats.org/presentationml/2006/main">
+  <p:cSld>
+    <p:spTree>
+      <p:nvGrpSpPr>
+        <p:cNvPr id="1" name="">
+          <a:extLst>
+            <a:ext uri="{FF2B5EF4-FFF2-40B4-BE49-F238E27FC236}">
+              <a16:creationId xmlns:a16="http://schemas.microsoft.com/office/drawing/2014/main" id="{A0C5AD13-20C4-49BA-B6F2-1F1D29948FE0}"/>
+            </a:ext>
+          </a:extLst>
+        </p:cNvPr>
+        <p:cNvGrpSpPr/>
+        <p:nvPr/>
+      </p:nvGrpSpPr>
+      <p:grpSpPr>
+        <a:xfrm>
+          <a:off x="0" y="0"/>
+          <a:ext cx="0" cy="0"/>
+          <a:chOff x="0" y="0"/>
+          <a:chExt cx="0" cy="0"/>
+        </a:xfrm>
+      </p:grpSpPr>
+      <p:sp>
+        <p:nvSpPr>
+          <p:cNvPr id="2" name="Title 1">
+            <a:extLst>
+              <a:ext uri="{FF2B5EF4-FFF2-40B4-BE49-F238E27FC236}">
+                <a16:creationId xmlns:a16="http://schemas.microsoft.com/office/drawing/2014/main" id="{F56E5384-7F2F-1802-F140-ED2F1AF64F85}"/>
+              </a:ext>
+            </a:extLst>
+          </p:cNvPr>
+          <p:cNvSpPr>
+            <a:spLocks noGrp="1"/>
+          </p:cNvSpPr>
+          <p:nvPr>
+            <p:ph type="title"/>
+          </p:nvPr>
+        </p:nvSpPr>
+        <p:spPr/>
+        <p:txBody>
+          <a:bodyPr/>
+          <a:lstStyle/>
+          <a:p>
+            <a:r>
+              <a:rPr lang="en-US" dirty="0"/>
+              <a:t>Two experiments: 2</a:t>
+            </a:r>
+            <a:endParaRPr lang="hu-HU" dirty="0"/>
+          </a:p>
+        </p:txBody>
+      </p:sp>
+      <p:sp>
+        <p:nvSpPr>
+          <p:cNvPr id="3" name="Content Placeholder 2">
+            <a:extLst>
+              <a:ext uri="{FF2B5EF4-FFF2-40B4-BE49-F238E27FC236}">
+                <a16:creationId xmlns:a16="http://schemas.microsoft.com/office/drawing/2014/main" id="{3D921E8D-55E4-EE48-FD30-F01B4EA07AA4}"/>
+              </a:ext>
+            </a:extLst>
+          </p:cNvPr>
+          <p:cNvSpPr>
+            <a:spLocks noGrp="1"/>
+          </p:cNvSpPr>
+          <p:nvPr>
+            <p:ph idx="1"/>
+          </p:nvPr>
+        </p:nvSpPr>
+        <p:spPr>
+          <a:xfrm>
+            <a:off x="1103312" y="2052918"/>
+            <a:ext cx="8946541" cy="4677066"/>
+          </a:xfrm>
+        </p:spPr>
+        <p:txBody>
+          <a:bodyPr>
+            <a:normAutofit/>
+          </a:bodyPr>
+          <a:lstStyle/>
+          <a:p>
+            <a:pPr marL="457200" indent="-457200">
+              <a:buFont typeface="+mj-lt"/>
+              <a:buAutoNum type="arabicPeriod"/>
+            </a:pPr>
+            <a:r>
+              <a:rPr lang="en-US" dirty="0">
+                <a:solidFill>
+                  <a:schemeClr val="tx1">
+                    <a:lumMod val="75000"/>
+                  </a:schemeClr>
+                </a:solidFill>
+              </a:rPr>
+              <a:t>Hungarian focus constructions – exclusivity vs. </a:t>
+            </a:r>
+            <a:r>
+              <a:rPr lang="en-US" dirty="0" err="1">
+                <a:solidFill>
+                  <a:schemeClr val="tx1">
+                    <a:lumMod val="75000"/>
+                  </a:schemeClr>
+                </a:solidFill>
+              </a:rPr>
+              <a:t>contrastivity</a:t>
+            </a:r>
+            <a:endParaRPr lang="en-US" dirty="0">
+              <a:solidFill>
+                <a:schemeClr val="tx1">
+                  <a:lumMod val="75000"/>
+                </a:schemeClr>
+              </a:solidFill>
+            </a:endParaRPr>
+          </a:p>
+          <a:p>
+            <a:pPr marL="857250" lvl="1" indent="-457200"/>
+            <a:r>
+              <a:rPr lang="en-US" dirty="0">
+                <a:solidFill>
+                  <a:schemeClr val="tx1">
+                    <a:lumMod val="75000"/>
+                  </a:schemeClr>
+                </a:solidFill>
+              </a:rPr>
+              <a:t>Testing if Hungarian focus is exhaustive by default, or if it can be contrastive.</a:t>
+            </a:r>
+          </a:p>
+          <a:p>
+            <a:pPr marL="857250" lvl="1" indent="-457200"/>
+            <a:endParaRPr lang="en-US" dirty="0">
+              <a:solidFill>
+                <a:schemeClr val="tx1">
+                  <a:lumMod val="75000"/>
+                </a:schemeClr>
+              </a:solidFill>
+            </a:endParaRPr>
+          </a:p>
+          <a:p>
+            <a:pPr marL="857250" lvl="1" indent="-457200"/>
+            <a:endParaRPr lang="en-US" dirty="0">
+              <a:solidFill>
+                <a:schemeClr val="tx1">
+                  <a:lumMod val="75000"/>
+                </a:schemeClr>
+              </a:solidFill>
+            </a:endParaRPr>
+          </a:p>
+          <a:p>
+            <a:pPr marL="857250" lvl="1" indent="-457200"/>
+            <a:endParaRPr lang="en-US" dirty="0">
+              <a:solidFill>
+                <a:schemeClr val="tx1">
+                  <a:lumMod val="75000"/>
+                </a:schemeClr>
+              </a:solidFill>
+            </a:endParaRPr>
+          </a:p>
+          <a:p>
+            <a:pPr marL="857250" lvl="1" indent="-457200"/>
+            <a:endParaRPr lang="en-US" dirty="0">
+              <a:solidFill>
+                <a:schemeClr val="tx1">
+                  <a:lumMod val="75000"/>
+                </a:schemeClr>
+              </a:solidFill>
+            </a:endParaRPr>
+          </a:p>
+          <a:p>
+            <a:pPr marL="857250" lvl="1" indent="-457200"/>
+            <a:endParaRPr lang="en-US" dirty="0">
+              <a:solidFill>
+                <a:schemeClr val="tx1">
+                  <a:lumMod val="75000"/>
+                </a:schemeClr>
+              </a:solidFill>
+            </a:endParaRPr>
+          </a:p>
+          <a:p>
+            <a:pPr marL="457200" indent="-457200">
+              <a:buFont typeface="+mj-lt"/>
+              <a:buAutoNum type="arabicPeriod"/>
+            </a:pPr>
+            <a:r>
+              <a:rPr lang="en-US" dirty="0">
+                <a:solidFill>
+                  <a:schemeClr val="tx1">
+                    <a:lumMod val="75000"/>
+                  </a:schemeClr>
+                </a:solidFill>
+              </a:rPr>
+              <a:t>Verbal directionality and social bias</a:t>
+            </a:r>
+          </a:p>
+          <a:p>
+            <a:pPr marL="685800" lvl="1"/>
+            <a:r>
+              <a:rPr lang="en-US" dirty="0">
+                <a:solidFill>
+                  <a:schemeClr val="tx1">
+                    <a:lumMod val="75000"/>
+                  </a:schemeClr>
+                </a:solidFill>
+              </a:rPr>
+              <a:t>Testing if gender/status/societal bias can change verb directionality </a:t>
+            </a:r>
+          </a:p>
+          <a:p>
+            <a:pPr marL="685800" lvl="1"/>
+            <a:r>
+              <a:rPr lang="en-US" dirty="0">
+                <a:solidFill>
+                  <a:schemeClr val="tx1">
+                    <a:lumMod val="75000"/>
+                  </a:schemeClr>
+                </a:solidFill>
+              </a:rPr>
+              <a:t>2 halves, 3 conditions, 18 items</a:t>
+            </a:r>
+          </a:p>
+        </p:txBody>
+      </p:sp>
+      <p:sp>
+        <p:nvSpPr>
+          <p:cNvPr id="4" name="TextBox 3">
+            <a:extLst>
+              <a:ext uri="{FF2B5EF4-FFF2-40B4-BE49-F238E27FC236}">
+                <a16:creationId xmlns:a16="http://schemas.microsoft.com/office/drawing/2014/main" id="{F4A02650-B80E-3B90-8E70-7742D298E8AA}"/>
+              </a:ext>
+            </a:extLst>
+          </p:cNvPr>
+          <p:cNvSpPr txBox="1"/>
+          <p:nvPr/>
+        </p:nvSpPr>
+        <p:spPr>
+          <a:xfrm>
+            <a:off x="2670047" y="3429000"/>
+            <a:ext cx="7379805" cy="1384995"/>
+          </a:xfrm>
+          <a:prstGeom prst="rect">
+            <a:avLst/>
+          </a:prstGeom>
+          <a:noFill/>
+        </p:spPr>
+        <p:txBody>
+          <a:bodyPr wrap="square">
+            <a:spAutoFit/>
+          </a:bodyPr>
+          <a:lstStyle/>
+          <a:p>
+            <a:r>
+              <a:rPr lang="en-US" sz="2800" dirty="0"/>
+              <a:t>The two will serve as each other’s fillers.</a:t>
+            </a:r>
+          </a:p>
+          <a:p>
+            <a:endParaRPr lang="en-US" sz="2800" dirty="0"/>
+          </a:p>
+          <a:p>
+            <a:r>
+              <a:rPr lang="en-US" sz="2800" dirty="0"/>
+              <a:t>Stimuli is ready but needs checking.</a:t>
+            </a:r>
+          </a:p>
+        </p:txBody>
+      </p:sp>
+    </p:spTree>
+    <p:extLst>
+      <p:ext uri="{BB962C8B-B14F-4D97-AF65-F5344CB8AC3E}">
+        <p14:creationId xmlns:p14="http://schemas.microsoft.com/office/powerpoint/2010/main" val="892944558"/>
+      </p:ext>
+    </p:extLst>
+  </p:cSld>
+  <p:clrMapOvr>
+    <a:masterClrMapping/>
+  </p:clrMapOvr>
+</p:sld>
+</file>
+
+<file path=ppt/slides/slide16.xml><?xml version="1.0" encoding="utf-8"?>
+<p:sld xmlns:a="http://schemas.openxmlformats.org/drawingml/2006/main" xmlns:r="http://schemas.openxmlformats.org/officeDocument/2006/relationships" xmlns:p="http://schemas.openxmlformats.org/presentationml/2006/main">
+  <p:cSld>
+    <p:spTree>
+      <p:nvGrpSpPr>
+        <p:cNvPr id="1" name=""/>
+        <p:cNvGrpSpPr/>
+        <p:nvPr/>
+      </p:nvGrpSpPr>
+      <p:grpSpPr>
+        <a:xfrm>
+          <a:off x="0" y="0"/>
+          <a:ext cx="0" cy="0"/>
+          <a:chOff x="0" y="0"/>
+          <a:chExt cx="0" cy="0"/>
+        </a:xfrm>
+      </p:grpSpPr>
+      <p:sp>
+        <p:nvSpPr>
+          <p:cNvPr id="2" name="Title 1">
+            <a:extLst>
+              <a:ext uri="{FF2B5EF4-FFF2-40B4-BE49-F238E27FC236}">
+                <a16:creationId xmlns:a16="http://schemas.microsoft.com/office/drawing/2014/main" id="{91FCF9AA-6F57-1254-0EF0-7DC6B201CF5B}"/>
+              </a:ext>
+            </a:extLst>
+          </p:cNvPr>
+          <p:cNvSpPr>
+            <a:spLocks noGrp="1"/>
+          </p:cNvSpPr>
+          <p:nvPr>
+            <p:ph type="title"/>
+          </p:nvPr>
+        </p:nvSpPr>
+        <p:spPr/>
+        <p:txBody>
+          <a:bodyPr/>
+          <a:lstStyle/>
+          <a:p>
+            <a:r>
+              <a:rPr lang="en-US" dirty="0"/>
+              <a:t>Experiment design</a:t>
+            </a:r>
+            <a:endParaRPr lang="hu-HU" dirty="0"/>
+          </a:p>
+        </p:txBody>
+      </p:sp>
+      <p:sp>
+        <p:nvSpPr>
+          <p:cNvPr id="3" name="Content Placeholder 2">
+            <a:extLst>
+              <a:ext uri="{FF2B5EF4-FFF2-40B4-BE49-F238E27FC236}">
+                <a16:creationId xmlns:a16="http://schemas.microsoft.com/office/drawing/2014/main" id="{2868C5BE-4602-155B-77CD-F051F5464F10}"/>
+              </a:ext>
+            </a:extLst>
+          </p:cNvPr>
+          <p:cNvSpPr>
+            <a:spLocks noGrp="1"/>
+          </p:cNvSpPr>
+          <p:nvPr>
+            <p:ph idx="1"/>
+          </p:nvPr>
+        </p:nvSpPr>
+        <p:spPr>
+          <a:xfrm>
+            <a:off x="1103313" y="2052918"/>
+            <a:ext cx="4209352" cy="4195481"/>
+          </a:xfrm>
+        </p:spPr>
+        <p:txBody>
+          <a:bodyPr/>
+          <a:lstStyle/>
+          <a:p>
+            <a:pPr marL="0" indent="0">
+              <a:buNone/>
+            </a:pPr>
+            <a:r>
+              <a:rPr lang="en-US" sz="3600" dirty="0"/>
+              <a:t>1</a:t>
+            </a:r>
+            <a:endParaRPr lang="en-US" sz="3200" dirty="0"/>
+          </a:p>
+          <a:p>
+            <a:r>
+              <a:rPr lang="en-US" dirty="0"/>
+              <a:t>Preview of image pair</a:t>
+            </a:r>
+          </a:p>
+          <a:p>
+            <a:r>
+              <a:rPr lang="en-US" dirty="0"/>
+              <a:t>+</a:t>
+            </a:r>
+          </a:p>
+          <a:p>
+            <a:r>
+              <a:rPr lang="en-US" dirty="0"/>
+              <a:t>Self-paced reading of sentence in fixed window</a:t>
+            </a:r>
+          </a:p>
+          <a:p>
+            <a:r>
+              <a:rPr lang="en-US" dirty="0"/>
+              <a:t>+</a:t>
+            </a:r>
+          </a:p>
+          <a:p>
+            <a:r>
+              <a:rPr lang="en-US" dirty="0"/>
+              <a:t>Choice from image pair</a:t>
+            </a:r>
+          </a:p>
+          <a:p>
+            <a:endParaRPr lang="hu-HU" dirty="0"/>
+          </a:p>
+        </p:txBody>
+      </p:sp>
+      <p:sp>
+        <p:nvSpPr>
+          <p:cNvPr id="4" name="Right Brace 3">
+            <a:extLst>
+              <a:ext uri="{FF2B5EF4-FFF2-40B4-BE49-F238E27FC236}">
+                <a16:creationId xmlns:a16="http://schemas.microsoft.com/office/drawing/2014/main" id="{6389A1B4-87D2-0B9D-9E18-FEED5246742F}"/>
+              </a:ext>
+            </a:extLst>
+          </p:cNvPr>
+          <p:cNvSpPr/>
+          <p:nvPr/>
+        </p:nvSpPr>
+        <p:spPr>
+          <a:xfrm>
+            <a:off x="4854593" y="4694355"/>
+            <a:ext cx="229036" cy="435429"/>
+          </a:xfrm>
+          <a:prstGeom prst="rightBrace">
+            <a:avLst/>
+          </a:prstGeom>
+          <a:ln w="38100"/>
+        </p:spPr>
+        <p:style>
+          <a:lnRef idx="1">
+            <a:schemeClr val="accent1"/>
+          </a:lnRef>
+          <a:fillRef idx="0">
+            <a:schemeClr val="accent1"/>
+          </a:fillRef>
+          <a:effectRef idx="0">
+            <a:schemeClr val="accent1"/>
+          </a:effectRef>
+          <a:fontRef idx="minor">
+            <a:schemeClr val="tx1"/>
+          </a:fontRef>
+        </p:style>
+        <p:txBody>
+          <a:bodyPr rtlCol="0" anchor="ctr"/>
+          <a:lstStyle/>
+          <a:p>
+            <a:pPr algn="ctr"/>
+            <a:endParaRPr lang="hu-HU"/>
+          </a:p>
+        </p:txBody>
+      </p:sp>
+      <p:sp>
+        <p:nvSpPr>
+          <p:cNvPr id="5" name="Rectangle: Rounded Corners 4">
+            <a:extLst>
+              <a:ext uri="{FF2B5EF4-FFF2-40B4-BE49-F238E27FC236}">
+                <a16:creationId xmlns:a16="http://schemas.microsoft.com/office/drawing/2014/main" id="{E6668652-35AF-EA75-B2A3-1F9387A998C7}"/>
+              </a:ext>
+            </a:extLst>
+          </p:cNvPr>
+          <p:cNvSpPr/>
+          <p:nvPr/>
+        </p:nvSpPr>
+        <p:spPr>
+          <a:xfrm>
+            <a:off x="5312665" y="4636008"/>
+            <a:ext cx="604272" cy="512064"/>
+          </a:xfrm>
+          <a:prstGeom prst="roundRect">
+            <a:avLst/>
+          </a:prstGeom>
+        </p:spPr>
+        <p:style>
+          <a:lnRef idx="2">
+            <a:schemeClr val="accent1">
+              <a:shade val="15000"/>
+            </a:schemeClr>
+          </a:lnRef>
+          <a:fillRef idx="1">
+            <a:schemeClr val="accent1"/>
+          </a:fillRef>
+          <a:effectRef idx="0">
+            <a:schemeClr val="accent1"/>
+          </a:effectRef>
+          <a:fontRef idx="minor">
+            <a:schemeClr val="lt1"/>
+          </a:fontRef>
+        </p:style>
+        <p:txBody>
+          <a:bodyPr rtlCol="0" anchor="ctr"/>
+          <a:lstStyle/>
+          <a:p>
+            <a:pPr algn="ctr"/>
+            <a:r>
+              <a:rPr lang="en-US" dirty="0"/>
+              <a:t>ET</a:t>
+            </a:r>
+            <a:endParaRPr lang="hu-HU" dirty="0"/>
+          </a:p>
+        </p:txBody>
+      </p:sp>
+      <p:sp>
+        <p:nvSpPr>
+          <p:cNvPr id="6" name="Content Placeholder 2">
+            <a:extLst>
+              <a:ext uri="{FF2B5EF4-FFF2-40B4-BE49-F238E27FC236}">
+                <a16:creationId xmlns:a16="http://schemas.microsoft.com/office/drawing/2014/main" id="{DAA79554-0DF1-3A99-66C4-CD47F3F677AC}"/>
+              </a:ext>
+            </a:extLst>
+          </p:cNvPr>
+          <p:cNvSpPr txBox="1">
+            <a:spLocks/>
+          </p:cNvSpPr>
+          <p:nvPr/>
+        </p:nvSpPr>
+        <p:spPr>
+          <a:xfrm>
+            <a:off x="6586665" y="2052918"/>
+            <a:ext cx="4209352" cy="4195481"/>
+          </a:xfrm>
+          <a:prstGeom prst="rect">
+            <a:avLst/>
+          </a:prstGeom>
+        </p:spPr>
+        <p:txBody>
+          <a:bodyPr vert="horz" lIns="91440" tIns="45720" rIns="91440" bIns="45720" rtlCol="0">
+            <a:normAutofit/>
+          </a:bodyPr>
+          <a:lstStyle>
+            <a:lvl1pPr marL="342900" indent="-342900" algn="l" defTabSz="457200" rtl="0" eaLnBrk="1" latinLnBrk="0" hangingPunct="1">
+              <a:spcBef>
+                <a:spcPts val="1000"/>
+              </a:spcBef>
+              <a:spcAft>
+                <a:spcPts val="0"/>
+              </a:spcAft>
+              <a:buClr>
+                <a:schemeClr val="bg2">
+                  <a:lumMod val="40000"/>
+                  <a:lumOff val="60000"/>
+                </a:schemeClr>
+              </a:buClr>
+              <a:buSzPct val="80000"/>
+              <a:buFont typeface="Wingdings 3" charset="2"/>
+              <a:buChar char=""/>
+              <a:defRPr sz="2000" b="0" i="0" kern="1200">
+                <a:solidFill>
+                  <a:schemeClr val="tx1"/>
+                </a:solidFill>
+                <a:latin typeface="+mj-lt"/>
+                <a:ea typeface="+mj-ea"/>
+                <a:cs typeface="+mj-cs"/>
+              </a:defRPr>
+            </a:lvl1pPr>
+            <a:lvl2pPr marL="742950" indent="-285750" algn="l" defTabSz="457200" rtl="0" eaLnBrk="1" latinLnBrk="0" hangingPunct="1">
+              <a:spcBef>
+                <a:spcPts val="1000"/>
+              </a:spcBef>
+              <a:spcAft>
+                <a:spcPts val="0"/>
+              </a:spcAft>
+              <a:buClr>
+                <a:schemeClr val="bg2">
+                  <a:lumMod val="40000"/>
+                  <a:lumOff val="60000"/>
+                </a:schemeClr>
+              </a:buClr>
+              <a:buSzPct val="80000"/>
+              <a:buFont typeface="Wingdings 3" charset="2"/>
+              <a:buChar char=""/>
+              <a:defRPr sz="1800" b="0" i="0" kern="1200">
+                <a:solidFill>
+                  <a:schemeClr val="tx1"/>
+                </a:solidFill>
+                <a:latin typeface="+mj-lt"/>
+                <a:ea typeface="+mj-ea"/>
+                <a:cs typeface="+mj-cs"/>
+              </a:defRPr>
+            </a:lvl2pPr>
+            <a:lvl3pPr marL="1143000" indent="-228600" algn="l" defTabSz="457200" rtl="0" eaLnBrk="1" latinLnBrk="0" hangingPunct="1">
+              <a:spcBef>
+                <a:spcPts val="1000"/>
+              </a:spcBef>
+              <a:spcAft>
+                <a:spcPts val="0"/>
+              </a:spcAft>
+              <a:buClr>
+                <a:schemeClr val="bg2">
+                  <a:lumMod val="40000"/>
+                  <a:lumOff val="60000"/>
+                </a:schemeClr>
+              </a:buClr>
+              <a:buSzPct val="80000"/>
+              <a:buFont typeface="Wingdings 3" charset="2"/>
+              <a:buChar char=""/>
+              <a:defRPr sz="1600" b="0" i="0" kern="1200">
+                <a:solidFill>
+                  <a:schemeClr val="tx1"/>
+                </a:solidFill>
+                <a:latin typeface="+mj-lt"/>
+                <a:ea typeface="+mj-ea"/>
+                <a:cs typeface="+mj-cs"/>
+              </a:defRPr>
+            </a:lvl3pPr>
+            <a:lvl4pPr marL="1600200" indent="-228600" algn="l" defTabSz="457200" rtl="0" eaLnBrk="1" latinLnBrk="0" hangingPunct="1">
+              <a:spcBef>
+                <a:spcPts val="1000"/>
+              </a:spcBef>
+              <a:spcAft>
+                <a:spcPts val="0"/>
+              </a:spcAft>
+              <a:buClr>
+                <a:schemeClr val="bg2">
+                  <a:lumMod val="40000"/>
+                  <a:lumOff val="60000"/>
+                </a:schemeClr>
+              </a:buClr>
+              <a:buSzPct val="80000"/>
+              <a:buFont typeface="Wingdings 3" charset="2"/>
+              <a:buChar char=""/>
+              <a:defRPr sz="1400" b="0" i="0" kern="1200">
+                <a:solidFill>
+                  <a:schemeClr val="tx1"/>
+                </a:solidFill>
+                <a:latin typeface="+mj-lt"/>
+                <a:ea typeface="+mj-ea"/>
+                <a:cs typeface="+mj-cs"/>
+              </a:defRPr>
+            </a:lvl4pPr>
+            <a:lvl5pPr marL="2057400" indent="-228600" algn="l" defTabSz="457200" rtl="0" eaLnBrk="1" latinLnBrk="0" hangingPunct="1">
+              <a:spcBef>
+                <a:spcPts val="1000"/>
+              </a:spcBef>
+              <a:spcAft>
+                <a:spcPts val="0"/>
+              </a:spcAft>
+              <a:buClr>
+                <a:schemeClr val="bg2">
+                  <a:lumMod val="40000"/>
+                  <a:lumOff val="60000"/>
+                </a:schemeClr>
+              </a:buClr>
+              <a:buSzPct val="80000"/>
+              <a:buFont typeface="Wingdings 3" charset="2"/>
+              <a:buChar char=""/>
+              <a:defRPr sz="1400" b="0" i="0" kern="1200">
+                <a:solidFill>
+                  <a:schemeClr val="tx1"/>
+                </a:solidFill>
+                <a:latin typeface="+mj-lt"/>
+                <a:ea typeface="+mj-ea"/>
+                <a:cs typeface="+mj-cs"/>
+              </a:defRPr>
+            </a:lvl5pPr>
+            <a:lvl6pPr marL="2506000" indent="-228600" algn="l" defTabSz="457200" rtl="0" eaLnBrk="1" latinLnBrk="0" hangingPunct="1">
+              <a:spcBef>
+                <a:spcPts val="1000"/>
+              </a:spcBef>
+              <a:spcAft>
+                <a:spcPts val="0"/>
+              </a:spcAft>
+              <a:buClr>
+                <a:schemeClr val="bg2">
+                  <a:lumMod val="40000"/>
+                  <a:lumOff val="60000"/>
+                </a:schemeClr>
+              </a:buClr>
+              <a:buSzPct val="80000"/>
+              <a:buFont typeface="Wingdings 3" charset="2"/>
+              <a:buChar char=""/>
+              <a:defRPr sz="1400" b="0" i="0" kern="1200">
+                <a:solidFill>
+                  <a:schemeClr val="tx1"/>
+                </a:solidFill>
+                <a:latin typeface="+mj-lt"/>
+                <a:ea typeface="+mj-ea"/>
+                <a:cs typeface="+mj-cs"/>
+              </a:defRPr>
+            </a:lvl6pPr>
+            <a:lvl7pPr marL="2971800" indent="-228600" algn="l" defTabSz="457200" rtl="0" eaLnBrk="1" latinLnBrk="0" hangingPunct="1">
+              <a:spcBef>
+                <a:spcPts val="1000"/>
+              </a:spcBef>
+              <a:spcAft>
+                <a:spcPts val="0"/>
+              </a:spcAft>
+              <a:buClr>
+                <a:schemeClr val="bg2">
+                  <a:lumMod val="40000"/>
+                  <a:lumOff val="60000"/>
+                </a:schemeClr>
+              </a:buClr>
+              <a:buSzPct val="80000"/>
+              <a:buFont typeface="Wingdings 3" charset="2"/>
+              <a:buChar char=""/>
+              <a:defRPr sz="1400" b="0" i="0" kern="1200">
+                <a:solidFill>
+                  <a:schemeClr val="tx1"/>
+                </a:solidFill>
+                <a:latin typeface="+mj-lt"/>
+                <a:ea typeface="+mj-ea"/>
+                <a:cs typeface="+mj-cs"/>
+              </a:defRPr>
+            </a:lvl7pPr>
+            <a:lvl8pPr marL="3429000" indent="-228600" algn="l" defTabSz="457200" rtl="0" eaLnBrk="1" latinLnBrk="0" hangingPunct="1">
+              <a:spcBef>
+                <a:spcPts val="1000"/>
+              </a:spcBef>
+              <a:spcAft>
+                <a:spcPts val="0"/>
+              </a:spcAft>
+              <a:buClr>
+                <a:schemeClr val="bg2">
+                  <a:lumMod val="40000"/>
+                  <a:lumOff val="60000"/>
+                </a:schemeClr>
+              </a:buClr>
+              <a:buSzPct val="80000"/>
+              <a:buFont typeface="Wingdings 3" charset="2"/>
+              <a:buChar char=""/>
+              <a:defRPr sz="1400" b="0" i="0" kern="1200">
+                <a:solidFill>
+                  <a:schemeClr val="tx1"/>
+                </a:solidFill>
+                <a:latin typeface="+mj-lt"/>
+                <a:ea typeface="+mj-ea"/>
+                <a:cs typeface="+mj-cs"/>
+              </a:defRPr>
+            </a:lvl8pPr>
+            <a:lvl9pPr marL="3886200" indent="-228600" algn="l" defTabSz="457200" rtl="0" eaLnBrk="1" latinLnBrk="0" hangingPunct="1">
+              <a:spcBef>
+                <a:spcPts val="1000"/>
+              </a:spcBef>
+              <a:spcAft>
+                <a:spcPts val="0"/>
+              </a:spcAft>
+              <a:buClr>
+                <a:schemeClr val="bg2">
+                  <a:lumMod val="40000"/>
+                  <a:lumOff val="60000"/>
+                </a:schemeClr>
+              </a:buClr>
+              <a:buSzPct val="80000"/>
+              <a:buFont typeface="Wingdings 3" charset="2"/>
+              <a:buChar char=""/>
+              <a:defRPr sz="1400" b="0" i="0" kern="1200">
+                <a:solidFill>
+                  <a:schemeClr val="tx1"/>
+                </a:solidFill>
+                <a:latin typeface="+mj-lt"/>
+                <a:ea typeface="+mj-ea"/>
+                <a:cs typeface="+mj-cs"/>
+              </a:defRPr>
+            </a:lvl9pPr>
+          </a:lstStyle>
+          <a:p>
+            <a:pPr marL="0" indent="0">
+              <a:buFont typeface="Wingdings 3" charset="2"/>
+              <a:buNone/>
+            </a:pPr>
+            <a:r>
+              <a:rPr lang="en-US" sz="3600" dirty="0"/>
+              <a:t>2</a:t>
+            </a:r>
+          </a:p>
+          <a:p>
+            <a:r>
+              <a:rPr lang="en-US" dirty="0"/>
+              <a:t>Preview of word pair</a:t>
+            </a:r>
+          </a:p>
+          <a:p>
+            <a:r>
+              <a:rPr lang="en-US" dirty="0"/>
+              <a:t>+</a:t>
+            </a:r>
+          </a:p>
+          <a:p>
+            <a:r>
+              <a:rPr lang="en-US" dirty="0"/>
+              <a:t>Self-paced reading of sentence in fixed window</a:t>
+            </a:r>
+          </a:p>
+          <a:p>
+            <a:r>
+              <a:rPr lang="en-US" b="1" dirty="0"/>
+              <a:t>Question</a:t>
+            </a:r>
+          </a:p>
+          <a:p>
+            <a:r>
+              <a:rPr lang="en-US" dirty="0"/>
+              <a:t>+</a:t>
+            </a:r>
+          </a:p>
+          <a:p>
+            <a:r>
+              <a:rPr lang="en-US" dirty="0"/>
+              <a:t>Choice from word pair</a:t>
+            </a:r>
+          </a:p>
+          <a:p>
+            <a:endParaRPr lang="hu-HU" dirty="0"/>
+          </a:p>
+        </p:txBody>
+      </p:sp>
+      <p:sp>
+        <p:nvSpPr>
+          <p:cNvPr id="7" name="Right Brace 6">
+            <a:extLst>
+              <a:ext uri="{FF2B5EF4-FFF2-40B4-BE49-F238E27FC236}">
+                <a16:creationId xmlns:a16="http://schemas.microsoft.com/office/drawing/2014/main" id="{4B4D6ADF-472D-D6B2-755B-CE7B46030945}"/>
+              </a:ext>
+            </a:extLst>
+          </p:cNvPr>
+          <p:cNvSpPr/>
+          <p:nvPr/>
+        </p:nvSpPr>
+        <p:spPr>
+          <a:xfrm>
+            <a:off x="10310513" y="5114979"/>
+            <a:ext cx="229036" cy="435429"/>
+          </a:xfrm>
+          <a:prstGeom prst="rightBrace">
+            <a:avLst/>
+          </a:prstGeom>
+          <a:ln w="38100"/>
+        </p:spPr>
+        <p:style>
+          <a:lnRef idx="1">
+            <a:schemeClr val="accent1"/>
+          </a:lnRef>
+          <a:fillRef idx="0">
+            <a:schemeClr val="accent1"/>
+          </a:fillRef>
+          <a:effectRef idx="0">
+            <a:schemeClr val="accent1"/>
+          </a:effectRef>
+          <a:fontRef idx="minor">
+            <a:schemeClr val="tx1"/>
+          </a:fontRef>
+        </p:style>
+        <p:txBody>
+          <a:bodyPr rtlCol="0" anchor="ctr"/>
+          <a:lstStyle/>
+          <a:p>
+            <a:pPr algn="ctr"/>
+            <a:endParaRPr lang="hu-HU"/>
+          </a:p>
+        </p:txBody>
+      </p:sp>
+      <p:sp>
+        <p:nvSpPr>
+          <p:cNvPr id="8" name="Rectangle: Rounded Corners 7">
+            <a:extLst>
+              <a:ext uri="{FF2B5EF4-FFF2-40B4-BE49-F238E27FC236}">
+                <a16:creationId xmlns:a16="http://schemas.microsoft.com/office/drawing/2014/main" id="{14DAE624-173C-D3E4-BF6F-AC6CD5478F5C}"/>
+              </a:ext>
+            </a:extLst>
+          </p:cNvPr>
+          <p:cNvSpPr/>
+          <p:nvPr/>
+        </p:nvSpPr>
+        <p:spPr>
+          <a:xfrm>
+            <a:off x="10768585" y="5056632"/>
+            <a:ext cx="604272" cy="512064"/>
+          </a:xfrm>
+          <a:prstGeom prst="roundRect">
+            <a:avLst/>
+          </a:prstGeom>
+        </p:spPr>
+        <p:style>
+          <a:lnRef idx="2">
+            <a:schemeClr val="accent1">
+              <a:shade val="15000"/>
+            </a:schemeClr>
+          </a:lnRef>
+          <a:fillRef idx="1">
+            <a:schemeClr val="accent1"/>
+          </a:fillRef>
+          <a:effectRef idx="0">
+            <a:schemeClr val="accent1"/>
+          </a:effectRef>
+          <a:fontRef idx="minor">
+            <a:schemeClr val="lt1"/>
+          </a:fontRef>
+        </p:style>
+        <p:txBody>
+          <a:bodyPr rtlCol="0" anchor="ctr"/>
+          <a:lstStyle/>
+          <a:p>
+            <a:pPr algn="ctr"/>
+            <a:r>
+              <a:rPr lang="en-US" dirty="0"/>
+              <a:t>ET</a:t>
+            </a:r>
+            <a:endParaRPr lang="hu-HU" dirty="0"/>
+          </a:p>
+        </p:txBody>
+      </p:sp>
+    </p:spTree>
+    <p:extLst>
+      <p:ext uri="{BB962C8B-B14F-4D97-AF65-F5344CB8AC3E}">
+        <p14:creationId xmlns:p14="http://schemas.microsoft.com/office/powerpoint/2010/main" val="4133974277"/>
+      </p:ext>
+    </p:extLst>
+  </p:cSld>
+  <p:clrMapOvr>
+    <a:masterClrMapping/>
+  </p:clrMapOvr>
+</p:sld>
+</file>
+
+<file path=ppt/slides/slide17.xml><?xml version="1.0" encoding="utf-8"?>
+<p:sld xmlns:a="http://schemas.openxmlformats.org/drawingml/2006/main" xmlns:r="http://schemas.openxmlformats.org/officeDocument/2006/relationships" xmlns:p="http://schemas.openxmlformats.org/presentationml/2006/main">
+  <p:cSld>
+    <p:spTree>
+      <p:nvGrpSpPr>
+        <p:cNvPr id="1" name="">
+          <a:extLst>
+            <a:ext uri="{FF2B5EF4-FFF2-40B4-BE49-F238E27FC236}">
+              <a16:creationId xmlns:a16="http://schemas.microsoft.com/office/drawing/2014/main" id="{2BF1D35E-F906-4B31-4C4C-FDC5F9A56732}"/>
+            </a:ext>
+          </a:extLst>
+        </p:cNvPr>
+        <p:cNvGrpSpPr/>
+        <p:nvPr/>
+      </p:nvGrpSpPr>
+      <p:grpSpPr>
+        <a:xfrm>
+          <a:off x="0" y="0"/>
+          <a:ext cx="0" cy="0"/>
+          <a:chOff x="0" y="0"/>
+          <a:chExt cx="0" cy="0"/>
+        </a:xfrm>
+      </p:grpSpPr>
+      <p:sp>
+        <p:nvSpPr>
+          <p:cNvPr id="2" name="Title 1">
+            <a:extLst>
+              <a:ext uri="{FF2B5EF4-FFF2-40B4-BE49-F238E27FC236}">
+                <a16:creationId xmlns:a16="http://schemas.microsoft.com/office/drawing/2014/main" id="{EA435BFF-A762-E712-5411-5A3F6FA0514A}"/>
+              </a:ext>
+            </a:extLst>
+          </p:cNvPr>
+          <p:cNvSpPr>
+            <a:spLocks noGrp="1"/>
+          </p:cNvSpPr>
+          <p:nvPr>
+            <p:ph type="title"/>
+          </p:nvPr>
+        </p:nvSpPr>
+        <p:spPr/>
+        <p:txBody>
+          <a:bodyPr/>
+          <a:lstStyle/>
+          <a:p>
+            <a:r>
+              <a:rPr lang="en-US" dirty="0"/>
+              <a:t>Experiment design</a:t>
+            </a:r>
+            <a:endParaRPr lang="hu-HU" dirty="0"/>
+          </a:p>
+        </p:txBody>
+      </p:sp>
+      <p:sp>
+        <p:nvSpPr>
+          <p:cNvPr id="3" name="Content Placeholder 2">
+            <a:extLst>
+              <a:ext uri="{FF2B5EF4-FFF2-40B4-BE49-F238E27FC236}">
+                <a16:creationId xmlns:a16="http://schemas.microsoft.com/office/drawing/2014/main" id="{E7DFFF39-00DB-CF93-4EC4-834FB06A2257}"/>
+              </a:ext>
+            </a:extLst>
+          </p:cNvPr>
+          <p:cNvSpPr>
+            <a:spLocks noGrp="1"/>
+          </p:cNvSpPr>
+          <p:nvPr>
+            <p:ph idx="1"/>
+          </p:nvPr>
+        </p:nvSpPr>
+        <p:spPr>
+          <a:xfrm>
+            <a:off x="1103313" y="2052919"/>
+            <a:ext cx="10269544" cy="2436786"/>
+          </a:xfrm>
+        </p:spPr>
+        <p:txBody>
+          <a:bodyPr/>
+          <a:lstStyle/>
+          <a:p>
+            <a:pPr marL="0" indent="0">
+              <a:buNone/>
+            </a:pPr>
+            <a:r>
+              <a:rPr lang="en-US" sz="3600" dirty="0"/>
+              <a:t>36 items x 3 conditions =108</a:t>
+            </a:r>
+          </a:p>
+          <a:p>
+            <a:pPr marL="0" indent="0">
+              <a:buNone/>
+            </a:pPr>
+            <a:r>
+              <a:rPr lang="en-US" sz="3600" dirty="0"/>
+              <a:t>108/3 groups = 36 items per pax</a:t>
+            </a:r>
+          </a:p>
+          <a:p>
+            <a:pPr marL="0" indent="0">
+              <a:buNone/>
+            </a:pPr>
+            <a:r>
+              <a:rPr lang="en-US" sz="3600" dirty="0"/>
+              <a:t>+ attention checks? Maybe 4?</a:t>
+            </a:r>
+            <a:endParaRPr lang="hu-HU" dirty="0"/>
+          </a:p>
+        </p:txBody>
+      </p:sp>
+    </p:spTree>
+    <p:extLst>
+      <p:ext uri="{BB962C8B-B14F-4D97-AF65-F5344CB8AC3E}">
+        <p14:creationId xmlns:p14="http://schemas.microsoft.com/office/powerpoint/2010/main" val="4109795702"/>
+      </p:ext>
+    </p:extLst>
+  </p:cSld>
+  <p:clrMapOvr>
+    <a:masterClrMapping/>
+  </p:clrMapOvr>
+</p:sld>
+</file>
+
+<file path=ppt/slides/slide18.xml><?xml version="1.0" encoding="utf-8"?>
+<p:sld xmlns:a="http://schemas.openxmlformats.org/drawingml/2006/main" xmlns:r="http://schemas.openxmlformats.org/officeDocument/2006/relationships" xmlns:p="http://schemas.openxmlformats.org/presentationml/2006/main">
+  <p:cSld>
+    <p:spTree>
+      <p:nvGrpSpPr>
+        <p:cNvPr id="1" name=""/>
+        <p:cNvGrpSpPr/>
+        <p:nvPr/>
+      </p:nvGrpSpPr>
+      <p:grpSpPr>
+        <a:xfrm>
+          <a:off x="0" y="0"/>
+          <a:ext cx="0" cy="0"/>
+          <a:chOff x="0" y="0"/>
+          <a:chExt cx="0" cy="0"/>
+        </a:xfrm>
+      </p:grpSpPr>
+      <p:sp>
+        <p:nvSpPr>
+          <p:cNvPr id="2" name="Title 1">
+            <a:extLst>
+              <a:ext uri="{FF2B5EF4-FFF2-40B4-BE49-F238E27FC236}">
+                <a16:creationId xmlns:a16="http://schemas.microsoft.com/office/drawing/2014/main" id="{B18CD16A-0C78-C41D-28BF-C7196830A885}"/>
+              </a:ext>
+            </a:extLst>
+          </p:cNvPr>
+          <p:cNvSpPr>
+            <a:spLocks noGrp="1"/>
+          </p:cNvSpPr>
+          <p:nvPr>
+            <p:ph type="title"/>
+          </p:nvPr>
+        </p:nvSpPr>
+        <p:spPr/>
+        <p:txBody>
+          <a:bodyPr/>
+          <a:lstStyle/>
+          <a:p>
+            <a:r>
+              <a:rPr lang="hu-HU" dirty="0" err="1"/>
+              <a:t>Problems</a:t>
+            </a:r>
+            <a:endParaRPr lang="hu-HU" dirty="0"/>
+          </a:p>
+        </p:txBody>
+      </p:sp>
+      <p:sp>
+        <p:nvSpPr>
+          <p:cNvPr id="3" name="Content Placeholder 2">
+            <a:extLst>
+              <a:ext uri="{FF2B5EF4-FFF2-40B4-BE49-F238E27FC236}">
+                <a16:creationId xmlns:a16="http://schemas.microsoft.com/office/drawing/2014/main" id="{78464E3D-8563-8598-B1F9-F67BF77FE33B}"/>
+              </a:ext>
+            </a:extLst>
+          </p:cNvPr>
+          <p:cNvSpPr>
+            <a:spLocks noGrp="1"/>
+          </p:cNvSpPr>
+          <p:nvPr>
+            <p:ph idx="1"/>
+          </p:nvPr>
+        </p:nvSpPr>
+        <p:spPr>
+          <a:xfrm>
+            <a:off x="1103312" y="1262744"/>
+            <a:ext cx="10527856" cy="4985656"/>
+          </a:xfrm>
+        </p:spPr>
+        <p:txBody>
+          <a:bodyPr>
+            <a:normAutofit/>
+          </a:bodyPr>
+          <a:lstStyle/>
+          <a:p>
+            <a:r>
+              <a:rPr lang="en-US" dirty="0"/>
+              <a:t>After around 60-80 hours of PCIbex and 200-300 test runs, I can say that</a:t>
+            </a:r>
+          </a:p>
+          <a:p>
+            <a:r>
+              <a:rPr lang="hu-HU" dirty="0" err="1"/>
+              <a:t>PCIBex</a:t>
+            </a:r>
+            <a:r>
+              <a:rPr lang="hu-HU" dirty="0"/>
+              <a:t> is a </a:t>
+            </a:r>
+            <a:r>
+              <a:rPr lang="hu-HU" dirty="0" err="1"/>
+              <a:t>broken</a:t>
+            </a:r>
+            <a:r>
+              <a:rPr lang="hu-HU" dirty="0"/>
+              <a:t>, </a:t>
+            </a:r>
+            <a:r>
+              <a:rPr lang="hu-HU" dirty="0" err="1"/>
+              <a:t>unfinished</a:t>
+            </a:r>
+            <a:r>
+              <a:rPr lang="hu-HU" dirty="0"/>
+              <a:t>, and </a:t>
+            </a:r>
+            <a:r>
+              <a:rPr lang="hu-HU" dirty="0" err="1"/>
+              <a:t>unstable</a:t>
+            </a:r>
+            <a:r>
+              <a:rPr lang="hu-HU" dirty="0"/>
+              <a:t> software.</a:t>
+            </a:r>
+            <a:endParaRPr lang="en-US" dirty="0"/>
+          </a:p>
+          <a:p>
+            <a:r>
+              <a:rPr lang="en-US" dirty="0"/>
+              <a:t>Support is minimal, error messages are non-existent, documentation is porous.</a:t>
+            </a:r>
+          </a:p>
+          <a:p>
+            <a:r>
+              <a:rPr lang="en-US" dirty="0"/>
+              <a:t>Besides this, eye-tracking results have 0s, in every browser, every lighting, with or without glasses. Will try to dig in code more, but the tracker works and records time but not fixations. The problem is somewhere in my setup.</a:t>
+            </a:r>
+          </a:p>
+          <a:p>
+            <a:r>
+              <a:rPr lang="en-US" dirty="0"/>
+              <a:t>Eye-tracking testing is miserable. (You must calibrate every time to even try), but you cannot see what is going on, there are no logs or explanations, it’s in the background running on their servers.</a:t>
+            </a:r>
+          </a:p>
+          <a:p>
+            <a:endParaRPr lang="en-US" dirty="0"/>
+          </a:p>
+          <a:p>
+            <a:endParaRPr lang="hu-HU" dirty="0"/>
+          </a:p>
+          <a:p>
+            <a:endParaRPr lang="hu-HU" dirty="0"/>
+          </a:p>
+        </p:txBody>
+      </p:sp>
+    </p:spTree>
+    <p:extLst>
+      <p:ext uri="{BB962C8B-B14F-4D97-AF65-F5344CB8AC3E}">
+        <p14:creationId xmlns:p14="http://schemas.microsoft.com/office/powerpoint/2010/main" val="1803289097"/>
+      </p:ext>
+    </p:extLst>
+  </p:cSld>
+  <p:clrMapOvr>
+    <a:masterClrMapping/>
+  </p:clrMapOvr>
+</p:sld>
+</file>
+
+<file path=ppt/slides/slide19.xml><?xml version="1.0" encoding="utf-8"?>
+<p:sld xmlns:a="http://schemas.openxmlformats.org/drawingml/2006/main" xmlns:r="http://schemas.openxmlformats.org/officeDocument/2006/relationships" xmlns:p="http://schemas.openxmlformats.org/presentationml/2006/main">
+  <p:cSld>
+    <p:spTree>
+      <p:nvGrpSpPr>
+        <p:cNvPr id="1" name=""/>
+        <p:cNvGrpSpPr/>
+        <p:nvPr/>
+      </p:nvGrpSpPr>
+      <p:grpSpPr>
+        <a:xfrm>
+          <a:off x="0" y="0"/>
+          <a:ext cx="0" cy="0"/>
+          <a:chOff x="0" y="0"/>
+          <a:chExt cx="0" cy="0"/>
+        </a:xfrm>
+      </p:grpSpPr>
+      <p:pic>
+        <p:nvPicPr>
+          <p:cNvPr id="5" name="Content Placeholder 4" descr="A banana on a white surface&#10;&#10;AI-generated content may be incorrect.">
+            <a:extLst>
+              <a:ext uri="{FF2B5EF4-FFF2-40B4-BE49-F238E27FC236}">
+                <a16:creationId xmlns:a16="http://schemas.microsoft.com/office/drawing/2014/main" id="{28E9F65D-3A41-5AF7-7B29-5162D40B46CD}"/>
+              </a:ext>
+            </a:extLst>
+          </p:cNvPr>
+          <p:cNvPicPr>
+            <a:picLocks noGrp="1" noChangeAspect="1"/>
+          </p:cNvPicPr>
+          <p:nvPr>
+            <p:ph idx="1"/>
+          </p:nvPr>
+        </p:nvPicPr>
+        <p:blipFill>
+          <a:blip r:embed="rId2"/>
+          <a:srcRect t="4291" b="13356"/>
+          <a:stretch>
+            <a:fillRect/>
+          </a:stretch>
+        </p:blipFill>
+        <p:spPr>
+          <a:xfrm>
+            <a:off x="1" y="-5"/>
+            <a:ext cx="6095999" cy="5323119"/>
+          </a:xfrm>
+          <a:custGeom>
+            <a:avLst/>
+            <a:gdLst/>
+            <a:ahLst/>
+            <a:cxnLst/>
+            <a:rect l="l" t="t" r="r" b="b"/>
+            <a:pathLst>
+              <a:path w="6095999" h="5020241">
+                <a:moveTo>
+                  <a:pt x="0" y="0"/>
+                </a:moveTo>
+                <a:lnTo>
+                  <a:pt x="6095999" y="0"/>
+                </a:lnTo>
+                <a:lnTo>
+                  <a:pt x="6095999" y="4581001"/>
+                </a:lnTo>
+                <a:lnTo>
+                  <a:pt x="5995877" y="4581001"/>
+                </a:lnTo>
+                <a:lnTo>
+                  <a:pt x="5747167" y="4576798"/>
+                </a:lnTo>
+                <a:lnTo>
+                  <a:pt x="5503333" y="4570492"/>
+                </a:lnTo>
+                <a:lnTo>
+                  <a:pt x="5261938" y="4564537"/>
+                </a:lnTo>
+                <a:lnTo>
+                  <a:pt x="5025418" y="4557881"/>
+                </a:lnTo>
+                <a:lnTo>
+                  <a:pt x="4790118" y="4547722"/>
+                </a:lnTo>
+                <a:lnTo>
+                  <a:pt x="4558477" y="4536862"/>
+                </a:lnTo>
+                <a:lnTo>
+                  <a:pt x="4331710" y="4527054"/>
+                </a:lnTo>
+                <a:lnTo>
+                  <a:pt x="3889152" y="4499379"/>
+                </a:lnTo>
+                <a:lnTo>
+                  <a:pt x="3464881" y="4469954"/>
+                </a:lnTo>
+                <a:lnTo>
+                  <a:pt x="3057678" y="4439126"/>
+                </a:lnTo>
+                <a:lnTo>
+                  <a:pt x="2672421" y="4405147"/>
+                </a:lnTo>
+                <a:lnTo>
+                  <a:pt x="2304232" y="4369765"/>
+                </a:lnTo>
+                <a:lnTo>
+                  <a:pt x="1962864" y="4331582"/>
+                </a:lnTo>
+                <a:lnTo>
+                  <a:pt x="1642223" y="4294099"/>
+                </a:lnTo>
+                <a:lnTo>
+                  <a:pt x="1347183" y="4256616"/>
+                </a:lnTo>
+                <a:lnTo>
+                  <a:pt x="1076528" y="4221235"/>
+                </a:lnTo>
+                <a:lnTo>
+                  <a:pt x="836351" y="4187605"/>
+                </a:lnTo>
+                <a:lnTo>
+                  <a:pt x="619339" y="4155727"/>
+                </a:lnTo>
+                <a:lnTo>
+                  <a:pt x="436464" y="4129104"/>
+                </a:lnTo>
+                <a:lnTo>
+                  <a:pt x="282848" y="4103881"/>
+                </a:lnTo>
+                <a:lnTo>
+                  <a:pt x="71932" y="4067800"/>
+                </a:lnTo>
+                <a:lnTo>
+                  <a:pt x="1" y="4055539"/>
+                </a:lnTo>
+                <a:lnTo>
+                  <a:pt x="1" y="5020241"/>
+                </a:lnTo>
+                <a:lnTo>
+                  <a:pt x="0" y="5020241"/>
+                </a:lnTo>
+                <a:close/>
+              </a:path>
+            </a:pathLst>
+          </a:custGeom>
+        </p:spPr>
+      </p:pic>
+      <p:pic>
+        <p:nvPicPr>
+          <p:cNvPr id="7" name="Picture 6" descr="A banana and grapes next to a red apple&#10;&#10;AI-generated content may be incorrect.">
+            <a:extLst>
+              <a:ext uri="{FF2B5EF4-FFF2-40B4-BE49-F238E27FC236}">
+                <a16:creationId xmlns:a16="http://schemas.microsoft.com/office/drawing/2014/main" id="{6ED21B80-1F7D-E930-CC12-F404E289582A}"/>
+              </a:ext>
+            </a:extLst>
+          </p:cNvPr>
+          <p:cNvPicPr>
+            <a:picLocks noChangeAspect="1"/>
+          </p:cNvPicPr>
+          <p:nvPr/>
+        </p:nvPicPr>
+        <p:blipFill>
+          <a:blip r:embed="rId3"/>
+          <a:srcRect t="10329" r="-2" b="14484"/>
+          <a:stretch>
+            <a:fillRect/>
+          </a:stretch>
+        </p:blipFill>
+        <p:spPr>
+          <a:xfrm>
+            <a:off x="6096000" y="9404"/>
+            <a:ext cx="6095696" cy="4844942"/>
+          </a:xfrm>
+          <a:custGeom>
+            <a:avLst/>
+            <a:gdLst/>
+            <a:ahLst/>
+            <a:cxnLst/>
+            <a:rect l="l" t="t" r="r" b="b"/>
+            <a:pathLst>
+              <a:path w="6095696" h="4583103">
+                <a:moveTo>
+                  <a:pt x="0" y="0"/>
+                </a:moveTo>
+                <a:lnTo>
+                  <a:pt x="6095696" y="0"/>
+                </a:lnTo>
+                <a:lnTo>
+                  <a:pt x="6095696" y="4057991"/>
+                </a:lnTo>
+                <a:lnTo>
+                  <a:pt x="5818946" y="4110187"/>
+                </a:lnTo>
+                <a:lnTo>
+                  <a:pt x="5543413" y="4159931"/>
+                </a:lnTo>
+                <a:lnTo>
+                  <a:pt x="5266662" y="4208624"/>
+                </a:lnTo>
+                <a:lnTo>
+                  <a:pt x="4988691" y="4250310"/>
+                </a:lnTo>
+                <a:lnTo>
+                  <a:pt x="4711940" y="4292347"/>
+                </a:lnTo>
+                <a:lnTo>
+                  <a:pt x="4433969" y="4331582"/>
+                </a:lnTo>
+                <a:lnTo>
+                  <a:pt x="4159656" y="4365211"/>
+                </a:lnTo>
+                <a:lnTo>
+                  <a:pt x="3881685" y="4397089"/>
+                </a:lnTo>
+                <a:lnTo>
+                  <a:pt x="3604934" y="4426165"/>
+                </a:lnTo>
+                <a:lnTo>
+                  <a:pt x="3333059" y="4451387"/>
+                </a:lnTo>
+                <a:lnTo>
+                  <a:pt x="3057527" y="4476609"/>
+                </a:lnTo>
+                <a:lnTo>
+                  <a:pt x="2785652" y="4497628"/>
+                </a:lnTo>
+                <a:lnTo>
+                  <a:pt x="2513777" y="4514092"/>
+                </a:lnTo>
+                <a:lnTo>
+                  <a:pt x="2243122" y="4531258"/>
+                </a:lnTo>
+                <a:lnTo>
+                  <a:pt x="1974904" y="4545620"/>
+                </a:lnTo>
+                <a:lnTo>
+                  <a:pt x="1709125" y="4555779"/>
+                </a:lnTo>
+                <a:lnTo>
+                  <a:pt x="1443346" y="4564537"/>
+                </a:lnTo>
+                <a:lnTo>
+                  <a:pt x="1180006" y="4572944"/>
+                </a:lnTo>
+                <a:lnTo>
+                  <a:pt x="920323" y="4576798"/>
+                </a:lnTo>
+                <a:lnTo>
+                  <a:pt x="660640" y="4581001"/>
+                </a:lnTo>
+                <a:lnTo>
+                  <a:pt x="404614" y="4583103"/>
+                </a:lnTo>
+                <a:lnTo>
+                  <a:pt x="151027" y="4581001"/>
+                </a:lnTo>
+                <a:lnTo>
+                  <a:pt x="0" y="4581001"/>
+                </a:lnTo>
+                <a:close/>
+              </a:path>
+            </a:pathLst>
+          </a:custGeom>
+        </p:spPr>
+      </p:pic>
+      <p:sp>
+        <p:nvSpPr>
+          <p:cNvPr id="2" name="Title 1">
+            <a:extLst>
+              <a:ext uri="{FF2B5EF4-FFF2-40B4-BE49-F238E27FC236}">
+                <a16:creationId xmlns:a16="http://schemas.microsoft.com/office/drawing/2014/main" id="{66F63319-B987-40B0-3DBF-D520397AAAA1}"/>
+              </a:ext>
+            </a:extLst>
+          </p:cNvPr>
+          <p:cNvSpPr>
+            <a:spLocks noGrp="1"/>
+          </p:cNvSpPr>
+          <p:nvPr>
+            <p:ph type="title"/>
+          </p:nvPr>
+        </p:nvSpPr>
+        <p:spPr>
+          <a:xfrm>
+            <a:off x="636916" y="4854346"/>
+            <a:ext cx="10407602" cy="868026"/>
+          </a:xfrm>
+        </p:spPr>
+        <p:txBody>
+          <a:bodyPr vert="horz" lIns="91440" tIns="45720" rIns="91440" bIns="45720" rtlCol="0" anchor="b">
+            <a:normAutofit/>
+          </a:bodyPr>
+          <a:lstStyle/>
+          <a:p>
+            <a:r>
+              <a:rPr lang="en-US" sz="4800" dirty="0">
+                <a:solidFill>
+                  <a:srgbClr val="EBEBEB"/>
+                </a:solidFill>
+              </a:rPr>
+              <a:t>Thank you!</a:t>
+            </a:r>
+          </a:p>
+        </p:txBody>
+      </p:sp>
+    </p:spTree>
+    <p:extLst>
+      <p:ext uri="{BB962C8B-B14F-4D97-AF65-F5344CB8AC3E}">
+        <p14:creationId xmlns:p14="http://schemas.microsoft.com/office/powerpoint/2010/main" val="1389209863"/>
+      </p:ext>
+    </p:extLst>
+  </p:cSld>
+  <p:clrMapOvr>
+    <a:masterClrMapping/>
+  </p:clrMapOvr>
 </p:sld>
 </file>
 
@@ -7447,6 +12255,10 @@
           <a:bodyPr/>
           <a:lstStyle/>
           <a:p>
+            <a:r>
+              <a:rPr lang="en-US" dirty="0"/>
+              <a:t>Two experiments</a:t>
+            </a:r>
             <a:endParaRPr lang="hu-HU" dirty="0"/>
           </a:p>
         </p:txBody>
@@ -7472,7 +12284,26 @@
           <a:bodyPr/>
           <a:lstStyle/>
           <a:p>
-            <a:endParaRPr lang="hu-HU"/>
+            <a:pPr marL="457200" indent="-457200">
+              <a:buFont typeface="+mj-lt"/>
+              <a:buAutoNum type="arabicPeriod"/>
+            </a:pPr>
+            <a:r>
+              <a:rPr lang="en-US" dirty="0"/>
+              <a:t>Hungarian focus constructions – exclusivity vs. </a:t>
+            </a:r>
+            <a:r>
+              <a:rPr lang="en-US" dirty="0" err="1"/>
+              <a:t>contrastivity</a:t>
+            </a:r>
+            <a:endParaRPr lang="en-US" dirty="0"/>
+          </a:p>
+          <a:p>
+            <a:pPr marL="857250" lvl="1" indent="-457200"/>
+            <a:r>
+              <a:rPr lang="en-US" dirty="0"/>
+              <a:t>Testing if Hungarian focus is exhaustive by default, or if it can be contrastive.</a:t>
+            </a:r>
           </a:p>
         </p:txBody>
       </p:sp>
@@ -7494,7 +12325,13 @@
   <p:cSld>
     <p:spTree>
       <p:nvGrpSpPr>
-        <p:cNvPr id="1" name=""/>
+        <p:cNvPr id="1" name="">
+          <a:extLst>
+            <a:ext uri="{FF2B5EF4-FFF2-40B4-BE49-F238E27FC236}">
+              <a16:creationId xmlns:a16="http://schemas.microsoft.com/office/drawing/2014/main" id="{AB306836-928A-9AFA-2579-A783C379075B}"/>
+            </a:ext>
+          </a:extLst>
+        </p:cNvPr>
         <p:cNvGrpSpPr/>
         <p:nvPr/>
       </p:nvGrpSpPr>
@@ -7511,7 +12348,7 @@
           <p:cNvPr id="2" name="Title 1">
             <a:extLst>
               <a:ext uri="{FF2B5EF4-FFF2-40B4-BE49-F238E27FC236}">
-                <a16:creationId xmlns:a16="http://schemas.microsoft.com/office/drawing/2014/main" id="{296A7222-7948-8D29-8044-546911241329}"/>
+                <a16:creationId xmlns:a16="http://schemas.microsoft.com/office/drawing/2014/main" id="{6C5AC8EE-623F-6CBB-81CF-368A1C059F67}"/>
               </a:ext>
             </a:extLst>
           </p:cNvPr>
@@ -7527,7 +12364,11 @@
           <a:bodyPr/>
           <a:lstStyle/>
           <a:p>
-            <a:endParaRPr lang="hu-HU"/>
+            <a:r>
+              <a:rPr lang="en-US" dirty="0"/>
+              <a:t>Two experiments: 1</a:t>
+            </a:r>
+            <a:endParaRPr lang="hu-HU" dirty="0"/>
           </a:p>
         </p:txBody>
       </p:sp>
@@ -7536,7 +12377,7 @@
           <p:cNvPr id="3" name="Content Placeholder 2">
             <a:extLst>
               <a:ext uri="{FF2B5EF4-FFF2-40B4-BE49-F238E27FC236}">
-                <a16:creationId xmlns:a16="http://schemas.microsoft.com/office/drawing/2014/main" id="{CB4D5604-A162-E24D-76D0-48B82CBA4BE7}"/>
+                <a16:creationId xmlns:a16="http://schemas.microsoft.com/office/drawing/2014/main" id="{9A072D59-537B-DCAA-426A-FD250A64A97C}"/>
               </a:ext>
             </a:extLst>
           </p:cNvPr>
@@ -7552,14 +12393,46 @@
           <a:bodyPr/>
           <a:lstStyle/>
           <a:p>
-            <a:endParaRPr lang="hu-HU"/>
+            <a:pPr marL="457200" indent="-457200">
+              <a:buFont typeface="+mj-lt"/>
+              <a:buAutoNum type="arabicPeriod"/>
+            </a:pPr>
+            <a:r>
+              <a:rPr lang="en-US" dirty="0"/>
+              <a:t>Hungarian focus constructions – exclusivity vs. </a:t>
+            </a:r>
+            <a:r>
+              <a:rPr lang="en-US" dirty="0" err="1"/>
+              <a:t>contrastivity</a:t>
+            </a:r>
+            <a:endParaRPr lang="en-US" dirty="0"/>
+          </a:p>
+          <a:p>
+            <a:pPr marL="857250" lvl="1" indent="-457200"/>
+            <a:r>
+              <a:rPr lang="en-US" dirty="0"/>
+              <a:t>Testing if Hungarian focus is exhaustive by default, or if it can be contrastive.</a:t>
+            </a:r>
+          </a:p>
+          <a:p>
+            <a:pPr marL="857250" lvl="1" indent="-457200"/>
+            <a:r>
+              <a:rPr lang="en-US" dirty="0"/>
+              <a:t>3 conditions, 18 items</a:t>
+            </a:r>
+          </a:p>
+          <a:p>
+            <a:pPr marL="0" indent="0">
+              <a:buNone/>
+            </a:pPr>
+            <a:endParaRPr lang="en-US" dirty="0"/>
           </a:p>
         </p:txBody>
       </p:sp>
     </p:spTree>
     <p:extLst>
       <p:ext uri="{BB962C8B-B14F-4D97-AF65-F5344CB8AC3E}">
-        <p14:creationId xmlns:p14="http://schemas.microsoft.com/office/powerpoint/2010/main" val="3895657387"/>
+        <p14:creationId xmlns:p14="http://schemas.microsoft.com/office/powerpoint/2010/main" val="956563076"/>
       </p:ext>
     </p:extLst>
   </p:cSld>
@@ -7574,7 +12447,13 @@
   <p:cSld>
     <p:spTree>
       <p:nvGrpSpPr>
-        <p:cNvPr id="1" name=""/>
+        <p:cNvPr id="1" name="">
+          <a:extLst>
+            <a:ext uri="{FF2B5EF4-FFF2-40B4-BE49-F238E27FC236}">
+              <a16:creationId xmlns:a16="http://schemas.microsoft.com/office/drawing/2014/main" id="{C0C1510D-D186-4066-F6D9-7D88362D103A}"/>
+            </a:ext>
+          </a:extLst>
+        </p:cNvPr>
         <p:cNvGrpSpPr/>
         <p:nvPr/>
       </p:nvGrpSpPr>
@@ -7591,7 +12470,7 @@
           <p:cNvPr id="2" name="Title 1">
             <a:extLst>
               <a:ext uri="{FF2B5EF4-FFF2-40B4-BE49-F238E27FC236}">
-                <a16:creationId xmlns:a16="http://schemas.microsoft.com/office/drawing/2014/main" id="{B18CD16A-0C78-C41D-28BF-C7196830A885}"/>
+                <a16:creationId xmlns:a16="http://schemas.microsoft.com/office/drawing/2014/main" id="{AB51C770-3FE6-EDFC-38FD-01611FFA728E}"/>
               </a:ext>
             </a:extLst>
           </p:cNvPr>
@@ -7608,8 +12487,8 @@
           <a:lstStyle/>
           <a:p>
             <a:r>
-              <a:rPr lang="hu-HU" dirty="0" err="1"/>
-              <a:t>Problems</a:t>
+              <a:rPr lang="en-US" dirty="0"/>
+              <a:t>Two experiments: 1</a:t>
             </a:r>
             <a:endParaRPr lang="hu-HU" dirty="0"/>
           </a:p>
@@ -7620,7 +12499,7 @@
           <p:cNvPr id="3" name="Content Placeholder 2">
             <a:extLst>
               <a:ext uri="{FF2B5EF4-FFF2-40B4-BE49-F238E27FC236}">
-                <a16:creationId xmlns:a16="http://schemas.microsoft.com/office/drawing/2014/main" id="{78464E3D-8563-8598-B1F9-F67BF77FE33B}"/>
+                <a16:creationId xmlns:a16="http://schemas.microsoft.com/office/drawing/2014/main" id="{487C6A88-E1FA-2BDC-C527-96F17541BDA5}"/>
               </a:ext>
             </a:extLst>
           </p:cNvPr>
@@ -7631,53 +12510,161 @@
             <p:ph idx="1"/>
           </p:nvPr>
         </p:nvSpPr>
+        <p:spPr/>
+        <p:txBody>
+          <a:bodyPr/>
+          <a:lstStyle/>
+          <a:p>
+            <a:pPr marL="457200" indent="-457200">
+              <a:buFont typeface="+mj-lt"/>
+              <a:buAutoNum type="arabicPeriod"/>
+            </a:pPr>
+            <a:r>
+              <a:rPr lang="en-US" dirty="0">
+                <a:solidFill>
+                  <a:schemeClr val="tx1">
+                    <a:lumMod val="75000"/>
+                  </a:schemeClr>
+                </a:solidFill>
+              </a:rPr>
+              <a:t>Hungarian focus constructions – exclusivity vs. </a:t>
+            </a:r>
+            <a:r>
+              <a:rPr lang="en-US" dirty="0" err="1">
+                <a:solidFill>
+                  <a:schemeClr val="tx1">
+                    <a:lumMod val="75000"/>
+                  </a:schemeClr>
+                </a:solidFill>
+              </a:rPr>
+              <a:t>contrastivity</a:t>
+            </a:r>
+            <a:endParaRPr lang="en-US" dirty="0">
+              <a:solidFill>
+                <a:schemeClr val="tx1">
+                  <a:lumMod val="75000"/>
+                </a:schemeClr>
+              </a:solidFill>
+            </a:endParaRPr>
+          </a:p>
+          <a:p>
+            <a:pPr marL="857250" lvl="1" indent="-457200"/>
+            <a:r>
+              <a:rPr lang="en-US" dirty="0">
+                <a:solidFill>
+                  <a:schemeClr val="tx1">
+                    <a:lumMod val="75000"/>
+                  </a:schemeClr>
+                </a:solidFill>
+              </a:rPr>
+              <a:t>Testing if Hungarian focus is exhaustive by default, or if it can be contrastive.</a:t>
+            </a:r>
+          </a:p>
+          <a:p>
+            <a:pPr marL="0" indent="0">
+              <a:buNone/>
+            </a:pPr>
+            <a:endParaRPr lang="en-US" dirty="0"/>
+          </a:p>
+        </p:txBody>
+      </p:sp>
+      <p:sp>
+        <p:nvSpPr>
+          <p:cNvPr id="9" name="TextBox 8">
+            <a:extLst>
+              <a:ext uri="{FF2B5EF4-FFF2-40B4-BE49-F238E27FC236}">
+                <a16:creationId xmlns:a16="http://schemas.microsoft.com/office/drawing/2014/main" id="{035205F9-966B-109A-E3AD-F4A0589CB086}"/>
+              </a:ext>
+            </a:extLst>
+          </p:cNvPr>
+          <p:cNvSpPr txBox="1"/>
+          <p:nvPr/>
+        </p:nvSpPr>
         <p:spPr>
           <a:xfrm>
-            <a:off x="1103312" y="1262744"/>
-            <a:ext cx="10043659" cy="4985656"/>
+            <a:off x="1773936" y="3429000"/>
+            <a:ext cx="10055287" cy="3139321"/>
           </a:xfrm>
+          <a:prstGeom prst="rect">
+            <a:avLst/>
+          </a:prstGeom>
+          <a:noFill/>
         </p:spPr>
         <p:txBody>
-          <a:bodyPr>
-            <a:normAutofit lnSpcReduction="10000"/>
+          <a:bodyPr wrap="square">
+            <a:spAutoFit/>
           </a:bodyPr>
           <a:lstStyle/>
           <a:p>
             <a:r>
+              <a:rPr lang="hu-HU" b="1" dirty="0"/>
+              <a:t>Ami	</a:t>
+            </a:r>
+            <a:r>
+              <a:rPr lang="en-US" b="1" dirty="0"/>
+              <a:t>		</a:t>
+            </a:r>
+            <a:r>
+              <a:rPr lang="hu-HU" b="1" dirty="0"/>
+              <a:t>a gyümölcsöket	</a:t>
+            </a:r>
+            <a:r>
+              <a:rPr lang="en-US" b="1" dirty="0"/>
+              <a:t>	</a:t>
+            </a:r>
+            <a:r>
+              <a:rPr lang="hu-HU" b="1" dirty="0"/>
+              <a:t>illeti	</a:t>
+            </a:r>
+            <a:r>
+              <a:rPr lang="en-US" b="1" dirty="0"/>
+              <a:t>	</a:t>
+            </a:r>
+            <a:r>
+              <a:rPr lang="hu-HU" b="1" dirty="0"/>
+              <a:t>Anna	csak	</a:t>
+            </a:r>
+            <a:r>
+              <a:rPr lang="en-US" b="1" dirty="0"/>
+              <a:t>	</a:t>
+            </a:r>
+            <a:r>
+              <a:rPr lang="hu-HU" b="1" u="sng" dirty="0"/>
+              <a:t>egy banánt</a:t>
+            </a:r>
+            <a:r>
+              <a:rPr lang="hu-HU" b="1" dirty="0"/>
+              <a:t>	</a:t>
+            </a:r>
+            <a:r>
+              <a:rPr lang="en-US" b="1" dirty="0"/>
+              <a:t>	</a:t>
+            </a:r>
+            <a:r>
+              <a:rPr lang="hu-HU" b="1" dirty="0"/>
+              <a:t>evett.</a:t>
+            </a:r>
+          </a:p>
+          <a:p>
+            <a:r>
               <a:rPr lang="hu-HU" dirty="0" err="1"/>
-              <a:t>PCIBex</a:t>
+              <a:t>which</a:t>
             </a:r>
             <a:r>
               <a:rPr lang="hu-HU" dirty="0"/>
-              <a:t> is a </a:t>
+              <a:t> (</a:t>
             </a:r>
             <a:r>
               <a:rPr lang="hu-HU" dirty="0" err="1"/>
-              <a:t>broken</a:t>
+              <a:t>relative</a:t>
             </a:r>
             <a:r>
               <a:rPr lang="hu-HU" dirty="0"/>
-              <a:t>, </a:t>
+              <a:t>)	</a:t>
             </a:r>
             <a:r>
               <a:rPr lang="hu-HU" dirty="0" err="1"/>
-              <a:t>unfinished</a:t>
-            </a:r>
-            <a:r>
-              <a:rPr lang="hu-HU" dirty="0"/>
-              <a:t>, and </a:t>
-            </a:r>
-            <a:r>
-              <a:rPr lang="hu-HU" dirty="0" err="1"/>
-              <a:t>unstable</a:t>
-            </a:r>
-            <a:r>
-              <a:rPr lang="hu-HU" dirty="0"/>
-              <a:t> software </a:t>
-            </a:r>
-            <a:r>
-              <a:rPr lang="hu-HU" dirty="0" err="1"/>
-              <a:t>with</a:t>
+              <a:t>the</a:t>
             </a:r>
             <a:r>
               <a:rPr lang="hu-HU" dirty="0"/>
@@ -7685,264 +12672,3963 @@
             </a:r>
             <a:r>
               <a:rPr lang="hu-HU" dirty="0" err="1"/>
-              <a:t>minimal</a:t>
+              <a:t>fruits</a:t>
             </a:r>
             <a:r>
               <a:rPr lang="hu-HU" dirty="0"/>
+              <a:t>-ACC	</a:t>
+            </a:r>
+            <a:r>
+              <a:rPr lang="hu-HU" dirty="0" err="1"/>
+              <a:t>regards</a:t>
+            </a:r>
+            <a:r>
+              <a:rPr lang="hu-HU" dirty="0"/>
+              <a:t>	Anna	</a:t>
+            </a:r>
+            <a:r>
+              <a:rPr lang="hu-HU" dirty="0" err="1"/>
+              <a:t>only</a:t>
+            </a:r>
+            <a:r>
+              <a:rPr lang="hu-HU" dirty="0"/>
+              <a:t>	</a:t>
+            </a:r>
+            <a:r>
+              <a:rPr lang="en-US" dirty="0"/>
+              <a:t>	</a:t>
+            </a:r>
+            <a:r>
+              <a:rPr lang="hu-HU" dirty="0"/>
+              <a:t>a </a:t>
+            </a:r>
+            <a:r>
+              <a:rPr lang="hu-HU" dirty="0" err="1"/>
+              <a:t>banana</a:t>
+            </a:r>
+            <a:r>
+              <a:rPr lang="hu-HU" dirty="0"/>
+              <a:t>-ACC	ate-3SG</a:t>
+            </a:r>
+          </a:p>
+          <a:p>
+            <a:r>
+              <a:rPr lang="hu-HU" i="1" dirty="0" err="1"/>
+              <a:t>Regarding</a:t>
+            </a:r>
+            <a:r>
+              <a:rPr lang="hu-HU" i="1" dirty="0"/>
               <a:t> </a:t>
             </a:r>
             <a:r>
+              <a:rPr lang="hu-HU" i="1" dirty="0" err="1"/>
+              <a:t>fruits</a:t>
+            </a:r>
+            <a:r>
+              <a:rPr lang="hu-HU" i="1" dirty="0"/>
+              <a:t>, Anna </a:t>
+            </a:r>
+            <a:r>
+              <a:rPr lang="hu-HU" i="1" dirty="0" err="1"/>
+              <a:t>ate</a:t>
+            </a:r>
+            <a:r>
+              <a:rPr lang="hu-HU" i="1" dirty="0"/>
+              <a:t> </a:t>
+            </a:r>
+            <a:r>
+              <a:rPr lang="hu-HU" i="1" dirty="0" err="1"/>
+              <a:t>only</a:t>
+            </a:r>
+            <a:r>
+              <a:rPr lang="hu-HU" i="1" dirty="0"/>
+              <a:t> a </a:t>
+            </a:r>
+            <a:r>
+              <a:rPr lang="hu-HU" i="1" dirty="0" err="1"/>
+              <a:t>banana</a:t>
+            </a:r>
+            <a:r>
+              <a:rPr lang="hu-HU" i="1" dirty="0"/>
+              <a:t>.	</a:t>
+            </a:r>
+            <a:r>
+              <a:rPr lang="hu-HU" dirty="0"/>
+              <a:t>	</a:t>
+            </a:r>
+            <a:endParaRPr lang="en-US" dirty="0"/>
+          </a:p>
+          <a:p>
+            <a:r>
+              <a:rPr lang="hu-HU" dirty="0"/>
+              <a:t>				</a:t>
+            </a:r>
+          </a:p>
+          <a:p>
+            <a:r>
+              <a:rPr lang="hu-HU" b="1" dirty="0">
+                <a:effectLst>
+                  <a:outerShdw blurRad="38100" dist="38100" dir="2700000" algn="tl">
+                    <a:srgbClr val="000000">
+                      <a:alpha val="43137"/>
+                    </a:srgbClr>
+                  </a:outerShdw>
+                </a:effectLst>
+              </a:rPr>
+              <a:t>Ami	</a:t>
+            </a:r>
+            <a:r>
+              <a:rPr lang="en-US" b="1" dirty="0">
+                <a:effectLst>
+                  <a:outerShdw blurRad="38100" dist="38100" dir="2700000" algn="tl">
+                    <a:srgbClr val="000000">
+                      <a:alpha val="43137"/>
+                    </a:srgbClr>
+                  </a:outerShdw>
+                </a:effectLst>
+              </a:rPr>
+              <a:t>		</a:t>
+            </a:r>
+            <a:r>
+              <a:rPr lang="hu-HU" b="1" dirty="0">
+                <a:effectLst>
+                  <a:outerShdw blurRad="38100" dist="38100" dir="2700000" algn="tl">
+                    <a:srgbClr val="000000">
+                      <a:alpha val="43137"/>
+                    </a:srgbClr>
+                  </a:outerShdw>
+                </a:effectLst>
+              </a:rPr>
+              <a:t>a gyümölcsöket	</a:t>
+            </a:r>
+            <a:r>
+              <a:rPr lang="en-US" b="1" dirty="0">
+                <a:effectLst>
+                  <a:outerShdw blurRad="38100" dist="38100" dir="2700000" algn="tl">
+                    <a:srgbClr val="000000">
+                      <a:alpha val="43137"/>
+                    </a:srgbClr>
+                  </a:outerShdw>
+                </a:effectLst>
+              </a:rPr>
+              <a:t>	</a:t>
+            </a:r>
+            <a:r>
+              <a:rPr lang="hu-HU" b="1" dirty="0">
+                <a:effectLst>
+                  <a:outerShdw blurRad="38100" dist="38100" dir="2700000" algn="tl">
+                    <a:srgbClr val="000000">
+                      <a:alpha val="43137"/>
+                    </a:srgbClr>
+                  </a:outerShdw>
+                </a:effectLst>
+              </a:rPr>
+              <a:t>illeti	</a:t>
+            </a:r>
+            <a:r>
+              <a:rPr lang="en-US" b="1" dirty="0">
+                <a:effectLst>
+                  <a:outerShdw blurRad="38100" dist="38100" dir="2700000" algn="tl">
+                    <a:srgbClr val="000000">
+                      <a:alpha val="43137"/>
+                    </a:srgbClr>
+                  </a:outerShdw>
+                </a:effectLst>
+              </a:rPr>
+              <a:t>	</a:t>
+            </a:r>
+            <a:r>
+              <a:rPr lang="hu-HU" b="1" dirty="0">
+                <a:effectLst>
+                  <a:outerShdw blurRad="38100" dist="38100" dir="2700000" algn="tl">
+                    <a:srgbClr val="000000">
+                      <a:alpha val="43137"/>
+                    </a:srgbClr>
+                  </a:outerShdw>
+                </a:effectLst>
+              </a:rPr>
+              <a:t>Anna	tegnap</a:t>
+            </a:r>
+            <a:r>
+              <a:rPr lang="en-US" b="1" dirty="0">
+                <a:effectLst>
+                  <a:outerShdw blurRad="38100" dist="38100" dir="2700000" algn="tl">
+                    <a:srgbClr val="000000">
+                      <a:alpha val="43137"/>
+                    </a:srgbClr>
+                  </a:outerShdw>
+                </a:effectLst>
+              </a:rPr>
+              <a:t>		</a:t>
+            </a:r>
+            <a:r>
+              <a:rPr lang="hu-HU" b="1" u="sng" dirty="0">
+                <a:effectLst>
+                  <a:outerShdw blurRad="38100" dist="38100" dir="2700000" algn="tl">
+                    <a:srgbClr val="000000">
+                      <a:alpha val="43137"/>
+                    </a:srgbClr>
+                  </a:outerShdw>
+                </a:effectLst>
+              </a:rPr>
+              <a:t>egy banánt</a:t>
+            </a:r>
+            <a:r>
+              <a:rPr lang="hu-HU" b="1" dirty="0">
+                <a:effectLst>
+                  <a:outerShdw blurRad="38100" dist="38100" dir="2700000" algn="tl">
+                    <a:srgbClr val="000000">
+                      <a:alpha val="43137"/>
+                    </a:srgbClr>
+                  </a:outerShdw>
+                </a:effectLst>
+              </a:rPr>
+              <a:t>	</a:t>
+            </a:r>
+            <a:r>
+              <a:rPr lang="en-US" b="1" dirty="0">
+                <a:effectLst>
+                  <a:outerShdw blurRad="38100" dist="38100" dir="2700000" algn="tl">
+                    <a:srgbClr val="000000">
+                      <a:alpha val="43137"/>
+                    </a:srgbClr>
+                  </a:outerShdw>
+                </a:effectLst>
+              </a:rPr>
+              <a:t>	</a:t>
+            </a:r>
+            <a:r>
+              <a:rPr lang="hu-HU" b="1" dirty="0">
+                <a:effectLst>
+                  <a:outerShdw blurRad="38100" dist="38100" dir="2700000" algn="tl">
+                    <a:srgbClr val="000000">
+                      <a:alpha val="43137"/>
+                    </a:srgbClr>
+                  </a:outerShdw>
+                </a:effectLst>
+              </a:rPr>
+              <a:t>evett.</a:t>
+            </a:r>
+          </a:p>
+          <a:p>
+            <a:r>
+              <a:rPr lang="hu-HU" dirty="0" err="1">
+                <a:effectLst>
+                  <a:outerShdw blurRad="38100" dist="38100" dir="2700000" algn="tl">
+                    <a:srgbClr val="000000">
+                      <a:alpha val="43137"/>
+                    </a:srgbClr>
+                  </a:outerShdw>
+                </a:effectLst>
+              </a:rPr>
+              <a:t>which</a:t>
+            </a:r>
+            <a:r>
+              <a:rPr lang="hu-HU" dirty="0">
+                <a:effectLst>
+                  <a:outerShdw blurRad="38100" dist="38100" dir="2700000" algn="tl">
+                    <a:srgbClr val="000000">
+                      <a:alpha val="43137"/>
+                    </a:srgbClr>
+                  </a:outerShdw>
+                </a:effectLst>
+              </a:rPr>
+              <a:t> (</a:t>
+            </a:r>
+            <a:r>
+              <a:rPr lang="hu-HU" dirty="0" err="1">
+                <a:effectLst>
+                  <a:outerShdw blurRad="38100" dist="38100" dir="2700000" algn="tl">
+                    <a:srgbClr val="000000">
+                      <a:alpha val="43137"/>
+                    </a:srgbClr>
+                  </a:outerShdw>
+                </a:effectLst>
+              </a:rPr>
+              <a:t>relative</a:t>
+            </a:r>
+            <a:r>
+              <a:rPr lang="hu-HU" dirty="0">
+                <a:effectLst>
+                  <a:outerShdw blurRad="38100" dist="38100" dir="2700000" algn="tl">
+                    <a:srgbClr val="000000">
+                      <a:alpha val="43137"/>
+                    </a:srgbClr>
+                  </a:outerShdw>
+                </a:effectLst>
+              </a:rPr>
+              <a:t>)	</a:t>
+            </a:r>
+            <a:r>
+              <a:rPr lang="hu-HU" dirty="0" err="1">
+                <a:effectLst>
+                  <a:outerShdw blurRad="38100" dist="38100" dir="2700000" algn="tl">
+                    <a:srgbClr val="000000">
+                      <a:alpha val="43137"/>
+                    </a:srgbClr>
+                  </a:outerShdw>
+                </a:effectLst>
+              </a:rPr>
+              <a:t>the</a:t>
+            </a:r>
+            <a:r>
+              <a:rPr lang="hu-HU" dirty="0">
+                <a:effectLst>
+                  <a:outerShdw blurRad="38100" dist="38100" dir="2700000" algn="tl">
+                    <a:srgbClr val="000000">
+                      <a:alpha val="43137"/>
+                    </a:srgbClr>
+                  </a:outerShdw>
+                </a:effectLst>
+              </a:rPr>
+              <a:t> </a:t>
+            </a:r>
+            <a:r>
+              <a:rPr lang="hu-HU" dirty="0" err="1">
+                <a:effectLst>
+                  <a:outerShdw blurRad="38100" dist="38100" dir="2700000" algn="tl">
+                    <a:srgbClr val="000000">
+                      <a:alpha val="43137"/>
+                    </a:srgbClr>
+                  </a:outerShdw>
+                </a:effectLst>
+              </a:rPr>
+              <a:t>fruits</a:t>
+            </a:r>
+            <a:r>
+              <a:rPr lang="hu-HU" dirty="0">
+                <a:effectLst>
+                  <a:outerShdw blurRad="38100" dist="38100" dir="2700000" algn="tl">
+                    <a:srgbClr val="000000">
+                      <a:alpha val="43137"/>
+                    </a:srgbClr>
+                  </a:outerShdw>
+                </a:effectLst>
+              </a:rPr>
+              <a:t>-ACC	</a:t>
+            </a:r>
+            <a:r>
+              <a:rPr lang="hu-HU" dirty="0" err="1">
+                <a:effectLst>
+                  <a:outerShdw blurRad="38100" dist="38100" dir="2700000" algn="tl">
+                    <a:srgbClr val="000000">
+                      <a:alpha val="43137"/>
+                    </a:srgbClr>
+                  </a:outerShdw>
+                </a:effectLst>
+              </a:rPr>
+              <a:t>regards</a:t>
+            </a:r>
+            <a:r>
+              <a:rPr lang="hu-HU" dirty="0">
+                <a:effectLst>
+                  <a:outerShdw blurRad="38100" dist="38100" dir="2700000" algn="tl">
+                    <a:srgbClr val="000000">
+                      <a:alpha val="43137"/>
+                    </a:srgbClr>
+                  </a:outerShdw>
+                </a:effectLst>
+              </a:rPr>
+              <a:t>	Anna	</a:t>
+            </a:r>
+            <a:r>
+              <a:rPr lang="hu-HU" dirty="0" err="1">
+                <a:effectLst>
+                  <a:outerShdw blurRad="38100" dist="38100" dir="2700000" algn="tl">
+                    <a:srgbClr val="000000">
+                      <a:alpha val="43137"/>
+                    </a:srgbClr>
+                  </a:outerShdw>
+                </a:effectLst>
+              </a:rPr>
+              <a:t>yesterday</a:t>
+            </a:r>
+            <a:r>
+              <a:rPr lang="en-US" dirty="0">
+                <a:effectLst>
+                  <a:outerShdw blurRad="38100" dist="38100" dir="2700000" algn="tl">
+                    <a:srgbClr val="000000">
+                      <a:alpha val="43137"/>
+                    </a:srgbClr>
+                  </a:outerShdw>
+                </a:effectLst>
+              </a:rPr>
+              <a:t>	</a:t>
+            </a:r>
+            <a:r>
+              <a:rPr lang="hu-HU" dirty="0">
+                <a:effectLst>
+                  <a:outerShdw blurRad="38100" dist="38100" dir="2700000" algn="tl">
+                    <a:srgbClr val="000000">
+                      <a:alpha val="43137"/>
+                    </a:srgbClr>
+                  </a:outerShdw>
+                </a:effectLst>
+              </a:rPr>
+              <a:t>a </a:t>
+            </a:r>
+            <a:r>
+              <a:rPr lang="hu-HU" dirty="0" err="1">
+                <a:effectLst>
+                  <a:outerShdw blurRad="38100" dist="38100" dir="2700000" algn="tl">
+                    <a:srgbClr val="000000">
+                      <a:alpha val="43137"/>
+                    </a:srgbClr>
+                  </a:outerShdw>
+                </a:effectLst>
+              </a:rPr>
+              <a:t>banana</a:t>
+            </a:r>
+            <a:r>
+              <a:rPr lang="hu-HU" dirty="0">
+                <a:effectLst>
+                  <a:outerShdw blurRad="38100" dist="38100" dir="2700000" algn="tl">
+                    <a:srgbClr val="000000">
+                      <a:alpha val="43137"/>
+                    </a:srgbClr>
+                  </a:outerShdw>
+                </a:effectLst>
+              </a:rPr>
+              <a:t>-ACC	ate-3SG</a:t>
+            </a:r>
+          </a:p>
+          <a:p>
+            <a:r>
+              <a:rPr lang="hu-HU" i="1" dirty="0" err="1">
+                <a:effectLst>
+                  <a:outerShdw blurRad="38100" dist="38100" dir="2700000" algn="tl">
+                    <a:srgbClr val="000000">
+                      <a:alpha val="43137"/>
+                    </a:srgbClr>
+                  </a:outerShdw>
+                </a:effectLst>
+              </a:rPr>
+              <a:t>Regarding</a:t>
+            </a:r>
+            <a:r>
+              <a:rPr lang="hu-HU" i="1" dirty="0">
+                <a:effectLst>
+                  <a:outerShdw blurRad="38100" dist="38100" dir="2700000" algn="tl">
+                    <a:srgbClr val="000000">
+                      <a:alpha val="43137"/>
+                    </a:srgbClr>
+                  </a:outerShdw>
+                </a:effectLst>
+              </a:rPr>
+              <a:t> </a:t>
+            </a:r>
+            <a:r>
+              <a:rPr lang="hu-HU" i="1" dirty="0" err="1">
+                <a:effectLst>
+                  <a:outerShdw blurRad="38100" dist="38100" dir="2700000" algn="tl">
+                    <a:srgbClr val="000000">
+                      <a:alpha val="43137"/>
+                    </a:srgbClr>
+                  </a:outerShdw>
+                </a:effectLst>
+              </a:rPr>
+              <a:t>fruits</a:t>
+            </a:r>
+            <a:r>
+              <a:rPr lang="hu-HU" i="1" dirty="0">
+                <a:effectLst>
+                  <a:outerShdw blurRad="38100" dist="38100" dir="2700000" algn="tl">
+                    <a:srgbClr val="000000">
+                      <a:alpha val="43137"/>
+                    </a:srgbClr>
+                  </a:outerShdw>
+                </a:effectLst>
+              </a:rPr>
+              <a:t>, Anna </a:t>
+            </a:r>
+            <a:r>
+              <a:rPr lang="hu-HU" i="1" dirty="0" err="1">
+                <a:effectLst>
+                  <a:outerShdw blurRad="38100" dist="38100" dir="2700000" algn="tl">
+                    <a:srgbClr val="000000">
+                      <a:alpha val="43137"/>
+                    </a:srgbClr>
+                  </a:outerShdw>
+                </a:effectLst>
+              </a:rPr>
+              <a:t>ate</a:t>
+            </a:r>
+            <a:r>
+              <a:rPr lang="hu-HU" i="1" dirty="0">
+                <a:effectLst>
+                  <a:outerShdw blurRad="38100" dist="38100" dir="2700000" algn="tl">
+                    <a:srgbClr val="000000">
+                      <a:alpha val="43137"/>
+                    </a:srgbClr>
+                  </a:outerShdw>
+                </a:effectLst>
+              </a:rPr>
+              <a:t> a </a:t>
+            </a:r>
+            <a:r>
+              <a:rPr lang="hu-HU" i="1" dirty="0" err="1">
+                <a:effectLst>
+                  <a:outerShdw blurRad="38100" dist="38100" dir="2700000" algn="tl">
+                    <a:srgbClr val="000000">
+                      <a:alpha val="43137"/>
+                    </a:srgbClr>
+                  </a:outerShdw>
+                </a:effectLst>
+              </a:rPr>
+              <a:t>banana</a:t>
+            </a:r>
+            <a:r>
+              <a:rPr lang="hu-HU" i="1" dirty="0">
+                <a:effectLst>
+                  <a:outerShdw blurRad="38100" dist="38100" dir="2700000" algn="tl">
+                    <a:srgbClr val="000000">
+                      <a:alpha val="43137"/>
+                    </a:srgbClr>
+                  </a:outerShdw>
+                </a:effectLst>
+              </a:rPr>
+              <a:t> </a:t>
+            </a:r>
+            <a:r>
+              <a:rPr lang="hu-HU" i="1" dirty="0" err="1">
+                <a:effectLst>
+                  <a:outerShdw blurRad="38100" dist="38100" dir="2700000" algn="tl">
+                    <a:srgbClr val="000000">
+                      <a:alpha val="43137"/>
+                    </a:srgbClr>
+                  </a:outerShdw>
+                </a:effectLst>
+              </a:rPr>
+              <a:t>yesterday</a:t>
+            </a:r>
+            <a:r>
+              <a:rPr lang="hu-HU" i="1" dirty="0">
+                <a:effectLst>
+                  <a:outerShdw blurRad="38100" dist="38100" dir="2700000" algn="tl">
+                    <a:srgbClr val="000000">
+                      <a:alpha val="43137"/>
+                    </a:srgbClr>
+                  </a:outerShdw>
+                </a:effectLst>
+              </a:rPr>
+              <a:t>.</a:t>
+            </a:r>
+            <a:r>
+              <a:rPr lang="hu-HU" i="1" dirty="0"/>
+              <a:t>	</a:t>
+            </a:r>
+            <a:r>
+              <a:rPr lang="hu-HU" dirty="0"/>
+              <a:t>			</a:t>
+            </a:r>
+            <a:endParaRPr lang="en-US" dirty="0"/>
+          </a:p>
+          <a:p>
+            <a:r>
+              <a:rPr lang="hu-HU" dirty="0"/>
+              <a:t>		</a:t>
+            </a:r>
+          </a:p>
+          <a:p>
+            <a:r>
+              <a:rPr lang="hu-HU" b="1" dirty="0"/>
+              <a:t>Tegnap	</a:t>
+            </a:r>
+            <a:r>
+              <a:rPr lang="en-US" b="1" dirty="0"/>
+              <a:t>	</a:t>
+            </a:r>
+            <a:r>
+              <a:rPr lang="hu-HU" b="1" dirty="0"/>
+              <a:t>reggel	</a:t>
+            </a:r>
+            <a:r>
+              <a:rPr lang="en-US" b="1" dirty="0"/>
+              <a:t>			</a:t>
+            </a:r>
+            <a:r>
+              <a:rPr lang="hu-HU" b="1" dirty="0"/>
+              <a:t>Anna	többek	között	</a:t>
+            </a:r>
+            <a:r>
+              <a:rPr lang="en-US" b="1" dirty="0"/>
+              <a:t>	</a:t>
+            </a:r>
+            <a:r>
+              <a:rPr lang="hu-HU" b="1" u="sng" dirty="0"/>
+              <a:t>egy banánt</a:t>
+            </a:r>
+            <a:r>
+              <a:rPr lang="hu-HU" b="1" dirty="0"/>
+              <a:t>	</a:t>
+            </a:r>
+            <a:r>
+              <a:rPr lang="en-US" b="1" dirty="0"/>
+              <a:t>	</a:t>
+            </a:r>
+            <a:r>
+              <a:rPr lang="hu-HU" b="1" dirty="0"/>
+              <a:t>evett.</a:t>
+            </a:r>
+          </a:p>
+          <a:p>
+            <a:r>
               <a:rPr lang="hu-HU" dirty="0" err="1"/>
-              <a:t>support</a:t>
+              <a:t>yesterday</a:t>
             </a:r>
             <a:r>
               <a:rPr lang="hu-HU" dirty="0"/>
-              <a:t>.</a:t>
-            </a:r>
-          </a:p>
-          <a:p>
+              <a:t>	</a:t>
+            </a:r>
+            <a:r>
+              <a:rPr lang="hu-HU" dirty="0" err="1"/>
+              <a:t>morning</a:t>
+            </a:r>
+            <a:r>
+              <a:rPr lang="hu-HU" dirty="0"/>
+              <a:t>	</a:t>
+            </a:r>
             <a:r>
               <a:rPr lang="en-US" dirty="0"/>
-              <a:t>Some resources will be stuck at loading for 1 or 2 minutes, even if these images are &lt;10kb, and then not show.</a:t>
-            </a:r>
-          </a:p>
-          <a:p>
+              <a:t>			</a:t>
+            </a:r>
+            <a:r>
+              <a:rPr lang="hu-HU" dirty="0"/>
+              <a:t>Anna	</a:t>
+            </a:r>
+            <a:r>
+              <a:rPr lang="hu-HU" dirty="0" err="1"/>
+              <a:t>others</a:t>
+            </a:r>
+            <a:r>
+              <a:rPr lang="hu-HU" dirty="0"/>
+              <a:t>	</a:t>
+            </a:r>
+            <a:r>
+              <a:rPr lang="hu-HU" dirty="0" err="1"/>
+              <a:t>among</a:t>
+            </a:r>
+            <a:r>
+              <a:rPr lang="hu-HU" dirty="0"/>
+              <a:t>	</a:t>
+            </a:r>
             <a:r>
               <a:rPr lang="en-US" dirty="0"/>
-              <a:t>I assume it is not my code because the errors are </a:t>
-            </a:r>
-            <a:r>
-              <a:rPr lang="en-US" b="1" dirty="0"/>
-              <a:t>random</a:t>
-            </a:r>
-            <a:r>
-              <a:rPr lang="en-US" dirty="0"/>
-              <a:t> with the same codebase; but I might be wrong, as I don’t know the JavaScript in the background.</a:t>
-            </a:r>
-          </a:p>
-          <a:p>
+              <a:t>	</a:t>
+            </a:r>
+            <a:r>
+              <a:rPr lang="hu-HU" dirty="0"/>
+              <a:t>a </a:t>
+            </a:r>
             <a:r>
               <a:rPr lang="hu-HU" dirty="0" err="1"/>
-              <a:t>After</a:t>
+              <a:t>banana</a:t>
             </a:r>
             <a:r>
               <a:rPr lang="hu-HU" dirty="0"/>
+              <a:t>-ACC	ate-3SG</a:t>
+            </a:r>
+          </a:p>
+          <a:p>
+            <a:r>
+              <a:rPr lang="hu-HU" i="1" dirty="0" err="1"/>
+              <a:t>Yesterday</a:t>
+            </a:r>
+            <a:r>
+              <a:rPr lang="hu-HU" i="1" dirty="0"/>
               <a:t> </a:t>
             </a:r>
             <a:r>
-              <a:rPr lang="hu-HU" dirty="0" err="1"/>
-              <a:t>around</a:t>
+              <a:rPr lang="hu-HU" i="1" dirty="0" err="1"/>
+              <a:t>morning</a:t>
+            </a:r>
+            <a:r>
+              <a:rPr lang="hu-HU" i="1" dirty="0"/>
+              <a:t> Anna </a:t>
+            </a:r>
+            <a:r>
+              <a:rPr lang="hu-HU" i="1" dirty="0" err="1"/>
+              <a:t>ate</a:t>
+            </a:r>
+            <a:r>
+              <a:rPr lang="hu-HU" i="1" dirty="0"/>
+              <a:t>, </a:t>
+            </a:r>
+            <a:r>
+              <a:rPr lang="hu-HU" i="1" dirty="0" err="1"/>
+              <a:t>among</a:t>
+            </a:r>
+            <a:r>
+              <a:rPr lang="hu-HU" i="1" dirty="0"/>
+              <a:t> </a:t>
+            </a:r>
+            <a:r>
+              <a:rPr lang="hu-HU" i="1" dirty="0" err="1"/>
+              <a:t>other</a:t>
+            </a:r>
+            <a:r>
+              <a:rPr lang="hu-HU" i="1" dirty="0"/>
+              <a:t> </a:t>
+            </a:r>
+            <a:r>
+              <a:rPr lang="hu-HU" i="1" dirty="0" err="1"/>
+              <a:t>things</a:t>
+            </a:r>
+            <a:r>
+              <a:rPr lang="hu-HU" i="1" dirty="0"/>
+              <a:t>, a </a:t>
+            </a:r>
+            <a:r>
+              <a:rPr lang="hu-HU" i="1" dirty="0" err="1"/>
+              <a:t>banana</a:t>
+            </a:r>
+            <a:r>
+              <a:rPr lang="hu-HU" i="1" dirty="0"/>
+              <a:t>.		</a:t>
             </a:r>
             <a:r>
               <a:rPr lang="hu-HU" dirty="0"/>
-              <a:t> 60-80 </a:t>
-            </a:r>
-            <a:r>
-              <a:rPr lang="hu-HU" dirty="0" err="1"/>
-              <a:t>hours</a:t>
-            </a:r>
-            <a:r>
-              <a:rPr lang="hu-HU" dirty="0"/>
-              <a:t> </a:t>
-            </a:r>
-            <a:r>
-              <a:rPr lang="hu-HU" dirty="0" err="1"/>
-              <a:t>spent</a:t>
-            </a:r>
-            <a:r>
-              <a:rPr lang="hu-HU" dirty="0"/>
-              <a:t> in </a:t>
-            </a:r>
-            <a:r>
-              <a:rPr lang="hu-HU" dirty="0" err="1"/>
-              <a:t>it</a:t>
-            </a:r>
-            <a:r>
-              <a:rPr lang="hu-HU" dirty="0"/>
-              <a:t> </a:t>
-            </a:r>
-            <a:r>
-              <a:rPr lang="hu-HU" dirty="0" err="1"/>
-              <a:t>with</a:t>
-            </a:r>
-            <a:r>
-              <a:rPr lang="hu-HU" dirty="0"/>
-              <a:t> 200-300 test </a:t>
-            </a:r>
-            <a:r>
-              <a:rPr lang="hu-HU" dirty="0" err="1"/>
-              <a:t>runs</a:t>
-            </a:r>
-            <a:r>
-              <a:rPr lang="hu-HU" dirty="0"/>
-              <a:t>, </a:t>
-            </a:r>
-            <a:r>
-              <a:rPr lang="en-US" dirty="0"/>
-              <a:t>it </a:t>
-            </a:r>
-            <a:r>
-              <a:rPr lang="hu-HU" dirty="0" err="1"/>
-              <a:t>seems</a:t>
-            </a:r>
-            <a:r>
-              <a:rPr lang="hu-HU" dirty="0"/>
-              <a:t> like </a:t>
-            </a:r>
-            <a:r>
-              <a:rPr lang="hu-HU" dirty="0" err="1"/>
-              <a:t>around</a:t>
-            </a:r>
-            <a:r>
-              <a:rPr lang="hu-HU" dirty="0"/>
-              <a:t> 50% of </a:t>
-            </a:r>
-            <a:r>
-              <a:rPr lang="hu-HU" dirty="0" err="1"/>
-              <a:t>the</a:t>
-            </a:r>
-            <a:r>
-              <a:rPr lang="hu-HU" dirty="0"/>
-              <a:t> </a:t>
-            </a:r>
-            <a:r>
-              <a:rPr lang="hu-HU" dirty="0" err="1"/>
-              <a:t>time</a:t>
-            </a:r>
-            <a:r>
-              <a:rPr lang="hu-HU" dirty="0"/>
-              <a:t> </a:t>
-            </a:r>
-            <a:r>
-              <a:rPr lang="hu-HU" dirty="0" err="1"/>
-              <a:t>resources</a:t>
-            </a:r>
-            <a:r>
-              <a:rPr lang="hu-HU" dirty="0"/>
-              <a:t> </a:t>
-            </a:r>
-            <a:r>
-              <a:rPr lang="hu-HU" dirty="0" err="1"/>
-              <a:t>won’t</a:t>
-            </a:r>
-            <a:r>
-              <a:rPr lang="hu-HU" dirty="0"/>
-              <a:t> </a:t>
-            </a:r>
-            <a:r>
-              <a:rPr lang="hu-HU" dirty="0" err="1"/>
-              <a:t>load</a:t>
-            </a:r>
-            <a:r>
-              <a:rPr lang="hu-HU" dirty="0"/>
-              <a:t>/</a:t>
-            </a:r>
-            <a:r>
-              <a:rPr lang="hu-HU" dirty="0" err="1"/>
-              <a:t>stimuli</a:t>
-            </a:r>
-            <a:r>
-              <a:rPr lang="hu-HU" dirty="0"/>
-              <a:t> </a:t>
-            </a:r>
-            <a:r>
-              <a:rPr lang="hu-HU" dirty="0" err="1"/>
-              <a:t>won’t</a:t>
-            </a:r>
-            <a:r>
-              <a:rPr lang="hu-HU" dirty="0"/>
-              <a:t> show. </a:t>
-            </a:r>
-            <a:br>
-              <a:rPr lang="en-US" dirty="0"/>
-            </a:br>
-            <a:r>
-              <a:rPr lang="hu-HU" dirty="0"/>
-              <a:t>(Tested </a:t>
-            </a:r>
-            <a:r>
-              <a:rPr lang="hu-HU" dirty="0" err="1"/>
-              <a:t>on</a:t>
-            </a:r>
-            <a:r>
-              <a:rPr lang="hu-HU" dirty="0"/>
-              <a:t> Firefox and Chrome.)</a:t>
-            </a:r>
-          </a:p>
-          <a:p>
-            <a:r>
-              <a:rPr lang="hu-HU" dirty="0" err="1"/>
-              <a:t>It</a:t>
-            </a:r>
-            <a:r>
-              <a:rPr lang="hu-HU" dirty="0"/>
-              <a:t> </a:t>
-            </a:r>
-            <a:r>
-              <a:rPr lang="hu-HU" dirty="0" err="1"/>
-              <a:t>works</a:t>
-            </a:r>
-            <a:r>
-              <a:rPr lang="hu-HU" dirty="0"/>
-              <a:t> </a:t>
-            </a:r>
-            <a:r>
-              <a:rPr lang="hu-HU" dirty="0" err="1"/>
-              <a:t>but</a:t>
-            </a:r>
-            <a:r>
-              <a:rPr lang="hu-HU" dirty="0"/>
-              <a:t> </a:t>
-            </a:r>
-            <a:r>
-              <a:rPr lang="hu-HU" dirty="0" err="1"/>
-              <a:t>it’s</a:t>
-            </a:r>
-            <a:r>
-              <a:rPr lang="hu-HU" dirty="0"/>
-              <a:t> </a:t>
-            </a:r>
-            <a:r>
-              <a:rPr lang="hu-HU" dirty="0" err="1"/>
-              <a:t>not</a:t>
-            </a:r>
-            <a:r>
-              <a:rPr lang="hu-HU" dirty="0"/>
-              <a:t> </a:t>
-            </a:r>
-            <a:r>
-              <a:rPr lang="hu-HU" dirty="0" err="1"/>
-              <a:t>trustworthy</a:t>
-            </a:r>
-            <a:r>
-              <a:rPr lang="en-US" dirty="0"/>
-              <a:t>, I have no guarantee over what the participant will actually see, I have no control over PCIBex Farm’s </a:t>
-            </a:r>
-            <a:r>
-              <a:rPr lang="en-US" dirty="0" err="1"/>
-              <a:t>PennController</a:t>
-            </a:r>
-            <a:r>
-              <a:rPr lang="en-US" dirty="0"/>
-              <a:t>.</a:t>
-            </a:r>
-          </a:p>
-          <a:p>
-            <a:r>
-              <a:rPr lang="en-US" dirty="0"/>
-              <a:t>I also cannot make the eye-tracking record eye movements, but that is almost surely my fault somewhere.</a:t>
-            </a:r>
-            <a:endParaRPr lang="hu-HU" dirty="0"/>
-          </a:p>
-          <a:p>
-            <a:endParaRPr lang="hu-HU" dirty="0"/>
+              <a:t>				</a:t>
+            </a:r>
           </a:p>
         </p:txBody>
       </p:sp>
     </p:spTree>
     <p:extLst>
       <p:ext uri="{BB962C8B-B14F-4D97-AF65-F5344CB8AC3E}">
-        <p14:creationId xmlns:p14="http://schemas.microsoft.com/office/powerpoint/2010/main" val="1803289097"/>
+        <p14:creationId xmlns:p14="http://schemas.microsoft.com/office/powerpoint/2010/main" val="3843138972"/>
+      </p:ext>
+    </p:extLst>
+  </p:cSld>
+  <p:clrMapOvr>
+    <a:masterClrMapping/>
+  </p:clrMapOvr>
+</p:sld>
+</file>
+
+<file path=ppt/slides/slide5.xml><?xml version="1.0" encoding="utf-8"?>
+<p:sld xmlns:a="http://schemas.openxmlformats.org/drawingml/2006/main" xmlns:r="http://schemas.openxmlformats.org/officeDocument/2006/relationships" xmlns:p="http://schemas.openxmlformats.org/presentationml/2006/main">
+  <p:cSld>
+    <p:spTree>
+      <p:nvGrpSpPr>
+        <p:cNvPr id="1" name="">
+          <a:extLst>
+            <a:ext uri="{FF2B5EF4-FFF2-40B4-BE49-F238E27FC236}">
+              <a16:creationId xmlns:a16="http://schemas.microsoft.com/office/drawing/2014/main" id="{D9BEE918-BFEB-BE06-B083-994013DA7BC4}"/>
+            </a:ext>
+          </a:extLst>
+        </p:cNvPr>
+        <p:cNvGrpSpPr/>
+        <p:nvPr/>
+      </p:nvGrpSpPr>
+      <p:grpSpPr>
+        <a:xfrm>
+          <a:off x="0" y="0"/>
+          <a:ext cx="0" cy="0"/>
+          <a:chOff x="0" y="0"/>
+          <a:chExt cx="0" cy="0"/>
+        </a:xfrm>
+      </p:grpSpPr>
+      <p:sp>
+        <p:nvSpPr>
+          <p:cNvPr id="2" name="Title 1">
+            <a:extLst>
+              <a:ext uri="{FF2B5EF4-FFF2-40B4-BE49-F238E27FC236}">
+                <a16:creationId xmlns:a16="http://schemas.microsoft.com/office/drawing/2014/main" id="{C6B67B23-B3DC-7258-3E3C-6C30C4A4C84E}"/>
+              </a:ext>
+            </a:extLst>
+          </p:cNvPr>
+          <p:cNvSpPr>
+            <a:spLocks noGrp="1"/>
+          </p:cNvSpPr>
+          <p:nvPr>
+            <p:ph type="title"/>
+          </p:nvPr>
+        </p:nvSpPr>
+        <p:spPr/>
+        <p:txBody>
+          <a:bodyPr/>
+          <a:lstStyle/>
+          <a:p>
+            <a:r>
+              <a:rPr lang="en-US" dirty="0"/>
+              <a:t>Two experiments: 1</a:t>
+            </a:r>
+            <a:endParaRPr lang="hu-HU" dirty="0"/>
+          </a:p>
+        </p:txBody>
+      </p:sp>
+      <p:sp>
+        <p:nvSpPr>
+          <p:cNvPr id="3" name="Content Placeholder 2">
+            <a:extLst>
+              <a:ext uri="{FF2B5EF4-FFF2-40B4-BE49-F238E27FC236}">
+                <a16:creationId xmlns:a16="http://schemas.microsoft.com/office/drawing/2014/main" id="{A0E1A5EA-CB53-0BAC-7447-B86778F8D4FD}"/>
+              </a:ext>
+            </a:extLst>
+          </p:cNvPr>
+          <p:cNvSpPr>
+            <a:spLocks noGrp="1"/>
+          </p:cNvSpPr>
+          <p:nvPr>
+            <p:ph idx="1"/>
+          </p:nvPr>
+        </p:nvSpPr>
+        <p:spPr/>
+        <p:txBody>
+          <a:bodyPr/>
+          <a:lstStyle/>
+          <a:p>
+            <a:pPr marL="457200" indent="-457200">
+              <a:buFont typeface="+mj-lt"/>
+              <a:buAutoNum type="arabicPeriod"/>
+            </a:pPr>
+            <a:r>
+              <a:rPr lang="en-US" dirty="0">
+                <a:solidFill>
+                  <a:schemeClr val="tx1">
+                    <a:lumMod val="75000"/>
+                  </a:schemeClr>
+                </a:solidFill>
+              </a:rPr>
+              <a:t>Hungarian focus constructions – exclusivity vs. </a:t>
+            </a:r>
+            <a:r>
+              <a:rPr lang="en-US" dirty="0" err="1">
+                <a:solidFill>
+                  <a:schemeClr val="tx1">
+                    <a:lumMod val="75000"/>
+                  </a:schemeClr>
+                </a:solidFill>
+              </a:rPr>
+              <a:t>contrastivity</a:t>
+            </a:r>
+            <a:endParaRPr lang="en-US" dirty="0">
+              <a:solidFill>
+                <a:schemeClr val="tx1">
+                  <a:lumMod val="75000"/>
+                </a:schemeClr>
+              </a:solidFill>
+            </a:endParaRPr>
+          </a:p>
+          <a:p>
+            <a:pPr marL="857250" lvl="1" indent="-457200"/>
+            <a:r>
+              <a:rPr lang="en-US" dirty="0">
+                <a:solidFill>
+                  <a:schemeClr val="tx1">
+                    <a:lumMod val="75000"/>
+                  </a:schemeClr>
+                </a:solidFill>
+              </a:rPr>
+              <a:t>Testing if Hungarian focus is exhaustive by default, or if it can be contrastive.</a:t>
+            </a:r>
+          </a:p>
+          <a:p>
+            <a:pPr marL="0" indent="0">
+              <a:buNone/>
+            </a:pPr>
+            <a:endParaRPr lang="en-US" dirty="0"/>
+          </a:p>
+        </p:txBody>
+      </p:sp>
+      <p:sp>
+        <p:nvSpPr>
+          <p:cNvPr id="6" name="TextBox 5">
+            <a:extLst>
+              <a:ext uri="{FF2B5EF4-FFF2-40B4-BE49-F238E27FC236}">
+                <a16:creationId xmlns:a16="http://schemas.microsoft.com/office/drawing/2014/main" id="{6C10E39C-B11B-0DCB-140C-EC53A7084A5B}"/>
+              </a:ext>
+            </a:extLst>
+          </p:cNvPr>
+          <p:cNvSpPr txBox="1"/>
+          <p:nvPr/>
+        </p:nvSpPr>
+        <p:spPr>
+          <a:xfrm>
+            <a:off x="362777" y="3429000"/>
+            <a:ext cx="1411159" cy="2585323"/>
+          </a:xfrm>
+          <a:prstGeom prst="rect">
+            <a:avLst/>
+          </a:prstGeom>
+          <a:noFill/>
+        </p:spPr>
+        <p:txBody>
+          <a:bodyPr wrap="square">
+            <a:spAutoFit/>
+          </a:bodyPr>
+          <a:lstStyle/>
+          <a:p>
+            <a:r>
+              <a:rPr lang="hu-HU" b="1" dirty="0" err="1">
+                <a:solidFill>
+                  <a:srgbClr val="FF0000"/>
+                </a:solidFill>
+              </a:rPr>
+              <a:t>exclusive</a:t>
+            </a:r>
+            <a:endParaRPr lang="hu-HU" b="1" dirty="0">
+              <a:solidFill>
+                <a:srgbClr val="FF0000"/>
+              </a:solidFill>
+            </a:endParaRPr>
+          </a:p>
+          <a:p>
+            <a:endParaRPr lang="hu-HU" b="1" dirty="0">
+              <a:solidFill>
+                <a:srgbClr val="FF0000"/>
+              </a:solidFill>
+            </a:endParaRPr>
+          </a:p>
+          <a:p>
+            <a:endParaRPr lang="en-US" b="1" dirty="0">
+              <a:solidFill>
+                <a:srgbClr val="FF0000"/>
+              </a:solidFill>
+            </a:endParaRPr>
+          </a:p>
+          <a:p>
+            <a:endParaRPr lang="hu-HU" b="1" dirty="0">
+              <a:solidFill>
+                <a:srgbClr val="FF0000"/>
+              </a:solidFill>
+            </a:endParaRPr>
+          </a:p>
+          <a:p>
+            <a:r>
+              <a:rPr lang="hu-HU" b="1" dirty="0" err="1">
+                <a:solidFill>
+                  <a:srgbClr val="FF0000"/>
+                </a:solidFill>
+              </a:rPr>
+              <a:t>focus</a:t>
+            </a:r>
+            <a:endParaRPr lang="hu-HU" b="1" dirty="0">
+              <a:solidFill>
+                <a:srgbClr val="FF0000"/>
+              </a:solidFill>
+            </a:endParaRPr>
+          </a:p>
+          <a:p>
+            <a:endParaRPr lang="hu-HU" b="1" dirty="0">
+              <a:solidFill>
+                <a:srgbClr val="FF0000"/>
+              </a:solidFill>
+            </a:endParaRPr>
+          </a:p>
+          <a:p>
+            <a:endParaRPr lang="en-US" b="1" dirty="0">
+              <a:solidFill>
+                <a:srgbClr val="FF0000"/>
+              </a:solidFill>
+            </a:endParaRPr>
+          </a:p>
+          <a:p>
+            <a:endParaRPr lang="hu-HU" b="1" dirty="0">
+              <a:solidFill>
+                <a:srgbClr val="FF0000"/>
+              </a:solidFill>
+            </a:endParaRPr>
+          </a:p>
+          <a:p>
+            <a:r>
+              <a:rPr lang="hu-HU" b="1" dirty="0" err="1">
+                <a:solidFill>
+                  <a:srgbClr val="FF0000"/>
+                </a:solidFill>
+              </a:rPr>
+              <a:t>contrastive</a:t>
+            </a:r>
+            <a:endParaRPr lang="hu-HU" b="1" dirty="0">
+              <a:solidFill>
+                <a:srgbClr val="FF0000"/>
+              </a:solidFill>
+            </a:endParaRPr>
+          </a:p>
+        </p:txBody>
+      </p:sp>
+      <p:sp>
+        <p:nvSpPr>
+          <p:cNvPr id="7" name="TextBox 6">
+            <a:extLst>
+              <a:ext uri="{FF2B5EF4-FFF2-40B4-BE49-F238E27FC236}">
+                <a16:creationId xmlns:a16="http://schemas.microsoft.com/office/drawing/2014/main" id="{564851BE-B2D3-79EB-083A-61E369C3AA7A}"/>
+              </a:ext>
+            </a:extLst>
+          </p:cNvPr>
+          <p:cNvSpPr txBox="1"/>
+          <p:nvPr/>
+        </p:nvSpPr>
+        <p:spPr>
+          <a:xfrm>
+            <a:off x="1773936" y="3429000"/>
+            <a:ext cx="10055287" cy="3139321"/>
+          </a:xfrm>
+          <a:prstGeom prst="rect">
+            <a:avLst/>
+          </a:prstGeom>
+          <a:noFill/>
+        </p:spPr>
+        <p:txBody>
+          <a:bodyPr wrap="square">
+            <a:spAutoFit/>
+          </a:bodyPr>
+          <a:lstStyle/>
+          <a:p>
+            <a:r>
+              <a:rPr lang="hu-HU" b="1" dirty="0"/>
+              <a:t>Ami	</a:t>
+            </a:r>
+            <a:r>
+              <a:rPr lang="en-US" b="1" dirty="0"/>
+              <a:t>		</a:t>
+            </a:r>
+            <a:r>
+              <a:rPr lang="hu-HU" b="1" dirty="0"/>
+              <a:t>a gyümölcsöket	</a:t>
+            </a:r>
+            <a:r>
+              <a:rPr lang="en-US" b="1" dirty="0"/>
+              <a:t>	</a:t>
+            </a:r>
+            <a:r>
+              <a:rPr lang="hu-HU" b="1" dirty="0"/>
+              <a:t>illeti	</a:t>
+            </a:r>
+            <a:r>
+              <a:rPr lang="en-US" b="1" dirty="0"/>
+              <a:t>	</a:t>
+            </a:r>
+            <a:r>
+              <a:rPr lang="hu-HU" b="1" dirty="0"/>
+              <a:t>Anna	csak	</a:t>
+            </a:r>
+            <a:r>
+              <a:rPr lang="en-US" b="1" dirty="0"/>
+              <a:t>	</a:t>
+            </a:r>
+            <a:r>
+              <a:rPr lang="hu-HU" b="1" u="sng" dirty="0"/>
+              <a:t>egy banánt</a:t>
+            </a:r>
+            <a:r>
+              <a:rPr lang="hu-HU" b="1" dirty="0"/>
+              <a:t>	</a:t>
+            </a:r>
+            <a:r>
+              <a:rPr lang="en-US" b="1" dirty="0"/>
+              <a:t>	</a:t>
+            </a:r>
+            <a:r>
+              <a:rPr lang="hu-HU" b="1" dirty="0"/>
+              <a:t>evett.</a:t>
+            </a:r>
+          </a:p>
+          <a:p>
+            <a:r>
+              <a:rPr lang="hu-HU" dirty="0" err="1"/>
+              <a:t>which</a:t>
+            </a:r>
+            <a:r>
+              <a:rPr lang="hu-HU" dirty="0"/>
+              <a:t> (</a:t>
+            </a:r>
+            <a:r>
+              <a:rPr lang="hu-HU" dirty="0" err="1"/>
+              <a:t>relative</a:t>
+            </a:r>
+            <a:r>
+              <a:rPr lang="hu-HU" dirty="0"/>
+              <a:t>)	</a:t>
+            </a:r>
+            <a:r>
+              <a:rPr lang="hu-HU" dirty="0" err="1"/>
+              <a:t>the</a:t>
+            </a:r>
+            <a:r>
+              <a:rPr lang="hu-HU" dirty="0"/>
+              <a:t> </a:t>
+            </a:r>
+            <a:r>
+              <a:rPr lang="hu-HU" dirty="0" err="1"/>
+              <a:t>fruits</a:t>
+            </a:r>
+            <a:r>
+              <a:rPr lang="hu-HU" dirty="0"/>
+              <a:t>-ACC	</a:t>
+            </a:r>
+            <a:r>
+              <a:rPr lang="hu-HU" dirty="0" err="1"/>
+              <a:t>regards</a:t>
+            </a:r>
+            <a:r>
+              <a:rPr lang="hu-HU" dirty="0"/>
+              <a:t>	Anna	</a:t>
+            </a:r>
+            <a:r>
+              <a:rPr lang="hu-HU" dirty="0" err="1"/>
+              <a:t>only</a:t>
+            </a:r>
+            <a:r>
+              <a:rPr lang="hu-HU" dirty="0"/>
+              <a:t>	</a:t>
+            </a:r>
+            <a:r>
+              <a:rPr lang="en-US" dirty="0"/>
+              <a:t>	</a:t>
+            </a:r>
+            <a:r>
+              <a:rPr lang="hu-HU" dirty="0"/>
+              <a:t>a </a:t>
+            </a:r>
+            <a:r>
+              <a:rPr lang="hu-HU" dirty="0" err="1"/>
+              <a:t>banana</a:t>
+            </a:r>
+            <a:r>
+              <a:rPr lang="hu-HU" dirty="0"/>
+              <a:t>-ACC	ate-3SG</a:t>
+            </a:r>
+          </a:p>
+          <a:p>
+            <a:r>
+              <a:rPr lang="hu-HU" i="1" dirty="0" err="1"/>
+              <a:t>Regarding</a:t>
+            </a:r>
+            <a:r>
+              <a:rPr lang="hu-HU" i="1" dirty="0"/>
+              <a:t> </a:t>
+            </a:r>
+            <a:r>
+              <a:rPr lang="hu-HU" i="1" dirty="0" err="1"/>
+              <a:t>fruits</a:t>
+            </a:r>
+            <a:r>
+              <a:rPr lang="hu-HU" i="1" dirty="0"/>
+              <a:t>, Anna </a:t>
+            </a:r>
+            <a:r>
+              <a:rPr lang="hu-HU" i="1" dirty="0" err="1"/>
+              <a:t>ate</a:t>
+            </a:r>
+            <a:r>
+              <a:rPr lang="hu-HU" i="1" dirty="0"/>
+              <a:t> </a:t>
+            </a:r>
+            <a:r>
+              <a:rPr lang="hu-HU" i="1" dirty="0" err="1"/>
+              <a:t>only</a:t>
+            </a:r>
+            <a:r>
+              <a:rPr lang="hu-HU" i="1" dirty="0"/>
+              <a:t> a </a:t>
+            </a:r>
+            <a:r>
+              <a:rPr lang="hu-HU" i="1" dirty="0" err="1"/>
+              <a:t>banana</a:t>
+            </a:r>
+            <a:r>
+              <a:rPr lang="hu-HU" i="1" dirty="0"/>
+              <a:t>.	</a:t>
+            </a:r>
+            <a:r>
+              <a:rPr lang="hu-HU" dirty="0"/>
+              <a:t>	</a:t>
+            </a:r>
+            <a:endParaRPr lang="en-US" dirty="0"/>
+          </a:p>
+          <a:p>
+            <a:r>
+              <a:rPr lang="hu-HU" dirty="0"/>
+              <a:t>				</a:t>
+            </a:r>
+          </a:p>
+          <a:p>
+            <a:r>
+              <a:rPr lang="hu-HU" b="1" dirty="0">
+                <a:effectLst>
+                  <a:outerShdw blurRad="38100" dist="38100" dir="2700000" algn="tl">
+                    <a:srgbClr val="000000">
+                      <a:alpha val="43137"/>
+                    </a:srgbClr>
+                  </a:outerShdw>
+                </a:effectLst>
+              </a:rPr>
+              <a:t>Ami	</a:t>
+            </a:r>
+            <a:r>
+              <a:rPr lang="en-US" b="1" dirty="0">
+                <a:effectLst>
+                  <a:outerShdw blurRad="38100" dist="38100" dir="2700000" algn="tl">
+                    <a:srgbClr val="000000">
+                      <a:alpha val="43137"/>
+                    </a:srgbClr>
+                  </a:outerShdw>
+                </a:effectLst>
+              </a:rPr>
+              <a:t>		</a:t>
+            </a:r>
+            <a:r>
+              <a:rPr lang="hu-HU" b="1" dirty="0">
+                <a:effectLst>
+                  <a:outerShdw blurRad="38100" dist="38100" dir="2700000" algn="tl">
+                    <a:srgbClr val="000000">
+                      <a:alpha val="43137"/>
+                    </a:srgbClr>
+                  </a:outerShdw>
+                </a:effectLst>
+              </a:rPr>
+              <a:t>a gyümölcsöket	</a:t>
+            </a:r>
+            <a:r>
+              <a:rPr lang="en-US" b="1" dirty="0">
+                <a:effectLst>
+                  <a:outerShdw blurRad="38100" dist="38100" dir="2700000" algn="tl">
+                    <a:srgbClr val="000000">
+                      <a:alpha val="43137"/>
+                    </a:srgbClr>
+                  </a:outerShdw>
+                </a:effectLst>
+              </a:rPr>
+              <a:t>	</a:t>
+            </a:r>
+            <a:r>
+              <a:rPr lang="hu-HU" b="1" dirty="0">
+                <a:effectLst>
+                  <a:outerShdw blurRad="38100" dist="38100" dir="2700000" algn="tl">
+                    <a:srgbClr val="000000">
+                      <a:alpha val="43137"/>
+                    </a:srgbClr>
+                  </a:outerShdw>
+                </a:effectLst>
+              </a:rPr>
+              <a:t>illeti	</a:t>
+            </a:r>
+            <a:r>
+              <a:rPr lang="en-US" b="1" dirty="0">
+                <a:effectLst>
+                  <a:outerShdw blurRad="38100" dist="38100" dir="2700000" algn="tl">
+                    <a:srgbClr val="000000">
+                      <a:alpha val="43137"/>
+                    </a:srgbClr>
+                  </a:outerShdw>
+                </a:effectLst>
+              </a:rPr>
+              <a:t>	</a:t>
+            </a:r>
+            <a:r>
+              <a:rPr lang="hu-HU" b="1" dirty="0">
+                <a:effectLst>
+                  <a:outerShdw blurRad="38100" dist="38100" dir="2700000" algn="tl">
+                    <a:srgbClr val="000000">
+                      <a:alpha val="43137"/>
+                    </a:srgbClr>
+                  </a:outerShdw>
+                </a:effectLst>
+              </a:rPr>
+              <a:t>Anna	tegnap</a:t>
+            </a:r>
+            <a:r>
+              <a:rPr lang="en-US" b="1" dirty="0">
+                <a:effectLst>
+                  <a:outerShdw blurRad="38100" dist="38100" dir="2700000" algn="tl">
+                    <a:srgbClr val="000000">
+                      <a:alpha val="43137"/>
+                    </a:srgbClr>
+                  </a:outerShdw>
+                </a:effectLst>
+              </a:rPr>
+              <a:t>		</a:t>
+            </a:r>
+            <a:r>
+              <a:rPr lang="hu-HU" b="1" u="sng" dirty="0">
+                <a:effectLst>
+                  <a:outerShdw blurRad="38100" dist="38100" dir="2700000" algn="tl">
+                    <a:srgbClr val="000000">
+                      <a:alpha val="43137"/>
+                    </a:srgbClr>
+                  </a:outerShdw>
+                </a:effectLst>
+              </a:rPr>
+              <a:t>egy banánt</a:t>
+            </a:r>
+            <a:r>
+              <a:rPr lang="hu-HU" b="1" dirty="0">
+                <a:effectLst>
+                  <a:outerShdw blurRad="38100" dist="38100" dir="2700000" algn="tl">
+                    <a:srgbClr val="000000">
+                      <a:alpha val="43137"/>
+                    </a:srgbClr>
+                  </a:outerShdw>
+                </a:effectLst>
+              </a:rPr>
+              <a:t>	</a:t>
+            </a:r>
+            <a:r>
+              <a:rPr lang="en-US" b="1" dirty="0">
+                <a:effectLst>
+                  <a:outerShdw blurRad="38100" dist="38100" dir="2700000" algn="tl">
+                    <a:srgbClr val="000000">
+                      <a:alpha val="43137"/>
+                    </a:srgbClr>
+                  </a:outerShdw>
+                </a:effectLst>
+              </a:rPr>
+              <a:t>	</a:t>
+            </a:r>
+            <a:r>
+              <a:rPr lang="hu-HU" b="1" dirty="0">
+                <a:effectLst>
+                  <a:outerShdw blurRad="38100" dist="38100" dir="2700000" algn="tl">
+                    <a:srgbClr val="000000">
+                      <a:alpha val="43137"/>
+                    </a:srgbClr>
+                  </a:outerShdw>
+                </a:effectLst>
+              </a:rPr>
+              <a:t>evett.</a:t>
+            </a:r>
+          </a:p>
+          <a:p>
+            <a:r>
+              <a:rPr lang="hu-HU" dirty="0" err="1">
+                <a:effectLst>
+                  <a:outerShdw blurRad="38100" dist="38100" dir="2700000" algn="tl">
+                    <a:srgbClr val="000000">
+                      <a:alpha val="43137"/>
+                    </a:srgbClr>
+                  </a:outerShdw>
+                </a:effectLst>
+              </a:rPr>
+              <a:t>which</a:t>
+            </a:r>
+            <a:r>
+              <a:rPr lang="hu-HU" dirty="0">
+                <a:effectLst>
+                  <a:outerShdw blurRad="38100" dist="38100" dir="2700000" algn="tl">
+                    <a:srgbClr val="000000">
+                      <a:alpha val="43137"/>
+                    </a:srgbClr>
+                  </a:outerShdw>
+                </a:effectLst>
+              </a:rPr>
+              <a:t> (</a:t>
+            </a:r>
+            <a:r>
+              <a:rPr lang="hu-HU" dirty="0" err="1">
+                <a:effectLst>
+                  <a:outerShdw blurRad="38100" dist="38100" dir="2700000" algn="tl">
+                    <a:srgbClr val="000000">
+                      <a:alpha val="43137"/>
+                    </a:srgbClr>
+                  </a:outerShdw>
+                </a:effectLst>
+              </a:rPr>
+              <a:t>relative</a:t>
+            </a:r>
+            <a:r>
+              <a:rPr lang="hu-HU" dirty="0">
+                <a:effectLst>
+                  <a:outerShdw blurRad="38100" dist="38100" dir="2700000" algn="tl">
+                    <a:srgbClr val="000000">
+                      <a:alpha val="43137"/>
+                    </a:srgbClr>
+                  </a:outerShdw>
+                </a:effectLst>
+              </a:rPr>
+              <a:t>)	</a:t>
+            </a:r>
+            <a:r>
+              <a:rPr lang="hu-HU" dirty="0" err="1">
+                <a:effectLst>
+                  <a:outerShdw blurRad="38100" dist="38100" dir="2700000" algn="tl">
+                    <a:srgbClr val="000000">
+                      <a:alpha val="43137"/>
+                    </a:srgbClr>
+                  </a:outerShdw>
+                </a:effectLst>
+              </a:rPr>
+              <a:t>the</a:t>
+            </a:r>
+            <a:r>
+              <a:rPr lang="hu-HU" dirty="0">
+                <a:effectLst>
+                  <a:outerShdw blurRad="38100" dist="38100" dir="2700000" algn="tl">
+                    <a:srgbClr val="000000">
+                      <a:alpha val="43137"/>
+                    </a:srgbClr>
+                  </a:outerShdw>
+                </a:effectLst>
+              </a:rPr>
+              <a:t> </a:t>
+            </a:r>
+            <a:r>
+              <a:rPr lang="hu-HU" dirty="0" err="1">
+                <a:effectLst>
+                  <a:outerShdw blurRad="38100" dist="38100" dir="2700000" algn="tl">
+                    <a:srgbClr val="000000">
+                      <a:alpha val="43137"/>
+                    </a:srgbClr>
+                  </a:outerShdw>
+                </a:effectLst>
+              </a:rPr>
+              <a:t>fruits</a:t>
+            </a:r>
+            <a:r>
+              <a:rPr lang="hu-HU" dirty="0">
+                <a:effectLst>
+                  <a:outerShdw blurRad="38100" dist="38100" dir="2700000" algn="tl">
+                    <a:srgbClr val="000000">
+                      <a:alpha val="43137"/>
+                    </a:srgbClr>
+                  </a:outerShdw>
+                </a:effectLst>
+              </a:rPr>
+              <a:t>-ACC	</a:t>
+            </a:r>
+            <a:r>
+              <a:rPr lang="hu-HU" dirty="0" err="1">
+                <a:effectLst>
+                  <a:outerShdw blurRad="38100" dist="38100" dir="2700000" algn="tl">
+                    <a:srgbClr val="000000">
+                      <a:alpha val="43137"/>
+                    </a:srgbClr>
+                  </a:outerShdw>
+                </a:effectLst>
+              </a:rPr>
+              <a:t>regards</a:t>
+            </a:r>
+            <a:r>
+              <a:rPr lang="hu-HU" dirty="0">
+                <a:effectLst>
+                  <a:outerShdw blurRad="38100" dist="38100" dir="2700000" algn="tl">
+                    <a:srgbClr val="000000">
+                      <a:alpha val="43137"/>
+                    </a:srgbClr>
+                  </a:outerShdw>
+                </a:effectLst>
+              </a:rPr>
+              <a:t>	Anna	</a:t>
+            </a:r>
+            <a:r>
+              <a:rPr lang="hu-HU" dirty="0" err="1">
+                <a:effectLst>
+                  <a:outerShdw blurRad="38100" dist="38100" dir="2700000" algn="tl">
+                    <a:srgbClr val="000000">
+                      <a:alpha val="43137"/>
+                    </a:srgbClr>
+                  </a:outerShdw>
+                </a:effectLst>
+              </a:rPr>
+              <a:t>yesterday</a:t>
+            </a:r>
+            <a:r>
+              <a:rPr lang="en-US" dirty="0">
+                <a:effectLst>
+                  <a:outerShdw blurRad="38100" dist="38100" dir="2700000" algn="tl">
+                    <a:srgbClr val="000000">
+                      <a:alpha val="43137"/>
+                    </a:srgbClr>
+                  </a:outerShdw>
+                </a:effectLst>
+              </a:rPr>
+              <a:t>	</a:t>
+            </a:r>
+            <a:r>
+              <a:rPr lang="hu-HU" dirty="0">
+                <a:effectLst>
+                  <a:outerShdw blurRad="38100" dist="38100" dir="2700000" algn="tl">
+                    <a:srgbClr val="000000">
+                      <a:alpha val="43137"/>
+                    </a:srgbClr>
+                  </a:outerShdw>
+                </a:effectLst>
+              </a:rPr>
+              <a:t>a </a:t>
+            </a:r>
+            <a:r>
+              <a:rPr lang="hu-HU" dirty="0" err="1">
+                <a:effectLst>
+                  <a:outerShdw blurRad="38100" dist="38100" dir="2700000" algn="tl">
+                    <a:srgbClr val="000000">
+                      <a:alpha val="43137"/>
+                    </a:srgbClr>
+                  </a:outerShdw>
+                </a:effectLst>
+              </a:rPr>
+              <a:t>banana</a:t>
+            </a:r>
+            <a:r>
+              <a:rPr lang="hu-HU" dirty="0">
+                <a:effectLst>
+                  <a:outerShdw blurRad="38100" dist="38100" dir="2700000" algn="tl">
+                    <a:srgbClr val="000000">
+                      <a:alpha val="43137"/>
+                    </a:srgbClr>
+                  </a:outerShdw>
+                </a:effectLst>
+              </a:rPr>
+              <a:t>-ACC	ate-3SG</a:t>
+            </a:r>
+          </a:p>
+          <a:p>
+            <a:r>
+              <a:rPr lang="hu-HU" i="1" dirty="0" err="1">
+                <a:effectLst>
+                  <a:outerShdw blurRad="38100" dist="38100" dir="2700000" algn="tl">
+                    <a:srgbClr val="000000">
+                      <a:alpha val="43137"/>
+                    </a:srgbClr>
+                  </a:outerShdw>
+                </a:effectLst>
+              </a:rPr>
+              <a:t>Regarding</a:t>
+            </a:r>
+            <a:r>
+              <a:rPr lang="hu-HU" i="1" dirty="0">
+                <a:effectLst>
+                  <a:outerShdw blurRad="38100" dist="38100" dir="2700000" algn="tl">
+                    <a:srgbClr val="000000">
+                      <a:alpha val="43137"/>
+                    </a:srgbClr>
+                  </a:outerShdw>
+                </a:effectLst>
+              </a:rPr>
+              <a:t> </a:t>
+            </a:r>
+            <a:r>
+              <a:rPr lang="hu-HU" i="1" dirty="0" err="1">
+                <a:effectLst>
+                  <a:outerShdw blurRad="38100" dist="38100" dir="2700000" algn="tl">
+                    <a:srgbClr val="000000">
+                      <a:alpha val="43137"/>
+                    </a:srgbClr>
+                  </a:outerShdw>
+                </a:effectLst>
+              </a:rPr>
+              <a:t>fruits</a:t>
+            </a:r>
+            <a:r>
+              <a:rPr lang="hu-HU" i="1" dirty="0">
+                <a:effectLst>
+                  <a:outerShdw blurRad="38100" dist="38100" dir="2700000" algn="tl">
+                    <a:srgbClr val="000000">
+                      <a:alpha val="43137"/>
+                    </a:srgbClr>
+                  </a:outerShdw>
+                </a:effectLst>
+              </a:rPr>
+              <a:t>, Anna </a:t>
+            </a:r>
+            <a:r>
+              <a:rPr lang="hu-HU" i="1" dirty="0" err="1">
+                <a:effectLst>
+                  <a:outerShdw blurRad="38100" dist="38100" dir="2700000" algn="tl">
+                    <a:srgbClr val="000000">
+                      <a:alpha val="43137"/>
+                    </a:srgbClr>
+                  </a:outerShdw>
+                </a:effectLst>
+              </a:rPr>
+              <a:t>ate</a:t>
+            </a:r>
+            <a:r>
+              <a:rPr lang="hu-HU" i="1" dirty="0">
+                <a:effectLst>
+                  <a:outerShdw blurRad="38100" dist="38100" dir="2700000" algn="tl">
+                    <a:srgbClr val="000000">
+                      <a:alpha val="43137"/>
+                    </a:srgbClr>
+                  </a:outerShdw>
+                </a:effectLst>
+              </a:rPr>
+              <a:t> a </a:t>
+            </a:r>
+            <a:r>
+              <a:rPr lang="hu-HU" i="1" dirty="0" err="1">
+                <a:effectLst>
+                  <a:outerShdw blurRad="38100" dist="38100" dir="2700000" algn="tl">
+                    <a:srgbClr val="000000">
+                      <a:alpha val="43137"/>
+                    </a:srgbClr>
+                  </a:outerShdw>
+                </a:effectLst>
+              </a:rPr>
+              <a:t>banana</a:t>
+            </a:r>
+            <a:r>
+              <a:rPr lang="hu-HU" i="1" dirty="0">
+                <a:effectLst>
+                  <a:outerShdw blurRad="38100" dist="38100" dir="2700000" algn="tl">
+                    <a:srgbClr val="000000">
+                      <a:alpha val="43137"/>
+                    </a:srgbClr>
+                  </a:outerShdw>
+                </a:effectLst>
+              </a:rPr>
+              <a:t> </a:t>
+            </a:r>
+            <a:r>
+              <a:rPr lang="hu-HU" i="1" dirty="0" err="1">
+                <a:effectLst>
+                  <a:outerShdw blurRad="38100" dist="38100" dir="2700000" algn="tl">
+                    <a:srgbClr val="000000">
+                      <a:alpha val="43137"/>
+                    </a:srgbClr>
+                  </a:outerShdw>
+                </a:effectLst>
+              </a:rPr>
+              <a:t>yesterday</a:t>
+            </a:r>
+            <a:r>
+              <a:rPr lang="hu-HU" i="1" dirty="0">
+                <a:effectLst>
+                  <a:outerShdw blurRad="38100" dist="38100" dir="2700000" algn="tl">
+                    <a:srgbClr val="000000">
+                      <a:alpha val="43137"/>
+                    </a:srgbClr>
+                  </a:outerShdw>
+                </a:effectLst>
+              </a:rPr>
+              <a:t>.</a:t>
+            </a:r>
+            <a:r>
+              <a:rPr lang="hu-HU" i="1" dirty="0"/>
+              <a:t>	</a:t>
+            </a:r>
+            <a:r>
+              <a:rPr lang="hu-HU" dirty="0"/>
+              <a:t>			</a:t>
+            </a:r>
+            <a:endParaRPr lang="en-US" dirty="0"/>
+          </a:p>
+          <a:p>
+            <a:r>
+              <a:rPr lang="hu-HU" dirty="0"/>
+              <a:t>		</a:t>
+            </a:r>
+          </a:p>
+          <a:p>
+            <a:r>
+              <a:rPr lang="hu-HU" b="1" dirty="0"/>
+              <a:t>Tegnap	</a:t>
+            </a:r>
+            <a:r>
+              <a:rPr lang="en-US" b="1" dirty="0"/>
+              <a:t>	</a:t>
+            </a:r>
+            <a:r>
+              <a:rPr lang="hu-HU" b="1" dirty="0"/>
+              <a:t>reggel	</a:t>
+            </a:r>
+            <a:r>
+              <a:rPr lang="en-US" b="1" dirty="0"/>
+              <a:t>			</a:t>
+            </a:r>
+            <a:r>
+              <a:rPr lang="hu-HU" b="1" dirty="0"/>
+              <a:t>Anna	többek	között	</a:t>
+            </a:r>
+            <a:r>
+              <a:rPr lang="en-US" b="1" dirty="0"/>
+              <a:t>	</a:t>
+            </a:r>
+            <a:r>
+              <a:rPr lang="hu-HU" b="1" u="sng" dirty="0"/>
+              <a:t>egy banánt</a:t>
+            </a:r>
+            <a:r>
+              <a:rPr lang="hu-HU" b="1" dirty="0"/>
+              <a:t>	</a:t>
+            </a:r>
+            <a:r>
+              <a:rPr lang="en-US" b="1" dirty="0"/>
+              <a:t>	</a:t>
+            </a:r>
+            <a:r>
+              <a:rPr lang="hu-HU" b="1" dirty="0"/>
+              <a:t>evett.</a:t>
+            </a:r>
+          </a:p>
+          <a:p>
+            <a:r>
+              <a:rPr lang="hu-HU" dirty="0" err="1"/>
+              <a:t>yesterday</a:t>
+            </a:r>
+            <a:r>
+              <a:rPr lang="hu-HU" dirty="0"/>
+              <a:t>	</a:t>
+            </a:r>
+            <a:r>
+              <a:rPr lang="hu-HU" dirty="0" err="1"/>
+              <a:t>morning</a:t>
+            </a:r>
+            <a:r>
+              <a:rPr lang="hu-HU" dirty="0"/>
+              <a:t>	</a:t>
+            </a:r>
+            <a:r>
+              <a:rPr lang="en-US" dirty="0"/>
+              <a:t>			</a:t>
+            </a:r>
+            <a:r>
+              <a:rPr lang="hu-HU" dirty="0"/>
+              <a:t>Anna	</a:t>
+            </a:r>
+            <a:r>
+              <a:rPr lang="hu-HU" dirty="0" err="1"/>
+              <a:t>others</a:t>
+            </a:r>
+            <a:r>
+              <a:rPr lang="hu-HU" dirty="0"/>
+              <a:t>	</a:t>
+            </a:r>
+            <a:r>
+              <a:rPr lang="hu-HU" dirty="0" err="1"/>
+              <a:t>among</a:t>
+            </a:r>
+            <a:r>
+              <a:rPr lang="hu-HU" dirty="0"/>
+              <a:t>	</a:t>
+            </a:r>
+            <a:r>
+              <a:rPr lang="en-US" dirty="0"/>
+              <a:t>	</a:t>
+            </a:r>
+            <a:r>
+              <a:rPr lang="hu-HU" dirty="0"/>
+              <a:t>a </a:t>
+            </a:r>
+            <a:r>
+              <a:rPr lang="hu-HU" dirty="0" err="1"/>
+              <a:t>banana</a:t>
+            </a:r>
+            <a:r>
+              <a:rPr lang="hu-HU" dirty="0"/>
+              <a:t>-ACC	ate-3SG</a:t>
+            </a:r>
+          </a:p>
+          <a:p>
+            <a:r>
+              <a:rPr lang="hu-HU" i="1" dirty="0" err="1"/>
+              <a:t>Yesterday</a:t>
+            </a:r>
+            <a:r>
+              <a:rPr lang="hu-HU" i="1" dirty="0"/>
+              <a:t> </a:t>
+            </a:r>
+            <a:r>
+              <a:rPr lang="hu-HU" i="1" dirty="0" err="1"/>
+              <a:t>morning</a:t>
+            </a:r>
+            <a:r>
+              <a:rPr lang="hu-HU" i="1" dirty="0"/>
+              <a:t> Anna </a:t>
+            </a:r>
+            <a:r>
+              <a:rPr lang="hu-HU" i="1" dirty="0" err="1"/>
+              <a:t>ate</a:t>
+            </a:r>
+            <a:r>
+              <a:rPr lang="hu-HU" i="1" dirty="0"/>
+              <a:t>, </a:t>
+            </a:r>
+            <a:r>
+              <a:rPr lang="hu-HU" i="1" dirty="0" err="1"/>
+              <a:t>among</a:t>
+            </a:r>
+            <a:r>
+              <a:rPr lang="hu-HU" i="1" dirty="0"/>
+              <a:t> </a:t>
+            </a:r>
+            <a:r>
+              <a:rPr lang="hu-HU" i="1" dirty="0" err="1"/>
+              <a:t>other</a:t>
+            </a:r>
+            <a:r>
+              <a:rPr lang="hu-HU" i="1" dirty="0"/>
+              <a:t> </a:t>
+            </a:r>
+            <a:r>
+              <a:rPr lang="hu-HU" i="1" dirty="0" err="1"/>
+              <a:t>things</a:t>
+            </a:r>
+            <a:r>
+              <a:rPr lang="hu-HU" i="1" dirty="0"/>
+              <a:t>, a </a:t>
+            </a:r>
+            <a:r>
+              <a:rPr lang="hu-HU" i="1" dirty="0" err="1"/>
+              <a:t>banana</a:t>
+            </a:r>
+            <a:r>
+              <a:rPr lang="hu-HU" i="1" dirty="0"/>
+              <a:t>.		</a:t>
+            </a:r>
+            <a:r>
+              <a:rPr lang="hu-HU" dirty="0"/>
+              <a:t>				</a:t>
+            </a:r>
+          </a:p>
+        </p:txBody>
+      </p:sp>
+    </p:spTree>
+    <p:extLst>
+      <p:ext uri="{BB962C8B-B14F-4D97-AF65-F5344CB8AC3E}">
+        <p14:creationId xmlns:p14="http://schemas.microsoft.com/office/powerpoint/2010/main" val="2368331577"/>
+      </p:ext>
+    </p:extLst>
+  </p:cSld>
+  <p:clrMapOvr>
+    <a:masterClrMapping/>
+  </p:clrMapOvr>
+</p:sld>
+</file>
+
+<file path=ppt/slides/slide6.xml><?xml version="1.0" encoding="utf-8"?>
+<p:sld xmlns:a="http://schemas.openxmlformats.org/drawingml/2006/main" xmlns:r="http://schemas.openxmlformats.org/officeDocument/2006/relationships" xmlns:p="http://schemas.openxmlformats.org/presentationml/2006/main">
+  <p:cSld>
+    <p:spTree>
+      <p:nvGrpSpPr>
+        <p:cNvPr id="1" name="">
+          <a:extLst>
+            <a:ext uri="{FF2B5EF4-FFF2-40B4-BE49-F238E27FC236}">
+              <a16:creationId xmlns:a16="http://schemas.microsoft.com/office/drawing/2014/main" id="{FFCBB7B5-FE59-2387-B8F3-BB88676FE587}"/>
+            </a:ext>
+          </a:extLst>
+        </p:cNvPr>
+        <p:cNvGrpSpPr/>
+        <p:nvPr/>
+      </p:nvGrpSpPr>
+      <p:grpSpPr>
+        <a:xfrm>
+          <a:off x="0" y="0"/>
+          <a:ext cx="0" cy="0"/>
+          <a:chOff x="0" y="0"/>
+          <a:chExt cx="0" cy="0"/>
+        </a:xfrm>
+      </p:grpSpPr>
+      <p:sp>
+        <p:nvSpPr>
+          <p:cNvPr id="2" name="Title 1">
+            <a:extLst>
+              <a:ext uri="{FF2B5EF4-FFF2-40B4-BE49-F238E27FC236}">
+                <a16:creationId xmlns:a16="http://schemas.microsoft.com/office/drawing/2014/main" id="{0462901C-7866-21FF-F61F-AB4EC4A063BC}"/>
+              </a:ext>
+            </a:extLst>
+          </p:cNvPr>
+          <p:cNvSpPr>
+            <a:spLocks noGrp="1"/>
+          </p:cNvSpPr>
+          <p:nvPr>
+            <p:ph type="title"/>
+          </p:nvPr>
+        </p:nvSpPr>
+        <p:spPr/>
+        <p:txBody>
+          <a:bodyPr/>
+          <a:lstStyle/>
+          <a:p>
+            <a:r>
+              <a:rPr lang="en-US" dirty="0"/>
+              <a:t>Two experiments: 1</a:t>
+            </a:r>
+            <a:endParaRPr lang="hu-HU" dirty="0"/>
+          </a:p>
+        </p:txBody>
+      </p:sp>
+      <p:sp>
+        <p:nvSpPr>
+          <p:cNvPr id="3" name="Content Placeholder 2">
+            <a:extLst>
+              <a:ext uri="{FF2B5EF4-FFF2-40B4-BE49-F238E27FC236}">
+                <a16:creationId xmlns:a16="http://schemas.microsoft.com/office/drawing/2014/main" id="{CC6F53DE-FECB-F7E9-4B4E-01BFA489ADD3}"/>
+              </a:ext>
+            </a:extLst>
+          </p:cNvPr>
+          <p:cNvSpPr>
+            <a:spLocks noGrp="1"/>
+          </p:cNvSpPr>
+          <p:nvPr>
+            <p:ph idx="1"/>
+          </p:nvPr>
+        </p:nvSpPr>
+        <p:spPr/>
+        <p:txBody>
+          <a:bodyPr/>
+          <a:lstStyle/>
+          <a:p>
+            <a:pPr marL="457200" indent="-457200">
+              <a:buFont typeface="+mj-lt"/>
+              <a:buAutoNum type="arabicPeriod"/>
+            </a:pPr>
+            <a:r>
+              <a:rPr lang="en-US" dirty="0">
+                <a:solidFill>
+                  <a:schemeClr val="tx1">
+                    <a:lumMod val="75000"/>
+                  </a:schemeClr>
+                </a:solidFill>
+              </a:rPr>
+              <a:t>Hungarian focus constructions – exclusivity vs. </a:t>
+            </a:r>
+            <a:r>
+              <a:rPr lang="en-US" dirty="0" err="1">
+                <a:solidFill>
+                  <a:schemeClr val="tx1">
+                    <a:lumMod val="75000"/>
+                  </a:schemeClr>
+                </a:solidFill>
+              </a:rPr>
+              <a:t>contrastivity</a:t>
+            </a:r>
+            <a:endParaRPr lang="en-US" dirty="0">
+              <a:solidFill>
+                <a:schemeClr val="tx1">
+                  <a:lumMod val="75000"/>
+                </a:schemeClr>
+              </a:solidFill>
+            </a:endParaRPr>
+          </a:p>
+          <a:p>
+            <a:pPr marL="857250" lvl="1" indent="-457200"/>
+            <a:r>
+              <a:rPr lang="en-US" dirty="0">
+                <a:solidFill>
+                  <a:schemeClr val="tx1">
+                    <a:lumMod val="75000"/>
+                  </a:schemeClr>
+                </a:solidFill>
+              </a:rPr>
+              <a:t>Testing if Hungarian focus is exhaustive by default, or if it can be contrastive.</a:t>
+            </a:r>
+          </a:p>
+          <a:p>
+            <a:pPr marL="0" indent="0">
+              <a:buNone/>
+            </a:pPr>
+            <a:endParaRPr lang="en-US" dirty="0"/>
+          </a:p>
+        </p:txBody>
+      </p:sp>
+      <p:sp>
+        <p:nvSpPr>
+          <p:cNvPr id="6" name="TextBox 5">
+            <a:extLst>
+              <a:ext uri="{FF2B5EF4-FFF2-40B4-BE49-F238E27FC236}">
+                <a16:creationId xmlns:a16="http://schemas.microsoft.com/office/drawing/2014/main" id="{7C3F57B1-39DA-31FA-0A34-9D43854D729B}"/>
+              </a:ext>
+            </a:extLst>
+          </p:cNvPr>
+          <p:cNvSpPr txBox="1"/>
+          <p:nvPr/>
+        </p:nvSpPr>
+        <p:spPr>
+          <a:xfrm>
+            <a:off x="362777" y="3429000"/>
+            <a:ext cx="1411159" cy="2585323"/>
+          </a:xfrm>
+          <a:prstGeom prst="rect">
+            <a:avLst/>
+          </a:prstGeom>
+          <a:noFill/>
+        </p:spPr>
+        <p:txBody>
+          <a:bodyPr wrap="square">
+            <a:spAutoFit/>
+          </a:bodyPr>
+          <a:lstStyle/>
+          <a:p>
+            <a:r>
+              <a:rPr lang="hu-HU" b="1" dirty="0" err="1">
+                <a:solidFill>
+                  <a:srgbClr val="FF0000"/>
+                </a:solidFill>
+              </a:rPr>
+              <a:t>exclusive</a:t>
+            </a:r>
+            <a:endParaRPr lang="hu-HU" b="1" dirty="0">
+              <a:solidFill>
+                <a:srgbClr val="FF0000"/>
+              </a:solidFill>
+            </a:endParaRPr>
+          </a:p>
+          <a:p>
+            <a:endParaRPr lang="hu-HU" b="1" dirty="0">
+              <a:solidFill>
+                <a:srgbClr val="FF0000"/>
+              </a:solidFill>
+            </a:endParaRPr>
+          </a:p>
+          <a:p>
+            <a:endParaRPr lang="en-US" b="1" dirty="0">
+              <a:solidFill>
+                <a:srgbClr val="FF0000"/>
+              </a:solidFill>
+            </a:endParaRPr>
+          </a:p>
+          <a:p>
+            <a:endParaRPr lang="hu-HU" b="1" dirty="0">
+              <a:solidFill>
+                <a:srgbClr val="FF0000"/>
+              </a:solidFill>
+            </a:endParaRPr>
+          </a:p>
+          <a:p>
+            <a:r>
+              <a:rPr lang="hu-HU" b="1" dirty="0" err="1">
+                <a:solidFill>
+                  <a:srgbClr val="FF0000"/>
+                </a:solidFill>
+              </a:rPr>
+              <a:t>focus</a:t>
+            </a:r>
+            <a:endParaRPr lang="hu-HU" b="1" dirty="0">
+              <a:solidFill>
+                <a:srgbClr val="FF0000"/>
+              </a:solidFill>
+            </a:endParaRPr>
+          </a:p>
+          <a:p>
+            <a:endParaRPr lang="hu-HU" b="1" dirty="0">
+              <a:solidFill>
+                <a:srgbClr val="FF0000"/>
+              </a:solidFill>
+            </a:endParaRPr>
+          </a:p>
+          <a:p>
+            <a:endParaRPr lang="en-US" b="1" dirty="0">
+              <a:solidFill>
+                <a:srgbClr val="FF0000"/>
+              </a:solidFill>
+            </a:endParaRPr>
+          </a:p>
+          <a:p>
+            <a:endParaRPr lang="hu-HU" b="1" dirty="0">
+              <a:solidFill>
+                <a:srgbClr val="FF0000"/>
+              </a:solidFill>
+            </a:endParaRPr>
+          </a:p>
+          <a:p>
+            <a:r>
+              <a:rPr lang="hu-HU" b="1" dirty="0" err="1">
+                <a:solidFill>
+                  <a:srgbClr val="FF0000"/>
+                </a:solidFill>
+              </a:rPr>
+              <a:t>contrastive</a:t>
+            </a:r>
+            <a:endParaRPr lang="hu-HU" b="1" dirty="0">
+              <a:solidFill>
+                <a:srgbClr val="FF0000"/>
+              </a:solidFill>
+            </a:endParaRPr>
+          </a:p>
+        </p:txBody>
+      </p:sp>
+      <p:sp>
+        <p:nvSpPr>
+          <p:cNvPr id="7" name="TextBox 6">
+            <a:extLst>
+              <a:ext uri="{FF2B5EF4-FFF2-40B4-BE49-F238E27FC236}">
+                <a16:creationId xmlns:a16="http://schemas.microsoft.com/office/drawing/2014/main" id="{27F3F926-AA8C-6FF3-93C7-8D05BF4CB572}"/>
+              </a:ext>
+            </a:extLst>
+          </p:cNvPr>
+          <p:cNvSpPr txBox="1"/>
+          <p:nvPr/>
+        </p:nvSpPr>
+        <p:spPr>
+          <a:xfrm>
+            <a:off x="1773936" y="3429000"/>
+            <a:ext cx="10055287" cy="3139321"/>
+          </a:xfrm>
+          <a:prstGeom prst="rect">
+            <a:avLst/>
+          </a:prstGeom>
+          <a:noFill/>
+        </p:spPr>
+        <p:txBody>
+          <a:bodyPr wrap="square">
+            <a:spAutoFit/>
+          </a:bodyPr>
+          <a:lstStyle/>
+          <a:p>
+            <a:r>
+              <a:rPr lang="hu-HU" b="1" dirty="0"/>
+              <a:t>Ami	</a:t>
+            </a:r>
+            <a:r>
+              <a:rPr lang="en-US" b="1" dirty="0"/>
+              <a:t>		</a:t>
+            </a:r>
+            <a:r>
+              <a:rPr lang="hu-HU" b="1" dirty="0"/>
+              <a:t>a gyümölcsöket	</a:t>
+            </a:r>
+            <a:r>
+              <a:rPr lang="en-US" b="1" dirty="0"/>
+              <a:t>	</a:t>
+            </a:r>
+            <a:r>
+              <a:rPr lang="hu-HU" b="1" dirty="0"/>
+              <a:t>illeti	</a:t>
+            </a:r>
+            <a:r>
+              <a:rPr lang="en-US" b="1" dirty="0"/>
+              <a:t>	</a:t>
+            </a:r>
+            <a:r>
+              <a:rPr lang="hu-HU" b="1" dirty="0"/>
+              <a:t>Anna	</a:t>
+            </a:r>
+            <a:r>
+              <a:rPr lang="hu-HU" b="1" dirty="0">
+                <a:solidFill>
+                  <a:srgbClr val="92D050"/>
+                </a:solidFill>
+              </a:rPr>
+              <a:t>csak</a:t>
+            </a:r>
+            <a:r>
+              <a:rPr lang="hu-HU" b="1" dirty="0"/>
+              <a:t>	</a:t>
+            </a:r>
+            <a:r>
+              <a:rPr lang="en-US" b="1" dirty="0"/>
+              <a:t>	</a:t>
+            </a:r>
+            <a:r>
+              <a:rPr lang="hu-HU" b="1" u="sng" dirty="0"/>
+              <a:t>egy banánt</a:t>
+            </a:r>
+            <a:r>
+              <a:rPr lang="hu-HU" b="1" dirty="0"/>
+              <a:t>	</a:t>
+            </a:r>
+            <a:r>
+              <a:rPr lang="en-US" b="1" dirty="0"/>
+              <a:t>	</a:t>
+            </a:r>
+            <a:r>
+              <a:rPr lang="hu-HU" b="1" dirty="0"/>
+              <a:t>evett.</a:t>
+            </a:r>
+          </a:p>
+          <a:p>
+            <a:r>
+              <a:rPr lang="hu-HU" dirty="0" err="1"/>
+              <a:t>which</a:t>
+            </a:r>
+            <a:r>
+              <a:rPr lang="hu-HU" dirty="0"/>
+              <a:t> (</a:t>
+            </a:r>
+            <a:r>
+              <a:rPr lang="hu-HU" dirty="0" err="1"/>
+              <a:t>relative</a:t>
+            </a:r>
+            <a:r>
+              <a:rPr lang="hu-HU" dirty="0"/>
+              <a:t>)	</a:t>
+            </a:r>
+            <a:r>
+              <a:rPr lang="hu-HU" dirty="0" err="1"/>
+              <a:t>the</a:t>
+            </a:r>
+            <a:r>
+              <a:rPr lang="hu-HU" dirty="0"/>
+              <a:t> </a:t>
+            </a:r>
+            <a:r>
+              <a:rPr lang="hu-HU" dirty="0" err="1"/>
+              <a:t>fruits</a:t>
+            </a:r>
+            <a:r>
+              <a:rPr lang="hu-HU" dirty="0"/>
+              <a:t>-ACC	</a:t>
+            </a:r>
+            <a:r>
+              <a:rPr lang="hu-HU" dirty="0" err="1"/>
+              <a:t>regards</a:t>
+            </a:r>
+            <a:r>
+              <a:rPr lang="hu-HU" dirty="0"/>
+              <a:t>	Anna	</a:t>
+            </a:r>
+            <a:r>
+              <a:rPr lang="hu-HU" dirty="0" err="1"/>
+              <a:t>only</a:t>
+            </a:r>
+            <a:r>
+              <a:rPr lang="hu-HU" dirty="0"/>
+              <a:t>	</a:t>
+            </a:r>
+            <a:r>
+              <a:rPr lang="en-US" dirty="0"/>
+              <a:t>	</a:t>
+            </a:r>
+            <a:r>
+              <a:rPr lang="hu-HU" dirty="0"/>
+              <a:t>a </a:t>
+            </a:r>
+            <a:r>
+              <a:rPr lang="hu-HU" dirty="0" err="1"/>
+              <a:t>banana</a:t>
+            </a:r>
+            <a:r>
+              <a:rPr lang="hu-HU" dirty="0"/>
+              <a:t>-ACC	ate-3SG</a:t>
+            </a:r>
+          </a:p>
+          <a:p>
+            <a:r>
+              <a:rPr lang="hu-HU" i="1" dirty="0" err="1"/>
+              <a:t>Regarding</a:t>
+            </a:r>
+            <a:r>
+              <a:rPr lang="hu-HU" i="1" dirty="0"/>
+              <a:t> </a:t>
+            </a:r>
+            <a:r>
+              <a:rPr lang="hu-HU" i="1" dirty="0" err="1"/>
+              <a:t>fruits</a:t>
+            </a:r>
+            <a:r>
+              <a:rPr lang="hu-HU" i="1" dirty="0"/>
+              <a:t>, Anna </a:t>
+            </a:r>
+            <a:r>
+              <a:rPr lang="hu-HU" i="1" dirty="0" err="1"/>
+              <a:t>ate</a:t>
+            </a:r>
+            <a:r>
+              <a:rPr lang="hu-HU" i="1" dirty="0"/>
+              <a:t> </a:t>
+            </a:r>
+            <a:r>
+              <a:rPr lang="hu-HU" i="1" dirty="0" err="1"/>
+              <a:t>only</a:t>
+            </a:r>
+            <a:r>
+              <a:rPr lang="hu-HU" i="1" dirty="0"/>
+              <a:t> a </a:t>
+            </a:r>
+            <a:r>
+              <a:rPr lang="hu-HU" i="1" dirty="0" err="1"/>
+              <a:t>banana</a:t>
+            </a:r>
+            <a:r>
+              <a:rPr lang="hu-HU" i="1" dirty="0"/>
+              <a:t>.	</a:t>
+            </a:r>
+            <a:r>
+              <a:rPr lang="hu-HU" dirty="0"/>
+              <a:t>	</a:t>
+            </a:r>
+            <a:endParaRPr lang="en-US" dirty="0"/>
+          </a:p>
+          <a:p>
+            <a:r>
+              <a:rPr lang="hu-HU" dirty="0"/>
+              <a:t>				</a:t>
+            </a:r>
+          </a:p>
+          <a:p>
+            <a:r>
+              <a:rPr lang="hu-HU" b="1" dirty="0">
+                <a:effectLst>
+                  <a:outerShdw blurRad="38100" dist="38100" dir="2700000" algn="tl">
+                    <a:srgbClr val="000000">
+                      <a:alpha val="43137"/>
+                    </a:srgbClr>
+                  </a:outerShdw>
+                </a:effectLst>
+              </a:rPr>
+              <a:t>Ami	</a:t>
+            </a:r>
+            <a:r>
+              <a:rPr lang="en-US" b="1" dirty="0">
+                <a:effectLst>
+                  <a:outerShdw blurRad="38100" dist="38100" dir="2700000" algn="tl">
+                    <a:srgbClr val="000000">
+                      <a:alpha val="43137"/>
+                    </a:srgbClr>
+                  </a:outerShdw>
+                </a:effectLst>
+              </a:rPr>
+              <a:t>		</a:t>
+            </a:r>
+            <a:r>
+              <a:rPr lang="hu-HU" b="1" dirty="0">
+                <a:effectLst>
+                  <a:outerShdw blurRad="38100" dist="38100" dir="2700000" algn="tl">
+                    <a:srgbClr val="000000">
+                      <a:alpha val="43137"/>
+                    </a:srgbClr>
+                  </a:outerShdw>
+                </a:effectLst>
+              </a:rPr>
+              <a:t>a gyümölcsöket	</a:t>
+            </a:r>
+            <a:r>
+              <a:rPr lang="en-US" b="1" dirty="0">
+                <a:effectLst>
+                  <a:outerShdw blurRad="38100" dist="38100" dir="2700000" algn="tl">
+                    <a:srgbClr val="000000">
+                      <a:alpha val="43137"/>
+                    </a:srgbClr>
+                  </a:outerShdw>
+                </a:effectLst>
+              </a:rPr>
+              <a:t>	</a:t>
+            </a:r>
+            <a:r>
+              <a:rPr lang="hu-HU" b="1" dirty="0">
+                <a:effectLst>
+                  <a:outerShdw blurRad="38100" dist="38100" dir="2700000" algn="tl">
+                    <a:srgbClr val="000000">
+                      <a:alpha val="43137"/>
+                    </a:srgbClr>
+                  </a:outerShdw>
+                </a:effectLst>
+              </a:rPr>
+              <a:t>illeti	</a:t>
+            </a:r>
+            <a:r>
+              <a:rPr lang="en-US" b="1" dirty="0">
+                <a:effectLst>
+                  <a:outerShdw blurRad="38100" dist="38100" dir="2700000" algn="tl">
+                    <a:srgbClr val="000000">
+                      <a:alpha val="43137"/>
+                    </a:srgbClr>
+                  </a:outerShdw>
+                </a:effectLst>
+              </a:rPr>
+              <a:t>	</a:t>
+            </a:r>
+            <a:r>
+              <a:rPr lang="hu-HU" b="1" dirty="0">
+                <a:effectLst>
+                  <a:outerShdw blurRad="38100" dist="38100" dir="2700000" algn="tl">
+                    <a:srgbClr val="000000">
+                      <a:alpha val="43137"/>
+                    </a:srgbClr>
+                  </a:outerShdw>
+                </a:effectLst>
+              </a:rPr>
+              <a:t>Anna	tegnap</a:t>
+            </a:r>
+            <a:r>
+              <a:rPr lang="en-US" b="1" dirty="0">
+                <a:effectLst>
+                  <a:outerShdw blurRad="38100" dist="38100" dir="2700000" algn="tl">
+                    <a:srgbClr val="000000">
+                      <a:alpha val="43137"/>
+                    </a:srgbClr>
+                  </a:outerShdw>
+                </a:effectLst>
+              </a:rPr>
+              <a:t>		</a:t>
+            </a:r>
+            <a:r>
+              <a:rPr lang="hu-HU" b="1" u="sng" dirty="0">
+                <a:effectLst>
+                  <a:outerShdw blurRad="38100" dist="38100" dir="2700000" algn="tl">
+                    <a:srgbClr val="000000">
+                      <a:alpha val="43137"/>
+                    </a:srgbClr>
+                  </a:outerShdw>
+                </a:effectLst>
+              </a:rPr>
+              <a:t>egy banánt</a:t>
+            </a:r>
+            <a:r>
+              <a:rPr lang="hu-HU" b="1" dirty="0">
+                <a:effectLst>
+                  <a:outerShdw blurRad="38100" dist="38100" dir="2700000" algn="tl">
+                    <a:srgbClr val="000000">
+                      <a:alpha val="43137"/>
+                    </a:srgbClr>
+                  </a:outerShdw>
+                </a:effectLst>
+              </a:rPr>
+              <a:t>	</a:t>
+            </a:r>
+            <a:r>
+              <a:rPr lang="en-US" b="1" dirty="0">
+                <a:effectLst>
+                  <a:outerShdw blurRad="38100" dist="38100" dir="2700000" algn="tl">
+                    <a:srgbClr val="000000">
+                      <a:alpha val="43137"/>
+                    </a:srgbClr>
+                  </a:outerShdw>
+                </a:effectLst>
+              </a:rPr>
+              <a:t>	</a:t>
+            </a:r>
+            <a:r>
+              <a:rPr lang="hu-HU" b="1" dirty="0">
+                <a:effectLst>
+                  <a:outerShdw blurRad="38100" dist="38100" dir="2700000" algn="tl">
+                    <a:srgbClr val="000000">
+                      <a:alpha val="43137"/>
+                    </a:srgbClr>
+                  </a:outerShdw>
+                </a:effectLst>
+              </a:rPr>
+              <a:t>evett.</a:t>
+            </a:r>
+          </a:p>
+          <a:p>
+            <a:r>
+              <a:rPr lang="hu-HU" dirty="0" err="1">
+                <a:effectLst>
+                  <a:outerShdw blurRad="38100" dist="38100" dir="2700000" algn="tl">
+                    <a:srgbClr val="000000">
+                      <a:alpha val="43137"/>
+                    </a:srgbClr>
+                  </a:outerShdw>
+                </a:effectLst>
+              </a:rPr>
+              <a:t>which</a:t>
+            </a:r>
+            <a:r>
+              <a:rPr lang="hu-HU" dirty="0">
+                <a:effectLst>
+                  <a:outerShdw blurRad="38100" dist="38100" dir="2700000" algn="tl">
+                    <a:srgbClr val="000000">
+                      <a:alpha val="43137"/>
+                    </a:srgbClr>
+                  </a:outerShdw>
+                </a:effectLst>
+              </a:rPr>
+              <a:t> (</a:t>
+            </a:r>
+            <a:r>
+              <a:rPr lang="hu-HU" dirty="0" err="1">
+                <a:effectLst>
+                  <a:outerShdw blurRad="38100" dist="38100" dir="2700000" algn="tl">
+                    <a:srgbClr val="000000">
+                      <a:alpha val="43137"/>
+                    </a:srgbClr>
+                  </a:outerShdw>
+                </a:effectLst>
+              </a:rPr>
+              <a:t>relative</a:t>
+            </a:r>
+            <a:r>
+              <a:rPr lang="hu-HU" dirty="0">
+                <a:effectLst>
+                  <a:outerShdw blurRad="38100" dist="38100" dir="2700000" algn="tl">
+                    <a:srgbClr val="000000">
+                      <a:alpha val="43137"/>
+                    </a:srgbClr>
+                  </a:outerShdw>
+                </a:effectLst>
+              </a:rPr>
+              <a:t>)	</a:t>
+            </a:r>
+            <a:r>
+              <a:rPr lang="hu-HU" dirty="0" err="1">
+                <a:effectLst>
+                  <a:outerShdw blurRad="38100" dist="38100" dir="2700000" algn="tl">
+                    <a:srgbClr val="000000">
+                      <a:alpha val="43137"/>
+                    </a:srgbClr>
+                  </a:outerShdw>
+                </a:effectLst>
+              </a:rPr>
+              <a:t>the</a:t>
+            </a:r>
+            <a:r>
+              <a:rPr lang="hu-HU" dirty="0">
+                <a:effectLst>
+                  <a:outerShdw blurRad="38100" dist="38100" dir="2700000" algn="tl">
+                    <a:srgbClr val="000000">
+                      <a:alpha val="43137"/>
+                    </a:srgbClr>
+                  </a:outerShdw>
+                </a:effectLst>
+              </a:rPr>
+              <a:t> </a:t>
+            </a:r>
+            <a:r>
+              <a:rPr lang="hu-HU" dirty="0" err="1">
+                <a:effectLst>
+                  <a:outerShdw blurRad="38100" dist="38100" dir="2700000" algn="tl">
+                    <a:srgbClr val="000000">
+                      <a:alpha val="43137"/>
+                    </a:srgbClr>
+                  </a:outerShdw>
+                </a:effectLst>
+              </a:rPr>
+              <a:t>fruits</a:t>
+            </a:r>
+            <a:r>
+              <a:rPr lang="hu-HU" dirty="0">
+                <a:effectLst>
+                  <a:outerShdw blurRad="38100" dist="38100" dir="2700000" algn="tl">
+                    <a:srgbClr val="000000">
+                      <a:alpha val="43137"/>
+                    </a:srgbClr>
+                  </a:outerShdw>
+                </a:effectLst>
+              </a:rPr>
+              <a:t>-ACC	</a:t>
+            </a:r>
+            <a:r>
+              <a:rPr lang="hu-HU" dirty="0" err="1">
+                <a:effectLst>
+                  <a:outerShdw blurRad="38100" dist="38100" dir="2700000" algn="tl">
+                    <a:srgbClr val="000000">
+                      <a:alpha val="43137"/>
+                    </a:srgbClr>
+                  </a:outerShdw>
+                </a:effectLst>
+              </a:rPr>
+              <a:t>regards</a:t>
+            </a:r>
+            <a:r>
+              <a:rPr lang="hu-HU" dirty="0">
+                <a:effectLst>
+                  <a:outerShdw blurRad="38100" dist="38100" dir="2700000" algn="tl">
+                    <a:srgbClr val="000000">
+                      <a:alpha val="43137"/>
+                    </a:srgbClr>
+                  </a:outerShdw>
+                </a:effectLst>
+              </a:rPr>
+              <a:t>	Anna	</a:t>
+            </a:r>
+            <a:r>
+              <a:rPr lang="hu-HU" dirty="0" err="1">
+                <a:effectLst>
+                  <a:outerShdw blurRad="38100" dist="38100" dir="2700000" algn="tl">
+                    <a:srgbClr val="000000">
+                      <a:alpha val="43137"/>
+                    </a:srgbClr>
+                  </a:outerShdw>
+                </a:effectLst>
+              </a:rPr>
+              <a:t>yesterday</a:t>
+            </a:r>
+            <a:r>
+              <a:rPr lang="en-US" dirty="0">
+                <a:effectLst>
+                  <a:outerShdw blurRad="38100" dist="38100" dir="2700000" algn="tl">
+                    <a:srgbClr val="000000">
+                      <a:alpha val="43137"/>
+                    </a:srgbClr>
+                  </a:outerShdw>
+                </a:effectLst>
+              </a:rPr>
+              <a:t>	</a:t>
+            </a:r>
+            <a:r>
+              <a:rPr lang="hu-HU" dirty="0">
+                <a:effectLst>
+                  <a:outerShdw blurRad="38100" dist="38100" dir="2700000" algn="tl">
+                    <a:srgbClr val="000000">
+                      <a:alpha val="43137"/>
+                    </a:srgbClr>
+                  </a:outerShdw>
+                </a:effectLst>
+              </a:rPr>
+              <a:t>a </a:t>
+            </a:r>
+            <a:r>
+              <a:rPr lang="hu-HU" dirty="0" err="1">
+                <a:effectLst>
+                  <a:outerShdw blurRad="38100" dist="38100" dir="2700000" algn="tl">
+                    <a:srgbClr val="000000">
+                      <a:alpha val="43137"/>
+                    </a:srgbClr>
+                  </a:outerShdw>
+                </a:effectLst>
+              </a:rPr>
+              <a:t>banana</a:t>
+            </a:r>
+            <a:r>
+              <a:rPr lang="hu-HU" dirty="0">
+                <a:effectLst>
+                  <a:outerShdw blurRad="38100" dist="38100" dir="2700000" algn="tl">
+                    <a:srgbClr val="000000">
+                      <a:alpha val="43137"/>
+                    </a:srgbClr>
+                  </a:outerShdw>
+                </a:effectLst>
+              </a:rPr>
+              <a:t>-ACC	ate-3SG</a:t>
+            </a:r>
+          </a:p>
+          <a:p>
+            <a:r>
+              <a:rPr lang="hu-HU" i="1" dirty="0" err="1">
+                <a:effectLst>
+                  <a:outerShdw blurRad="38100" dist="38100" dir="2700000" algn="tl">
+                    <a:srgbClr val="000000">
+                      <a:alpha val="43137"/>
+                    </a:srgbClr>
+                  </a:outerShdw>
+                </a:effectLst>
+              </a:rPr>
+              <a:t>Regarding</a:t>
+            </a:r>
+            <a:r>
+              <a:rPr lang="hu-HU" i="1" dirty="0">
+                <a:effectLst>
+                  <a:outerShdw blurRad="38100" dist="38100" dir="2700000" algn="tl">
+                    <a:srgbClr val="000000">
+                      <a:alpha val="43137"/>
+                    </a:srgbClr>
+                  </a:outerShdw>
+                </a:effectLst>
+              </a:rPr>
+              <a:t> </a:t>
+            </a:r>
+            <a:r>
+              <a:rPr lang="hu-HU" i="1" dirty="0" err="1">
+                <a:effectLst>
+                  <a:outerShdw blurRad="38100" dist="38100" dir="2700000" algn="tl">
+                    <a:srgbClr val="000000">
+                      <a:alpha val="43137"/>
+                    </a:srgbClr>
+                  </a:outerShdw>
+                </a:effectLst>
+              </a:rPr>
+              <a:t>fruits</a:t>
+            </a:r>
+            <a:r>
+              <a:rPr lang="hu-HU" i="1" dirty="0">
+                <a:effectLst>
+                  <a:outerShdw blurRad="38100" dist="38100" dir="2700000" algn="tl">
+                    <a:srgbClr val="000000">
+                      <a:alpha val="43137"/>
+                    </a:srgbClr>
+                  </a:outerShdw>
+                </a:effectLst>
+              </a:rPr>
+              <a:t>, Anna </a:t>
+            </a:r>
+            <a:r>
+              <a:rPr lang="hu-HU" i="1" dirty="0" err="1">
+                <a:effectLst>
+                  <a:outerShdw blurRad="38100" dist="38100" dir="2700000" algn="tl">
+                    <a:srgbClr val="000000">
+                      <a:alpha val="43137"/>
+                    </a:srgbClr>
+                  </a:outerShdw>
+                </a:effectLst>
+              </a:rPr>
+              <a:t>ate</a:t>
+            </a:r>
+            <a:r>
+              <a:rPr lang="hu-HU" i="1" dirty="0">
+                <a:effectLst>
+                  <a:outerShdw blurRad="38100" dist="38100" dir="2700000" algn="tl">
+                    <a:srgbClr val="000000">
+                      <a:alpha val="43137"/>
+                    </a:srgbClr>
+                  </a:outerShdw>
+                </a:effectLst>
+              </a:rPr>
+              <a:t> a </a:t>
+            </a:r>
+            <a:r>
+              <a:rPr lang="hu-HU" i="1" dirty="0" err="1">
+                <a:effectLst>
+                  <a:outerShdw blurRad="38100" dist="38100" dir="2700000" algn="tl">
+                    <a:srgbClr val="000000">
+                      <a:alpha val="43137"/>
+                    </a:srgbClr>
+                  </a:outerShdw>
+                </a:effectLst>
+              </a:rPr>
+              <a:t>banana</a:t>
+            </a:r>
+            <a:r>
+              <a:rPr lang="hu-HU" i="1" dirty="0">
+                <a:effectLst>
+                  <a:outerShdw blurRad="38100" dist="38100" dir="2700000" algn="tl">
+                    <a:srgbClr val="000000">
+                      <a:alpha val="43137"/>
+                    </a:srgbClr>
+                  </a:outerShdw>
+                </a:effectLst>
+              </a:rPr>
+              <a:t> </a:t>
+            </a:r>
+            <a:r>
+              <a:rPr lang="hu-HU" i="1" dirty="0" err="1">
+                <a:effectLst>
+                  <a:outerShdw blurRad="38100" dist="38100" dir="2700000" algn="tl">
+                    <a:srgbClr val="000000">
+                      <a:alpha val="43137"/>
+                    </a:srgbClr>
+                  </a:outerShdw>
+                </a:effectLst>
+              </a:rPr>
+              <a:t>yesterday</a:t>
+            </a:r>
+            <a:r>
+              <a:rPr lang="hu-HU" i="1" dirty="0">
+                <a:effectLst>
+                  <a:outerShdw blurRad="38100" dist="38100" dir="2700000" algn="tl">
+                    <a:srgbClr val="000000">
+                      <a:alpha val="43137"/>
+                    </a:srgbClr>
+                  </a:outerShdw>
+                </a:effectLst>
+              </a:rPr>
+              <a:t>.</a:t>
+            </a:r>
+            <a:r>
+              <a:rPr lang="hu-HU" i="1" dirty="0"/>
+              <a:t>	</a:t>
+            </a:r>
+            <a:r>
+              <a:rPr lang="hu-HU" dirty="0"/>
+              <a:t>			</a:t>
+            </a:r>
+            <a:endParaRPr lang="en-US" dirty="0"/>
+          </a:p>
+          <a:p>
+            <a:r>
+              <a:rPr lang="hu-HU" dirty="0"/>
+              <a:t>		</a:t>
+            </a:r>
+          </a:p>
+          <a:p>
+            <a:r>
+              <a:rPr lang="hu-HU" b="1" dirty="0"/>
+              <a:t>Tegnap	</a:t>
+            </a:r>
+            <a:r>
+              <a:rPr lang="en-US" b="1" dirty="0"/>
+              <a:t>	</a:t>
+            </a:r>
+            <a:r>
+              <a:rPr lang="hu-HU" b="1" dirty="0"/>
+              <a:t>reggel	</a:t>
+            </a:r>
+            <a:r>
+              <a:rPr lang="en-US" b="1" dirty="0"/>
+              <a:t>			</a:t>
+            </a:r>
+            <a:r>
+              <a:rPr lang="hu-HU" b="1" dirty="0"/>
+              <a:t>Anna	</a:t>
+            </a:r>
+            <a:r>
+              <a:rPr lang="hu-HU" b="1" dirty="0">
+                <a:solidFill>
+                  <a:srgbClr val="92D050"/>
+                </a:solidFill>
+              </a:rPr>
+              <a:t>többek	között</a:t>
+            </a:r>
+            <a:r>
+              <a:rPr lang="hu-HU" b="1" dirty="0"/>
+              <a:t>	</a:t>
+            </a:r>
+            <a:r>
+              <a:rPr lang="en-US" b="1" dirty="0"/>
+              <a:t>	</a:t>
+            </a:r>
+            <a:r>
+              <a:rPr lang="hu-HU" b="1" u="sng" dirty="0"/>
+              <a:t>egy banánt</a:t>
+            </a:r>
+            <a:r>
+              <a:rPr lang="hu-HU" b="1" dirty="0"/>
+              <a:t>	</a:t>
+            </a:r>
+            <a:r>
+              <a:rPr lang="en-US" b="1" dirty="0"/>
+              <a:t>	</a:t>
+            </a:r>
+            <a:r>
+              <a:rPr lang="hu-HU" b="1" dirty="0"/>
+              <a:t>evett.</a:t>
+            </a:r>
+          </a:p>
+          <a:p>
+            <a:r>
+              <a:rPr lang="hu-HU" dirty="0" err="1"/>
+              <a:t>yesterday</a:t>
+            </a:r>
+            <a:r>
+              <a:rPr lang="hu-HU" dirty="0"/>
+              <a:t>	</a:t>
+            </a:r>
+            <a:r>
+              <a:rPr lang="hu-HU" dirty="0" err="1"/>
+              <a:t>morning</a:t>
+            </a:r>
+            <a:r>
+              <a:rPr lang="hu-HU" dirty="0"/>
+              <a:t>	</a:t>
+            </a:r>
+            <a:r>
+              <a:rPr lang="en-US" dirty="0"/>
+              <a:t>			</a:t>
+            </a:r>
+            <a:r>
+              <a:rPr lang="hu-HU" dirty="0"/>
+              <a:t>Anna	</a:t>
+            </a:r>
+            <a:r>
+              <a:rPr lang="hu-HU" dirty="0" err="1"/>
+              <a:t>others</a:t>
+            </a:r>
+            <a:r>
+              <a:rPr lang="hu-HU" dirty="0"/>
+              <a:t>	</a:t>
+            </a:r>
+            <a:r>
+              <a:rPr lang="hu-HU" dirty="0" err="1"/>
+              <a:t>among</a:t>
+            </a:r>
+            <a:r>
+              <a:rPr lang="hu-HU" dirty="0"/>
+              <a:t>	</a:t>
+            </a:r>
+            <a:r>
+              <a:rPr lang="en-US" dirty="0"/>
+              <a:t>	</a:t>
+            </a:r>
+            <a:r>
+              <a:rPr lang="hu-HU" dirty="0"/>
+              <a:t>a </a:t>
+            </a:r>
+            <a:r>
+              <a:rPr lang="hu-HU" dirty="0" err="1"/>
+              <a:t>banana</a:t>
+            </a:r>
+            <a:r>
+              <a:rPr lang="hu-HU" dirty="0"/>
+              <a:t>-ACC	ate-3SG</a:t>
+            </a:r>
+          </a:p>
+          <a:p>
+            <a:r>
+              <a:rPr lang="hu-HU" i="1" dirty="0" err="1"/>
+              <a:t>Yesterday</a:t>
+            </a:r>
+            <a:r>
+              <a:rPr lang="hu-HU" i="1" dirty="0"/>
+              <a:t> </a:t>
+            </a:r>
+            <a:r>
+              <a:rPr lang="hu-HU" i="1" dirty="0" err="1"/>
+              <a:t>morning</a:t>
+            </a:r>
+            <a:r>
+              <a:rPr lang="hu-HU" i="1" dirty="0"/>
+              <a:t> Anna </a:t>
+            </a:r>
+            <a:r>
+              <a:rPr lang="hu-HU" i="1" dirty="0" err="1"/>
+              <a:t>ate</a:t>
+            </a:r>
+            <a:r>
+              <a:rPr lang="hu-HU" i="1" dirty="0"/>
+              <a:t>, </a:t>
+            </a:r>
+            <a:r>
+              <a:rPr lang="hu-HU" i="1" dirty="0" err="1"/>
+              <a:t>among</a:t>
+            </a:r>
+            <a:r>
+              <a:rPr lang="hu-HU" i="1" dirty="0"/>
+              <a:t> </a:t>
+            </a:r>
+            <a:r>
+              <a:rPr lang="hu-HU" i="1" dirty="0" err="1"/>
+              <a:t>other</a:t>
+            </a:r>
+            <a:r>
+              <a:rPr lang="hu-HU" i="1" dirty="0"/>
+              <a:t> </a:t>
+            </a:r>
+            <a:r>
+              <a:rPr lang="hu-HU" i="1" dirty="0" err="1"/>
+              <a:t>things</a:t>
+            </a:r>
+            <a:r>
+              <a:rPr lang="hu-HU" i="1" dirty="0"/>
+              <a:t>, a </a:t>
+            </a:r>
+            <a:r>
+              <a:rPr lang="hu-HU" i="1" dirty="0" err="1"/>
+              <a:t>banana</a:t>
+            </a:r>
+            <a:r>
+              <a:rPr lang="hu-HU" i="1" dirty="0"/>
+              <a:t>.		</a:t>
+            </a:r>
+            <a:r>
+              <a:rPr lang="hu-HU" dirty="0"/>
+              <a:t>				</a:t>
+            </a:r>
+          </a:p>
+        </p:txBody>
+      </p:sp>
+    </p:spTree>
+    <p:extLst>
+      <p:ext uri="{BB962C8B-B14F-4D97-AF65-F5344CB8AC3E}">
+        <p14:creationId xmlns:p14="http://schemas.microsoft.com/office/powerpoint/2010/main" val="3316860168"/>
+      </p:ext>
+    </p:extLst>
+  </p:cSld>
+  <p:clrMapOvr>
+    <a:masterClrMapping/>
+  </p:clrMapOvr>
+</p:sld>
+</file>
+
+<file path=ppt/slides/slide7.xml><?xml version="1.0" encoding="utf-8"?>
+<p:sld xmlns:a="http://schemas.openxmlformats.org/drawingml/2006/main" xmlns:r="http://schemas.openxmlformats.org/officeDocument/2006/relationships" xmlns:p="http://schemas.openxmlformats.org/presentationml/2006/main">
+  <p:cSld>
+    <p:spTree>
+      <p:nvGrpSpPr>
+        <p:cNvPr id="1" name="">
+          <a:extLst>
+            <a:ext uri="{FF2B5EF4-FFF2-40B4-BE49-F238E27FC236}">
+              <a16:creationId xmlns:a16="http://schemas.microsoft.com/office/drawing/2014/main" id="{6C2A9A51-2005-5796-C9E7-B80F0D5F6C0B}"/>
+            </a:ext>
+          </a:extLst>
+        </p:cNvPr>
+        <p:cNvGrpSpPr/>
+        <p:nvPr/>
+      </p:nvGrpSpPr>
+      <p:grpSpPr>
+        <a:xfrm>
+          <a:off x="0" y="0"/>
+          <a:ext cx="0" cy="0"/>
+          <a:chOff x="0" y="0"/>
+          <a:chExt cx="0" cy="0"/>
+        </a:xfrm>
+      </p:grpSpPr>
+      <p:sp>
+        <p:nvSpPr>
+          <p:cNvPr id="2" name="Title 1">
+            <a:extLst>
+              <a:ext uri="{FF2B5EF4-FFF2-40B4-BE49-F238E27FC236}">
+                <a16:creationId xmlns:a16="http://schemas.microsoft.com/office/drawing/2014/main" id="{AE42F8B8-92C8-CB8F-3C7F-7B306D1B35FB}"/>
+              </a:ext>
+            </a:extLst>
+          </p:cNvPr>
+          <p:cNvSpPr>
+            <a:spLocks noGrp="1"/>
+          </p:cNvSpPr>
+          <p:nvPr>
+            <p:ph type="title"/>
+          </p:nvPr>
+        </p:nvSpPr>
+        <p:spPr/>
+        <p:txBody>
+          <a:bodyPr/>
+          <a:lstStyle/>
+          <a:p>
+            <a:r>
+              <a:rPr lang="en-US" dirty="0"/>
+              <a:t>Two experiments: 2</a:t>
+            </a:r>
+            <a:endParaRPr lang="hu-HU" dirty="0"/>
+          </a:p>
+        </p:txBody>
+      </p:sp>
+      <p:sp>
+        <p:nvSpPr>
+          <p:cNvPr id="3" name="Content Placeholder 2">
+            <a:extLst>
+              <a:ext uri="{FF2B5EF4-FFF2-40B4-BE49-F238E27FC236}">
+                <a16:creationId xmlns:a16="http://schemas.microsoft.com/office/drawing/2014/main" id="{66CC975C-F99D-893E-05A8-482A15D4F6D7}"/>
+              </a:ext>
+            </a:extLst>
+          </p:cNvPr>
+          <p:cNvSpPr>
+            <a:spLocks noGrp="1"/>
+          </p:cNvSpPr>
+          <p:nvPr>
+            <p:ph idx="1"/>
+          </p:nvPr>
+        </p:nvSpPr>
+        <p:spPr>
+          <a:xfrm>
+            <a:off x="1103312" y="2052918"/>
+            <a:ext cx="8946541" cy="4265586"/>
+          </a:xfrm>
+        </p:spPr>
+        <p:txBody>
+          <a:bodyPr/>
+          <a:lstStyle/>
+          <a:p>
+            <a:pPr marL="457200" indent="-457200">
+              <a:buFont typeface="+mj-lt"/>
+              <a:buAutoNum type="arabicPeriod"/>
+            </a:pPr>
+            <a:r>
+              <a:rPr lang="en-US" dirty="0"/>
+              <a:t>Hungarian focus constructions – exclusivity vs. </a:t>
+            </a:r>
+            <a:r>
+              <a:rPr lang="en-US" dirty="0" err="1"/>
+              <a:t>contrastivity</a:t>
+            </a:r>
+            <a:endParaRPr lang="en-US" dirty="0"/>
+          </a:p>
+          <a:p>
+            <a:pPr marL="857250" lvl="1" indent="-457200"/>
+            <a:r>
+              <a:rPr lang="en-US" dirty="0"/>
+              <a:t>Testing if Hungarian focus is exhaustive by default, or if it can be contrastive.</a:t>
+            </a:r>
+          </a:p>
+          <a:p>
+            <a:pPr marL="857250" lvl="1" indent="-457200"/>
+            <a:endParaRPr lang="en-US" dirty="0"/>
+          </a:p>
+          <a:p>
+            <a:pPr marL="857250" lvl="1" indent="-457200"/>
+            <a:endParaRPr lang="en-US" dirty="0"/>
+          </a:p>
+          <a:p>
+            <a:pPr marL="857250" lvl="1" indent="-457200"/>
+            <a:endParaRPr lang="en-US" dirty="0"/>
+          </a:p>
+          <a:p>
+            <a:pPr marL="857250" lvl="1" indent="-457200"/>
+            <a:endParaRPr lang="en-US" dirty="0"/>
+          </a:p>
+          <a:p>
+            <a:pPr marL="857250" lvl="1" indent="-457200"/>
+            <a:endParaRPr lang="en-US" dirty="0"/>
+          </a:p>
+          <a:p>
+            <a:pPr marL="457200" indent="-457200">
+              <a:buFont typeface="+mj-lt"/>
+              <a:buAutoNum type="arabicPeriod"/>
+            </a:pPr>
+            <a:r>
+              <a:rPr lang="en-US" dirty="0"/>
+              <a:t>Verbal directionality and social bias</a:t>
+            </a:r>
+          </a:p>
+          <a:p>
+            <a:pPr marL="685800" lvl="1"/>
+            <a:r>
+              <a:rPr lang="en-US" dirty="0"/>
+              <a:t>Testing if gender/status/societal bias can change verb directionality </a:t>
+            </a:r>
+          </a:p>
+          <a:p>
+            <a:pPr marL="400050" lvl="1" indent="0">
+              <a:buNone/>
+            </a:pPr>
+            <a:endParaRPr lang="en-US" dirty="0"/>
+          </a:p>
+          <a:p>
+            <a:pPr marL="400050" lvl="1" indent="0">
+              <a:buNone/>
+            </a:pPr>
+            <a:endParaRPr lang="en-US" dirty="0"/>
+          </a:p>
+        </p:txBody>
+      </p:sp>
+    </p:spTree>
+    <p:extLst>
+      <p:ext uri="{BB962C8B-B14F-4D97-AF65-F5344CB8AC3E}">
+        <p14:creationId xmlns:p14="http://schemas.microsoft.com/office/powerpoint/2010/main" val="3025546161"/>
+      </p:ext>
+    </p:extLst>
+  </p:cSld>
+  <p:clrMapOvr>
+    <a:masterClrMapping/>
+  </p:clrMapOvr>
+</p:sld>
+</file>
+
+<file path=ppt/slides/slide8.xml><?xml version="1.0" encoding="utf-8"?>
+<p:sld xmlns:a="http://schemas.openxmlformats.org/drawingml/2006/main" xmlns:r="http://schemas.openxmlformats.org/officeDocument/2006/relationships" xmlns:p="http://schemas.openxmlformats.org/presentationml/2006/main">
+  <p:cSld>
+    <p:spTree>
+      <p:nvGrpSpPr>
+        <p:cNvPr id="1" name="">
+          <a:extLst>
+            <a:ext uri="{FF2B5EF4-FFF2-40B4-BE49-F238E27FC236}">
+              <a16:creationId xmlns:a16="http://schemas.microsoft.com/office/drawing/2014/main" id="{B36DF2F5-88A6-1877-5FC7-F62873FE044B}"/>
+            </a:ext>
+          </a:extLst>
+        </p:cNvPr>
+        <p:cNvGrpSpPr/>
+        <p:nvPr/>
+      </p:nvGrpSpPr>
+      <p:grpSpPr>
+        <a:xfrm>
+          <a:off x="0" y="0"/>
+          <a:ext cx="0" cy="0"/>
+          <a:chOff x="0" y="0"/>
+          <a:chExt cx="0" cy="0"/>
+        </a:xfrm>
+      </p:grpSpPr>
+      <p:sp>
+        <p:nvSpPr>
+          <p:cNvPr id="2" name="Title 1">
+            <a:extLst>
+              <a:ext uri="{FF2B5EF4-FFF2-40B4-BE49-F238E27FC236}">
+                <a16:creationId xmlns:a16="http://schemas.microsoft.com/office/drawing/2014/main" id="{1AD4FD71-D217-6BDE-0A33-EF2ECBDAFDFB}"/>
+              </a:ext>
+            </a:extLst>
+          </p:cNvPr>
+          <p:cNvSpPr>
+            <a:spLocks noGrp="1"/>
+          </p:cNvSpPr>
+          <p:nvPr>
+            <p:ph type="title"/>
+          </p:nvPr>
+        </p:nvSpPr>
+        <p:spPr/>
+        <p:txBody>
+          <a:bodyPr/>
+          <a:lstStyle/>
+          <a:p>
+            <a:r>
+              <a:rPr lang="en-US" dirty="0"/>
+              <a:t>Two experiments: 2</a:t>
+            </a:r>
+            <a:endParaRPr lang="hu-HU" dirty="0"/>
+          </a:p>
+        </p:txBody>
+      </p:sp>
+      <p:sp>
+        <p:nvSpPr>
+          <p:cNvPr id="3" name="Content Placeholder 2">
+            <a:extLst>
+              <a:ext uri="{FF2B5EF4-FFF2-40B4-BE49-F238E27FC236}">
+                <a16:creationId xmlns:a16="http://schemas.microsoft.com/office/drawing/2014/main" id="{4F8A4F85-6FE6-775B-46B8-88DBF67065A9}"/>
+              </a:ext>
+            </a:extLst>
+          </p:cNvPr>
+          <p:cNvSpPr>
+            <a:spLocks noGrp="1"/>
+          </p:cNvSpPr>
+          <p:nvPr>
+            <p:ph idx="1"/>
+          </p:nvPr>
+        </p:nvSpPr>
+        <p:spPr>
+          <a:xfrm>
+            <a:off x="1103312" y="2052918"/>
+            <a:ext cx="8946541" cy="4677066"/>
+          </a:xfrm>
+        </p:spPr>
+        <p:txBody>
+          <a:bodyPr>
+            <a:normAutofit/>
+          </a:bodyPr>
+          <a:lstStyle/>
+          <a:p>
+            <a:pPr marL="457200" indent="-457200">
+              <a:buFont typeface="+mj-lt"/>
+              <a:buAutoNum type="arabicPeriod"/>
+            </a:pPr>
+            <a:r>
+              <a:rPr lang="en-US" dirty="0"/>
+              <a:t>Hungarian focus constructions – exclusivity vs. </a:t>
+            </a:r>
+            <a:r>
+              <a:rPr lang="en-US" dirty="0" err="1"/>
+              <a:t>contrastivity</a:t>
+            </a:r>
+            <a:endParaRPr lang="en-US" dirty="0"/>
+          </a:p>
+          <a:p>
+            <a:pPr marL="857250" lvl="1" indent="-457200"/>
+            <a:r>
+              <a:rPr lang="en-US" dirty="0"/>
+              <a:t>Testing if Hungarian focus is exhaustive by default, or if it can be contrastive.</a:t>
+            </a:r>
+          </a:p>
+          <a:p>
+            <a:pPr marL="857250" lvl="1" indent="-457200"/>
+            <a:endParaRPr lang="en-US" dirty="0"/>
+          </a:p>
+          <a:p>
+            <a:pPr marL="857250" lvl="1" indent="-457200"/>
+            <a:endParaRPr lang="en-US" dirty="0"/>
+          </a:p>
+          <a:p>
+            <a:pPr marL="857250" lvl="1" indent="-457200"/>
+            <a:endParaRPr lang="en-US" dirty="0"/>
+          </a:p>
+          <a:p>
+            <a:pPr marL="857250" lvl="1" indent="-457200"/>
+            <a:endParaRPr lang="en-US" dirty="0"/>
+          </a:p>
+          <a:p>
+            <a:pPr marL="857250" lvl="1" indent="-457200"/>
+            <a:endParaRPr lang="en-US" dirty="0"/>
+          </a:p>
+          <a:p>
+            <a:pPr marL="457200" indent="-457200">
+              <a:buFont typeface="+mj-lt"/>
+              <a:buAutoNum type="arabicPeriod"/>
+            </a:pPr>
+            <a:r>
+              <a:rPr lang="en-US" dirty="0"/>
+              <a:t>Verbal directionality and social bias</a:t>
+            </a:r>
+          </a:p>
+          <a:p>
+            <a:pPr marL="685800" lvl="1"/>
+            <a:r>
+              <a:rPr lang="en-US" dirty="0"/>
+              <a:t>Testing if gender/status/societal bias can change verb directionality </a:t>
+            </a:r>
+          </a:p>
+          <a:p>
+            <a:pPr marL="685800" lvl="1"/>
+            <a:r>
+              <a:rPr lang="en-US" dirty="0"/>
+              <a:t>2 halves, 3 conditions, 18 items</a:t>
+            </a:r>
+          </a:p>
+          <a:p>
+            <a:pPr marL="400050" lvl="1" indent="0">
+              <a:buNone/>
+            </a:pPr>
+            <a:endParaRPr lang="en-US" dirty="0"/>
+          </a:p>
+          <a:p>
+            <a:pPr marL="400050" lvl="1" indent="0">
+              <a:buNone/>
+            </a:pPr>
+            <a:endParaRPr lang="en-US" dirty="0"/>
+          </a:p>
+        </p:txBody>
+      </p:sp>
+    </p:spTree>
+    <p:extLst>
+      <p:ext uri="{BB962C8B-B14F-4D97-AF65-F5344CB8AC3E}">
+        <p14:creationId xmlns:p14="http://schemas.microsoft.com/office/powerpoint/2010/main" val="4071999724"/>
+      </p:ext>
+    </p:extLst>
+  </p:cSld>
+  <p:clrMapOvr>
+    <a:masterClrMapping/>
+  </p:clrMapOvr>
+</p:sld>
+</file>
+
+<file path=ppt/slides/slide9.xml><?xml version="1.0" encoding="utf-8"?>
+<p:sld xmlns:a="http://schemas.openxmlformats.org/drawingml/2006/main" xmlns:r="http://schemas.openxmlformats.org/officeDocument/2006/relationships" xmlns:p="http://schemas.openxmlformats.org/presentationml/2006/main">
+  <p:cSld>
+    <p:spTree>
+      <p:nvGrpSpPr>
+        <p:cNvPr id="1" name="">
+          <a:extLst>
+            <a:ext uri="{FF2B5EF4-FFF2-40B4-BE49-F238E27FC236}">
+              <a16:creationId xmlns:a16="http://schemas.microsoft.com/office/drawing/2014/main" id="{8EDB8975-590F-42D4-FC00-54C0DCD56463}"/>
+            </a:ext>
+          </a:extLst>
+        </p:cNvPr>
+        <p:cNvGrpSpPr/>
+        <p:nvPr/>
+      </p:nvGrpSpPr>
+      <p:grpSpPr>
+        <a:xfrm>
+          <a:off x="0" y="0"/>
+          <a:ext cx="0" cy="0"/>
+          <a:chOff x="0" y="0"/>
+          <a:chExt cx="0" cy="0"/>
+        </a:xfrm>
+      </p:grpSpPr>
+      <p:sp>
+        <p:nvSpPr>
+          <p:cNvPr id="2" name="Title 1">
+            <a:extLst>
+              <a:ext uri="{FF2B5EF4-FFF2-40B4-BE49-F238E27FC236}">
+                <a16:creationId xmlns:a16="http://schemas.microsoft.com/office/drawing/2014/main" id="{76F3C308-F2EC-07E5-35C3-D78E39128849}"/>
+              </a:ext>
+            </a:extLst>
+          </p:cNvPr>
+          <p:cNvSpPr>
+            <a:spLocks noGrp="1"/>
+          </p:cNvSpPr>
+          <p:nvPr>
+            <p:ph type="title"/>
+          </p:nvPr>
+        </p:nvSpPr>
+        <p:spPr/>
+        <p:txBody>
+          <a:bodyPr/>
+          <a:lstStyle/>
+          <a:p>
+            <a:r>
+              <a:rPr lang="en-US" dirty="0"/>
+              <a:t>Two experiments: 2</a:t>
+            </a:r>
+            <a:endParaRPr lang="hu-HU" dirty="0"/>
+          </a:p>
+        </p:txBody>
+      </p:sp>
+      <p:sp>
+        <p:nvSpPr>
+          <p:cNvPr id="3" name="Content Placeholder 2">
+            <a:extLst>
+              <a:ext uri="{FF2B5EF4-FFF2-40B4-BE49-F238E27FC236}">
+                <a16:creationId xmlns:a16="http://schemas.microsoft.com/office/drawing/2014/main" id="{30310A9F-B466-54AE-B946-A529094D3C5A}"/>
+              </a:ext>
+            </a:extLst>
+          </p:cNvPr>
+          <p:cNvSpPr>
+            <a:spLocks noGrp="1"/>
+          </p:cNvSpPr>
+          <p:nvPr>
+            <p:ph idx="1"/>
+          </p:nvPr>
+        </p:nvSpPr>
+        <p:spPr>
+          <a:xfrm>
+            <a:off x="1104293" y="2286000"/>
+            <a:ext cx="8946541" cy="4238154"/>
+          </a:xfrm>
+        </p:spPr>
+        <p:txBody>
+          <a:bodyPr>
+            <a:normAutofit/>
+          </a:bodyPr>
+          <a:lstStyle/>
+          <a:p>
+            <a:pPr marL="457200" indent="-457200"/>
+            <a:endParaRPr lang="en-US" dirty="0"/>
+          </a:p>
+          <a:p>
+            <a:pPr marL="457200" indent="-457200"/>
+            <a:endParaRPr lang="en-US" dirty="0"/>
+          </a:p>
+          <a:p>
+            <a:pPr marL="457200" indent="-457200"/>
+            <a:endParaRPr lang="en-US" dirty="0"/>
+          </a:p>
+          <a:p>
+            <a:pPr marL="857250" lvl="1" indent="-457200"/>
+            <a:endParaRPr lang="en-US" dirty="0"/>
+          </a:p>
+          <a:p>
+            <a:pPr marL="857250" lvl="1" indent="-457200"/>
+            <a:endParaRPr lang="en-US" dirty="0"/>
+          </a:p>
+          <a:p>
+            <a:pPr marL="857250" lvl="1" indent="-457200"/>
+            <a:endParaRPr lang="en-US" dirty="0"/>
+          </a:p>
+          <a:p>
+            <a:pPr marL="857250" lvl="1" indent="-457200"/>
+            <a:endParaRPr lang="en-US" dirty="0"/>
+          </a:p>
+          <a:p>
+            <a:pPr marL="457200" indent="-457200">
+              <a:buFont typeface="+mj-lt"/>
+              <a:buAutoNum type="arabicPeriod" startAt="2"/>
+            </a:pPr>
+            <a:r>
+              <a:rPr lang="en-US" dirty="0">
+                <a:solidFill>
+                  <a:schemeClr val="tx1">
+                    <a:lumMod val="75000"/>
+                  </a:schemeClr>
+                </a:solidFill>
+              </a:rPr>
+              <a:t>Verbal directionality and social bias</a:t>
+            </a:r>
+          </a:p>
+          <a:p>
+            <a:pPr marL="685800" lvl="1"/>
+            <a:r>
+              <a:rPr lang="en-US" dirty="0">
+                <a:solidFill>
+                  <a:schemeClr val="tx1">
+                    <a:lumMod val="75000"/>
+                  </a:schemeClr>
+                </a:solidFill>
+              </a:rPr>
+              <a:t>Testing if gender/status/societal bias can change verb directionality </a:t>
+            </a:r>
+          </a:p>
+          <a:p>
+            <a:pPr marL="685800" lvl="1"/>
+            <a:r>
+              <a:rPr lang="en-US" dirty="0">
+                <a:solidFill>
+                  <a:schemeClr val="tx1">
+                    <a:lumMod val="75000"/>
+                  </a:schemeClr>
+                </a:solidFill>
+              </a:rPr>
+              <a:t>2 halves, 3 conditions, 18 items</a:t>
+            </a:r>
+          </a:p>
+          <a:p>
+            <a:pPr marL="400050" lvl="1" indent="0">
+              <a:buNone/>
+            </a:pPr>
+            <a:endParaRPr lang="en-US" dirty="0"/>
+          </a:p>
+          <a:p>
+            <a:pPr marL="400050" lvl="1" indent="0">
+              <a:buNone/>
+            </a:pPr>
+            <a:endParaRPr lang="en-US" dirty="0"/>
+          </a:p>
+        </p:txBody>
+      </p:sp>
+      <p:sp>
+        <p:nvSpPr>
+          <p:cNvPr id="10" name="TextBox 9">
+            <a:extLst>
+              <a:ext uri="{FF2B5EF4-FFF2-40B4-BE49-F238E27FC236}">
+                <a16:creationId xmlns:a16="http://schemas.microsoft.com/office/drawing/2014/main" id="{169BE7F1-71DA-A390-E953-14BACEA0F235}"/>
+              </a:ext>
+            </a:extLst>
+          </p:cNvPr>
+          <p:cNvSpPr txBox="1"/>
+          <p:nvPr/>
+        </p:nvSpPr>
+        <p:spPr>
+          <a:xfrm>
+            <a:off x="1764792" y="1853248"/>
+            <a:ext cx="10011188" cy="3416320"/>
+          </a:xfrm>
+          <a:prstGeom prst="rect">
+            <a:avLst/>
+          </a:prstGeom>
+          <a:noFill/>
+        </p:spPr>
+        <p:txBody>
+          <a:bodyPr wrap="square">
+            <a:spAutoFit/>
+          </a:bodyPr>
+          <a:lstStyle/>
+          <a:p>
+            <a:r>
+              <a:rPr lang="hu-HU" b="1" dirty="0"/>
+              <a:t>A szakács	említette	hogy	a dolgozó	kérkedett		a főzőtudásával.</a:t>
+            </a:r>
+          </a:p>
+          <a:p>
+            <a:r>
+              <a:rPr lang="hu-HU" dirty="0" err="1"/>
+              <a:t>the</a:t>
+            </a:r>
+            <a:r>
+              <a:rPr lang="hu-HU" dirty="0"/>
+              <a:t> chef	</a:t>
+            </a:r>
+            <a:r>
+              <a:rPr lang="hu-HU" dirty="0" err="1"/>
+              <a:t>mentioned</a:t>
+            </a:r>
+            <a:r>
+              <a:rPr lang="hu-HU" dirty="0"/>
+              <a:t>	</a:t>
+            </a:r>
+            <a:r>
+              <a:rPr lang="hu-HU" dirty="0" err="1"/>
+              <a:t>that</a:t>
+            </a:r>
+            <a:r>
+              <a:rPr lang="hu-HU" dirty="0"/>
+              <a:t>	</a:t>
+            </a:r>
+            <a:r>
+              <a:rPr lang="en-US" dirty="0"/>
+              <a:t>	</a:t>
+            </a:r>
+            <a:r>
+              <a:rPr lang="hu-HU" dirty="0" err="1"/>
+              <a:t>the</a:t>
+            </a:r>
+            <a:r>
+              <a:rPr lang="hu-HU" dirty="0"/>
+              <a:t> </a:t>
+            </a:r>
+            <a:r>
+              <a:rPr lang="hu-HU" dirty="0" err="1"/>
+              <a:t>worker</a:t>
+            </a:r>
+            <a:r>
+              <a:rPr lang="hu-HU" dirty="0"/>
+              <a:t>	</a:t>
+            </a:r>
+            <a:r>
+              <a:rPr lang="hu-HU" dirty="0" err="1"/>
+              <a:t>boasted</a:t>
+            </a:r>
+            <a:r>
+              <a:rPr lang="hu-HU" dirty="0"/>
+              <a:t>		</a:t>
+            </a:r>
+            <a:r>
+              <a:rPr lang="hu-HU" dirty="0" err="1"/>
+              <a:t>the</a:t>
+            </a:r>
+            <a:r>
+              <a:rPr lang="hu-HU" dirty="0"/>
+              <a:t> </a:t>
+            </a:r>
+            <a:r>
+              <a:rPr lang="hu-HU" dirty="0" err="1"/>
+              <a:t>cooking</a:t>
+            </a:r>
+            <a:r>
+              <a:rPr lang="hu-HU" dirty="0"/>
+              <a:t> skill-3SG-INS</a:t>
+            </a:r>
+          </a:p>
+          <a:p>
+            <a:r>
+              <a:rPr lang="hu-HU" i="1" dirty="0"/>
+              <a:t>The chef </a:t>
+            </a:r>
+            <a:r>
+              <a:rPr lang="hu-HU" i="1" dirty="0" err="1"/>
+              <a:t>mentioned</a:t>
+            </a:r>
+            <a:r>
+              <a:rPr lang="hu-HU" i="1" dirty="0"/>
+              <a:t> </a:t>
+            </a:r>
+            <a:r>
+              <a:rPr lang="hu-HU" i="1" dirty="0" err="1"/>
+              <a:t>that</a:t>
+            </a:r>
+            <a:r>
+              <a:rPr lang="hu-HU" i="1" dirty="0"/>
+              <a:t> </a:t>
+            </a:r>
+            <a:r>
+              <a:rPr lang="hu-HU" i="1" dirty="0" err="1"/>
+              <a:t>the</a:t>
+            </a:r>
+            <a:r>
+              <a:rPr lang="hu-HU" i="1" dirty="0"/>
+              <a:t> </a:t>
+            </a:r>
+            <a:r>
+              <a:rPr lang="hu-HU" i="1" dirty="0" err="1"/>
+              <a:t>worker</a:t>
+            </a:r>
+            <a:r>
+              <a:rPr lang="hu-HU" i="1" dirty="0"/>
+              <a:t> </a:t>
+            </a:r>
+            <a:r>
+              <a:rPr lang="hu-HU" i="1" dirty="0" err="1"/>
+              <a:t>boasted</a:t>
+            </a:r>
+            <a:r>
+              <a:rPr lang="hu-HU" i="1" dirty="0"/>
+              <a:t> </a:t>
+            </a:r>
+            <a:r>
+              <a:rPr lang="hu-HU" i="1" dirty="0" err="1"/>
+              <a:t>about</a:t>
+            </a:r>
+            <a:r>
+              <a:rPr lang="hu-HU" i="1" dirty="0"/>
+              <a:t>  </a:t>
+            </a:r>
+            <a:r>
+              <a:rPr lang="hu-HU" i="1" dirty="0" err="1"/>
+              <a:t>his</a:t>
+            </a:r>
+            <a:r>
+              <a:rPr lang="hu-HU" i="1" dirty="0"/>
+              <a:t>/</a:t>
+            </a:r>
+            <a:r>
+              <a:rPr lang="hu-HU" i="1" dirty="0" err="1"/>
+              <a:t>her</a:t>
+            </a:r>
+            <a:r>
+              <a:rPr lang="hu-HU" i="1" dirty="0"/>
+              <a:t> </a:t>
+            </a:r>
+            <a:r>
+              <a:rPr lang="hu-HU" i="1" dirty="0" err="1"/>
+              <a:t>cooking</a:t>
+            </a:r>
+            <a:r>
+              <a:rPr lang="hu-HU" i="1" dirty="0"/>
+              <a:t> </a:t>
+            </a:r>
+            <a:r>
+              <a:rPr lang="hu-HU" i="1" dirty="0" err="1"/>
+              <a:t>skills</a:t>
+            </a:r>
+            <a:r>
+              <a:rPr lang="hu-HU" i="1" dirty="0"/>
+              <a:t>.	</a:t>
+            </a:r>
+            <a:r>
+              <a:rPr lang="hu-HU" dirty="0"/>
+              <a:t>		</a:t>
+            </a:r>
+            <a:endParaRPr lang="en-US" dirty="0"/>
+          </a:p>
+          <a:p>
+            <a:r>
+              <a:rPr lang="hu-HU" dirty="0"/>
+              <a:t>			</a:t>
+            </a:r>
+          </a:p>
+          <a:p>
+            <a:r>
+              <a:rPr lang="hu-HU" b="1" dirty="0"/>
+              <a:t>A szakács	említette	hogy	a dolgozó	megdicsérte	a főzőtudását.</a:t>
+            </a:r>
+          </a:p>
+          <a:p>
+            <a:r>
+              <a:rPr lang="hu-HU" dirty="0" err="1"/>
+              <a:t>the</a:t>
+            </a:r>
+            <a:r>
+              <a:rPr lang="hu-HU" dirty="0"/>
+              <a:t> chef	</a:t>
+            </a:r>
+            <a:r>
+              <a:rPr lang="hu-HU" dirty="0" err="1"/>
+              <a:t>mentioned</a:t>
+            </a:r>
+            <a:r>
+              <a:rPr lang="hu-HU" dirty="0"/>
+              <a:t>	</a:t>
+            </a:r>
+            <a:r>
+              <a:rPr lang="hu-HU" dirty="0" err="1"/>
+              <a:t>that</a:t>
+            </a:r>
+            <a:r>
+              <a:rPr lang="hu-HU" dirty="0"/>
+              <a:t>	</a:t>
+            </a:r>
+            <a:r>
+              <a:rPr lang="en-US" dirty="0"/>
+              <a:t>	</a:t>
+            </a:r>
+            <a:r>
+              <a:rPr lang="hu-HU" dirty="0" err="1"/>
+              <a:t>the</a:t>
+            </a:r>
+            <a:r>
+              <a:rPr lang="hu-HU" dirty="0"/>
+              <a:t> </a:t>
+            </a:r>
+            <a:r>
+              <a:rPr lang="hu-HU" dirty="0" err="1"/>
+              <a:t>worker</a:t>
+            </a:r>
+            <a:r>
+              <a:rPr lang="hu-HU" dirty="0"/>
+              <a:t>	</a:t>
+            </a:r>
+            <a:r>
+              <a:rPr lang="hu-HU" dirty="0" err="1"/>
+              <a:t>praised</a:t>
+            </a:r>
+            <a:r>
+              <a:rPr lang="hu-HU" dirty="0"/>
+              <a:t>	</a:t>
+            </a:r>
+            <a:r>
+              <a:rPr lang="en-US" dirty="0"/>
+              <a:t>		</a:t>
+            </a:r>
+            <a:r>
+              <a:rPr lang="hu-HU" dirty="0" err="1"/>
+              <a:t>the</a:t>
+            </a:r>
+            <a:r>
+              <a:rPr lang="hu-HU" dirty="0"/>
+              <a:t> </a:t>
+            </a:r>
+            <a:r>
+              <a:rPr lang="hu-HU" dirty="0" err="1"/>
+              <a:t>cooking</a:t>
+            </a:r>
+            <a:r>
+              <a:rPr lang="hu-HU" dirty="0"/>
+              <a:t> skill-3SG-DAT</a:t>
+            </a:r>
+          </a:p>
+          <a:p>
+            <a:r>
+              <a:rPr lang="hu-HU" i="1" dirty="0"/>
+              <a:t>The chef </a:t>
+            </a:r>
+            <a:r>
+              <a:rPr lang="hu-HU" i="1" dirty="0" err="1"/>
+              <a:t>mentioned</a:t>
+            </a:r>
+            <a:r>
+              <a:rPr lang="hu-HU" i="1" dirty="0"/>
+              <a:t> </a:t>
+            </a:r>
+            <a:r>
+              <a:rPr lang="hu-HU" i="1" dirty="0" err="1"/>
+              <a:t>that</a:t>
+            </a:r>
+            <a:r>
+              <a:rPr lang="hu-HU" i="1" dirty="0"/>
+              <a:t> </a:t>
+            </a:r>
+            <a:r>
+              <a:rPr lang="hu-HU" i="1" dirty="0" err="1"/>
+              <a:t>the</a:t>
+            </a:r>
+            <a:r>
+              <a:rPr lang="hu-HU" i="1" dirty="0"/>
+              <a:t> </a:t>
+            </a:r>
+            <a:r>
+              <a:rPr lang="hu-HU" i="1" dirty="0" err="1"/>
+              <a:t>worker</a:t>
+            </a:r>
+            <a:r>
+              <a:rPr lang="hu-HU" i="1" dirty="0"/>
+              <a:t> </a:t>
+            </a:r>
+            <a:r>
+              <a:rPr lang="hu-HU" i="1" dirty="0" err="1"/>
+              <a:t>praised</a:t>
+            </a:r>
+            <a:r>
+              <a:rPr lang="hu-HU" i="1" dirty="0"/>
+              <a:t> </a:t>
+            </a:r>
+            <a:r>
+              <a:rPr lang="hu-HU" i="1" dirty="0" err="1"/>
+              <a:t>his</a:t>
+            </a:r>
+            <a:r>
+              <a:rPr lang="hu-HU" i="1" dirty="0"/>
+              <a:t>/</a:t>
+            </a:r>
+            <a:r>
+              <a:rPr lang="hu-HU" i="1" dirty="0" err="1"/>
+              <a:t>her</a:t>
+            </a:r>
+            <a:r>
+              <a:rPr lang="hu-HU" i="1" dirty="0"/>
+              <a:t> </a:t>
+            </a:r>
+            <a:r>
+              <a:rPr lang="hu-HU" i="1" dirty="0" err="1"/>
+              <a:t>cooking</a:t>
+            </a:r>
+            <a:r>
+              <a:rPr lang="hu-HU" i="1" dirty="0"/>
+              <a:t> </a:t>
+            </a:r>
+            <a:r>
+              <a:rPr lang="hu-HU" i="1" dirty="0" err="1"/>
+              <a:t>skills</a:t>
+            </a:r>
+            <a:r>
+              <a:rPr lang="hu-HU" i="1" dirty="0"/>
+              <a:t>.	</a:t>
+            </a:r>
+            <a:r>
+              <a:rPr lang="hu-HU" dirty="0"/>
+              <a:t>				</a:t>
+            </a:r>
+            <a:endParaRPr lang="en-US" dirty="0"/>
+          </a:p>
+          <a:p>
+            <a:r>
+              <a:rPr lang="hu-HU" dirty="0"/>
+              <a:t>	</a:t>
+            </a:r>
+          </a:p>
+          <a:p>
+            <a:r>
+              <a:rPr lang="hu-HU" b="1" dirty="0"/>
+              <a:t>A dolgozó	említette	hogy	a szakács	kérkedett		a főzőtudásával.</a:t>
+            </a:r>
+          </a:p>
+          <a:p>
+            <a:r>
+              <a:rPr lang="hu-HU" dirty="0" err="1"/>
+              <a:t>the</a:t>
+            </a:r>
+            <a:r>
+              <a:rPr lang="hu-HU" dirty="0"/>
+              <a:t> </a:t>
+            </a:r>
+            <a:r>
+              <a:rPr lang="hu-HU" dirty="0" err="1"/>
+              <a:t>worker</a:t>
+            </a:r>
+            <a:r>
+              <a:rPr lang="hu-HU" dirty="0"/>
+              <a:t>	</a:t>
+            </a:r>
+            <a:r>
+              <a:rPr lang="hu-HU" dirty="0" err="1"/>
+              <a:t>mentioned</a:t>
+            </a:r>
+            <a:r>
+              <a:rPr lang="hu-HU" dirty="0"/>
+              <a:t>	</a:t>
+            </a:r>
+            <a:r>
+              <a:rPr lang="hu-HU" dirty="0" err="1"/>
+              <a:t>that</a:t>
+            </a:r>
+            <a:r>
+              <a:rPr lang="hu-HU" dirty="0"/>
+              <a:t>	</a:t>
+            </a:r>
+            <a:r>
+              <a:rPr lang="en-US" dirty="0"/>
+              <a:t>	</a:t>
+            </a:r>
+            <a:r>
+              <a:rPr lang="hu-HU" dirty="0" err="1"/>
+              <a:t>the</a:t>
+            </a:r>
+            <a:r>
+              <a:rPr lang="hu-HU" dirty="0"/>
+              <a:t> chef	</a:t>
+            </a:r>
+            <a:r>
+              <a:rPr lang="hu-HU" dirty="0" err="1"/>
+              <a:t>boasted</a:t>
+            </a:r>
+            <a:r>
+              <a:rPr lang="hu-HU" dirty="0"/>
+              <a:t>		</a:t>
+            </a:r>
+            <a:r>
+              <a:rPr lang="hu-HU" dirty="0" err="1"/>
+              <a:t>the</a:t>
+            </a:r>
+            <a:r>
+              <a:rPr lang="hu-HU" dirty="0"/>
+              <a:t> </a:t>
+            </a:r>
+            <a:r>
+              <a:rPr lang="hu-HU" dirty="0" err="1"/>
+              <a:t>cooking</a:t>
+            </a:r>
+            <a:r>
+              <a:rPr lang="hu-HU" dirty="0"/>
+              <a:t> skill-3SG-INS</a:t>
+            </a:r>
+          </a:p>
+          <a:p>
+            <a:r>
+              <a:rPr lang="hu-HU" i="1" dirty="0"/>
+              <a:t>The </a:t>
+            </a:r>
+            <a:r>
+              <a:rPr lang="hu-HU" i="1" dirty="0" err="1"/>
+              <a:t>worker</a:t>
+            </a:r>
+            <a:r>
+              <a:rPr lang="hu-HU" i="1" dirty="0"/>
+              <a:t> </a:t>
+            </a:r>
+            <a:r>
+              <a:rPr lang="hu-HU" i="1" dirty="0" err="1"/>
+              <a:t>mentioned</a:t>
+            </a:r>
+            <a:r>
+              <a:rPr lang="hu-HU" i="1" dirty="0"/>
+              <a:t> </a:t>
+            </a:r>
+            <a:r>
+              <a:rPr lang="hu-HU" i="1" dirty="0" err="1"/>
+              <a:t>that</a:t>
+            </a:r>
+            <a:r>
+              <a:rPr lang="hu-HU" i="1" dirty="0"/>
+              <a:t> </a:t>
+            </a:r>
+            <a:r>
+              <a:rPr lang="hu-HU" i="1" dirty="0" err="1"/>
+              <a:t>the</a:t>
+            </a:r>
+            <a:r>
+              <a:rPr lang="hu-HU" i="1" dirty="0"/>
+              <a:t> chef </a:t>
+            </a:r>
+            <a:r>
+              <a:rPr lang="hu-HU" i="1" dirty="0" err="1"/>
+              <a:t>boasted</a:t>
+            </a:r>
+            <a:r>
+              <a:rPr lang="hu-HU" i="1" dirty="0"/>
+              <a:t> </a:t>
+            </a:r>
+            <a:r>
+              <a:rPr lang="hu-HU" i="1" dirty="0" err="1"/>
+              <a:t>about</a:t>
+            </a:r>
+            <a:r>
+              <a:rPr lang="hu-HU" i="1" dirty="0"/>
+              <a:t>  </a:t>
+            </a:r>
+            <a:r>
+              <a:rPr lang="hu-HU" i="1" dirty="0" err="1"/>
+              <a:t>his</a:t>
+            </a:r>
+            <a:r>
+              <a:rPr lang="hu-HU" i="1" dirty="0"/>
+              <a:t>/</a:t>
+            </a:r>
+            <a:r>
+              <a:rPr lang="hu-HU" i="1" dirty="0" err="1"/>
+              <a:t>her</a:t>
+            </a:r>
+            <a:r>
+              <a:rPr lang="hu-HU" i="1" dirty="0"/>
+              <a:t> </a:t>
+            </a:r>
+            <a:r>
+              <a:rPr lang="hu-HU" i="1" dirty="0" err="1"/>
+              <a:t>cooking</a:t>
+            </a:r>
+            <a:r>
+              <a:rPr lang="hu-HU" i="1" dirty="0"/>
+              <a:t> </a:t>
+            </a:r>
+            <a:r>
+              <a:rPr lang="hu-HU" i="1" dirty="0" err="1"/>
+              <a:t>skills</a:t>
+            </a:r>
+            <a:r>
+              <a:rPr lang="hu-HU" i="1" dirty="0"/>
+              <a:t>.		</a:t>
+            </a:r>
+            <a:r>
+              <a:rPr lang="hu-HU" dirty="0"/>
+              <a:t>				</a:t>
+            </a:r>
+          </a:p>
+        </p:txBody>
+      </p:sp>
+    </p:spTree>
+    <p:extLst>
+      <p:ext uri="{BB962C8B-B14F-4D97-AF65-F5344CB8AC3E}">
+        <p14:creationId xmlns:p14="http://schemas.microsoft.com/office/powerpoint/2010/main" val="462358478"/>
       </p:ext>
     </p:extLst>
   </p:cSld>

--- a/hun.pptx
+++ b/hun.pptx
@@ -2,10 +2,10 @@
 <file path=ppt/presentation.xml><?xml version="1.0" encoding="utf-8"?>
 <p:presentation xmlns:a="http://schemas.openxmlformats.org/drawingml/2006/main" xmlns:r="http://schemas.openxmlformats.org/officeDocument/2006/relationships" xmlns:p="http://schemas.openxmlformats.org/presentationml/2006/main" autoCompressPictures="0">
   <p:sldMasterIdLst>
-    <p:sldMasterId id="2147483671" r:id="rId1"/>
+    <p:sldMasterId id="2147483689" r:id="rId1"/>
   </p:sldMasterIdLst>
   <p:sldIdLst>
-    <p:sldId id="256" r:id="rId2"/>
+    <p:sldId id="282" r:id="rId2"/>
     <p:sldId id="257" r:id="rId3"/>
     <p:sldId id="269" r:id="rId4"/>
     <p:sldId id="268" r:id="rId5"/>
@@ -22,8 +22,10 @@
     <p:sldId id="278" r:id="rId16"/>
     <p:sldId id="267" r:id="rId17"/>
     <p:sldId id="281" r:id="rId18"/>
-    <p:sldId id="258" r:id="rId19"/>
-    <p:sldId id="280" r:id="rId20"/>
+    <p:sldId id="283" r:id="rId19"/>
+    <p:sldId id="284" r:id="rId20"/>
+    <p:sldId id="258" r:id="rId21"/>
+    <p:sldId id="280" r:id="rId22"/>
   </p:sldIdLst>
   <p:sldSz cx="12192000" cy="6858000"/>
   <p:notesSz cx="6858000" cy="9144000"/>
@@ -142,8 +144,13 @@
 </file>
 
 <file path=ppt/slideLayouts/slideLayout1.xml><?xml version="1.0" encoding="utf-8"?>
-<p:sldLayout xmlns:a="http://schemas.openxmlformats.org/drawingml/2006/main" xmlns:r="http://schemas.openxmlformats.org/officeDocument/2006/relationships" xmlns:p="http://schemas.openxmlformats.org/presentationml/2006/main" type="title" preserve="1">
+<p:sldLayout xmlns:a="http://schemas.openxmlformats.org/drawingml/2006/main" xmlns:r="http://schemas.openxmlformats.org/officeDocument/2006/relationships" xmlns:p="http://schemas.openxmlformats.org/presentationml/2006/main" showMasterSp="0" type="title" preserve="1">
   <p:cSld name="Title Slide">
+    <p:bg>
+      <p:bgRef idx="1001">
+        <a:schemeClr val="bg1"/>
+      </p:bgRef>
+    </p:bg>
     <p:spTree>
       <p:nvGrpSpPr>
         <p:cNvPr id="1" name=""/>
@@ -170,23 +177,31 @@
         </p:nvSpPr>
         <p:spPr>
           <a:xfrm>
-            <a:off x="1154955" y="1447800"/>
-            <a:ext cx="8825658" cy="3329581"/>
+            <a:off x="1261872" y="758952"/>
+            <a:ext cx="9418320" cy="4041648"/>
           </a:xfrm>
         </p:spPr>
         <p:txBody>
-          <a:bodyPr anchor="b"/>
+          <a:bodyPr anchor="b">
+            <a:normAutofit/>
+          </a:bodyPr>
           <a:lstStyle>
-            <a:lvl1pPr>
-              <a:defRPr sz="7200"/>
+            <a:lvl1pPr algn="l">
+              <a:lnSpc>
+                <a:spcPct val="85000"/>
+              </a:lnSpc>
+              <a:defRPr sz="7200" baseline="0">
+                <a:solidFill>
+                  <a:schemeClr val="tx1"/>
+                </a:solidFill>
+              </a:defRPr>
             </a:lvl1pPr>
           </a:lstStyle>
           <a:p>
             <a:r>
-              <a:rPr lang="en-US"/>
+              <a:rPr lang="en-US" dirty="0"/>
               <a:t>Click to edit Master title style</a:t>
             </a:r>
-            <a:endParaRPr lang="en-US" dirty="0"/>
           </a:p>
         </p:txBody>
       </p:sp>
@@ -202,109 +217,325 @@
         </p:nvSpPr>
         <p:spPr>
           <a:xfrm>
-            <a:off x="1154955" y="4777380"/>
-            <a:ext cx="8825658" cy="861420"/>
+            <a:off x="1261872" y="4800600"/>
+            <a:ext cx="9418320" cy="1691640"/>
           </a:xfrm>
         </p:spPr>
         <p:txBody>
-          <a:bodyPr anchor="t"/>
+          <a:bodyPr>
+            <a:normAutofit/>
+          </a:bodyPr>
           <a:lstStyle>
             <a:lvl1pPr marL="0" indent="0" algn="l">
               <a:buNone/>
-              <a:defRPr cap="all">
+              <a:defRPr sz="2200" baseline="0">
                 <a:solidFill>
-                  <a:schemeClr val="bg2">
-                    <a:lumMod val="40000"/>
-                    <a:lumOff val="60000"/>
+                  <a:schemeClr val="tx1">
+                    <a:lumMod val="75000"/>
                   </a:schemeClr>
                 </a:solidFill>
               </a:defRPr>
             </a:lvl1pPr>
             <a:lvl2pPr marL="457200" indent="0" algn="ctr">
               <a:buNone/>
+              <a:defRPr sz="2200"/>
+            </a:lvl2pPr>
+            <a:lvl3pPr marL="914400" indent="0" algn="ctr">
+              <a:buNone/>
+              <a:defRPr sz="2200"/>
+            </a:lvl3pPr>
+            <a:lvl4pPr marL="1371600" indent="0" algn="ctr">
+              <a:buNone/>
+              <a:defRPr sz="2000"/>
+            </a:lvl4pPr>
+            <a:lvl5pPr marL="1828800" indent="0" algn="ctr">
+              <a:buNone/>
+              <a:defRPr sz="2000"/>
+            </a:lvl5pPr>
+            <a:lvl6pPr marL="2286000" indent="0" algn="ctr">
+              <a:buNone/>
+              <a:defRPr sz="2000"/>
+            </a:lvl6pPr>
+            <a:lvl7pPr marL="2743200" indent="0" algn="ctr">
+              <a:buNone/>
+              <a:defRPr sz="2000"/>
+            </a:lvl7pPr>
+            <a:lvl8pPr marL="3200400" indent="0" algn="ctr">
+              <a:buNone/>
+              <a:defRPr sz="2000"/>
+            </a:lvl8pPr>
+            <a:lvl9pPr marL="3657600" indent="0" algn="ctr">
+              <a:buNone/>
+              <a:defRPr sz="2000"/>
+            </a:lvl9pPr>
+          </a:lstStyle>
+          <a:p>
+            <a:r>
+              <a:rPr lang="en-US"/>
+              <a:t>Click to edit Master subtitle style</a:t>
+            </a:r>
+            <a:endParaRPr lang="en-US" dirty="0"/>
+          </a:p>
+        </p:txBody>
+      </p:sp>
+      <p:sp>
+        <p:nvSpPr>
+          <p:cNvPr id="4" name="Date Placeholder 3"/>
+          <p:cNvSpPr>
+            <a:spLocks noGrp="1"/>
+          </p:cNvSpPr>
+          <p:nvPr>
+            <p:ph type="dt" sz="half" idx="10"/>
+          </p:nvPr>
+        </p:nvSpPr>
+        <p:spPr/>
+        <p:txBody>
+          <a:bodyPr/>
+          <a:lstStyle>
+            <a:lvl1pPr>
               <a:defRPr>
                 <a:solidFill>
                   <a:schemeClr val="tx1">
-                    <a:tint val="75000"/>
+                    <a:lumMod val="50000"/>
                   </a:schemeClr>
                 </a:solidFill>
               </a:defRPr>
-            </a:lvl2pPr>
-            <a:lvl3pPr marL="914400" indent="0" algn="ctr">
-              <a:buNone/>
+            </a:lvl1pPr>
+          </a:lstStyle>
+          <a:p>
+            <a:fld id="{1E700B27-DE4C-4B9E-BB11-B9027034A00F}" type="datetimeFigureOut">
+              <a:rPr lang="en-US" smtClean="0"/>
+              <a:pPr/>
+              <a:t>10/29/2025</a:t>
+            </a:fld>
+            <a:endParaRPr lang="en-US" dirty="0"/>
+          </a:p>
+        </p:txBody>
+      </p:sp>
+      <p:sp>
+        <p:nvSpPr>
+          <p:cNvPr id="5" name="Footer Placeholder 4"/>
+          <p:cNvSpPr>
+            <a:spLocks noGrp="1"/>
+          </p:cNvSpPr>
+          <p:nvPr>
+            <p:ph type="ftr" sz="quarter" idx="11"/>
+          </p:nvPr>
+        </p:nvSpPr>
+        <p:spPr/>
+        <p:txBody>
+          <a:bodyPr/>
+          <a:lstStyle>
+            <a:lvl1pPr>
               <a:defRPr>
                 <a:solidFill>
                   <a:schemeClr val="tx1">
-                    <a:tint val="75000"/>
+                    <a:lumMod val="65000"/>
                   </a:schemeClr>
                 </a:solidFill>
               </a:defRPr>
-            </a:lvl3pPr>
-            <a:lvl4pPr marL="1371600" indent="0" algn="ctr">
-              <a:buNone/>
+            </a:lvl1pPr>
+          </a:lstStyle>
+          <a:p>
+            <a:endParaRPr lang="en-US" dirty="0"/>
+          </a:p>
+        </p:txBody>
+      </p:sp>
+      <p:sp>
+        <p:nvSpPr>
+          <p:cNvPr id="6" name="Slide Number Placeholder 5"/>
+          <p:cNvSpPr>
+            <a:spLocks noGrp="1"/>
+          </p:cNvSpPr>
+          <p:nvPr>
+            <p:ph type="sldNum" sz="quarter" idx="12"/>
+          </p:nvPr>
+        </p:nvSpPr>
+        <p:spPr/>
+        <p:txBody>
+          <a:bodyPr/>
+          <a:lstStyle>
+            <a:lvl1pPr>
               <a:defRPr>
                 <a:solidFill>
                   <a:schemeClr val="tx1">
-                    <a:tint val="75000"/>
+                    <a:lumMod val="65000"/>
                   </a:schemeClr>
                 </a:solidFill>
               </a:defRPr>
-            </a:lvl4pPr>
-            <a:lvl5pPr marL="1828800" indent="0" algn="ctr">
-              <a:buNone/>
-              <a:defRPr>
-                <a:solidFill>
-                  <a:schemeClr val="tx1">
-                    <a:tint val="75000"/>
-                  </a:schemeClr>
-                </a:solidFill>
-              </a:defRPr>
-            </a:lvl5pPr>
-            <a:lvl6pPr marL="2286000" indent="0" algn="ctr">
-              <a:buNone/>
-              <a:defRPr>
-                <a:solidFill>
-                  <a:schemeClr val="tx1">
-                    <a:tint val="75000"/>
-                  </a:schemeClr>
-                </a:solidFill>
-              </a:defRPr>
-            </a:lvl6pPr>
-            <a:lvl7pPr marL="2743200" indent="0" algn="ctr">
-              <a:buNone/>
-              <a:defRPr>
-                <a:solidFill>
-                  <a:schemeClr val="tx1">
-                    <a:tint val="75000"/>
-                  </a:schemeClr>
-                </a:solidFill>
-              </a:defRPr>
-            </a:lvl7pPr>
-            <a:lvl8pPr marL="3200400" indent="0" algn="ctr">
-              <a:buNone/>
-              <a:defRPr>
-                <a:solidFill>
-                  <a:schemeClr val="tx1">
-                    <a:tint val="75000"/>
-                  </a:schemeClr>
-                </a:solidFill>
-              </a:defRPr>
-            </a:lvl8pPr>
-            <a:lvl9pPr marL="3657600" indent="0" algn="ctr">
-              <a:buNone/>
-              <a:defRPr>
-                <a:solidFill>
-                  <a:schemeClr val="tx1">
-                    <a:tint val="75000"/>
-                  </a:schemeClr>
-                </a:solidFill>
-              </a:defRPr>
-            </a:lvl9pPr>
+            </a:lvl1pPr>
           </a:lstStyle>
           <a:p>
+            <a:fld id="{D57F1E4F-1CFF-5643-939E-217C01CDF565}" type="slidenum">
+              <a:rPr lang="en-US" smtClean="0"/>
+              <a:pPr/>
+              <a:t>‹#›</a:t>
+            </a:fld>
+            <a:endParaRPr lang="en-US" dirty="0"/>
+          </a:p>
+        </p:txBody>
+      </p:sp>
+      <p:sp>
+        <p:nvSpPr>
+          <p:cNvPr id="7" name="Rectangle 6"/>
+          <p:cNvSpPr/>
+          <p:nvPr/>
+        </p:nvSpPr>
+        <p:spPr>
+          <a:xfrm>
+            <a:off x="0" y="0"/>
+            <a:ext cx="457200" cy="6858000"/>
+          </a:xfrm>
+          <a:prstGeom prst="rect">
+            <a:avLst/>
+          </a:prstGeom>
+          <a:solidFill>
+            <a:schemeClr val="accent1"/>
+          </a:solidFill>
+          <a:ln>
+            <a:noFill/>
+          </a:ln>
+        </p:spPr>
+        <p:style>
+          <a:lnRef idx="2">
+            <a:schemeClr val="accent1">
+              <a:shade val="50000"/>
+            </a:schemeClr>
+          </a:lnRef>
+          <a:fillRef idx="1">
+            <a:schemeClr val="accent1"/>
+          </a:fillRef>
+          <a:effectRef idx="0">
+            <a:schemeClr val="accent1"/>
+          </a:effectRef>
+          <a:fontRef idx="minor">
+            <a:schemeClr val="lt1"/>
+          </a:fontRef>
+        </p:style>
+        <p:txBody>
+          <a:bodyPr/>
+          <a:lstStyle/>
+          <a:p>
+            <a:endParaRPr lang="en-US"/>
+          </a:p>
+        </p:txBody>
+      </p:sp>
+    </p:spTree>
+    <p:extLst>
+      <p:ext uri="{BB962C8B-B14F-4D97-AF65-F5344CB8AC3E}">
+        <p14:creationId xmlns:p14="http://schemas.microsoft.com/office/powerpoint/2010/main" val="3126099049"/>
+      </p:ext>
+    </p:extLst>
+  </p:cSld>
+  <p:clrMapOvr>
+    <a:overrideClrMapping bg1="dk1" tx1="lt1" bg2="dk2" tx2="lt2" accent1="accent1" accent2="accent2" accent3="accent3" accent4="accent4" accent5="accent5" accent6="accent6" hlink="hlink" folHlink="folHlink"/>
+  </p:clrMapOvr>
+  <p:extLst>
+    <p:ext uri="{DCECCB84-F9BA-43D5-87BE-67443E8EF086}">
+      <p15:sldGuideLst xmlns:p15="http://schemas.microsoft.com/office/powerpoint/2012/main">
+        <p15:guide id="1" orient="horz" pos="2160" userDrawn="1">
+          <p15:clr>
+            <a:srgbClr val="FBAE40"/>
+          </p15:clr>
+        </p15:guide>
+        <p15:guide id="2" pos="3840" userDrawn="1">
+          <p15:clr>
+            <a:srgbClr val="FBAE40"/>
+          </p15:clr>
+        </p15:guide>
+      </p15:sldGuideLst>
+    </p:ext>
+  </p:extLst>
+</p:sldLayout>
+</file>
+
+<file path=ppt/slideLayouts/slideLayout10.xml><?xml version="1.0" encoding="utf-8"?>
+<p:sldLayout xmlns:a="http://schemas.openxmlformats.org/drawingml/2006/main" xmlns:r="http://schemas.openxmlformats.org/officeDocument/2006/relationships" xmlns:p="http://schemas.openxmlformats.org/presentationml/2006/main" type="vertTx" preserve="1">
+  <p:cSld name="Title and Vertical Text">
+    <p:spTree>
+      <p:nvGrpSpPr>
+        <p:cNvPr id="1" name=""/>
+        <p:cNvGrpSpPr/>
+        <p:nvPr/>
+      </p:nvGrpSpPr>
+      <p:grpSpPr>
+        <a:xfrm>
+          <a:off x="0" y="0"/>
+          <a:ext cx="0" cy="0"/>
+          <a:chOff x="0" y="0"/>
+          <a:chExt cx="0" cy="0"/>
+        </a:xfrm>
+      </p:grpSpPr>
+      <p:sp>
+        <p:nvSpPr>
+          <p:cNvPr id="2" name="Title 1"/>
+          <p:cNvSpPr>
+            <a:spLocks noGrp="1"/>
+          </p:cNvSpPr>
+          <p:nvPr>
+            <p:ph type="title"/>
+          </p:nvPr>
+        </p:nvSpPr>
+        <p:spPr/>
+        <p:txBody>
+          <a:bodyPr/>
+          <a:lstStyle/>
+          <a:p>
             <a:r>
               <a:rPr lang="en-US"/>
-              <a:t>Click to edit Master subtitle style</a:t>
+              <a:t>Click to edit Master title style</a:t>
+            </a:r>
+            <a:endParaRPr lang="en-US" dirty="0"/>
+          </a:p>
+        </p:txBody>
+      </p:sp>
+      <p:sp>
+        <p:nvSpPr>
+          <p:cNvPr id="3" name="Vertical Text Placeholder 2"/>
+          <p:cNvSpPr>
+            <a:spLocks noGrp="1"/>
+          </p:cNvSpPr>
+          <p:nvPr>
+            <p:ph type="body" orient="vert" idx="1"/>
+          </p:nvPr>
+        </p:nvSpPr>
+        <p:spPr/>
+        <p:txBody>
+          <a:bodyPr vert="eaVert"/>
+          <a:lstStyle/>
+          <a:p>
+            <a:pPr lvl="0"/>
+            <a:r>
+              <a:rPr lang="en-US"/>
+              <a:t>Click to edit Master text styles</a:t>
+            </a:r>
+          </a:p>
+          <a:p>
+            <a:pPr lvl="1"/>
+            <a:r>
+              <a:rPr lang="en-US"/>
+              <a:t>Second level</a:t>
+            </a:r>
+          </a:p>
+          <a:p>
+            <a:pPr lvl="2"/>
+            <a:r>
+              <a:rPr lang="en-US"/>
+              <a:t>Third level</a:t>
+            </a:r>
+          </a:p>
+          <a:p>
+            <a:pPr lvl="3"/>
+            <a:r>
+              <a:rPr lang="en-US"/>
+              <a:t>Fourth level</a:t>
+            </a:r>
+          </a:p>
+          <a:p>
+            <a:pPr lvl="4"/>
+            <a:r>
+              <a:rPr lang="en-US"/>
+              <a:t>Fifth level</a:t>
             </a:r>
             <a:endParaRPr lang="en-US" dirty="0"/>
           </a:p>
@@ -325,10 +556,9 @@
           <a:bodyPr/>
           <a:lstStyle/>
           <a:p>
-            <a:fld id="{1E700B27-DE4C-4B9E-BB11-B9027034A00F}" type="datetimeFigureOut">
+            <a:fld id="{80DBE609-F3F2-45E6-BD6A-E03A8C86C1AE}" type="datetimeFigureOut">
               <a:rPr lang="en-US" smtClean="0"/>
-              <a:pPr/>
-              <a:t>7/28/2025</a:t>
+              <a:t>10/29/2025</a:t>
             </a:fld>
             <a:endParaRPr lang="en-US" dirty="0"/>
           </a:p>
@@ -380,7 +610,7 @@
     </p:spTree>
     <p:extLst>
       <p:ext uri="{BB962C8B-B14F-4D97-AF65-F5344CB8AC3E}">
-        <p14:creationId xmlns:p14="http://schemas.microsoft.com/office/powerpoint/2010/main" val="3223912703"/>
+        <p14:creationId xmlns:p14="http://schemas.microsoft.com/office/powerpoint/2010/main" val="1767514922"/>
       </p:ext>
     </p:extLst>
   </p:cSld>
@@ -390,9 +620,377 @@
 </p:sldLayout>
 </file>
 
-<file path=ppt/slideLayouts/slideLayout10.xml><?xml version="1.0" encoding="utf-8"?>
-<p:sldLayout xmlns:a="http://schemas.openxmlformats.org/drawingml/2006/main" xmlns:r="http://schemas.openxmlformats.org/officeDocument/2006/relationships" xmlns:p="http://schemas.openxmlformats.org/presentationml/2006/main" preserve="1">
-  <p:cSld name="Panoramic Picture with Caption">
+<file path=ppt/slideLayouts/slideLayout11.xml><?xml version="1.0" encoding="utf-8"?>
+<p:sldLayout xmlns:a="http://schemas.openxmlformats.org/drawingml/2006/main" xmlns:r="http://schemas.openxmlformats.org/officeDocument/2006/relationships" xmlns:p="http://schemas.openxmlformats.org/presentationml/2006/main" type="vertTitleAndTx" preserve="1">
+  <p:cSld name="Vertical Title and Text">
+    <p:spTree>
+      <p:nvGrpSpPr>
+        <p:cNvPr id="1" name=""/>
+        <p:cNvGrpSpPr/>
+        <p:nvPr/>
+      </p:nvGrpSpPr>
+      <p:grpSpPr>
+        <a:xfrm>
+          <a:off x="0" y="0"/>
+          <a:ext cx="0" cy="0"/>
+          <a:chOff x="0" y="0"/>
+          <a:chExt cx="0" cy="0"/>
+        </a:xfrm>
+      </p:grpSpPr>
+      <p:sp>
+        <p:nvSpPr>
+          <p:cNvPr id="2" name="Vertical Title 1"/>
+          <p:cNvSpPr>
+            <a:spLocks noGrp="1"/>
+          </p:cNvSpPr>
+          <p:nvPr>
+            <p:ph type="title" orient="vert"/>
+          </p:nvPr>
+        </p:nvSpPr>
+        <p:spPr>
+          <a:xfrm>
+            <a:off x="8648700" y="381000"/>
+            <a:ext cx="2476500" cy="5897562"/>
+          </a:xfrm>
+        </p:spPr>
+        <p:txBody>
+          <a:bodyPr vert="eaVert"/>
+          <a:lstStyle/>
+          <a:p>
+            <a:r>
+              <a:rPr lang="en-US"/>
+              <a:t>Click to edit Master title style</a:t>
+            </a:r>
+            <a:endParaRPr lang="en-US" dirty="0"/>
+          </a:p>
+        </p:txBody>
+      </p:sp>
+      <p:sp>
+        <p:nvSpPr>
+          <p:cNvPr id="3" name="Vertical Text Placeholder 2"/>
+          <p:cNvSpPr>
+            <a:spLocks noGrp="1"/>
+          </p:cNvSpPr>
+          <p:nvPr>
+            <p:ph type="body" orient="vert" idx="1"/>
+          </p:nvPr>
+        </p:nvSpPr>
+        <p:spPr>
+          <a:xfrm>
+            <a:off x="762000" y="381000"/>
+            <a:ext cx="7734300" cy="5897562"/>
+          </a:xfrm>
+        </p:spPr>
+        <p:txBody>
+          <a:bodyPr vert="eaVert"/>
+          <a:lstStyle/>
+          <a:p>
+            <a:pPr lvl="0"/>
+            <a:r>
+              <a:rPr lang="en-US"/>
+              <a:t>Click to edit Master text styles</a:t>
+            </a:r>
+          </a:p>
+          <a:p>
+            <a:pPr lvl="1"/>
+            <a:r>
+              <a:rPr lang="en-US"/>
+              <a:t>Second level</a:t>
+            </a:r>
+          </a:p>
+          <a:p>
+            <a:pPr lvl="2"/>
+            <a:r>
+              <a:rPr lang="en-US"/>
+              <a:t>Third level</a:t>
+            </a:r>
+          </a:p>
+          <a:p>
+            <a:pPr lvl="3"/>
+            <a:r>
+              <a:rPr lang="en-US"/>
+              <a:t>Fourth level</a:t>
+            </a:r>
+          </a:p>
+          <a:p>
+            <a:pPr lvl="4"/>
+            <a:r>
+              <a:rPr lang="en-US"/>
+              <a:t>Fifth level</a:t>
+            </a:r>
+            <a:endParaRPr lang="en-US" dirty="0"/>
+          </a:p>
+        </p:txBody>
+      </p:sp>
+      <p:sp>
+        <p:nvSpPr>
+          <p:cNvPr id="4" name="Date Placeholder 3"/>
+          <p:cNvSpPr>
+            <a:spLocks noGrp="1"/>
+          </p:cNvSpPr>
+          <p:nvPr>
+            <p:ph type="dt" sz="half" idx="10"/>
+          </p:nvPr>
+        </p:nvSpPr>
+        <p:spPr/>
+        <p:txBody>
+          <a:bodyPr/>
+          <a:lstStyle/>
+          <a:p>
+            <a:fld id="{7A24AD68-089C-4467-A8F3-EA2BBCA6B44E}" type="datetimeFigureOut">
+              <a:rPr lang="en-US" smtClean="0"/>
+              <a:t>10/29/2025</a:t>
+            </a:fld>
+            <a:endParaRPr lang="en-US" dirty="0"/>
+          </a:p>
+        </p:txBody>
+      </p:sp>
+      <p:sp>
+        <p:nvSpPr>
+          <p:cNvPr id="5" name="Footer Placeholder 4"/>
+          <p:cNvSpPr>
+            <a:spLocks noGrp="1"/>
+          </p:cNvSpPr>
+          <p:nvPr>
+            <p:ph type="ftr" sz="quarter" idx="11"/>
+          </p:nvPr>
+        </p:nvSpPr>
+        <p:spPr/>
+        <p:txBody>
+          <a:bodyPr/>
+          <a:lstStyle/>
+          <a:p>
+            <a:endParaRPr lang="en-US" dirty="0"/>
+          </a:p>
+        </p:txBody>
+      </p:sp>
+      <p:sp>
+        <p:nvSpPr>
+          <p:cNvPr id="6" name="Slide Number Placeholder 5"/>
+          <p:cNvSpPr>
+            <a:spLocks noGrp="1"/>
+          </p:cNvSpPr>
+          <p:nvPr>
+            <p:ph type="sldNum" sz="quarter" idx="12"/>
+          </p:nvPr>
+        </p:nvSpPr>
+        <p:spPr/>
+        <p:txBody>
+          <a:bodyPr/>
+          <a:lstStyle/>
+          <a:p>
+            <a:fld id="{D57F1E4F-1CFF-5643-939E-217C01CDF565}" type="slidenum">
+              <a:rPr lang="en-US" smtClean="0"/>
+              <a:pPr/>
+              <a:t>‹#›</a:t>
+            </a:fld>
+            <a:endParaRPr lang="en-US" dirty="0"/>
+          </a:p>
+        </p:txBody>
+      </p:sp>
+    </p:spTree>
+    <p:extLst>
+      <p:ext uri="{BB962C8B-B14F-4D97-AF65-F5344CB8AC3E}">
+        <p14:creationId xmlns:p14="http://schemas.microsoft.com/office/powerpoint/2010/main" val="1476565889"/>
+      </p:ext>
+    </p:extLst>
+  </p:cSld>
+  <p:clrMapOvr>
+    <a:masterClrMapping/>
+  </p:clrMapOvr>
+</p:sldLayout>
+</file>
+
+<file path=ppt/slideLayouts/slideLayout2.xml><?xml version="1.0" encoding="utf-8"?>
+<p:sldLayout xmlns:a="http://schemas.openxmlformats.org/drawingml/2006/main" xmlns:r="http://schemas.openxmlformats.org/officeDocument/2006/relationships" xmlns:p="http://schemas.openxmlformats.org/presentationml/2006/main" type="obj" preserve="1">
+  <p:cSld name="Title and Content">
+    <p:spTree>
+      <p:nvGrpSpPr>
+        <p:cNvPr id="1" name=""/>
+        <p:cNvGrpSpPr/>
+        <p:nvPr/>
+      </p:nvGrpSpPr>
+      <p:grpSpPr>
+        <a:xfrm>
+          <a:off x="0" y="0"/>
+          <a:ext cx="0" cy="0"/>
+          <a:chOff x="0" y="0"/>
+          <a:chExt cx="0" cy="0"/>
+        </a:xfrm>
+      </p:grpSpPr>
+      <p:sp>
+        <p:nvSpPr>
+          <p:cNvPr id="2" name="Title 1"/>
+          <p:cNvSpPr>
+            <a:spLocks noGrp="1"/>
+          </p:cNvSpPr>
+          <p:nvPr>
+            <p:ph type="title"/>
+          </p:nvPr>
+        </p:nvSpPr>
+        <p:spPr/>
+        <p:txBody>
+          <a:bodyPr/>
+          <a:lstStyle/>
+          <a:p>
+            <a:r>
+              <a:rPr lang="en-US"/>
+              <a:t>Click to edit Master title style</a:t>
+            </a:r>
+            <a:endParaRPr lang="en-US" dirty="0"/>
+          </a:p>
+        </p:txBody>
+      </p:sp>
+      <p:sp>
+        <p:nvSpPr>
+          <p:cNvPr id="3" name="Content Placeholder 2"/>
+          <p:cNvSpPr>
+            <a:spLocks noGrp="1"/>
+          </p:cNvSpPr>
+          <p:nvPr>
+            <p:ph idx="1"/>
+          </p:nvPr>
+        </p:nvSpPr>
+        <p:spPr/>
+        <p:txBody>
+          <a:bodyPr/>
+          <a:lstStyle/>
+          <a:p>
+            <a:pPr lvl="0"/>
+            <a:r>
+              <a:rPr lang="en-US"/>
+              <a:t>Click to edit Master text styles</a:t>
+            </a:r>
+          </a:p>
+          <a:p>
+            <a:pPr lvl="1"/>
+            <a:r>
+              <a:rPr lang="en-US"/>
+              <a:t>Second level</a:t>
+            </a:r>
+          </a:p>
+          <a:p>
+            <a:pPr lvl="2"/>
+            <a:r>
+              <a:rPr lang="en-US"/>
+              <a:t>Third level</a:t>
+            </a:r>
+          </a:p>
+          <a:p>
+            <a:pPr lvl="3"/>
+            <a:r>
+              <a:rPr lang="en-US"/>
+              <a:t>Fourth level</a:t>
+            </a:r>
+          </a:p>
+          <a:p>
+            <a:pPr lvl="4"/>
+            <a:r>
+              <a:rPr lang="en-US"/>
+              <a:t>Fifth level</a:t>
+            </a:r>
+            <a:endParaRPr lang="en-US" dirty="0"/>
+          </a:p>
+        </p:txBody>
+      </p:sp>
+      <p:sp>
+        <p:nvSpPr>
+          <p:cNvPr id="4" name="Date Placeholder 3"/>
+          <p:cNvSpPr>
+            <a:spLocks noGrp="1"/>
+          </p:cNvSpPr>
+          <p:nvPr>
+            <p:ph type="dt" sz="half" idx="10"/>
+          </p:nvPr>
+        </p:nvSpPr>
+        <p:spPr/>
+        <p:txBody>
+          <a:bodyPr/>
+          <a:lstStyle/>
+          <a:p>
+            <a:fld id="{75C51FCE-E4BB-4680-8E50-3C0E348D2609}" type="datetimeFigureOut">
+              <a:rPr lang="en-US" smtClean="0"/>
+              <a:t>10/29/2025</a:t>
+            </a:fld>
+            <a:endParaRPr lang="en-US" dirty="0"/>
+          </a:p>
+        </p:txBody>
+      </p:sp>
+      <p:sp>
+        <p:nvSpPr>
+          <p:cNvPr id="5" name="Footer Placeholder 4"/>
+          <p:cNvSpPr>
+            <a:spLocks noGrp="1"/>
+          </p:cNvSpPr>
+          <p:nvPr>
+            <p:ph type="ftr" sz="quarter" idx="11"/>
+          </p:nvPr>
+        </p:nvSpPr>
+        <p:spPr/>
+        <p:txBody>
+          <a:bodyPr/>
+          <a:lstStyle/>
+          <a:p>
+            <a:endParaRPr lang="en-US" dirty="0"/>
+          </a:p>
+        </p:txBody>
+      </p:sp>
+      <p:sp>
+        <p:nvSpPr>
+          <p:cNvPr id="6" name="Slide Number Placeholder 5"/>
+          <p:cNvSpPr>
+            <a:spLocks noGrp="1"/>
+          </p:cNvSpPr>
+          <p:nvPr>
+            <p:ph type="sldNum" sz="quarter" idx="12"/>
+          </p:nvPr>
+        </p:nvSpPr>
+        <p:spPr/>
+        <p:txBody>
+          <a:bodyPr/>
+          <a:lstStyle/>
+          <a:p>
+            <a:fld id="{D57F1E4F-1CFF-5643-939E-217C01CDF565}" type="slidenum">
+              <a:rPr lang="en-US" smtClean="0"/>
+              <a:pPr/>
+              <a:t>‹#›</a:t>
+            </a:fld>
+            <a:endParaRPr lang="en-US" dirty="0"/>
+          </a:p>
+        </p:txBody>
+      </p:sp>
+    </p:spTree>
+    <p:extLst>
+      <p:ext uri="{BB962C8B-B14F-4D97-AF65-F5344CB8AC3E}">
+        <p14:creationId xmlns:p14="http://schemas.microsoft.com/office/powerpoint/2010/main" val="2098143091"/>
+      </p:ext>
+    </p:extLst>
+  </p:cSld>
+  <p:clrMapOvr>
+    <a:masterClrMapping/>
+  </p:clrMapOvr>
+  <p:extLst>
+    <p:ext uri="{DCECCB84-F9BA-43D5-87BE-67443E8EF086}">
+      <p15:sldGuideLst xmlns:p15="http://schemas.microsoft.com/office/powerpoint/2012/main">
+        <p15:guide id="1" orient="horz" pos="2160" userDrawn="1">
+          <p15:clr>
+            <a:srgbClr val="FBAE40"/>
+          </p15:clr>
+        </p15:guide>
+        <p15:guide id="2" pos="3840" userDrawn="1">
+          <p15:clr>
+            <a:srgbClr val="FBAE40"/>
+          </p15:clr>
+        </p15:guide>
+      </p15:sldGuideLst>
+    </p:ext>
+  </p:extLst>
+</p:sldLayout>
+</file>
+
+<file path=ppt/slideLayouts/slideLayout3.xml><?xml version="1.0" encoding="utf-8"?>
+<p:sldLayout xmlns:a="http://schemas.openxmlformats.org/drawingml/2006/main" xmlns:r="http://schemas.openxmlformats.org/officeDocument/2006/relationships" xmlns:p="http://schemas.openxmlformats.org/presentationml/2006/main" type="secHead" preserve="1">
+  <p:cSld name="Section Header">
     <p:spTree>
       <p:nvGrpSpPr>
         <p:cNvPr id="1" name=""/>
@@ -419,8 +1017,8 @@
         </p:nvSpPr>
         <p:spPr>
           <a:xfrm>
-            <a:off x="1154956" y="4800587"/>
-            <a:ext cx="8825657" cy="566738"/>
+            <a:off x="1261872" y="758952"/>
+            <a:ext cx="9418320" cy="4041648"/>
           </a:xfrm>
         </p:spPr>
         <p:txBody>
@@ -428,854 +1026,18 @@
             <a:normAutofit/>
           </a:bodyPr>
           <a:lstStyle>
-            <a:lvl1pPr algn="l">
-              <a:defRPr sz="2400" b="0"/>
+            <a:lvl1pPr>
+              <a:lnSpc>
+                <a:spcPct val="85000"/>
+              </a:lnSpc>
+              <a:defRPr sz="6600" b="0"/>
             </a:lvl1pPr>
           </a:lstStyle>
           <a:p>
             <a:r>
-              <a:rPr lang="en-US"/>
+              <a:rPr lang="en-US" dirty="0"/>
               <a:t>Click to edit Master title style</a:t>
             </a:r>
-            <a:endParaRPr lang="en-US" dirty="0"/>
-          </a:p>
-        </p:txBody>
-      </p:sp>
-      <p:sp>
-        <p:nvSpPr>
-          <p:cNvPr id="3" name="Picture Placeholder 2"/>
-          <p:cNvSpPr>
-            <a:spLocks noGrp="1" noChangeAspect="1"/>
-          </p:cNvSpPr>
-          <p:nvPr>
-            <p:ph type="pic" idx="1"/>
-          </p:nvPr>
-        </p:nvSpPr>
-        <p:spPr>
-          <a:xfrm>
-            <a:off x="1154955" y="685800"/>
-            <a:ext cx="8825658" cy="3640666"/>
-          </a:xfrm>
-          <a:prstGeom prst="roundRect">
-            <a:avLst>
-              <a:gd name="adj" fmla="val 1858"/>
-            </a:avLst>
-          </a:prstGeom>
-          <a:effectLst>
-            <a:outerShdw blurRad="50800" dist="50800" dir="5400000" algn="tl" rotWithShape="0">
-              <a:srgbClr val="000000">
-                <a:alpha val="43000"/>
-              </a:srgbClr>
-            </a:outerShdw>
-          </a:effectLst>
-        </p:spPr>
-        <p:txBody>
-          <a:bodyPr anchor="t">
-            <a:normAutofit/>
-          </a:bodyPr>
-          <a:lstStyle>
-            <a:lvl1pPr marL="0" indent="0" algn="ctr">
-              <a:buNone/>
-              <a:defRPr sz="1600"/>
-            </a:lvl1pPr>
-            <a:lvl2pPr marL="457200" indent="0">
-              <a:buNone/>
-              <a:defRPr sz="1600"/>
-            </a:lvl2pPr>
-            <a:lvl3pPr marL="914400" indent="0">
-              <a:buNone/>
-              <a:defRPr sz="1600"/>
-            </a:lvl3pPr>
-            <a:lvl4pPr marL="1371600" indent="0">
-              <a:buNone/>
-              <a:defRPr sz="1600"/>
-            </a:lvl4pPr>
-            <a:lvl5pPr marL="1828800" indent="0">
-              <a:buNone/>
-              <a:defRPr sz="1600"/>
-            </a:lvl5pPr>
-            <a:lvl6pPr marL="2286000" indent="0">
-              <a:buNone/>
-              <a:defRPr sz="1600"/>
-            </a:lvl6pPr>
-            <a:lvl7pPr marL="2743200" indent="0">
-              <a:buNone/>
-              <a:defRPr sz="1600"/>
-            </a:lvl7pPr>
-            <a:lvl8pPr marL="3200400" indent="0">
-              <a:buNone/>
-              <a:defRPr sz="1600"/>
-            </a:lvl8pPr>
-            <a:lvl9pPr marL="3657600" indent="0">
-              <a:buNone/>
-              <a:defRPr sz="1600"/>
-            </a:lvl9pPr>
-          </a:lstStyle>
-          <a:p>
-            <a:r>
-              <a:rPr lang="en-US"/>
-              <a:t>Click icon to add picture</a:t>
-            </a:r>
-            <a:endParaRPr lang="en-US" dirty="0"/>
-          </a:p>
-        </p:txBody>
-      </p:sp>
-      <p:sp>
-        <p:nvSpPr>
-          <p:cNvPr id="4" name="Text Placeholder 3"/>
-          <p:cNvSpPr>
-            <a:spLocks noGrp="1"/>
-          </p:cNvSpPr>
-          <p:nvPr>
-            <p:ph type="body" sz="half" idx="2"/>
-          </p:nvPr>
-        </p:nvSpPr>
-        <p:spPr>
-          <a:xfrm>
-            <a:off x="1154956" y="5367325"/>
-            <a:ext cx="8825656" cy="493712"/>
-          </a:xfrm>
-        </p:spPr>
-        <p:txBody>
-          <a:bodyPr>
-            <a:normAutofit/>
-          </a:bodyPr>
-          <a:lstStyle>
-            <a:lvl1pPr marL="0" indent="0">
-              <a:buNone/>
-              <a:defRPr sz="1200"/>
-            </a:lvl1pPr>
-            <a:lvl2pPr marL="457200" indent="0">
-              <a:buNone/>
-              <a:defRPr sz="1200"/>
-            </a:lvl2pPr>
-            <a:lvl3pPr marL="914400" indent="0">
-              <a:buNone/>
-              <a:defRPr sz="1000"/>
-            </a:lvl3pPr>
-            <a:lvl4pPr marL="1371600" indent="0">
-              <a:buNone/>
-              <a:defRPr sz="900"/>
-            </a:lvl4pPr>
-            <a:lvl5pPr marL="1828800" indent="0">
-              <a:buNone/>
-              <a:defRPr sz="900"/>
-            </a:lvl5pPr>
-            <a:lvl6pPr marL="2286000" indent="0">
-              <a:buNone/>
-              <a:defRPr sz="900"/>
-            </a:lvl6pPr>
-            <a:lvl7pPr marL="2743200" indent="0">
-              <a:buNone/>
-              <a:defRPr sz="900"/>
-            </a:lvl7pPr>
-            <a:lvl8pPr marL="3200400" indent="0">
-              <a:buNone/>
-              <a:defRPr sz="900"/>
-            </a:lvl8pPr>
-            <a:lvl9pPr marL="3657600" indent="0">
-              <a:buNone/>
-              <a:defRPr sz="900"/>
-            </a:lvl9pPr>
-          </a:lstStyle>
-          <a:p>
-            <a:pPr lvl="0"/>
-            <a:r>
-              <a:rPr lang="en-US"/>
-              <a:t>Click to edit Master text styles</a:t>
-            </a:r>
-          </a:p>
-        </p:txBody>
-      </p:sp>
-      <p:sp>
-        <p:nvSpPr>
-          <p:cNvPr id="5" name="Date Placeholder 4"/>
-          <p:cNvSpPr>
-            <a:spLocks noGrp="1"/>
-          </p:cNvSpPr>
-          <p:nvPr>
-            <p:ph type="dt" sz="half" idx="10"/>
-          </p:nvPr>
-        </p:nvSpPr>
-        <p:spPr/>
-        <p:txBody>
-          <a:bodyPr/>
-          <a:lstStyle/>
-          <a:p>
-            <a:fld id="{C40F4739-9812-4A9F-890D-2AD6BA5F6EE8}" type="datetimeFigureOut">
-              <a:rPr lang="en-US" smtClean="0"/>
-              <a:t>7/28/2025</a:t>
-            </a:fld>
-            <a:endParaRPr lang="en-US" dirty="0"/>
-          </a:p>
-        </p:txBody>
-      </p:sp>
-      <p:sp>
-        <p:nvSpPr>
-          <p:cNvPr id="6" name="Footer Placeholder 5"/>
-          <p:cNvSpPr>
-            <a:spLocks noGrp="1"/>
-          </p:cNvSpPr>
-          <p:nvPr>
-            <p:ph type="ftr" sz="quarter" idx="11"/>
-          </p:nvPr>
-        </p:nvSpPr>
-        <p:spPr/>
-        <p:txBody>
-          <a:bodyPr/>
-          <a:lstStyle/>
-          <a:p>
-            <a:endParaRPr lang="en-US" dirty="0"/>
-          </a:p>
-        </p:txBody>
-      </p:sp>
-      <p:sp>
-        <p:nvSpPr>
-          <p:cNvPr id="7" name="Slide Number Placeholder 6"/>
-          <p:cNvSpPr>
-            <a:spLocks noGrp="1"/>
-          </p:cNvSpPr>
-          <p:nvPr>
-            <p:ph type="sldNum" sz="quarter" idx="12"/>
-          </p:nvPr>
-        </p:nvSpPr>
-        <p:spPr/>
-        <p:txBody>
-          <a:bodyPr/>
-          <a:lstStyle/>
-          <a:p>
-            <a:fld id="{D57F1E4F-1CFF-5643-939E-217C01CDF565}" type="slidenum">
-              <a:rPr lang="en-US" smtClean="0"/>
-              <a:pPr/>
-              <a:t>‹#›</a:t>
-            </a:fld>
-            <a:endParaRPr lang="en-US" dirty="0"/>
-          </a:p>
-        </p:txBody>
-      </p:sp>
-    </p:spTree>
-    <p:extLst>
-      <p:ext uri="{BB962C8B-B14F-4D97-AF65-F5344CB8AC3E}">
-        <p14:creationId xmlns:p14="http://schemas.microsoft.com/office/powerpoint/2010/main" val="4271581989"/>
-      </p:ext>
-    </p:extLst>
-  </p:cSld>
-  <p:clrMapOvr>
-    <a:masterClrMapping/>
-  </p:clrMapOvr>
-</p:sldLayout>
-</file>
-
-<file path=ppt/slideLayouts/slideLayout11.xml><?xml version="1.0" encoding="utf-8"?>
-<p:sldLayout xmlns:a="http://schemas.openxmlformats.org/drawingml/2006/main" xmlns:r="http://schemas.openxmlformats.org/officeDocument/2006/relationships" xmlns:p="http://schemas.openxmlformats.org/presentationml/2006/main" preserve="1">
-  <p:cSld name="Title and Caption">
-    <p:spTree>
-      <p:nvGrpSpPr>
-        <p:cNvPr id="1" name=""/>
-        <p:cNvGrpSpPr/>
-        <p:nvPr/>
-      </p:nvGrpSpPr>
-      <p:grpSpPr>
-        <a:xfrm>
-          <a:off x="0" y="0"/>
-          <a:ext cx="0" cy="0"/>
-          <a:chOff x="0" y="0"/>
-          <a:chExt cx="0" cy="0"/>
-        </a:xfrm>
-      </p:grpSpPr>
-      <p:sp>
-        <p:nvSpPr>
-          <p:cNvPr id="2" name="Title 1"/>
-          <p:cNvSpPr>
-            <a:spLocks noGrp="1"/>
-          </p:cNvSpPr>
-          <p:nvPr>
-            <p:ph type="title"/>
-          </p:nvPr>
-        </p:nvSpPr>
-        <p:spPr>
-          <a:xfrm>
-            <a:off x="1154954" y="1447800"/>
-            <a:ext cx="8825659" cy="1981200"/>
-          </a:xfrm>
-        </p:spPr>
-        <p:txBody>
-          <a:bodyPr/>
-          <a:lstStyle>
-            <a:lvl1pPr>
-              <a:defRPr sz="4800"/>
-            </a:lvl1pPr>
-          </a:lstStyle>
-          <a:p>
-            <a:r>
-              <a:rPr lang="en-US"/>
-              <a:t>Click to edit Master title style</a:t>
-            </a:r>
-            <a:endParaRPr lang="en-US" dirty="0"/>
-          </a:p>
-        </p:txBody>
-      </p:sp>
-      <p:sp>
-        <p:nvSpPr>
-          <p:cNvPr id="8" name="Text Placeholder 3"/>
-          <p:cNvSpPr>
-            <a:spLocks noGrp="1"/>
-          </p:cNvSpPr>
-          <p:nvPr>
-            <p:ph type="body" sz="half" idx="2"/>
-          </p:nvPr>
-        </p:nvSpPr>
-        <p:spPr>
-          <a:xfrm>
-            <a:off x="1154954" y="3657600"/>
-            <a:ext cx="8825659" cy="2362200"/>
-          </a:xfrm>
-        </p:spPr>
-        <p:txBody>
-          <a:bodyPr anchor="ctr">
-            <a:normAutofit/>
-          </a:bodyPr>
-          <a:lstStyle>
-            <a:lvl1pPr marL="0" indent="0">
-              <a:buNone/>
-              <a:defRPr sz="1800"/>
-            </a:lvl1pPr>
-            <a:lvl2pPr marL="457200" indent="0">
-              <a:buNone/>
-              <a:defRPr sz="1200"/>
-            </a:lvl2pPr>
-            <a:lvl3pPr marL="914400" indent="0">
-              <a:buNone/>
-              <a:defRPr sz="1000"/>
-            </a:lvl3pPr>
-            <a:lvl4pPr marL="1371600" indent="0">
-              <a:buNone/>
-              <a:defRPr sz="900"/>
-            </a:lvl4pPr>
-            <a:lvl5pPr marL="1828800" indent="0">
-              <a:buNone/>
-              <a:defRPr sz="900"/>
-            </a:lvl5pPr>
-            <a:lvl6pPr marL="2286000" indent="0">
-              <a:buNone/>
-              <a:defRPr sz="900"/>
-            </a:lvl6pPr>
-            <a:lvl7pPr marL="2743200" indent="0">
-              <a:buNone/>
-              <a:defRPr sz="900"/>
-            </a:lvl7pPr>
-            <a:lvl8pPr marL="3200400" indent="0">
-              <a:buNone/>
-              <a:defRPr sz="900"/>
-            </a:lvl8pPr>
-            <a:lvl9pPr marL="3657600" indent="0">
-              <a:buNone/>
-              <a:defRPr sz="900"/>
-            </a:lvl9pPr>
-          </a:lstStyle>
-          <a:p>
-            <a:pPr lvl="0"/>
-            <a:r>
-              <a:rPr lang="en-US"/>
-              <a:t>Click to edit Master text styles</a:t>
-            </a:r>
-          </a:p>
-        </p:txBody>
-      </p:sp>
-      <p:sp>
-        <p:nvSpPr>
-          <p:cNvPr id="4" name="Date Placeholder 3"/>
-          <p:cNvSpPr>
-            <a:spLocks noGrp="1"/>
-          </p:cNvSpPr>
-          <p:nvPr>
-            <p:ph type="dt" sz="half" idx="10"/>
-          </p:nvPr>
-        </p:nvSpPr>
-        <p:spPr/>
-        <p:txBody>
-          <a:bodyPr/>
-          <a:lstStyle/>
-          <a:p>
-            <a:fld id="{18845AC5-A3F8-44AA-BA8F-596CDCC976D3}" type="datetimeFigureOut">
-              <a:rPr lang="en-US" smtClean="0"/>
-              <a:t>7/28/2025</a:t>
-            </a:fld>
-            <a:endParaRPr lang="en-US" dirty="0"/>
-          </a:p>
-        </p:txBody>
-      </p:sp>
-      <p:sp>
-        <p:nvSpPr>
-          <p:cNvPr id="5" name="Footer Placeholder 4"/>
-          <p:cNvSpPr>
-            <a:spLocks noGrp="1"/>
-          </p:cNvSpPr>
-          <p:nvPr>
-            <p:ph type="ftr" sz="quarter" idx="11"/>
-          </p:nvPr>
-        </p:nvSpPr>
-        <p:spPr/>
-        <p:txBody>
-          <a:bodyPr/>
-          <a:lstStyle/>
-          <a:p>
-            <a:endParaRPr lang="en-US" dirty="0"/>
-          </a:p>
-        </p:txBody>
-      </p:sp>
-      <p:sp>
-        <p:nvSpPr>
-          <p:cNvPr id="6" name="Slide Number Placeholder 5"/>
-          <p:cNvSpPr>
-            <a:spLocks noGrp="1"/>
-          </p:cNvSpPr>
-          <p:nvPr>
-            <p:ph type="sldNum" sz="quarter" idx="12"/>
-          </p:nvPr>
-        </p:nvSpPr>
-        <p:spPr/>
-        <p:txBody>
-          <a:bodyPr/>
-          <a:lstStyle/>
-          <a:p>
-            <a:fld id="{D57F1E4F-1CFF-5643-939E-217C01CDF565}" type="slidenum">
-              <a:rPr lang="en-US" smtClean="0"/>
-              <a:pPr/>
-              <a:t>‹#›</a:t>
-            </a:fld>
-            <a:endParaRPr lang="en-US" dirty="0"/>
-          </a:p>
-        </p:txBody>
-      </p:sp>
-    </p:spTree>
-    <p:extLst>
-      <p:ext uri="{BB962C8B-B14F-4D97-AF65-F5344CB8AC3E}">
-        <p14:creationId xmlns:p14="http://schemas.microsoft.com/office/powerpoint/2010/main" val="959796084"/>
-      </p:ext>
-    </p:extLst>
-  </p:cSld>
-  <p:clrMapOvr>
-    <a:masterClrMapping/>
-  </p:clrMapOvr>
-</p:sldLayout>
-</file>
-
-<file path=ppt/slideLayouts/slideLayout12.xml><?xml version="1.0" encoding="utf-8"?>
-<p:sldLayout xmlns:a="http://schemas.openxmlformats.org/drawingml/2006/main" xmlns:r="http://schemas.openxmlformats.org/officeDocument/2006/relationships" xmlns:p="http://schemas.openxmlformats.org/presentationml/2006/main" preserve="1">
-  <p:cSld name="Quote with Caption">
-    <p:spTree>
-      <p:nvGrpSpPr>
-        <p:cNvPr id="1" name=""/>
-        <p:cNvGrpSpPr/>
-        <p:nvPr/>
-      </p:nvGrpSpPr>
-      <p:grpSpPr>
-        <a:xfrm>
-          <a:off x="0" y="0"/>
-          <a:ext cx="0" cy="0"/>
-          <a:chOff x="0" y="0"/>
-          <a:chExt cx="0" cy="0"/>
-        </a:xfrm>
-      </p:grpSpPr>
-      <p:sp>
-        <p:nvSpPr>
-          <p:cNvPr id="2" name="Title 1"/>
-          <p:cNvSpPr>
-            <a:spLocks noGrp="1"/>
-          </p:cNvSpPr>
-          <p:nvPr>
-            <p:ph type="title"/>
-          </p:nvPr>
-        </p:nvSpPr>
-        <p:spPr>
-          <a:xfrm>
-            <a:off x="1574801" y="1447800"/>
-            <a:ext cx="7999315" cy="2323374"/>
-          </a:xfrm>
-        </p:spPr>
-        <p:txBody>
-          <a:bodyPr/>
-          <a:lstStyle>
-            <a:lvl1pPr>
-              <a:defRPr sz="4800"/>
-            </a:lvl1pPr>
-          </a:lstStyle>
-          <a:p>
-            <a:r>
-              <a:rPr lang="en-US"/>
-              <a:t>Click to edit Master title style</a:t>
-            </a:r>
-            <a:endParaRPr lang="en-US" dirty="0"/>
-          </a:p>
-        </p:txBody>
-      </p:sp>
-      <p:sp>
-        <p:nvSpPr>
-          <p:cNvPr id="11" name="Text Placeholder 3"/>
-          <p:cNvSpPr>
-            <a:spLocks noGrp="1"/>
-          </p:cNvSpPr>
-          <p:nvPr>
-            <p:ph type="body" sz="half" idx="14"/>
-          </p:nvPr>
-        </p:nvSpPr>
-        <p:spPr>
-          <a:xfrm>
-            <a:off x="1930400" y="3771174"/>
-            <a:ext cx="7279649" cy="342174"/>
-          </a:xfrm>
-        </p:spPr>
-        <p:txBody>
-          <a:bodyPr vert="horz" lIns="91440" tIns="45720" rIns="91440" bIns="45720" rtlCol="0" anchor="t">
-            <a:normAutofit/>
-          </a:bodyPr>
-          <a:lstStyle>
-            <a:lvl1pPr marL="0" indent="0">
-              <a:buNone/>
-              <a:defRPr lang="en-US" sz="1400" b="0" i="0" kern="1200" cap="small" dirty="0">
-                <a:solidFill>
-                  <a:schemeClr val="bg2">
-                    <a:lumMod val="40000"/>
-                    <a:lumOff val="60000"/>
-                  </a:schemeClr>
-                </a:solidFill>
-                <a:latin typeface="+mj-lt"/>
-                <a:ea typeface="+mj-ea"/>
-                <a:cs typeface="+mj-cs"/>
-              </a:defRPr>
-            </a:lvl1pPr>
-            <a:lvl2pPr marL="457200" indent="0">
-              <a:buNone/>
-              <a:defRPr sz="1200"/>
-            </a:lvl2pPr>
-            <a:lvl3pPr marL="914400" indent="0">
-              <a:buNone/>
-              <a:defRPr sz="1000"/>
-            </a:lvl3pPr>
-            <a:lvl4pPr marL="1371600" indent="0">
-              <a:buNone/>
-              <a:defRPr sz="900"/>
-            </a:lvl4pPr>
-            <a:lvl5pPr marL="1828800" indent="0">
-              <a:buNone/>
-              <a:defRPr sz="900"/>
-            </a:lvl5pPr>
-            <a:lvl6pPr marL="2286000" indent="0">
-              <a:buNone/>
-              <a:defRPr sz="900"/>
-            </a:lvl6pPr>
-            <a:lvl7pPr marL="2743200" indent="0">
-              <a:buNone/>
-              <a:defRPr sz="900"/>
-            </a:lvl7pPr>
-            <a:lvl8pPr marL="3200400" indent="0">
-              <a:buNone/>
-              <a:defRPr sz="900"/>
-            </a:lvl8pPr>
-            <a:lvl9pPr marL="3657600" indent="0">
-              <a:buNone/>
-              <a:defRPr sz="900"/>
-            </a:lvl9pPr>
-          </a:lstStyle>
-          <a:p>
-            <a:pPr marL="0" lvl="0" indent="0">
-              <a:buNone/>
-            </a:pPr>
-            <a:r>
-              <a:rPr lang="en-US"/>
-              <a:t>Click to edit Master text styles</a:t>
-            </a:r>
-          </a:p>
-        </p:txBody>
-      </p:sp>
-      <p:sp>
-        <p:nvSpPr>
-          <p:cNvPr id="10" name="Text Placeholder 3"/>
-          <p:cNvSpPr>
-            <a:spLocks noGrp="1"/>
-          </p:cNvSpPr>
-          <p:nvPr>
-            <p:ph type="body" sz="half" idx="2"/>
-          </p:nvPr>
-        </p:nvSpPr>
-        <p:spPr>
-          <a:xfrm>
-            <a:off x="1154954" y="4350657"/>
-            <a:ext cx="8825659" cy="1676400"/>
-          </a:xfrm>
-        </p:spPr>
-        <p:txBody>
-          <a:bodyPr anchor="ctr">
-            <a:normAutofit/>
-          </a:bodyPr>
-          <a:lstStyle>
-            <a:lvl1pPr marL="0" indent="0">
-              <a:buNone/>
-              <a:defRPr sz="1800"/>
-            </a:lvl1pPr>
-            <a:lvl2pPr marL="457200" indent="0">
-              <a:buNone/>
-              <a:defRPr sz="1200"/>
-            </a:lvl2pPr>
-            <a:lvl3pPr marL="914400" indent="0">
-              <a:buNone/>
-              <a:defRPr sz="1000"/>
-            </a:lvl3pPr>
-            <a:lvl4pPr marL="1371600" indent="0">
-              <a:buNone/>
-              <a:defRPr sz="900"/>
-            </a:lvl4pPr>
-            <a:lvl5pPr marL="1828800" indent="0">
-              <a:buNone/>
-              <a:defRPr sz="900"/>
-            </a:lvl5pPr>
-            <a:lvl6pPr marL="2286000" indent="0">
-              <a:buNone/>
-              <a:defRPr sz="900"/>
-            </a:lvl6pPr>
-            <a:lvl7pPr marL="2743200" indent="0">
-              <a:buNone/>
-              <a:defRPr sz="900"/>
-            </a:lvl7pPr>
-            <a:lvl8pPr marL="3200400" indent="0">
-              <a:buNone/>
-              <a:defRPr sz="900"/>
-            </a:lvl8pPr>
-            <a:lvl9pPr marL="3657600" indent="0">
-              <a:buNone/>
-              <a:defRPr sz="900"/>
-            </a:lvl9pPr>
-          </a:lstStyle>
-          <a:p>
-            <a:pPr lvl="0"/>
-            <a:r>
-              <a:rPr lang="en-US"/>
-              <a:t>Click to edit Master text styles</a:t>
-            </a:r>
-          </a:p>
-        </p:txBody>
-      </p:sp>
-      <p:sp>
-        <p:nvSpPr>
-          <p:cNvPr id="4" name="Date Placeholder 3"/>
-          <p:cNvSpPr>
-            <a:spLocks noGrp="1"/>
-          </p:cNvSpPr>
-          <p:nvPr>
-            <p:ph type="dt" sz="half" idx="10"/>
-          </p:nvPr>
-        </p:nvSpPr>
-        <p:spPr/>
-        <p:txBody>
-          <a:bodyPr/>
-          <a:lstStyle/>
-          <a:p>
-            <a:fld id="{7E0D914D-B099-4142-A885-11F276715148}" type="datetimeFigureOut">
-              <a:rPr lang="en-US" smtClean="0"/>
-              <a:t>7/28/2025</a:t>
-            </a:fld>
-            <a:endParaRPr lang="en-US" dirty="0"/>
-          </a:p>
-        </p:txBody>
-      </p:sp>
-      <p:sp>
-        <p:nvSpPr>
-          <p:cNvPr id="5" name="Footer Placeholder 4"/>
-          <p:cNvSpPr>
-            <a:spLocks noGrp="1"/>
-          </p:cNvSpPr>
-          <p:nvPr>
-            <p:ph type="ftr" sz="quarter" idx="11"/>
-          </p:nvPr>
-        </p:nvSpPr>
-        <p:spPr/>
-        <p:txBody>
-          <a:bodyPr/>
-          <a:lstStyle/>
-          <a:p>
-            <a:endParaRPr lang="en-US" dirty="0"/>
-          </a:p>
-        </p:txBody>
-      </p:sp>
-      <p:sp>
-        <p:nvSpPr>
-          <p:cNvPr id="6" name="Slide Number Placeholder 5"/>
-          <p:cNvSpPr>
-            <a:spLocks noGrp="1"/>
-          </p:cNvSpPr>
-          <p:nvPr>
-            <p:ph type="sldNum" sz="quarter" idx="12"/>
-          </p:nvPr>
-        </p:nvSpPr>
-        <p:spPr/>
-        <p:txBody>
-          <a:bodyPr/>
-          <a:lstStyle/>
-          <a:p>
-            <a:fld id="{D57F1E4F-1CFF-5643-939E-217C01CDF565}" type="slidenum">
-              <a:rPr lang="en-US" smtClean="0"/>
-              <a:pPr/>
-              <a:t>‹#›</a:t>
-            </a:fld>
-            <a:endParaRPr lang="en-US" dirty="0"/>
-          </a:p>
-        </p:txBody>
-      </p:sp>
-      <p:sp>
-        <p:nvSpPr>
-          <p:cNvPr id="12" name="TextBox 11"/>
-          <p:cNvSpPr txBox="1"/>
-          <p:nvPr/>
-        </p:nvSpPr>
-        <p:spPr>
-          <a:xfrm>
-            <a:off x="898295" y="971253"/>
-            <a:ext cx="801912" cy="1969770"/>
-          </a:xfrm>
-          <a:prstGeom prst="rect">
-            <a:avLst/>
-          </a:prstGeom>
-          <a:noFill/>
-        </p:spPr>
-        <p:txBody>
-          <a:bodyPr wrap="square" rtlCol="0">
-            <a:spAutoFit/>
-          </a:bodyPr>
-          <a:lstStyle>
-            <a:defPPr>
-              <a:defRPr lang="en-US"/>
-            </a:defPPr>
-            <a:lvl1pPr algn="r">
-              <a:defRPr sz="12200" b="0" i="0">
-                <a:solidFill>
-                  <a:schemeClr val="bg2">
-                    <a:lumMod val="40000"/>
-                    <a:lumOff val="60000"/>
-                  </a:schemeClr>
-                </a:solidFill>
-                <a:latin typeface="Arial"/>
-                <a:ea typeface="+mj-ea"/>
-                <a:cs typeface="+mj-cs"/>
-              </a:defRPr>
-            </a:lvl1pPr>
-          </a:lstStyle>
-          <a:p>
-            <a:pPr lvl="0"/>
-            <a:r>
-              <a:rPr lang="en-US" dirty="0"/>
-              <a:t>“</a:t>
-            </a:r>
-          </a:p>
-        </p:txBody>
-      </p:sp>
-      <p:sp>
-        <p:nvSpPr>
-          <p:cNvPr id="15" name="TextBox 14"/>
-          <p:cNvSpPr txBox="1"/>
-          <p:nvPr/>
-        </p:nvSpPr>
-        <p:spPr>
-          <a:xfrm>
-            <a:off x="9330490" y="2613787"/>
-            <a:ext cx="801912" cy="1969770"/>
-          </a:xfrm>
-          <a:prstGeom prst="rect">
-            <a:avLst/>
-          </a:prstGeom>
-          <a:noFill/>
-        </p:spPr>
-        <p:txBody>
-          <a:bodyPr wrap="square" rtlCol="0">
-            <a:spAutoFit/>
-          </a:bodyPr>
-          <a:lstStyle>
-            <a:defPPr>
-              <a:defRPr lang="en-US"/>
-            </a:defPPr>
-            <a:lvl1pPr algn="r">
-              <a:defRPr sz="12200" b="0" i="0">
-                <a:solidFill>
-                  <a:schemeClr val="bg2">
-                    <a:lumMod val="40000"/>
-                    <a:lumOff val="60000"/>
-                  </a:schemeClr>
-                </a:solidFill>
-                <a:latin typeface="Arial"/>
-                <a:ea typeface="+mj-ea"/>
-                <a:cs typeface="+mj-cs"/>
-              </a:defRPr>
-            </a:lvl1pPr>
-          </a:lstStyle>
-          <a:p>
-            <a:pPr lvl="0"/>
-            <a:r>
-              <a:rPr lang="en-US" dirty="0"/>
-              <a:t>”</a:t>
-            </a:r>
-          </a:p>
-        </p:txBody>
-      </p:sp>
-    </p:spTree>
-    <p:extLst>
-      <p:ext uri="{BB962C8B-B14F-4D97-AF65-F5344CB8AC3E}">
-        <p14:creationId xmlns:p14="http://schemas.microsoft.com/office/powerpoint/2010/main" val="1342429753"/>
-      </p:ext>
-    </p:extLst>
-  </p:cSld>
-  <p:clrMapOvr>
-    <a:masterClrMapping/>
-  </p:clrMapOvr>
-  <p:hf sldNum="0" hdr="0" ftr="0" dt="0"/>
-</p:sldLayout>
-</file>
-
-<file path=ppt/slideLayouts/slideLayout13.xml><?xml version="1.0" encoding="utf-8"?>
-<p:sldLayout xmlns:a="http://schemas.openxmlformats.org/drawingml/2006/main" xmlns:r="http://schemas.openxmlformats.org/officeDocument/2006/relationships" xmlns:p="http://schemas.openxmlformats.org/presentationml/2006/main" preserve="1">
-  <p:cSld name="Name Card">
-    <p:spTree>
-      <p:nvGrpSpPr>
-        <p:cNvPr id="1" name=""/>
-        <p:cNvGrpSpPr/>
-        <p:nvPr/>
-      </p:nvGrpSpPr>
-      <p:grpSpPr>
-        <a:xfrm>
-          <a:off x="0" y="0"/>
-          <a:ext cx="0" cy="0"/>
-          <a:chOff x="0" y="0"/>
-          <a:chExt cx="0" cy="0"/>
-        </a:xfrm>
-      </p:grpSpPr>
-      <p:sp>
-        <p:nvSpPr>
-          <p:cNvPr id="2" name="Title 1"/>
-          <p:cNvSpPr>
-            <a:spLocks noGrp="1"/>
-          </p:cNvSpPr>
-          <p:nvPr>
-            <p:ph type="title"/>
-          </p:nvPr>
-        </p:nvSpPr>
-        <p:spPr>
-          <a:xfrm>
-            <a:off x="1154954" y="3124201"/>
-            <a:ext cx="8825660" cy="1653180"/>
-          </a:xfrm>
-        </p:spPr>
-        <p:txBody>
-          <a:bodyPr anchor="b"/>
-          <a:lstStyle>
-            <a:lvl1pPr algn="l">
-              <a:defRPr sz="4000" b="0" cap="none"/>
-            </a:lvl1pPr>
-          </a:lstStyle>
-          <a:p>
-            <a:r>
-              <a:rPr lang="en-US"/>
-              <a:t>Click to edit Master title style</a:t>
-            </a:r>
-            <a:endParaRPr lang="en-US" dirty="0"/>
           </a:p>
         </p:txBody>
       </p:sp>
@@ -1291,20 +1053,22 @@
         </p:nvSpPr>
         <p:spPr>
           <a:xfrm>
-            <a:off x="1154954" y="4777381"/>
-            <a:ext cx="8825659" cy="860400"/>
+            <a:off x="1261872" y="4800600"/>
+            <a:ext cx="9418320" cy="1691640"/>
           </a:xfrm>
         </p:spPr>
         <p:txBody>
-          <a:bodyPr anchor="t"/>
+          <a:bodyPr anchor="t">
+            <a:normAutofit/>
+          </a:bodyPr>
           <a:lstStyle>
-            <a:lvl1pPr marL="0" indent="0" algn="l">
+            <a:lvl1pPr marL="0" indent="0">
               <a:buNone/>
-              <a:defRPr sz="2000" cap="none">
+              <a:defRPr sz="2200">
                 <a:solidFill>
-                  <a:schemeClr val="bg2">
-                    <a:lumMod val="40000"/>
-                    <a:lumOff val="60000"/>
+                  <a:schemeClr val="tx1">
+                    <a:lumMod val="65000"/>
+                    <a:lumOff val="35000"/>
                   </a:schemeClr>
                 </a:solidFill>
               </a:defRPr>
@@ -1414,9 +1178,9 @@
           <a:bodyPr/>
           <a:lstStyle/>
           <a:p>
-            <a:fld id="{174D01B4-0AA5-45E6-B2E6-5FA4078AEBCF}" type="datetimeFigureOut">
+            <a:fld id="{8AAA073D-A903-47F8-8D16-77642FB0DF1F}" type="datetimeFigureOut">
               <a:rPr lang="en-US" smtClean="0"/>
-              <a:t>7/28/2025</a:t>
+              <a:t>10/29/2025</a:t>
             </a:fld>
             <a:endParaRPr lang="en-US" dirty="0"/>
           </a:p>
@@ -1465,2266 +1229,55 @@
           </a:p>
         </p:txBody>
       </p:sp>
-    </p:spTree>
-    <p:extLst>
-      <p:ext uri="{BB962C8B-B14F-4D97-AF65-F5344CB8AC3E}">
-        <p14:creationId xmlns:p14="http://schemas.microsoft.com/office/powerpoint/2010/main" val="3065770200"/>
-      </p:ext>
-    </p:extLst>
-  </p:cSld>
-  <p:clrMapOvr>
-    <a:masterClrMapping/>
-  </p:clrMapOvr>
-</p:sldLayout>
-</file>
-
-<file path=ppt/slideLayouts/slideLayout14.xml><?xml version="1.0" encoding="utf-8"?>
-<p:sldLayout xmlns:a="http://schemas.openxmlformats.org/drawingml/2006/main" xmlns:r="http://schemas.openxmlformats.org/officeDocument/2006/relationships" xmlns:p="http://schemas.openxmlformats.org/presentationml/2006/main" preserve="1">
-  <p:cSld name="3 Column">
-    <p:spTree>
-      <p:nvGrpSpPr>
-        <p:cNvPr id="1" name=""/>
-        <p:cNvGrpSpPr/>
-        <p:nvPr/>
-      </p:nvGrpSpPr>
-      <p:grpSpPr>
-        <a:xfrm>
-          <a:off x="0" y="0"/>
-          <a:ext cx="0" cy="0"/>
-          <a:chOff x="0" y="0"/>
-          <a:chExt cx="0" cy="0"/>
-        </a:xfrm>
-      </p:grpSpPr>
       <p:sp>
         <p:nvSpPr>
-          <p:cNvPr id="2" name="Title 1"/>
-          <p:cNvSpPr>
-            <a:spLocks noGrp="1"/>
-          </p:cNvSpPr>
-          <p:nvPr>
-            <p:ph type="title"/>
-          </p:nvPr>
-        </p:nvSpPr>
-        <p:spPr/>
-        <p:txBody>
-          <a:bodyPr/>
-          <a:lstStyle>
-            <a:lvl1pPr>
-              <a:defRPr sz="4200"/>
-            </a:lvl1pPr>
-          </a:lstStyle>
-          <a:p>
-            <a:r>
-              <a:rPr lang="en-US"/>
-              <a:t>Click to edit Master title style</a:t>
-            </a:r>
-            <a:endParaRPr lang="en-US" dirty="0"/>
-          </a:p>
-        </p:txBody>
-      </p:sp>
-      <p:sp>
-        <p:nvSpPr>
-          <p:cNvPr id="3" name="Text Placeholder 2"/>
-          <p:cNvSpPr>
-            <a:spLocks noGrp="1"/>
-          </p:cNvSpPr>
-          <p:nvPr>
-            <p:ph type="body" idx="1"/>
-          </p:nvPr>
+          <p:cNvPr id="7" name="Rectangle 6"/>
+          <p:cNvSpPr/>
+          <p:nvPr/>
         </p:nvSpPr>
         <p:spPr>
           <a:xfrm>
-            <a:off x="632947" y="1981200"/>
-            <a:ext cx="2946866" cy="576262"/>
+            <a:off x="0" y="0"/>
+            <a:ext cx="457200" cy="6858000"/>
           </a:xfrm>
-        </p:spPr>
-        <p:txBody>
-          <a:bodyPr anchor="b">
-            <a:noAutofit/>
-          </a:bodyPr>
-          <a:lstStyle>
-            <a:lvl1pPr marL="0" indent="0">
-              <a:buNone/>
-              <a:defRPr sz="2400" b="0">
-                <a:solidFill>
-                  <a:schemeClr val="bg2">
-                    <a:lumMod val="40000"/>
-                    <a:lumOff val="60000"/>
-                  </a:schemeClr>
-                </a:solidFill>
-              </a:defRPr>
-            </a:lvl1pPr>
-            <a:lvl2pPr marL="457200" indent="0">
-              <a:buNone/>
-              <a:defRPr sz="2000" b="1"/>
-            </a:lvl2pPr>
-            <a:lvl3pPr marL="914400" indent="0">
-              <a:buNone/>
-              <a:defRPr sz="1800" b="1"/>
-            </a:lvl3pPr>
-            <a:lvl4pPr marL="1371600" indent="0">
-              <a:buNone/>
-              <a:defRPr sz="1600" b="1"/>
-            </a:lvl4pPr>
-            <a:lvl5pPr marL="1828800" indent="0">
-              <a:buNone/>
-              <a:defRPr sz="1600" b="1"/>
-            </a:lvl5pPr>
-            <a:lvl6pPr marL="2286000" indent="0">
-              <a:buNone/>
-              <a:defRPr sz="1600" b="1"/>
-            </a:lvl6pPr>
-            <a:lvl7pPr marL="2743200" indent="0">
-              <a:buNone/>
-              <a:defRPr sz="1600" b="1"/>
-            </a:lvl7pPr>
-            <a:lvl8pPr marL="3200400" indent="0">
-              <a:buNone/>
-              <a:defRPr sz="1600" b="1"/>
-            </a:lvl8pPr>
-            <a:lvl9pPr marL="3657600" indent="0">
-              <a:buNone/>
-              <a:defRPr sz="1600" b="1"/>
-            </a:lvl9pPr>
-          </a:lstStyle>
-          <a:p>
-            <a:pPr lvl="0"/>
-            <a:r>
-              <a:rPr lang="en-US"/>
-              <a:t>Click to edit Master text styles</a:t>
-            </a:r>
-          </a:p>
-        </p:txBody>
-      </p:sp>
-      <p:sp>
-        <p:nvSpPr>
-          <p:cNvPr id="16" name="Text Placeholder 3"/>
-          <p:cNvSpPr>
-            <a:spLocks noGrp="1"/>
-          </p:cNvSpPr>
-          <p:nvPr>
-            <p:ph type="body" sz="half" idx="15"/>
-          </p:nvPr>
-        </p:nvSpPr>
-        <p:spPr>
-          <a:xfrm>
-            <a:off x="652463" y="2667000"/>
-            <a:ext cx="2927350" cy="3589338"/>
-          </a:xfrm>
-        </p:spPr>
-        <p:txBody>
-          <a:bodyPr anchor="t">
-            <a:normAutofit/>
-          </a:bodyPr>
-          <a:lstStyle>
-            <a:lvl1pPr marL="0" indent="0">
-              <a:buNone/>
-              <a:defRPr sz="1400"/>
-            </a:lvl1pPr>
-            <a:lvl2pPr marL="457200" indent="0">
-              <a:buNone/>
-              <a:defRPr sz="1200"/>
-            </a:lvl2pPr>
-            <a:lvl3pPr marL="914400" indent="0">
-              <a:buNone/>
-              <a:defRPr sz="1000"/>
-            </a:lvl3pPr>
-            <a:lvl4pPr marL="1371600" indent="0">
-              <a:buNone/>
-              <a:defRPr sz="900"/>
-            </a:lvl4pPr>
-            <a:lvl5pPr marL="1828800" indent="0">
-              <a:buNone/>
-              <a:defRPr sz="900"/>
-            </a:lvl5pPr>
-            <a:lvl6pPr marL="2286000" indent="0">
-              <a:buNone/>
-              <a:defRPr sz="900"/>
-            </a:lvl6pPr>
-            <a:lvl7pPr marL="2743200" indent="0">
-              <a:buNone/>
-              <a:defRPr sz="900"/>
-            </a:lvl7pPr>
-            <a:lvl8pPr marL="3200400" indent="0">
-              <a:buNone/>
-              <a:defRPr sz="900"/>
-            </a:lvl8pPr>
-            <a:lvl9pPr marL="3657600" indent="0">
-              <a:buNone/>
-              <a:defRPr sz="900"/>
-            </a:lvl9pPr>
-          </a:lstStyle>
-          <a:p>
-            <a:pPr lvl="0"/>
-            <a:r>
-              <a:rPr lang="en-US"/>
-              <a:t>Click to edit Master text styles</a:t>
-            </a:r>
-          </a:p>
-        </p:txBody>
-      </p:sp>
-      <p:sp>
-        <p:nvSpPr>
-          <p:cNvPr id="5" name="Text Placeholder 4"/>
-          <p:cNvSpPr>
-            <a:spLocks noGrp="1"/>
-          </p:cNvSpPr>
-          <p:nvPr>
-            <p:ph type="body" sz="quarter" idx="3"/>
-          </p:nvPr>
-        </p:nvSpPr>
-        <p:spPr>
-          <a:xfrm>
-            <a:off x="3883659" y="1981200"/>
-            <a:ext cx="2936241" cy="576262"/>
-          </a:xfrm>
-        </p:spPr>
-        <p:txBody>
-          <a:bodyPr anchor="b">
-            <a:noAutofit/>
-          </a:bodyPr>
-          <a:lstStyle>
-            <a:lvl1pPr marL="0" indent="0">
-              <a:buNone/>
-              <a:defRPr sz="2400" b="0">
-                <a:solidFill>
-                  <a:schemeClr val="bg2">
-                    <a:lumMod val="40000"/>
-                    <a:lumOff val="60000"/>
-                  </a:schemeClr>
-                </a:solidFill>
-              </a:defRPr>
-            </a:lvl1pPr>
-            <a:lvl2pPr marL="457200" indent="0">
-              <a:buNone/>
-              <a:defRPr sz="2000" b="1"/>
-            </a:lvl2pPr>
-            <a:lvl3pPr marL="914400" indent="0">
-              <a:buNone/>
-              <a:defRPr sz="1800" b="1"/>
-            </a:lvl3pPr>
-            <a:lvl4pPr marL="1371600" indent="0">
-              <a:buNone/>
-              <a:defRPr sz="1600" b="1"/>
-            </a:lvl4pPr>
-            <a:lvl5pPr marL="1828800" indent="0">
-              <a:buNone/>
-              <a:defRPr sz="1600" b="1"/>
-            </a:lvl5pPr>
-            <a:lvl6pPr marL="2286000" indent="0">
-              <a:buNone/>
-              <a:defRPr sz="1600" b="1"/>
-            </a:lvl6pPr>
-            <a:lvl7pPr marL="2743200" indent="0">
-              <a:buNone/>
-              <a:defRPr sz="1600" b="1"/>
-            </a:lvl7pPr>
-            <a:lvl8pPr marL="3200400" indent="0">
-              <a:buNone/>
-              <a:defRPr sz="1600" b="1"/>
-            </a:lvl8pPr>
-            <a:lvl9pPr marL="3657600" indent="0">
-              <a:buNone/>
-              <a:defRPr sz="1600" b="1"/>
-            </a:lvl9pPr>
-          </a:lstStyle>
-          <a:p>
-            <a:pPr lvl="0"/>
-            <a:r>
-              <a:rPr lang="en-US"/>
-              <a:t>Click to edit Master text styles</a:t>
-            </a:r>
-          </a:p>
-        </p:txBody>
-      </p:sp>
-      <p:sp>
-        <p:nvSpPr>
-          <p:cNvPr id="19" name="Text Placeholder 3"/>
-          <p:cNvSpPr>
-            <a:spLocks noGrp="1"/>
-          </p:cNvSpPr>
-          <p:nvPr>
-            <p:ph type="body" sz="half" idx="16"/>
-          </p:nvPr>
-        </p:nvSpPr>
-        <p:spPr>
-          <a:xfrm>
-            <a:off x="3873106" y="2667000"/>
-            <a:ext cx="2946794" cy="3589338"/>
-          </a:xfrm>
-        </p:spPr>
-        <p:txBody>
-          <a:bodyPr anchor="t">
-            <a:normAutofit/>
-          </a:bodyPr>
-          <a:lstStyle>
-            <a:lvl1pPr marL="0" indent="0">
-              <a:buNone/>
-              <a:defRPr sz="1400"/>
-            </a:lvl1pPr>
-            <a:lvl2pPr marL="457200" indent="0">
-              <a:buNone/>
-              <a:defRPr sz="1200"/>
-            </a:lvl2pPr>
-            <a:lvl3pPr marL="914400" indent="0">
-              <a:buNone/>
-              <a:defRPr sz="1000"/>
-            </a:lvl3pPr>
-            <a:lvl4pPr marL="1371600" indent="0">
-              <a:buNone/>
-              <a:defRPr sz="900"/>
-            </a:lvl4pPr>
-            <a:lvl5pPr marL="1828800" indent="0">
-              <a:buNone/>
-              <a:defRPr sz="900"/>
-            </a:lvl5pPr>
-            <a:lvl6pPr marL="2286000" indent="0">
-              <a:buNone/>
-              <a:defRPr sz="900"/>
-            </a:lvl6pPr>
-            <a:lvl7pPr marL="2743200" indent="0">
-              <a:buNone/>
-              <a:defRPr sz="900"/>
-            </a:lvl7pPr>
-            <a:lvl8pPr marL="3200400" indent="0">
-              <a:buNone/>
-              <a:defRPr sz="900"/>
-            </a:lvl8pPr>
-            <a:lvl9pPr marL="3657600" indent="0">
-              <a:buNone/>
-              <a:defRPr sz="900"/>
-            </a:lvl9pPr>
-          </a:lstStyle>
-          <a:p>
-            <a:pPr lvl="0"/>
-            <a:r>
-              <a:rPr lang="en-US"/>
-              <a:t>Click to edit Master text styles</a:t>
-            </a:r>
-          </a:p>
-        </p:txBody>
-      </p:sp>
-      <p:sp>
-        <p:nvSpPr>
-          <p:cNvPr id="14" name="Text Placeholder 4"/>
-          <p:cNvSpPr>
-            <a:spLocks noGrp="1"/>
-          </p:cNvSpPr>
-          <p:nvPr>
-            <p:ph type="body" sz="quarter" idx="13"/>
-          </p:nvPr>
-        </p:nvSpPr>
-        <p:spPr>
-          <a:xfrm>
-            <a:off x="7124700" y="1981200"/>
-            <a:ext cx="2932113" cy="576262"/>
-          </a:xfrm>
-        </p:spPr>
-        <p:txBody>
-          <a:bodyPr anchor="b">
-            <a:noAutofit/>
-          </a:bodyPr>
-          <a:lstStyle>
-            <a:lvl1pPr marL="0" indent="0">
-              <a:buNone/>
-              <a:defRPr sz="2400" b="0">
-                <a:solidFill>
-                  <a:schemeClr val="bg2">
-                    <a:lumMod val="40000"/>
-                    <a:lumOff val="60000"/>
-                  </a:schemeClr>
-                </a:solidFill>
-              </a:defRPr>
-            </a:lvl1pPr>
-            <a:lvl2pPr marL="457200" indent="0">
-              <a:buNone/>
-              <a:defRPr sz="2000" b="1"/>
-            </a:lvl2pPr>
-            <a:lvl3pPr marL="914400" indent="0">
-              <a:buNone/>
-              <a:defRPr sz="1800" b="1"/>
-            </a:lvl3pPr>
-            <a:lvl4pPr marL="1371600" indent="0">
-              <a:buNone/>
-              <a:defRPr sz="1600" b="1"/>
-            </a:lvl4pPr>
-            <a:lvl5pPr marL="1828800" indent="0">
-              <a:buNone/>
-              <a:defRPr sz="1600" b="1"/>
-            </a:lvl5pPr>
-            <a:lvl6pPr marL="2286000" indent="0">
-              <a:buNone/>
-              <a:defRPr sz="1600" b="1"/>
-            </a:lvl6pPr>
-            <a:lvl7pPr marL="2743200" indent="0">
-              <a:buNone/>
-              <a:defRPr sz="1600" b="1"/>
-            </a:lvl7pPr>
-            <a:lvl8pPr marL="3200400" indent="0">
-              <a:buNone/>
-              <a:defRPr sz="1600" b="1"/>
-            </a:lvl8pPr>
-            <a:lvl9pPr marL="3657600" indent="0">
-              <a:buNone/>
-              <a:defRPr sz="1600" b="1"/>
-            </a:lvl9pPr>
-          </a:lstStyle>
-          <a:p>
-            <a:pPr lvl="0"/>
-            <a:r>
-              <a:rPr lang="en-US"/>
-              <a:t>Click to edit Master text styles</a:t>
-            </a:r>
-          </a:p>
-        </p:txBody>
-      </p:sp>
-      <p:sp>
-        <p:nvSpPr>
-          <p:cNvPr id="20" name="Text Placeholder 3"/>
-          <p:cNvSpPr>
-            <a:spLocks noGrp="1"/>
-          </p:cNvSpPr>
-          <p:nvPr>
-            <p:ph type="body" sz="half" idx="17"/>
-          </p:nvPr>
-        </p:nvSpPr>
-        <p:spPr>
-          <a:xfrm>
-            <a:off x="7124700" y="2667000"/>
-            <a:ext cx="2932113" cy="3589338"/>
-          </a:xfrm>
-        </p:spPr>
-        <p:txBody>
-          <a:bodyPr anchor="t">
-            <a:normAutofit/>
-          </a:bodyPr>
-          <a:lstStyle>
-            <a:lvl1pPr marL="0" indent="0">
-              <a:buNone/>
-              <a:defRPr sz="1400"/>
-            </a:lvl1pPr>
-            <a:lvl2pPr marL="457200" indent="0">
-              <a:buNone/>
-              <a:defRPr sz="1200"/>
-            </a:lvl2pPr>
-            <a:lvl3pPr marL="914400" indent="0">
-              <a:buNone/>
-              <a:defRPr sz="1000"/>
-            </a:lvl3pPr>
-            <a:lvl4pPr marL="1371600" indent="0">
-              <a:buNone/>
-              <a:defRPr sz="900"/>
-            </a:lvl4pPr>
-            <a:lvl5pPr marL="1828800" indent="0">
-              <a:buNone/>
-              <a:defRPr sz="900"/>
-            </a:lvl5pPr>
-            <a:lvl6pPr marL="2286000" indent="0">
-              <a:buNone/>
-              <a:defRPr sz="900"/>
-            </a:lvl6pPr>
-            <a:lvl7pPr marL="2743200" indent="0">
-              <a:buNone/>
-              <a:defRPr sz="900"/>
-            </a:lvl7pPr>
-            <a:lvl8pPr marL="3200400" indent="0">
-              <a:buNone/>
-              <a:defRPr sz="900"/>
-            </a:lvl8pPr>
-            <a:lvl9pPr marL="3657600" indent="0">
-              <a:buNone/>
-              <a:defRPr sz="900"/>
-            </a:lvl9pPr>
-          </a:lstStyle>
-          <a:p>
-            <a:pPr lvl="0"/>
-            <a:r>
-              <a:rPr lang="en-US"/>
-              <a:t>Click to edit Master text styles</a:t>
-            </a:r>
-          </a:p>
-        </p:txBody>
-      </p:sp>
-      <p:cxnSp>
-        <p:nvCxnSpPr>
-          <p:cNvPr id="17" name="Straight Connector 16"/>
-          <p:cNvCxnSpPr/>
-          <p:nvPr/>
-        </p:nvCxnSpPr>
-        <p:spPr>
-          <a:xfrm>
-            <a:off x="3726142" y="2133600"/>
-            <a:ext cx="0" cy="3962400"/>
-          </a:xfrm>
-          <a:prstGeom prst="line">
+          <a:prstGeom prst="rect">
             <a:avLst/>
           </a:prstGeom>
-          <a:ln w="12700" cmpd="sng">
-            <a:solidFill>
-              <a:schemeClr val="bg2">
-                <a:lumMod val="40000"/>
-                <a:lumOff val="60000"/>
-                <a:alpha val="40000"/>
-              </a:schemeClr>
-            </a:solidFill>
+          <a:solidFill>
+            <a:schemeClr val="accent1"/>
+          </a:solidFill>
+          <a:ln>
+            <a:noFill/>
           </a:ln>
         </p:spPr>
         <p:style>
           <a:lnRef idx="2">
-            <a:schemeClr val="accent1"/>
+            <a:schemeClr val="accent1">
+              <a:shade val="50000"/>
+            </a:schemeClr>
           </a:lnRef>
-          <a:fillRef idx="0">
+          <a:fillRef idx="1">
             <a:schemeClr val="accent1"/>
           </a:fillRef>
-          <a:effectRef idx="1">
+          <a:effectRef idx="0">
             <a:schemeClr val="accent1"/>
           </a:effectRef>
           <a:fontRef idx="minor">
-            <a:schemeClr val="tx1"/>
+            <a:schemeClr val="lt1"/>
           </a:fontRef>
         </p:style>
-      </p:cxnSp>
-      <p:cxnSp>
-        <p:nvCxnSpPr>
-          <p:cNvPr id="18" name="Straight Connector 17"/>
-          <p:cNvCxnSpPr/>
-          <p:nvPr/>
-        </p:nvCxnSpPr>
-        <p:spPr>
-          <a:xfrm>
-            <a:off x="6962227" y="2133600"/>
-            <a:ext cx="0" cy="3966882"/>
-          </a:xfrm>
-          <a:prstGeom prst="line">
-            <a:avLst/>
-          </a:prstGeom>
-          <a:ln w="12700" cmpd="sng">
-            <a:solidFill>
-              <a:schemeClr val="bg2">
-                <a:lumMod val="40000"/>
-                <a:lumOff val="60000"/>
-                <a:alpha val="40000"/>
-              </a:schemeClr>
-            </a:solidFill>
-          </a:ln>
-        </p:spPr>
-        <p:style>
-          <a:lnRef idx="2">
-            <a:schemeClr val="accent1"/>
-          </a:lnRef>
-          <a:fillRef idx="0">
-            <a:schemeClr val="accent1"/>
-          </a:fillRef>
-          <a:effectRef idx="1">
-            <a:schemeClr val="accent1"/>
-          </a:effectRef>
-          <a:fontRef idx="minor">
-            <a:schemeClr val="tx1"/>
-          </a:fontRef>
-        </p:style>
-      </p:cxnSp>
-      <p:sp>
-        <p:nvSpPr>
-          <p:cNvPr id="7" name="Date Placeholder 3"/>
-          <p:cNvSpPr>
-            <a:spLocks noGrp="1"/>
-          </p:cNvSpPr>
-          <p:nvPr>
-            <p:ph type="dt" sz="half" idx="10"/>
-          </p:nvPr>
-        </p:nvSpPr>
-        <p:spPr/>
         <p:txBody>
           <a:bodyPr/>
           <a:lstStyle/>
           <a:p>
-            <a:fld id="{4147335C-0450-40D7-8612-B3203BED4F28}" type="datetimeFigureOut">
-              <a:rPr lang="en-US" smtClean="0"/>
-              <a:t>7/28/2025</a:t>
-            </a:fld>
-            <a:endParaRPr lang="en-US" dirty="0"/>
-          </a:p>
-        </p:txBody>
-      </p:sp>
-      <p:sp>
-        <p:nvSpPr>
-          <p:cNvPr id="4" name="Footer Placeholder 4"/>
-          <p:cNvSpPr>
-            <a:spLocks noGrp="1"/>
-          </p:cNvSpPr>
-          <p:nvPr>
-            <p:ph type="ftr" sz="quarter" idx="11"/>
-          </p:nvPr>
-        </p:nvSpPr>
-        <p:spPr/>
-        <p:txBody>
-          <a:bodyPr/>
-          <a:lstStyle/>
-          <a:p>
-            <a:endParaRPr lang="en-US" dirty="0"/>
-          </a:p>
-        </p:txBody>
-      </p:sp>
-      <p:sp>
-        <p:nvSpPr>
-          <p:cNvPr id="6" name="Slide Number Placeholder 5"/>
-          <p:cNvSpPr>
-            <a:spLocks noGrp="1"/>
-          </p:cNvSpPr>
-          <p:nvPr>
-            <p:ph type="sldNum" sz="quarter" idx="12"/>
-          </p:nvPr>
-        </p:nvSpPr>
-        <p:spPr/>
-        <p:txBody>
-          <a:bodyPr/>
-          <a:lstStyle/>
-          <a:p>
-            <a:fld id="{D57F1E4F-1CFF-5643-939E-217C01CDF565}" type="slidenum">
-              <a:rPr lang="en-US" smtClean="0"/>
-              <a:pPr/>
-              <a:t>‹#›</a:t>
-            </a:fld>
-            <a:endParaRPr lang="en-US" dirty="0"/>
+            <a:endParaRPr lang="en-US"/>
           </a:p>
         </p:txBody>
       </p:sp>
     </p:spTree>
     <p:extLst>
       <p:ext uri="{BB962C8B-B14F-4D97-AF65-F5344CB8AC3E}">
-        <p14:creationId xmlns:p14="http://schemas.microsoft.com/office/powerpoint/2010/main" val="2252141734"/>
-      </p:ext>
-    </p:extLst>
-  </p:cSld>
-  <p:clrMapOvr>
-    <a:masterClrMapping/>
-  </p:clrMapOvr>
-</p:sldLayout>
-</file>
-
-<file path=ppt/slideLayouts/slideLayout15.xml><?xml version="1.0" encoding="utf-8"?>
-<p:sldLayout xmlns:a="http://schemas.openxmlformats.org/drawingml/2006/main" xmlns:r="http://schemas.openxmlformats.org/officeDocument/2006/relationships" xmlns:p="http://schemas.openxmlformats.org/presentationml/2006/main" preserve="1">
-  <p:cSld name="3 Picture Column">
-    <p:spTree>
-      <p:nvGrpSpPr>
-        <p:cNvPr id="1" name=""/>
-        <p:cNvGrpSpPr/>
-        <p:nvPr/>
-      </p:nvGrpSpPr>
-      <p:grpSpPr>
-        <a:xfrm>
-          <a:off x="0" y="0"/>
-          <a:ext cx="0" cy="0"/>
-          <a:chOff x="0" y="0"/>
-          <a:chExt cx="0" cy="0"/>
-        </a:xfrm>
-      </p:grpSpPr>
-      <p:sp>
-        <p:nvSpPr>
-          <p:cNvPr id="2" name="Title 1"/>
-          <p:cNvSpPr>
-            <a:spLocks noGrp="1"/>
-          </p:cNvSpPr>
-          <p:nvPr>
-            <p:ph type="title"/>
-          </p:nvPr>
-        </p:nvSpPr>
-        <p:spPr/>
-        <p:txBody>
-          <a:bodyPr/>
-          <a:lstStyle>
-            <a:lvl1pPr>
-              <a:defRPr sz="4200"/>
-            </a:lvl1pPr>
-          </a:lstStyle>
-          <a:p>
-            <a:r>
-              <a:rPr lang="en-US"/>
-              <a:t>Click to edit Master title style</a:t>
-            </a:r>
-            <a:endParaRPr lang="en-US" dirty="0"/>
-          </a:p>
-        </p:txBody>
-      </p:sp>
-      <p:sp>
-        <p:nvSpPr>
-          <p:cNvPr id="3" name="Text Placeholder 2"/>
-          <p:cNvSpPr>
-            <a:spLocks noGrp="1"/>
-          </p:cNvSpPr>
-          <p:nvPr>
-            <p:ph type="body" idx="1"/>
-          </p:nvPr>
-        </p:nvSpPr>
-        <p:spPr>
-          <a:xfrm>
-            <a:off x="652463" y="4250949"/>
-            <a:ext cx="2940050" cy="576262"/>
-          </a:xfrm>
-        </p:spPr>
-        <p:txBody>
-          <a:bodyPr anchor="b">
-            <a:noAutofit/>
-          </a:bodyPr>
-          <a:lstStyle>
-            <a:lvl1pPr marL="0" indent="0">
-              <a:buNone/>
-              <a:defRPr sz="2400" b="0">
-                <a:solidFill>
-                  <a:schemeClr val="bg2">
-                    <a:lumMod val="40000"/>
-                    <a:lumOff val="60000"/>
-                  </a:schemeClr>
-                </a:solidFill>
-              </a:defRPr>
-            </a:lvl1pPr>
-            <a:lvl2pPr marL="457200" indent="0">
-              <a:buNone/>
-              <a:defRPr sz="2000" b="1"/>
-            </a:lvl2pPr>
-            <a:lvl3pPr marL="914400" indent="0">
-              <a:buNone/>
-              <a:defRPr sz="1800" b="1"/>
-            </a:lvl3pPr>
-            <a:lvl4pPr marL="1371600" indent="0">
-              <a:buNone/>
-              <a:defRPr sz="1600" b="1"/>
-            </a:lvl4pPr>
-            <a:lvl5pPr marL="1828800" indent="0">
-              <a:buNone/>
-              <a:defRPr sz="1600" b="1"/>
-            </a:lvl5pPr>
-            <a:lvl6pPr marL="2286000" indent="0">
-              <a:buNone/>
-              <a:defRPr sz="1600" b="1"/>
-            </a:lvl6pPr>
-            <a:lvl7pPr marL="2743200" indent="0">
-              <a:buNone/>
-              <a:defRPr sz="1600" b="1"/>
-            </a:lvl7pPr>
-            <a:lvl8pPr marL="3200400" indent="0">
-              <a:buNone/>
-              <a:defRPr sz="1600" b="1"/>
-            </a:lvl8pPr>
-            <a:lvl9pPr marL="3657600" indent="0">
-              <a:buNone/>
-              <a:defRPr sz="1600" b="1"/>
-            </a:lvl9pPr>
-          </a:lstStyle>
-          <a:p>
-            <a:pPr lvl="0"/>
-            <a:r>
-              <a:rPr lang="en-US"/>
-              <a:t>Click to edit Master text styles</a:t>
-            </a:r>
-          </a:p>
-        </p:txBody>
-      </p:sp>
-      <p:sp>
-        <p:nvSpPr>
-          <p:cNvPr id="29" name="Picture Placeholder 2"/>
-          <p:cNvSpPr>
-            <a:spLocks noGrp="1" noChangeAspect="1"/>
-          </p:cNvSpPr>
-          <p:nvPr>
-            <p:ph type="pic" idx="15"/>
-          </p:nvPr>
-        </p:nvSpPr>
-        <p:spPr>
-          <a:xfrm>
-            <a:off x="652463" y="2209800"/>
-            <a:ext cx="2940050" cy="1524000"/>
-          </a:xfrm>
-          <a:prstGeom prst="roundRect">
-            <a:avLst>
-              <a:gd name="adj" fmla="val 1858"/>
-            </a:avLst>
-          </a:prstGeom>
-          <a:effectLst>
-            <a:outerShdw blurRad="50800" dist="50800" dir="5400000" algn="tl" rotWithShape="0">
-              <a:srgbClr val="000000">
-                <a:alpha val="43000"/>
-              </a:srgbClr>
-            </a:outerShdw>
-          </a:effectLst>
-        </p:spPr>
-        <p:txBody>
-          <a:bodyPr anchor="t">
-            <a:normAutofit/>
-          </a:bodyPr>
-          <a:lstStyle>
-            <a:lvl1pPr marL="0" indent="0" algn="ctr">
-              <a:buNone/>
-              <a:defRPr sz="1600"/>
-            </a:lvl1pPr>
-            <a:lvl2pPr marL="457200" indent="0">
-              <a:buNone/>
-              <a:defRPr sz="1600"/>
-            </a:lvl2pPr>
-            <a:lvl3pPr marL="914400" indent="0">
-              <a:buNone/>
-              <a:defRPr sz="1600"/>
-            </a:lvl3pPr>
-            <a:lvl4pPr marL="1371600" indent="0">
-              <a:buNone/>
-              <a:defRPr sz="1600"/>
-            </a:lvl4pPr>
-            <a:lvl5pPr marL="1828800" indent="0">
-              <a:buNone/>
-              <a:defRPr sz="1600"/>
-            </a:lvl5pPr>
-            <a:lvl6pPr marL="2286000" indent="0">
-              <a:buNone/>
-              <a:defRPr sz="1600"/>
-            </a:lvl6pPr>
-            <a:lvl7pPr marL="2743200" indent="0">
-              <a:buNone/>
-              <a:defRPr sz="1600"/>
-            </a:lvl7pPr>
-            <a:lvl8pPr marL="3200400" indent="0">
-              <a:buNone/>
-              <a:defRPr sz="1600"/>
-            </a:lvl8pPr>
-            <a:lvl9pPr marL="3657600" indent="0">
-              <a:buNone/>
-              <a:defRPr sz="1600"/>
-            </a:lvl9pPr>
-          </a:lstStyle>
-          <a:p>
-            <a:r>
-              <a:rPr lang="en-US"/>
-              <a:t>Click icon to add picture</a:t>
-            </a:r>
-            <a:endParaRPr lang="en-US" dirty="0"/>
-          </a:p>
-        </p:txBody>
-      </p:sp>
-      <p:sp>
-        <p:nvSpPr>
-          <p:cNvPr id="22" name="Text Placeholder 3"/>
-          <p:cNvSpPr>
-            <a:spLocks noGrp="1"/>
-          </p:cNvSpPr>
-          <p:nvPr>
-            <p:ph type="body" sz="half" idx="18"/>
-          </p:nvPr>
-        </p:nvSpPr>
-        <p:spPr>
-          <a:xfrm>
-            <a:off x="652463" y="4827211"/>
-            <a:ext cx="2940050" cy="659189"/>
-          </a:xfrm>
-        </p:spPr>
-        <p:txBody>
-          <a:bodyPr anchor="t">
-            <a:normAutofit/>
-          </a:bodyPr>
-          <a:lstStyle>
-            <a:lvl1pPr marL="0" indent="0">
-              <a:buNone/>
-              <a:defRPr sz="1400"/>
-            </a:lvl1pPr>
-            <a:lvl2pPr marL="457200" indent="0">
-              <a:buNone/>
-              <a:defRPr sz="1200"/>
-            </a:lvl2pPr>
-            <a:lvl3pPr marL="914400" indent="0">
-              <a:buNone/>
-              <a:defRPr sz="1000"/>
-            </a:lvl3pPr>
-            <a:lvl4pPr marL="1371600" indent="0">
-              <a:buNone/>
-              <a:defRPr sz="900"/>
-            </a:lvl4pPr>
-            <a:lvl5pPr marL="1828800" indent="0">
-              <a:buNone/>
-              <a:defRPr sz="900"/>
-            </a:lvl5pPr>
-            <a:lvl6pPr marL="2286000" indent="0">
-              <a:buNone/>
-              <a:defRPr sz="900"/>
-            </a:lvl6pPr>
-            <a:lvl7pPr marL="2743200" indent="0">
-              <a:buNone/>
-              <a:defRPr sz="900"/>
-            </a:lvl7pPr>
-            <a:lvl8pPr marL="3200400" indent="0">
-              <a:buNone/>
-              <a:defRPr sz="900"/>
-            </a:lvl8pPr>
-            <a:lvl9pPr marL="3657600" indent="0">
-              <a:buNone/>
-              <a:defRPr sz="900"/>
-            </a:lvl9pPr>
-          </a:lstStyle>
-          <a:p>
-            <a:pPr lvl="0"/>
-            <a:r>
-              <a:rPr lang="en-US"/>
-              <a:t>Click to edit Master text styles</a:t>
-            </a:r>
-          </a:p>
-        </p:txBody>
-      </p:sp>
-      <p:sp>
-        <p:nvSpPr>
-          <p:cNvPr id="5" name="Text Placeholder 4"/>
-          <p:cNvSpPr>
-            <a:spLocks noGrp="1"/>
-          </p:cNvSpPr>
-          <p:nvPr>
-            <p:ph type="body" sz="quarter" idx="3"/>
-          </p:nvPr>
-        </p:nvSpPr>
-        <p:spPr>
-          <a:xfrm>
-            <a:off x="3889375" y="4250949"/>
-            <a:ext cx="2930525" cy="576262"/>
-          </a:xfrm>
-        </p:spPr>
-        <p:txBody>
-          <a:bodyPr anchor="b">
-            <a:noAutofit/>
-          </a:bodyPr>
-          <a:lstStyle>
-            <a:lvl1pPr marL="0" indent="0">
-              <a:buNone/>
-              <a:defRPr sz="2400" b="0">
-                <a:solidFill>
-                  <a:schemeClr val="bg2">
-                    <a:lumMod val="40000"/>
-                    <a:lumOff val="60000"/>
-                  </a:schemeClr>
-                </a:solidFill>
-              </a:defRPr>
-            </a:lvl1pPr>
-            <a:lvl2pPr marL="457200" indent="0">
-              <a:buNone/>
-              <a:defRPr sz="2000" b="1"/>
-            </a:lvl2pPr>
-            <a:lvl3pPr marL="914400" indent="0">
-              <a:buNone/>
-              <a:defRPr sz="1800" b="1"/>
-            </a:lvl3pPr>
-            <a:lvl4pPr marL="1371600" indent="0">
-              <a:buNone/>
-              <a:defRPr sz="1600" b="1"/>
-            </a:lvl4pPr>
-            <a:lvl5pPr marL="1828800" indent="0">
-              <a:buNone/>
-              <a:defRPr sz="1600" b="1"/>
-            </a:lvl5pPr>
-            <a:lvl6pPr marL="2286000" indent="0">
-              <a:buNone/>
-              <a:defRPr sz="1600" b="1"/>
-            </a:lvl6pPr>
-            <a:lvl7pPr marL="2743200" indent="0">
-              <a:buNone/>
-              <a:defRPr sz="1600" b="1"/>
-            </a:lvl7pPr>
-            <a:lvl8pPr marL="3200400" indent="0">
-              <a:buNone/>
-              <a:defRPr sz="1600" b="1"/>
-            </a:lvl8pPr>
-            <a:lvl9pPr marL="3657600" indent="0">
-              <a:buNone/>
-              <a:defRPr sz="1600" b="1"/>
-            </a:lvl9pPr>
-          </a:lstStyle>
-          <a:p>
-            <a:pPr lvl="0"/>
-            <a:r>
-              <a:rPr lang="en-US"/>
-              <a:t>Click to edit Master text styles</a:t>
-            </a:r>
-          </a:p>
-        </p:txBody>
-      </p:sp>
-      <p:sp>
-        <p:nvSpPr>
-          <p:cNvPr id="30" name="Picture Placeholder 2"/>
-          <p:cNvSpPr>
-            <a:spLocks noGrp="1" noChangeAspect="1"/>
-          </p:cNvSpPr>
-          <p:nvPr>
-            <p:ph type="pic" idx="21"/>
-          </p:nvPr>
-        </p:nvSpPr>
-        <p:spPr>
-          <a:xfrm>
-            <a:off x="3889374" y="2209800"/>
-            <a:ext cx="2930525" cy="1524000"/>
-          </a:xfrm>
-          <a:prstGeom prst="roundRect">
-            <a:avLst>
-              <a:gd name="adj" fmla="val 1858"/>
-            </a:avLst>
-          </a:prstGeom>
-          <a:effectLst>
-            <a:outerShdw blurRad="50800" dist="50800" dir="5400000" algn="tl" rotWithShape="0">
-              <a:srgbClr val="000000">
-                <a:alpha val="43000"/>
-              </a:srgbClr>
-            </a:outerShdw>
-          </a:effectLst>
-        </p:spPr>
-        <p:txBody>
-          <a:bodyPr anchor="t">
-            <a:normAutofit/>
-          </a:bodyPr>
-          <a:lstStyle>
-            <a:lvl1pPr marL="0" indent="0" algn="ctr">
-              <a:buNone/>
-              <a:defRPr sz="1600"/>
-            </a:lvl1pPr>
-            <a:lvl2pPr marL="457200" indent="0">
-              <a:buNone/>
-              <a:defRPr sz="1600"/>
-            </a:lvl2pPr>
-            <a:lvl3pPr marL="914400" indent="0">
-              <a:buNone/>
-              <a:defRPr sz="1600"/>
-            </a:lvl3pPr>
-            <a:lvl4pPr marL="1371600" indent="0">
-              <a:buNone/>
-              <a:defRPr sz="1600"/>
-            </a:lvl4pPr>
-            <a:lvl5pPr marL="1828800" indent="0">
-              <a:buNone/>
-              <a:defRPr sz="1600"/>
-            </a:lvl5pPr>
-            <a:lvl6pPr marL="2286000" indent="0">
-              <a:buNone/>
-              <a:defRPr sz="1600"/>
-            </a:lvl6pPr>
-            <a:lvl7pPr marL="2743200" indent="0">
-              <a:buNone/>
-              <a:defRPr sz="1600"/>
-            </a:lvl7pPr>
-            <a:lvl8pPr marL="3200400" indent="0">
-              <a:buNone/>
-              <a:defRPr sz="1600"/>
-            </a:lvl8pPr>
-            <a:lvl9pPr marL="3657600" indent="0">
-              <a:buNone/>
-              <a:defRPr sz="1600"/>
-            </a:lvl9pPr>
-          </a:lstStyle>
-          <a:p>
-            <a:r>
-              <a:rPr lang="en-US"/>
-              <a:t>Click icon to add picture</a:t>
-            </a:r>
-            <a:endParaRPr lang="en-US" dirty="0"/>
-          </a:p>
-        </p:txBody>
-      </p:sp>
-      <p:sp>
-        <p:nvSpPr>
-          <p:cNvPr id="23" name="Text Placeholder 3"/>
-          <p:cNvSpPr>
-            <a:spLocks noGrp="1"/>
-          </p:cNvSpPr>
-          <p:nvPr>
-            <p:ph type="body" sz="half" idx="19"/>
-          </p:nvPr>
-        </p:nvSpPr>
-        <p:spPr>
-          <a:xfrm>
-            <a:off x="3888022" y="4827210"/>
-            <a:ext cx="2934406" cy="659189"/>
-          </a:xfrm>
-        </p:spPr>
-        <p:txBody>
-          <a:bodyPr anchor="t">
-            <a:normAutofit/>
-          </a:bodyPr>
-          <a:lstStyle>
-            <a:lvl1pPr marL="0" indent="0">
-              <a:buNone/>
-              <a:defRPr sz="1400"/>
-            </a:lvl1pPr>
-            <a:lvl2pPr marL="457200" indent="0">
-              <a:buNone/>
-              <a:defRPr sz="1200"/>
-            </a:lvl2pPr>
-            <a:lvl3pPr marL="914400" indent="0">
-              <a:buNone/>
-              <a:defRPr sz="1000"/>
-            </a:lvl3pPr>
-            <a:lvl4pPr marL="1371600" indent="0">
-              <a:buNone/>
-              <a:defRPr sz="900"/>
-            </a:lvl4pPr>
-            <a:lvl5pPr marL="1828800" indent="0">
-              <a:buNone/>
-              <a:defRPr sz="900"/>
-            </a:lvl5pPr>
-            <a:lvl6pPr marL="2286000" indent="0">
-              <a:buNone/>
-              <a:defRPr sz="900"/>
-            </a:lvl6pPr>
-            <a:lvl7pPr marL="2743200" indent="0">
-              <a:buNone/>
-              <a:defRPr sz="900"/>
-            </a:lvl7pPr>
-            <a:lvl8pPr marL="3200400" indent="0">
-              <a:buNone/>
-              <a:defRPr sz="900"/>
-            </a:lvl8pPr>
-            <a:lvl9pPr marL="3657600" indent="0">
-              <a:buNone/>
-              <a:defRPr sz="900"/>
-            </a:lvl9pPr>
-          </a:lstStyle>
-          <a:p>
-            <a:pPr lvl="0"/>
-            <a:r>
-              <a:rPr lang="en-US"/>
-              <a:t>Click to edit Master text styles</a:t>
-            </a:r>
-          </a:p>
-        </p:txBody>
-      </p:sp>
-      <p:sp>
-        <p:nvSpPr>
-          <p:cNvPr id="14" name="Text Placeholder 4"/>
-          <p:cNvSpPr>
-            <a:spLocks noGrp="1"/>
-          </p:cNvSpPr>
-          <p:nvPr>
-            <p:ph type="body" sz="quarter" idx="13"/>
-          </p:nvPr>
-        </p:nvSpPr>
-        <p:spPr>
-          <a:xfrm>
-            <a:off x="7124700" y="4250949"/>
-            <a:ext cx="2932113" cy="576262"/>
-          </a:xfrm>
-        </p:spPr>
-        <p:txBody>
-          <a:bodyPr anchor="b">
-            <a:noAutofit/>
-          </a:bodyPr>
-          <a:lstStyle>
-            <a:lvl1pPr marL="0" indent="0">
-              <a:buNone/>
-              <a:defRPr sz="2400" b="0">
-                <a:solidFill>
-                  <a:schemeClr val="bg2">
-                    <a:lumMod val="40000"/>
-                    <a:lumOff val="60000"/>
-                  </a:schemeClr>
-                </a:solidFill>
-              </a:defRPr>
-            </a:lvl1pPr>
-            <a:lvl2pPr marL="457200" indent="0">
-              <a:buNone/>
-              <a:defRPr sz="2000" b="1"/>
-            </a:lvl2pPr>
-            <a:lvl3pPr marL="914400" indent="0">
-              <a:buNone/>
-              <a:defRPr sz="1800" b="1"/>
-            </a:lvl3pPr>
-            <a:lvl4pPr marL="1371600" indent="0">
-              <a:buNone/>
-              <a:defRPr sz="1600" b="1"/>
-            </a:lvl4pPr>
-            <a:lvl5pPr marL="1828800" indent="0">
-              <a:buNone/>
-              <a:defRPr sz="1600" b="1"/>
-            </a:lvl5pPr>
-            <a:lvl6pPr marL="2286000" indent="0">
-              <a:buNone/>
-              <a:defRPr sz="1600" b="1"/>
-            </a:lvl6pPr>
-            <a:lvl7pPr marL="2743200" indent="0">
-              <a:buNone/>
-              <a:defRPr sz="1600" b="1"/>
-            </a:lvl7pPr>
-            <a:lvl8pPr marL="3200400" indent="0">
-              <a:buNone/>
-              <a:defRPr sz="1600" b="1"/>
-            </a:lvl8pPr>
-            <a:lvl9pPr marL="3657600" indent="0">
-              <a:buNone/>
-              <a:defRPr sz="1600" b="1"/>
-            </a:lvl9pPr>
-          </a:lstStyle>
-          <a:p>
-            <a:pPr lvl="0"/>
-            <a:r>
-              <a:rPr lang="en-US"/>
-              <a:t>Click to edit Master text styles</a:t>
-            </a:r>
-          </a:p>
-        </p:txBody>
-      </p:sp>
-      <p:sp>
-        <p:nvSpPr>
-          <p:cNvPr id="31" name="Picture Placeholder 2"/>
-          <p:cNvSpPr>
-            <a:spLocks noGrp="1" noChangeAspect="1"/>
-          </p:cNvSpPr>
-          <p:nvPr>
-            <p:ph type="pic" idx="22"/>
-          </p:nvPr>
-        </p:nvSpPr>
-        <p:spPr>
-          <a:xfrm>
-            <a:off x="7124699" y="2209800"/>
-            <a:ext cx="2932113" cy="1524000"/>
-          </a:xfrm>
-          <a:prstGeom prst="roundRect">
-            <a:avLst>
-              <a:gd name="adj" fmla="val 1858"/>
-            </a:avLst>
-          </a:prstGeom>
-          <a:effectLst>
-            <a:outerShdw blurRad="50800" dist="50800" dir="5400000" algn="tl" rotWithShape="0">
-              <a:srgbClr val="000000">
-                <a:alpha val="43000"/>
-              </a:srgbClr>
-            </a:outerShdw>
-          </a:effectLst>
-        </p:spPr>
-        <p:txBody>
-          <a:bodyPr anchor="t">
-            <a:normAutofit/>
-          </a:bodyPr>
-          <a:lstStyle>
-            <a:lvl1pPr marL="0" indent="0" algn="ctr">
-              <a:buNone/>
-              <a:defRPr sz="1600"/>
-            </a:lvl1pPr>
-            <a:lvl2pPr marL="457200" indent="0">
-              <a:buNone/>
-              <a:defRPr sz="1600"/>
-            </a:lvl2pPr>
-            <a:lvl3pPr marL="914400" indent="0">
-              <a:buNone/>
-              <a:defRPr sz="1600"/>
-            </a:lvl3pPr>
-            <a:lvl4pPr marL="1371600" indent="0">
-              <a:buNone/>
-              <a:defRPr sz="1600"/>
-            </a:lvl4pPr>
-            <a:lvl5pPr marL="1828800" indent="0">
-              <a:buNone/>
-              <a:defRPr sz="1600"/>
-            </a:lvl5pPr>
-            <a:lvl6pPr marL="2286000" indent="0">
-              <a:buNone/>
-              <a:defRPr sz="1600"/>
-            </a:lvl6pPr>
-            <a:lvl7pPr marL="2743200" indent="0">
-              <a:buNone/>
-              <a:defRPr sz="1600"/>
-            </a:lvl7pPr>
-            <a:lvl8pPr marL="3200400" indent="0">
-              <a:buNone/>
-              <a:defRPr sz="1600"/>
-            </a:lvl8pPr>
-            <a:lvl9pPr marL="3657600" indent="0">
-              <a:buNone/>
-              <a:defRPr sz="1600"/>
-            </a:lvl9pPr>
-          </a:lstStyle>
-          <a:p>
-            <a:r>
-              <a:rPr lang="en-US"/>
-              <a:t>Click icon to add picture</a:t>
-            </a:r>
-            <a:endParaRPr lang="en-US" dirty="0"/>
-          </a:p>
-        </p:txBody>
-      </p:sp>
-      <p:sp>
-        <p:nvSpPr>
-          <p:cNvPr id="24" name="Text Placeholder 3"/>
-          <p:cNvSpPr>
-            <a:spLocks noGrp="1"/>
-          </p:cNvSpPr>
-          <p:nvPr>
-            <p:ph type="body" sz="half" idx="20"/>
-          </p:nvPr>
-        </p:nvSpPr>
-        <p:spPr>
-          <a:xfrm>
-            <a:off x="7124575" y="4827208"/>
-            <a:ext cx="2935997" cy="659189"/>
-          </a:xfrm>
-        </p:spPr>
-        <p:txBody>
-          <a:bodyPr anchor="t">
-            <a:normAutofit/>
-          </a:bodyPr>
-          <a:lstStyle>
-            <a:lvl1pPr marL="0" indent="0">
-              <a:buNone/>
-              <a:defRPr sz="1400"/>
-            </a:lvl1pPr>
-            <a:lvl2pPr marL="457200" indent="0">
-              <a:buNone/>
-              <a:defRPr sz="1200"/>
-            </a:lvl2pPr>
-            <a:lvl3pPr marL="914400" indent="0">
-              <a:buNone/>
-              <a:defRPr sz="1000"/>
-            </a:lvl3pPr>
-            <a:lvl4pPr marL="1371600" indent="0">
-              <a:buNone/>
-              <a:defRPr sz="900"/>
-            </a:lvl4pPr>
-            <a:lvl5pPr marL="1828800" indent="0">
-              <a:buNone/>
-              <a:defRPr sz="900"/>
-            </a:lvl5pPr>
-            <a:lvl6pPr marL="2286000" indent="0">
-              <a:buNone/>
-              <a:defRPr sz="900"/>
-            </a:lvl6pPr>
-            <a:lvl7pPr marL="2743200" indent="0">
-              <a:buNone/>
-              <a:defRPr sz="900"/>
-            </a:lvl7pPr>
-            <a:lvl8pPr marL="3200400" indent="0">
-              <a:buNone/>
-              <a:defRPr sz="900"/>
-            </a:lvl8pPr>
-            <a:lvl9pPr marL="3657600" indent="0">
-              <a:buNone/>
-              <a:defRPr sz="900"/>
-            </a:lvl9pPr>
-          </a:lstStyle>
-          <a:p>
-            <a:pPr lvl="0"/>
-            <a:r>
-              <a:rPr lang="en-US"/>
-              <a:t>Click to edit Master text styles</a:t>
-            </a:r>
-          </a:p>
-        </p:txBody>
-      </p:sp>
-      <p:cxnSp>
-        <p:nvCxnSpPr>
-          <p:cNvPr id="19" name="Straight Connector 18"/>
-          <p:cNvCxnSpPr/>
-          <p:nvPr/>
-        </p:nvCxnSpPr>
-        <p:spPr>
-          <a:xfrm>
-            <a:off x="3726142" y="2133600"/>
-            <a:ext cx="0" cy="3962400"/>
-          </a:xfrm>
-          <a:prstGeom prst="line">
-            <a:avLst/>
-          </a:prstGeom>
-          <a:ln w="12700" cmpd="sng">
-            <a:solidFill>
-              <a:schemeClr val="bg2">
-                <a:lumMod val="40000"/>
-                <a:lumOff val="60000"/>
-                <a:alpha val="40000"/>
-              </a:schemeClr>
-            </a:solidFill>
-          </a:ln>
-        </p:spPr>
-        <p:style>
-          <a:lnRef idx="2">
-            <a:schemeClr val="accent1"/>
-          </a:lnRef>
-          <a:fillRef idx="0">
-            <a:schemeClr val="accent1"/>
-          </a:fillRef>
-          <a:effectRef idx="1">
-            <a:schemeClr val="accent1"/>
-          </a:effectRef>
-          <a:fontRef idx="minor">
-            <a:schemeClr val="tx1"/>
-          </a:fontRef>
-        </p:style>
-      </p:cxnSp>
-      <p:cxnSp>
-        <p:nvCxnSpPr>
-          <p:cNvPr id="20" name="Straight Connector 19"/>
-          <p:cNvCxnSpPr/>
-          <p:nvPr/>
-        </p:nvCxnSpPr>
-        <p:spPr>
-          <a:xfrm>
-            <a:off x="6962227" y="2133600"/>
-            <a:ext cx="0" cy="3966882"/>
-          </a:xfrm>
-          <a:prstGeom prst="line">
-            <a:avLst/>
-          </a:prstGeom>
-          <a:ln w="12700" cmpd="sng">
-            <a:solidFill>
-              <a:schemeClr val="bg2">
-                <a:lumMod val="40000"/>
-                <a:lumOff val="60000"/>
-                <a:alpha val="40000"/>
-              </a:schemeClr>
-            </a:solidFill>
-          </a:ln>
-        </p:spPr>
-        <p:style>
-          <a:lnRef idx="2">
-            <a:schemeClr val="accent1"/>
-          </a:lnRef>
-          <a:fillRef idx="0">
-            <a:schemeClr val="accent1"/>
-          </a:fillRef>
-          <a:effectRef idx="1">
-            <a:schemeClr val="accent1"/>
-          </a:effectRef>
-          <a:fontRef idx="minor">
-            <a:schemeClr val="tx1"/>
-          </a:fontRef>
-        </p:style>
-      </p:cxnSp>
-      <p:sp>
-        <p:nvSpPr>
-          <p:cNvPr id="7" name="Date Placeholder 3"/>
-          <p:cNvSpPr>
-            <a:spLocks noGrp="1"/>
-          </p:cNvSpPr>
-          <p:nvPr>
-            <p:ph type="dt" sz="half" idx="10"/>
-          </p:nvPr>
-        </p:nvSpPr>
-        <p:spPr/>
-        <p:txBody>
-          <a:bodyPr/>
-          <a:lstStyle/>
-          <a:p>
-            <a:fld id="{D246A105-2A1C-4284-B4EA-07CF89B1A393}" type="datetimeFigureOut">
-              <a:rPr lang="en-US" smtClean="0"/>
-              <a:t>7/28/2025</a:t>
-            </a:fld>
-            <a:endParaRPr lang="en-US" dirty="0"/>
-          </a:p>
-        </p:txBody>
-      </p:sp>
-      <p:sp>
-        <p:nvSpPr>
-          <p:cNvPr id="4" name="Footer Placeholder 4"/>
-          <p:cNvSpPr>
-            <a:spLocks noGrp="1"/>
-          </p:cNvSpPr>
-          <p:nvPr>
-            <p:ph type="ftr" sz="quarter" idx="11"/>
-          </p:nvPr>
-        </p:nvSpPr>
-        <p:spPr/>
-        <p:txBody>
-          <a:bodyPr/>
-          <a:lstStyle/>
-          <a:p>
-            <a:endParaRPr lang="en-US" dirty="0"/>
-          </a:p>
-        </p:txBody>
-      </p:sp>
-      <p:sp>
-        <p:nvSpPr>
-          <p:cNvPr id="6" name="Slide Number Placeholder 5"/>
-          <p:cNvSpPr>
-            <a:spLocks noGrp="1"/>
-          </p:cNvSpPr>
-          <p:nvPr>
-            <p:ph type="sldNum" sz="quarter" idx="12"/>
-          </p:nvPr>
-        </p:nvSpPr>
-        <p:spPr/>
-        <p:txBody>
-          <a:bodyPr/>
-          <a:lstStyle/>
-          <a:p>
-            <a:fld id="{D57F1E4F-1CFF-5643-939E-217C01CDF565}" type="slidenum">
-              <a:rPr lang="en-US" smtClean="0"/>
-              <a:pPr/>
-              <a:t>‹#›</a:t>
-            </a:fld>
-            <a:endParaRPr lang="en-US" dirty="0"/>
-          </a:p>
-        </p:txBody>
-      </p:sp>
-    </p:spTree>
-    <p:extLst>
-      <p:ext uri="{BB962C8B-B14F-4D97-AF65-F5344CB8AC3E}">
-        <p14:creationId xmlns:p14="http://schemas.microsoft.com/office/powerpoint/2010/main" val="2620333513"/>
-      </p:ext>
-    </p:extLst>
-  </p:cSld>
-  <p:clrMapOvr>
-    <a:masterClrMapping/>
-  </p:clrMapOvr>
-</p:sldLayout>
-</file>
-
-<file path=ppt/slideLayouts/slideLayout16.xml><?xml version="1.0" encoding="utf-8"?>
-<p:sldLayout xmlns:a="http://schemas.openxmlformats.org/drawingml/2006/main" xmlns:r="http://schemas.openxmlformats.org/officeDocument/2006/relationships" xmlns:p="http://schemas.openxmlformats.org/presentationml/2006/main" type="vertTx" preserve="1">
-  <p:cSld name="Title and Vertical Text">
-    <p:spTree>
-      <p:nvGrpSpPr>
-        <p:cNvPr id="1" name=""/>
-        <p:cNvGrpSpPr/>
-        <p:nvPr/>
-      </p:nvGrpSpPr>
-      <p:grpSpPr>
-        <a:xfrm>
-          <a:off x="0" y="0"/>
-          <a:ext cx="0" cy="0"/>
-          <a:chOff x="0" y="0"/>
-          <a:chExt cx="0" cy="0"/>
-        </a:xfrm>
-      </p:grpSpPr>
-      <p:sp>
-        <p:nvSpPr>
-          <p:cNvPr id="2" name="Title 1"/>
-          <p:cNvSpPr>
-            <a:spLocks noGrp="1"/>
-          </p:cNvSpPr>
-          <p:nvPr>
-            <p:ph type="title"/>
-          </p:nvPr>
-        </p:nvSpPr>
-        <p:spPr/>
-        <p:txBody>
-          <a:bodyPr/>
-          <a:lstStyle/>
-          <a:p>
-            <a:r>
-              <a:rPr lang="en-US"/>
-              <a:t>Click to edit Master title style</a:t>
-            </a:r>
-            <a:endParaRPr lang="en-US" dirty="0"/>
-          </a:p>
-        </p:txBody>
-      </p:sp>
-      <p:sp>
-        <p:nvSpPr>
-          <p:cNvPr id="3" name="Vertical Text Placeholder 2"/>
-          <p:cNvSpPr>
-            <a:spLocks noGrp="1"/>
-          </p:cNvSpPr>
-          <p:nvPr>
-            <p:ph type="body" orient="vert" idx="1"/>
-          </p:nvPr>
-        </p:nvSpPr>
-        <p:spPr/>
-        <p:txBody>
-          <a:bodyPr vert="eaVert" anchor="t" anchorCtr="0"/>
-          <a:lstStyle/>
-          <a:p>
-            <a:pPr lvl="0"/>
-            <a:r>
-              <a:rPr lang="en-US"/>
-              <a:t>Click to edit Master text styles</a:t>
-            </a:r>
-          </a:p>
-          <a:p>
-            <a:pPr lvl="1"/>
-            <a:r>
-              <a:rPr lang="en-US"/>
-              <a:t>Second level</a:t>
-            </a:r>
-          </a:p>
-          <a:p>
-            <a:pPr lvl="2"/>
-            <a:r>
-              <a:rPr lang="en-US"/>
-              <a:t>Third level</a:t>
-            </a:r>
-          </a:p>
-          <a:p>
-            <a:pPr lvl="3"/>
-            <a:r>
-              <a:rPr lang="en-US"/>
-              <a:t>Fourth level</a:t>
-            </a:r>
-          </a:p>
-          <a:p>
-            <a:pPr lvl="4"/>
-            <a:r>
-              <a:rPr lang="en-US"/>
-              <a:t>Fifth level</a:t>
-            </a:r>
-            <a:endParaRPr lang="en-US" dirty="0"/>
-          </a:p>
-        </p:txBody>
-      </p:sp>
-      <p:sp>
-        <p:nvSpPr>
-          <p:cNvPr id="4" name="Date Placeholder 3"/>
-          <p:cNvSpPr>
-            <a:spLocks noGrp="1"/>
-          </p:cNvSpPr>
-          <p:nvPr>
-            <p:ph type="dt" sz="half" idx="10"/>
-          </p:nvPr>
-        </p:nvSpPr>
-        <p:spPr/>
-        <p:txBody>
-          <a:bodyPr/>
-          <a:lstStyle/>
-          <a:p>
-            <a:fld id="{80DBE609-F3F2-45E6-BD6A-E03A8C86C1AE}" type="datetimeFigureOut">
-              <a:rPr lang="en-US" smtClean="0"/>
-              <a:t>7/28/2025</a:t>
-            </a:fld>
-            <a:endParaRPr lang="en-US" dirty="0"/>
-          </a:p>
-        </p:txBody>
-      </p:sp>
-      <p:sp>
-        <p:nvSpPr>
-          <p:cNvPr id="5" name="Footer Placeholder 4"/>
-          <p:cNvSpPr>
-            <a:spLocks noGrp="1"/>
-          </p:cNvSpPr>
-          <p:nvPr>
-            <p:ph type="ftr" sz="quarter" idx="11"/>
-          </p:nvPr>
-        </p:nvSpPr>
-        <p:spPr/>
-        <p:txBody>
-          <a:bodyPr/>
-          <a:lstStyle/>
-          <a:p>
-            <a:endParaRPr lang="en-US" dirty="0"/>
-          </a:p>
-        </p:txBody>
-      </p:sp>
-      <p:sp>
-        <p:nvSpPr>
-          <p:cNvPr id="6" name="Slide Number Placeholder 5"/>
-          <p:cNvSpPr>
-            <a:spLocks noGrp="1"/>
-          </p:cNvSpPr>
-          <p:nvPr>
-            <p:ph type="sldNum" sz="quarter" idx="12"/>
-          </p:nvPr>
-        </p:nvSpPr>
-        <p:spPr/>
-        <p:txBody>
-          <a:bodyPr/>
-          <a:lstStyle/>
-          <a:p>
-            <a:fld id="{D57F1E4F-1CFF-5643-939E-217C01CDF565}" type="slidenum">
-              <a:rPr lang="en-US" smtClean="0"/>
-              <a:pPr/>
-              <a:t>‹#›</a:t>
-            </a:fld>
-            <a:endParaRPr lang="en-US" dirty="0"/>
-          </a:p>
-        </p:txBody>
-      </p:sp>
-    </p:spTree>
-    <p:extLst>
-      <p:ext uri="{BB962C8B-B14F-4D97-AF65-F5344CB8AC3E}">
-        <p14:creationId xmlns:p14="http://schemas.microsoft.com/office/powerpoint/2010/main" val="552663633"/>
-      </p:ext>
-    </p:extLst>
-  </p:cSld>
-  <p:clrMapOvr>
-    <a:masterClrMapping/>
-  </p:clrMapOvr>
-</p:sldLayout>
-</file>
-
-<file path=ppt/slideLayouts/slideLayout17.xml><?xml version="1.0" encoding="utf-8"?>
-<p:sldLayout xmlns:a="http://schemas.openxmlformats.org/drawingml/2006/main" xmlns:r="http://schemas.openxmlformats.org/officeDocument/2006/relationships" xmlns:p="http://schemas.openxmlformats.org/presentationml/2006/main" type="vertTitleAndTx" preserve="1">
-  <p:cSld name="Vertical Title and Text">
-    <p:spTree>
-      <p:nvGrpSpPr>
-        <p:cNvPr id="1" name=""/>
-        <p:cNvGrpSpPr/>
-        <p:nvPr/>
-      </p:nvGrpSpPr>
-      <p:grpSpPr>
-        <a:xfrm>
-          <a:off x="0" y="0"/>
-          <a:ext cx="0" cy="0"/>
-          <a:chOff x="0" y="0"/>
-          <a:chExt cx="0" cy="0"/>
-        </a:xfrm>
-      </p:grpSpPr>
-      <p:sp>
-        <p:nvSpPr>
-          <p:cNvPr id="2" name="Vertical Title 1"/>
-          <p:cNvSpPr>
-            <a:spLocks noGrp="1"/>
-          </p:cNvSpPr>
-          <p:nvPr>
-            <p:ph type="title" orient="vert"/>
-          </p:nvPr>
-        </p:nvSpPr>
-        <p:spPr>
-          <a:xfrm>
-            <a:off x="8304212" y="430213"/>
-            <a:ext cx="1752601" cy="5826125"/>
-          </a:xfrm>
-        </p:spPr>
-        <p:txBody>
-          <a:bodyPr vert="eaVert" anchor="b" anchorCtr="0"/>
-          <a:lstStyle/>
-          <a:p>
-            <a:r>
-              <a:rPr lang="en-US"/>
-              <a:t>Click to edit Master title style</a:t>
-            </a:r>
-            <a:endParaRPr lang="en-US" dirty="0"/>
-          </a:p>
-        </p:txBody>
-      </p:sp>
-      <p:sp>
-        <p:nvSpPr>
-          <p:cNvPr id="3" name="Vertical Text Placeholder 2"/>
-          <p:cNvSpPr>
-            <a:spLocks noGrp="1"/>
-          </p:cNvSpPr>
-          <p:nvPr>
-            <p:ph type="body" orient="vert" idx="1"/>
-          </p:nvPr>
-        </p:nvSpPr>
-        <p:spPr>
-          <a:xfrm>
-            <a:off x="652463" y="887414"/>
-            <a:ext cx="7423149" cy="5368924"/>
-          </a:xfrm>
-        </p:spPr>
-        <p:txBody>
-          <a:bodyPr vert="eaVert"/>
-          <a:lstStyle/>
-          <a:p>
-            <a:pPr lvl="0"/>
-            <a:r>
-              <a:rPr lang="en-US"/>
-              <a:t>Click to edit Master text styles</a:t>
-            </a:r>
-          </a:p>
-          <a:p>
-            <a:pPr lvl="1"/>
-            <a:r>
-              <a:rPr lang="en-US"/>
-              <a:t>Second level</a:t>
-            </a:r>
-          </a:p>
-          <a:p>
-            <a:pPr lvl="2"/>
-            <a:r>
-              <a:rPr lang="en-US"/>
-              <a:t>Third level</a:t>
-            </a:r>
-          </a:p>
-          <a:p>
-            <a:pPr lvl="3"/>
-            <a:r>
-              <a:rPr lang="en-US"/>
-              <a:t>Fourth level</a:t>
-            </a:r>
-          </a:p>
-          <a:p>
-            <a:pPr lvl="4"/>
-            <a:r>
-              <a:rPr lang="en-US"/>
-              <a:t>Fifth level</a:t>
-            </a:r>
-            <a:endParaRPr lang="en-US" dirty="0"/>
-          </a:p>
-        </p:txBody>
-      </p:sp>
-      <p:sp>
-        <p:nvSpPr>
-          <p:cNvPr id="4" name="Date Placeholder 3"/>
-          <p:cNvSpPr>
-            <a:spLocks noGrp="1"/>
-          </p:cNvSpPr>
-          <p:nvPr>
-            <p:ph type="dt" sz="half" idx="10"/>
-          </p:nvPr>
-        </p:nvSpPr>
-        <p:spPr/>
-        <p:txBody>
-          <a:bodyPr/>
-          <a:lstStyle/>
-          <a:p>
-            <a:fld id="{7A24AD68-089C-4467-A8F3-EA2BBCA6B44E}" type="datetimeFigureOut">
-              <a:rPr lang="en-US" smtClean="0"/>
-              <a:t>7/28/2025</a:t>
-            </a:fld>
-            <a:endParaRPr lang="en-US" dirty="0"/>
-          </a:p>
-        </p:txBody>
-      </p:sp>
-      <p:sp>
-        <p:nvSpPr>
-          <p:cNvPr id="5" name="Footer Placeholder 4"/>
-          <p:cNvSpPr>
-            <a:spLocks noGrp="1"/>
-          </p:cNvSpPr>
-          <p:nvPr>
-            <p:ph type="ftr" sz="quarter" idx="11"/>
-          </p:nvPr>
-        </p:nvSpPr>
-        <p:spPr/>
-        <p:txBody>
-          <a:bodyPr/>
-          <a:lstStyle/>
-          <a:p>
-            <a:endParaRPr lang="en-US" dirty="0"/>
-          </a:p>
-        </p:txBody>
-      </p:sp>
-      <p:sp>
-        <p:nvSpPr>
-          <p:cNvPr id="6" name="Slide Number Placeholder 5"/>
-          <p:cNvSpPr>
-            <a:spLocks noGrp="1"/>
-          </p:cNvSpPr>
-          <p:nvPr>
-            <p:ph type="sldNum" sz="quarter" idx="12"/>
-          </p:nvPr>
-        </p:nvSpPr>
-        <p:spPr/>
-        <p:txBody>
-          <a:bodyPr/>
-          <a:lstStyle/>
-          <a:p>
-            <a:fld id="{D57F1E4F-1CFF-5643-939E-217C01CDF565}" type="slidenum">
-              <a:rPr lang="en-US" smtClean="0"/>
-              <a:pPr/>
-              <a:t>‹#›</a:t>
-            </a:fld>
-            <a:endParaRPr lang="en-US" dirty="0"/>
-          </a:p>
-        </p:txBody>
-      </p:sp>
-    </p:spTree>
-    <p:extLst>
-      <p:ext uri="{BB962C8B-B14F-4D97-AF65-F5344CB8AC3E}">
-        <p14:creationId xmlns:p14="http://schemas.microsoft.com/office/powerpoint/2010/main" val="3595856326"/>
-      </p:ext>
-    </p:extLst>
-  </p:cSld>
-  <p:clrMapOvr>
-    <a:masterClrMapping/>
-  </p:clrMapOvr>
-</p:sldLayout>
-</file>
-
-<file path=ppt/slideLayouts/slideLayout2.xml><?xml version="1.0" encoding="utf-8"?>
-<p:sldLayout xmlns:a="http://schemas.openxmlformats.org/drawingml/2006/main" xmlns:r="http://schemas.openxmlformats.org/officeDocument/2006/relationships" xmlns:p="http://schemas.openxmlformats.org/presentationml/2006/main" type="obj" preserve="1">
-  <p:cSld name="Title and Content">
-    <p:spTree>
-      <p:nvGrpSpPr>
-        <p:cNvPr id="1" name=""/>
-        <p:cNvGrpSpPr/>
-        <p:nvPr/>
-      </p:nvGrpSpPr>
-      <p:grpSpPr>
-        <a:xfrm>
-          <a:off x="0" y="0"/>
-          <a:ext cx="0" cy="0"/>
-          <a:chOff x="0" y="0"/>
-          <a:chExt cx="0" cy="0"/>
-        </a:xfrm>
-      </p:grpSpPr>
-      <p:sp>
-        <p:nvSpPr>
-          <p:cNvPr id="2" name="Title 1"/>
-          <p:cNvSpPr>
-            <a:spLocks noGrp="1"/>
-          </p:cNvSpPr>
-          <p:nvPr>
-            <p:ph type="title"/>
-          </p:nvPr>
-        </p:nvSpPr>
-        <p:spPr/>
-        <p:txBody>
-          <a:bodyPr/>
-          <a:lstStyle/>
-          <a:p>
-            <a:r>
-              <a:rPr lang="en-US"/>
-              <a:t>Click to edit Master title style</a:t>
-            </a:r>
-            <a:endParaRPr lang="en-US" dirty="0"/>
-          </a:p>
-        </p:txBody>
-      </p:sp>
-      <p:sp>
-        <p:nvSpPr>
-          <p:cNvPr id="3" name="Content Placeholder 2"/>
-          <p:cNvSpPr>
-            <a:spLocks noGrp="1"/>
-          </p:cNvSpPr>
-          <p:nvPr>
-            <p:ph idx="1"/>
-          </p:nvPr>
-        </p:nvSpPr>
-        <p:spPr/>
-        <p:txBody>
-          <a:bodyPr/>
-          <a:lstStyle/>
-          <a:p>
-            <a:pPr lvl="0"/>
-            <a:r>
-              <a:rPr lang="en-US"/>
-              <a:t>Click to edit Master text styles</a:t>
-            </a:r>
-          </a:p>
-          <a:p>
-            <a:pPr lvl="1"/>
-            <a:r>
-              <a:rPr lang="en-US"/>
-              <a:t>Second level</a:t>
-            </a:r>
-          </a:p>
-          <a:p>
-            <a:pPr lvl="2"/>
-            <a:r>
-              <a:rPr lang="en-US"/>
-              <a:t>Third level</a:t>
-            </a:r>
-          </a:p>
-          <a:p>
-            <a:pPr lvl="3"/>
-            <a:r>
-              <a:rPr lang="en-US"/>
-              <a:t>Fourth level</a:t>
-            </a:r>
-          </a:p>
-          <a:p>
-            <a:pPr lvl="4"/>
-            <a:r>
-              <a:rPr lang="en-US"/>
-              <a:t>Fifth level</a:t>
-            </a:r>
-            <a:endParaRPr lang="en-US" dirty="0"/>
-          </a:p>
-        </p:txBody>
-      </p:sp>
-      <p:sp>
-        <p:nvSpPr>
-          <p:cNvPr id="7" name="Date Placeholder 3"/>
-          <p:cNvSpPr>
-            <a:spLocks noGrp="1"/>
-          </p:cNvSpPr>
-          <p:nvPr>
-            <p:ph type="dt" sz="half" idx="10"/>
-          </p:nvPr>
-        </p:nvSpPr>
-        <p:spPr/>
-        <p:txBody>
-          <a:bodyPr/>
-          <a:lstStyle/>
-          <a:p>
-            <a:fld id="{75C51FCE-E4BB-4680-8E50-3C0E348D2609}" type="datetimeFigureOut">
-              <a:rPr lang="en-US" smtClean="0"/>
-              <a:t>7/28/2025</a:t>
-            </a:fld>
-            <a:endParaRPr lang="en-US" dirty="0"/>
-          </a:p>
-        </p:txBody>
-      </p:sp>
-      <p:sp>
-        <p:nvSpPr>
-          <p:cNvPr id="5" name="Footer Placeholder 4"/>
-          <p:cNvSpPr>
-            <a:spLocks noGrp="1"/>
-          </p:cNvSpPr>
-          <p:nvPr>
-            <p:ph type="ftr" sz="quarter" idx="11"/>
-          </p:nvPr>
-        </p:nvSpPr>
-        <p:spPr/>
-        <p:txBody>
-          <a:bodyPr/>
-          <a:lstStyle/>
-          <a:p>
-            <a:endParaRPr lang="en-US" dirty="0"/>
-          </a:p>
-        </p:txBody>
-      </p:sp>
-      <p:sp>
-        <p:nvSpPr>
-          <p:cNvPr id="6" name="Slide Number Placeholder 5"/>
-          <p:cNvSpPr>
-            <a:spLocks noGrp="1"/>
-          </p:cNvSpPr>
-          <p:nvPr>
-            <p:ph type="sldNum" sz="quarter" idx="12"/>
-          </p:nvPr>
-        </p:nvSpPr>
-        <p:spPr/>
-        <p:txBody>
-          <a:bodyPr/>
-          <a:lstStyle/>
-          <a:p>
-            <a:fld id="{D57F1E4F-1CFF-5643-939E-217C01CDF565}" type="slidenum">
-              <a:rPr lang="en-US" smtClean="0"/>
-              <a:pPr/>
-              <a:t>‹#›</a:t>
-            </a:fld>
-            <a:endParaRPr lang="en-US" dirty="0"/>
-          </a:p>
-        </p:txBody>
-      </p:sp>
-    </p:spTree>
-    <p:extLst>
-      <p:ext uri="{BB962C8B-B14F-4D97-AF65-F5344CB8AC3E}">
-        <p14:creationId xmlns:p14="http://schemas.microsoft.com/office/powerpoint/2010/main" val="255045334"/>
-      </p:ext>
-    </p:extLst>
-  </p:cSld>
-  <p:clrMapOvr>
-    <a:masterClrMapping/>
-  </p:clrMapOvr>
-</p:sldLayout>
-</file>
-
-<file path=ppt/slideLayouts/slideLayout3.xml><?xml version="1.0" encoding="utf-8"?>
-<p:sldLayout xmlns:a="http://schemas.openxmlformats.org/drawingml/2006/main" xmlns:r="http://schemas.openxmlformats.org/officeDocument/2006/relationships" xmlns:p="http://schemas.openxmlformats.org/presentationml/2006/main" type="secHead" preserve="1">
-  <p:cSld name="Section Header">
-    <p:spTree>
-      <p:nvGrpSpPr>
-        <p:cNvPr id="1" name=""/>
-        <p:cNvGrpSpPr/>
-        <p:nvPr/>
-      </p:nvGrpSpPr>
-      <p:grpSpPr>
-        <a:xfrm>
-          <a:off x="0" y="0"/>
-          <a:ext cx="0" cy="0"/>
-          <a:chOff x="0" y="0"/>
-          <a:chExt cx="0" cy="0"/>
-        </a:xfrm>
-      </p:grpSpPr>
-      <p:sp>
-        <p:nvSpPr>
-          <p:cNvPr id="2" name="Title 1"/>
-          <p:cNvSpPr>
-            <a:spLocks noGrp="1"/>
-          </p:cNvSpPr>
-          <p:nvPr>
-            <p:ph type="title"/>
-          </p:nvPr>
-        </p:nvSpPr>
-        <p:spPr>
-          <a:xfrm>
-            <a:off x="1154956" y="2861733"/>
-            <a:ext cx="8825657" cy="1915647"/>
-          </a:xfrm>
-        </p:spPr>
-        <p:txBody>
-          <a:bodyPr anchor="b"/>
-          <a:lstStyle>
-            <a:lvl1pPr algn="l">
-              <a:defRPr sz="4000" b="0" cap="none"/>
-            </a:lvl1pPr>
-          </a:lstStyle>
-          <a:p>
-            <a:r>
-              <a:rPr lang="en-US"/>
-              <a:t>Click to edit Master title style</a:t>
-            </a:r>
-            <a:endParaRPr lang="en-US" dirty="0"/>
-          </a:p>
-        </p:txBody>
-      </p:sp>
-      <p:sp>
-        <p:nvSpPr>
-          <p:cNvPr id="3" name="Text Placeholder 2"/>
-          <p:cNvSpPr>
-            <a:spLocks noGrp="1"/>
-          </p:cNvSpPr>
-          <p:nvPr>
-            <p:ph type="body" idx="1"/>
-          </p:nvPr>
-        </p:nvSpPr>
-        <p:spPr>
-          <a:xfrm>
-            <a:off x="1154955" y="4777381"/>
-            <a:ext cx="8825658" cy="860400"/>
-          </a:xfrm>
-        </p:spPr>
-        <p:txBody>
-          <a:bodyPr anchor="t"/>
-          <a:lstStyle>
-            <a:lvl1pPr marL="0" indent="0" algn="l">
-              <a:buNone/>
-              <a:defRPr sz="2000" cap="all">
-                <a:solidFill>
-                  <a:schemeClr val="bg2">
-                    <a:lumMod val="40000"/>
-                    <a:lumOff val="60000"/>
-                  </a:schemeClr>
-                </a:solidFill>
-              </a:defRPr>
-            </a:lvl1pPr>
-            <a:lvl2pPr marL="457200" indent="0">
-              <a:buNone/>
-              <a:defRPr sz="1800">
-                <a:solidFill>
-                  <a:schemeClr val="tx1">
-                    <a:tint val="75000"/>
-                  </a:schemeClr>
-                </a:solidFill>
-              </a:defRPr>
-            </a:lvl2pPr>
-            <a:lvl3pPr marL="914400" indent="0">
-              <a:buNone/>
-              <a:defRPr sz="1600">
-                <a:solidFill>
-                  <a:schemeClr val="tx1">
-                    <a:tint val="75000"/>
-                  </a:schemeClr>
-                </a:solidFill>
-              </a:defRPr>
-            </a:lvl3pPr>
-            <a:lvl4pPr marL="1371600" indent="0">
-              <a:buNone/>
-              <a:defRPr sz="1400">
-                <a:solidFill>
-                  <a:schemeClr val="tx1">
-                    <a:tint val="75000"/>
-                  </a:schemeClr>
-                </a:solidFill>
-              </a:defRPr>
-            </a:lvl4pPr>
-            <a:lvl5pPr marL="1828800" indent="0">
-              <a:buNone/>
-              <a:defRPr sz="1400">
-                <a:solidFill>
-                  <a:schemeClr val="tx1">
-                    <a:tint val="75000"/>
-                  </a:schemeClr>
-                </a:solidFill>
-              </a:defRPr>
-            </a:lvl5pPr>
-            <a:lvl6pPr marL="2286000" indent="0">
-              <a:buNone/>
-              <a:defRPr sz="1400">
-                <a:solidFill>
-                  <a:schemeClr val="tx1">
-                    <a:tint val="75000"/>
-                  </a:schemeClr>
-                </a:solidFill>
-              </a:defRPr>
-            </a:lvl6pPr>
-            <a:lvl7pPr marL="2743200" indent="0">
-              <a:buNone/>
-              <a:defRPr sz="1400">
-                <a:solidFill>
-                  <a:schemeClr val="tx1">
-                    <a:tint val="75000"/>
-                  </a:schemeClr>
-                </a:solidFill>
-              </a:defRPr>
-            </a:lvl7pPr>
-            <a:lvl8pPr marL="3200400" indent="0">
-              <a:buNone/>
-              <a:defRPr sz="1400">
-                <a:solidFill>
-                  <a:schemeClr val="tx1">
-                    <a:tint val="75000"/>
-                  </a:schemeClr>
-                </a:solidFill>
-              </a:defRPr>
-            </a:lvl8pPr>
-            <a:lvl9pPr marL="3657600" indent="0">
-              <a:buNone/>
-              <a:defRPr sz="1400">
-                <a:solidFill>
-                  <a:schemeClr val="tx1">
-                    <a:tint val="75000"/>
-                  </a:schemeClr>
-                </a:solidFill>
-              </a:defRPr>
-            </a:lvl9pPr>
-          </a:lstStyle>
-          <a:p>
-            <a:pPr lvl="0"/>
-            <a:r>
-              <a:rPr lang="en-US"/>
-              <a:t>Click to edit Master text styles</a:t>
-            </a:r>
-          </a:p>
-        </p:txBody>
-      </p:sp>
-      <p:sp>
-        <p:nvSpPr>
-          <p:cNvPr id="4" name="Date Placeholder 3"/>
-          <p:cNvSpPr>
-            <a:spLocks noGrp="1"/>
-          </p:cNvSpPr>
-          <p:nvPr>
-            <p:ph type="dt" sz="half" idx="10"/>
-          </p:nvPr>
-        </p:nvSpPr>
-        <p:spPr/>
-        <p:txBody>
-          <a:bodyPr/>
-          <a:lstStyle/>
-          <a:p>
-            <a:fld id="{8AAA073D-A903-47F8-8D16-77642FB0DF1F}" type="datetimeFigureOut">
-              <a:rPr lang="en-US" smtClean="0"/>
-              <a:t>7/28/2025</a:t>
-            </a:fld>
-            <a:endParaRPr lang="en-US" dirty="0"/>
-          </a:p>
-        </p:txBody>
-      </p:sp>
-      <p:sp>
-        <p:nvSpPr>
-          <p:cNvPr id="5" name="Footer Placeholder 4"/>
-          <p:cNvSpPr>
-            <a:spLocks noGrp="1"/>
-          </p:cNvSpPr>
-          <p:nvPr>
-            <p:ph type="ftr" sz="quarter" idx="11"/>
-          </p:nvPr>
-        </p:nvSpPr>
-        <p:spPr/>
-        <p:txBody>
-          <a:bodyPr/>
-          <a:lstStyle/>
-          <a:p>
-            <a:endParaRPr lang="en-US" dirty="0"/>
-          </a:p>
-        </p:txBody>
-      </p:sp>
-      <p:sp>
-        <p:nvSpPr>
-          <p:cNvPr id="6" name="Slide Number Placeholder 5"/>
-          <p:cNvSpPr>
-            <a:spLocks noGrp="1"/>
-          </p:cNvSpPr>
-          <p:nvPr>
-            <p:ph type="sldNum" sz="quarter" idx="12"/>
-          </p:nvPr>
-        </p:nvSpPr>
-        <p:spPr/>
-        <p:txBody>
-          <a:bodyPr/>
-          <a:lstStyle/>
-          <a:p>
-            <a:fld id="{D57F1E4F-1CFF-5643-939E-217C01CDF565}" type="slidenum">
-              <a:rPr lang="en-US" smtClean="0"/>
-              <a:pPr/>
-              <a:t>‹#›</a:t>
-            </a:fld>
-            <a:endParaRPr lang="en-US" dirty="0"/>
-          </a:p>
-        </p:txBody>
-      </p:sp>
-    </p:spTree>
-    <p:extLst>
-      <p:ext uri="{BB962C8B-B14F-4D97-AF65-F5344CB8AC3E}">
-        <p14:creationId xmlns:p14="http://schemas.microsoft.com/office/powerpoint/2010/main" val="4011479017"/>
+        <p14:creationId xmlns:p14="http://schemas.microsoft.com/office/powerpoint/2010/main" val="1194508549"/>
       </p:ext>
     </p:extLst>
   </p:cSld>
@@ -3786,14 +1339,12 @@
         </p:nvSpPr>
         <p:spPr>
           <a:xfrm>
-            <a:off x="1103312" y="2060575"/>
-            <a:ext cx="4396339" cy="4195763"/>
+            <a:off x="1261872" y="1828800"/>
+            <a:ext cx="4480560" cy="4351337"/>
           </a:xfrm>
         </p:spPr>
         <p:txBody>
-          <a:bodyPr>
-            <a:normAutofit/>
-          </a:bodyPr>
+          <a:bodyPr/>
           <a:lstStyle>
             <a:lvl1pPr>
               <a:defRPr sz="1800"/>
@@ -3805,22 +1356,22 @@
               <a:defRPr sz="1400"/>
             </a:lvl3pPr>
             <a:lvl4pPr>
-              <a:defRPr sz="1200"/>
+              <a:defRPr sz="1400"/>
             </a:lvl4pPr>
             <a:lvl5pPr>
-              <a:defRPr sz="1200"/>
+              <a:defRPr sz="1400"/>
             </a:lvl5pPr>
             <a:lvl6pPr>
-              <a:defRPr sz="1200"/>
+              <a:defRPr sz="1400"/>
             </a:lvl6pPr>
             <a:lvl7pPr>
-              <a:defRPr sz="1200"/>
+              <a:defRPr sz="1400"/>
             </a:lvl7pPr>
             <a:lvl8pPr>
-              <a:defRPr sz="1200"/>
+              <a:defRPr sz="1400"/>
             </a:lvl8pPr>
             <a:lvl9pPr>
-              <a:defRPr sz="1200"/>
+              <a:defRPr sz="1400"/>
             </a:lvl9pPr>
           </a:lstStyle>
           <a:p>
@@ -3873,14 +1424,12 @@
         </p:nvSpPr>
         <p:spPr>
           <a:xfrm>
-            <a:off x="5654493" y="2056092"/>
-            <a:ext cx="4396341" cy="4200245"/>
+            <a:off x="6126480" y="1828800"/>
+            <a:ext cx="4480560" cy="4351337"/>
           </a:xfrm>
         </p:spPr>
         <p:txBody>
-          <a:bodyPr>
-            <a:normAutofit/>
-          </a:bodyPr>
+          <a:bodyPr/>
           <a:lstStyle>
             <a:lvl1pPr>
               <a:defRPr sz="1800"/>
@@ -3892,22 +1441,22 @@
               <a:defRPr sz="1400"/>
             </a:lvl3pPr>
             <a:lvl4pPr>
-              <a:defRPr sz="1200"/>
+              <a:defRPr sz="1400"/>
             </a:lvl4pPr>
             <a:lvl5pPr>
-              <a:defRPr sz="1200"/>
+              <a:defRPr sz="1400"/>
             </a:lvl5pPr>
             <a:lvl6pPr>
-              <a:defRPr sz="1200"/>
+              <a:defRPr sz="1400"/>
             </a:lvl6pPr>
             <a:lvl7pPr>
-              <a:defRPr sz="1200"/>
+              <a:defRPr sz="1400"/>
             </a:lvl7pPr>
             <a:lvl8pPr>
-              <a:defRPr sz="1200"/>
+              <a:defRPr sz="1400"/>
             </a:lvl8pPr>
             <a:lvl9pPr>
-              <a:defRPr sz="1200"/>
+              <a:defRPr sz="1400"/>
             </a:lvl9pPr>
           </a:lstStyle>
           <a:p>
@@ -3965,7 +1514,7 @@
           <a:p>
             <a:fld id="{AB91FA40-626B-4CA1-85D0-7A9016E395BA}" type="datetimeFigureOut">
               <a:rPr lang="en-US" smtClean="0"/>
-              <a:t>7/28/2025</a:t>
+              <a:t>10/29/2025</a:t>
             </a:fld>
             <a:endParaRPr lang="en-US" dirty="0"/>
           </a:p>
@@ -4017,7 +1566,7 @@
     </p:spTree>
     <p:extLst>
       <p:ext uri="{BB962C8B-B14F-4D97-AF65-F5344CB8AC3E}">
-        <p14:creationId xmlns:p14="http://schemas.microsoft.com/office/powerpoint/2010/main" val="1999220314"/>
+        <p14:creationId xmlns:p14="http://schemas.microsoft.com/office/powerpoint/2010/main" val="1617619916"/>
       </p:ext>
     </p:extLst>
   </p:cSld>
@@ -4046,7 +1595,7 @@
       </p:grpSpPr>
       <p:sp>
         <p:nvSpPr>
-          <p:cNvPr id="2" name="Title 1"/>
+          <p:cNvPr id="10" name="Title 9"/>
           <p:cNvSpPr>
             <a:spLocks noGrp="1"/>
           </p:cNvSpPr>
@@ -4057,11 +1606,7 @@
         <p:spPr/>
         <p:txBody>
           <a:bodyPr/>
-          <a:lstStyle>
-            <a:lvl1pPr>
-              <a:defRPr/>
-            </a:lvl1pPr>
-          </a:lstStyle>
+          <a:lstStyle/>
           <a:p>
             <a:r>
               <a:rPr lang="en-US"/>
@@ -4083,23 +1628,23 @@
         </p:nvSpPr>
         <p:spPr>
           <a:xfrm>
-            <a:off x="1103313" y="1905000"/>
-            <a:ext cx="4396338" cy="576262"/>
+            <a:off x="1261872" y="1713655"/>
+            <a:ext cx="4480560" cy="731520"/>
           </a:xfrm>
         </p:spPr>
         <p:txBody>
           <a:bodyPr anchor="b">
-            <a:noAutofit/>
+            <a:normAutofit/>
           </a:bodyPr>
           <a:lstStyle>
             <a:lvl1pPr marL="0" indent="0">
+              <a:spcBef>
+                <a:spcPts val="0"/>
+              </a:spcBef>
               <a:buNone/>
-              <a:defRPr sz="2400" b="0">
+              <a:defRPr sz="2000" b="0">
                 <a:solidFill>
-                  <a:schemeClr val="bg2">
-                    <a:lumMod val="40000"/>
-                    <a:lumOff val="60000"/>
-                  </a:schemeClr>
+                  <a:schemeClr val="tx2"/>
                 </a:solidFill>
               </a:defRPr>
             </a:lvl1pPr>
@@ -4157,14 +1702,12 @@
         </p:nvSpPr>
         <p:spPr>
           <a:xfrm>
-            <a:off x="1103312" y="2514600"/>
-            <a:ext cx="4396339" cy="3741738"/>
+            <a:off x="1261872" y="2507550"/>
+            <a:ext cx="4480560" cy="3664650"/>
           </a:xfrm>
         </p:spPr>
         <p:txBody>
-          <a:bodyPr>
-            <a:normAutofit/>
-          </a:bodyPr>
+          <a:bodyPr/>
           <a:lstStyle>
             <a:lvl1pPr>
               <a:defRPr sz="1800"/>
@@ -4176,22 +1719,22 @@
               <a:defRPr sz="1400"/>
             </a:lvl3pPr>
             <a:lvl4pPr>
-              <a:defRPr sz="1200"/>
+              <a:defRPr sz="1400"/>
             </a:lvl4pPr>
             <a:lvl5pPr>
-              <a:defRPr sz="1200"/>
+              <a:defRPr sz="1400"/>
             </a:lvl5pPr>
             <a:lvl6pPr>
-              <a:defRPr sz="1200"/>
+              <a:defRPr sz="1400"/>
             </a:lvl6pPr>
             <a:lvl7pPr>
-              <a:defRPr sz="1200"/>
+              <a:defRPr sz="1400"/>
             </a:lvl7pPr>
             <a:lvl8pPr>
-              <a:defRPr sz="1200"/>
+              <a:defRPr sz="1400"/>
             </a:lvl8pPr>
             <a:lvl9pPr>
-              <a:defRPr sz="1200"/>
+              <a:defRPr sz="1400"/>
             </a:lvl9pPr>
           </a:lstStyle>
           <a:p>
@@ -4244,24 +1787,30 @@
         </p:nvSpPr>
         <p:spPr>
           <a:xfrm>
-            <a:off x="5654495" y="1905000"/>
-            <a:ext cx="4396339" cy="576262"/>
+            <a:off x="6126480" y="1713655"/>
+            <a:ext cx="4480560" cy="731520"/>
           </a:xfrm>
         </p:spPr>
         <p:txBody>
           <a:bodyPr anchor="b">
-            <a:noAutofit/>
+            <a:normAutofit/>
           </a:bodyPr>
           <a:lstStyle>
             <a:lvl1pPr marL="0" indent="0">
+              <a:lnSpc>
+                <a:spcPct val="95000"/>
+              </a:lnSpc>
+              <a:spcBef>
+                <a:spcPts val="0"/>
+              </a:spcBef>
               <a:buNone/>
-              <a:defRPr sz="2400" b="0">
+              <a:defRPr lang="en-US" sz="2000" b="0" kern="1200" dirty="0">
                 <a:solidFill>
-                  <a:schemeClr val="bg2">
-                    <a:lumMod val="40000"/>
-                    <a:lumOff val="60000"/>
-                  </a:schemeClr>
+                  <a:schemeClr val="tx2"/>
                 </a:solidFill>
+                <a:latin typeface="+mn-lt"/>
+                <a:ea typeface="+mn-ea"/>
+                <a:cs typeface="+mn-cs"/>
               </a:defRPr>
             </a:lvl1pPr>
             <a:lvl2pPr marL="457200" indent="0">
@@ -4298,7 +1847,16 @@
             </a:lvl9pPr>
           </a:lstStyle>
           <a:p>
-            <a:pPr lvl="0"/>
+            <a:pPr marL="0" lvl="0" indent="0" algn="l" defTabSz="914400" rtl="0" eaLnBrk="1" latinLnBrk="0" hangingPunct="1">
+              <a:lnSpc>
+                <a:spcPct val="90000"/>
+              </a:lnSpc>
+              <a:spcBef>
+                <a:spcPts val="2000"/>
+              </a:spcBef>
+              <a:buFontTx/>
+              <a:buNone/>
+            </a:pPr>
             <a:r>
               <a:rPr lang="en-US"/>
               <a:t>Click to edit Master text styles</a:t>
@@ -4318,14 +1876,12 @@
         </p:nvSpPr>
         <p:spPr>
           <a:xfrm>
-            <a:off x="5654495" y="2514600"/>
-            <a:ext cx="4396339" cy="3741738"/>
+            <a:off x="6126480" y="2507550"/>
+            <a:ext cx="4480560" cy="3664650"/>
           </a:xfrm>
         </p:spPr>
         <p:txBody>
-          <a:bodyPr>
-            <a:normAutofit/>
-          </a:bodyPr>
+          <a:bodyPr/>
           <a:lstStyle>
             <a:lvl1pPr>
               <a:defRPr sz="1800"/>
@@ -4337,22 +1893,22 @@
               <a:defRPr sz="1400"/>
             </a:lvl3pPr>
             <a:lvl4pPr>
-              <a:defRPr sz="1200"/>
+              <a:defRPr sz="1400"/>
             </a:lvl4pPr>
             <a:lvl5pPr>
-              <a:defRPr sz="1200"/>
+              <a:defRPr sz="1400"/>
             </a:lvl5pPr>
             <a:lvl6pPr>
-              <a:defRPr sz="1200"/>
+              <a:defRPr sz="1400"/>
             </a:lvl6pPr>
             <a:lvl7pPr>
-              <a:defRPr sz="1200"/>
+              <a:defRPr sz="1400"/>
             </a:lvl7pPr>
             <a:lvl8pPr>
-              <a:defRPr sz="1200"/>
+              <a:defRPr sz="1400"/>
             </a:lvl8pPr>
             <a:lvl9pPr>
-              <a:defRPr sz="1200"/>
+              <a:defRPr sz="1400"/>
             </a:lvl9pPr>
           </a:lstStyle>
           <a:p>
@@ -4410,7 +1966,7 @@
           <a:p>
             <a:fld id="{C3F425EA-B9DC-48A7-991E-9A82573B1B21}" type="datetimeFigureOut">
               <a:rPr lang="en-US" smtClean="0"/>
-              <a:t>7/28/2025</a:t>
+              <a:t>10/29/2025</a:t>
             </a:fld>
             <a:endParaRPr lang="en-US" dirty="0"/>
           </a:p>
@@ -4462,7 +2018,7 @@
     </p:spTree>
     <p:extLst>
       <p:ext uri="{BB962C8B-B14F-4D97-AF65-F5344CB8AC3E}">
-        <p14:creationId xmlns:p14="http://schemas.microsoft.com/office/powerpoint/2010/main" val="3750881129"/>
+        <p14:creationId xmlns:p14="http://schemas.microsoft.com/office/powerpoint/2010/main" val="2020834703"/>
       </p:ext>
     </p:extLst>
   </p:cSld>
@@ -4491,7 +2047,7 @@
       </p:grpSpPr>
       <p:sp>
         <p:nvSpPr>
-          <p:cNvPr id="2" name="Title 1"/>
+          <p:cNvPr id="6" name="Title 5"/>
           <p:cNvSpPr>
             <a:spLocks noGrp="1"/>
           </p:cNvSpPr>
@@ -4514,7 +2070,7 @@
       </p:sp>
       <p:sp>
         <p:nvSpPr>
-          <p:cNvPr id="7" name="Date Placeholder 2"/>
+          <p:cNvPr id="3" name="Date Placeholder 2"/>
           <p:cNvSpPr>
             <a:spLocks noGrp="1"/>
           </p:cNvSpPr>
@@ -4529,7 +2085,7 @@
           <a:p>
             <a:fld id="{66CB97F8-6CEB-469B-AFCC-889F2A2B1D5A}" type="datetimeFigureOut">
               <a:rPr lang="en-US" smtClean="0"/>
-              <a:t>7/28/2025</a:t>
+              <a:t>10/29/2025</a:t>
             </a:fld>
             <a:endParaRPr lang="en-US" dirty="0"/>
           </a:p>
@@ -4537,7 +2093,7 @@
       </p:sp>
       <p:sp>
         <p:nvSpPr>
-          <p:cNvPr id="5" name="Footer Placeholder 3"/>
+          <p:cNvPr id="4" name="Footer Placeholder 3"/>
           <p:cNvSpPr>
             <a:spLocks noGrp="1"/>
           </p:cNvSpPr>
@@ -4556,7 +2112,7 @@
       </p:sp>
       <p:sp>
         <p:nvSpPr>
-          <p:cNvPr id="6" name="Slide Number Placeholder 4"/>
+          <p:cNvPr id="5" name="Slide Number Placeholder 4"/>
           <p:cNvSpPr>
             <a:spLocks noGrp="1"/>
           </p:cNvSpPr>
@@ -4581,7 +2137,7 @@
     </p:spTree>
     <p:extLst>
       <p:ext uri="{BB962C8B-B14F-4D97-AF65-F5344CB8AC3E}">
-        <p14:creationId xmlns:p14="http://schemas.microsoft.com/office/powerpoint/2010/main" val="1442638705"/>
+        <p14:creationId xmlns:p14="http://schemas.microsoft.com/office/powerpoint/2010/main" val="3108552272"/>
       </p:ext>
     </p:extLst>
   </p:cSld>
@@ -4610,7 +2166,7 @@
       </p:grpSpPr>
       <p:sp>
         <p:nvSpPr>
-          <p:cNvPr id="7" name="Date Placeholder 1"/>
+          <p:cNvPr id="2" name="Date Placeholder 1"/>
           <p:cNvSpPr>
             <a:spLocks noGrp="1"/>
           </p:cNvSpPr>
@@ -4625,7 +2181,7 @@
           <a:p>
             <a:fld id="{8FA9179F-009E-4FA5-B091-7EBB82A185BD}" type="datetimeFigureOut">
               <a:rPr lang="en-US" smtClean="0"/>
-              <a:t>7/28/2025</a:t>
+              <a:t>10/29/2025</a:t>
             </a:fld>
             <a:endParaRPr lang="en-US" dirty="0"/>
           </a:p>
@@ -4633,7 +2189,7 @@
       </p:sp>
       <p:sp>
         <p:nvSpPr>
-          <p:cNvPr id="5" name="Footer Placeholder 2"/>
+          <p:cNvPr id="3" name="Footer Placeholder 2"/>
           <p:cNvSpPr>
             <a:spLocks noGrp="1"/>
           </p:cNvSpPr>
@@ -4652,7 +2208,7 @@
       </p:sp>
       <p:sp>
         <p:nvSpPr>
-          <p:cNvPr id="6" name="Slide Number Placeholder 3"/>
+          <p:cNvPr id="4" name="Slide Number Placeholder 3"/>
           <p:cNvSpPr>
             <a:spLocks noGrp="1"/>
           </p:cNvSpPr>
@@ -4677,7 +2233,7 @@
     </p:spTree>
     <p:extLst>
       <p:ext uri="{BB962C8B-B14F-4D97-AF65-F5344CB8AC3E}">
-        <p14:creationId xmlns:p14="http://schemas.microsoft.com/office/powerpoint/2010/main" val="316084633"/>
+        <p14:creationId xmlns:p14="http://schemas.microsoft.com/office/powerpoint/2010/main" val="3335376983"/>
       </p:ext>
     </p:extLst>
   </p:cSld>
@@ -4716,15 +2272,17 @@
         </p:nvSpPr>
         <p:spPr>
           <a:xfrm>
-            <a:off x="1154953" y="1447800"/>
-            <a:ext cx="3401064" cy="1447800"/>
+            <a:off x="841248" y="457200"/>
+            <a:ext cx="3200400" cy="1600197"/>
           </a:xfrm>
         </p:spPr>
         <p:txBody>
-          <a:bodyPr anchor="b"/>
+          <a:bodyPr anchor="b">
+            <a:normAutofit/>
+          </a:bodyPr>
           <a:lstStyle>
-            <a:lvl1pPr algn="l">
-              <a:defRPr sz="2400" b="0"/>
+            <a:lvl1pPr>
+              <a:defRPr sz="3200" b="0" baseline="0"/>
             </a:lvl1pPr>
           </a:lstStyle>
           <a:p>
@@ -4748,14 +2306,12 @@
         </p:nvSpPr>
         <p:spPr>
           <a:xfrm>
-            <a:off x="4784616" y="1447800"/>
-            <a:ext cx="5195997" cy="4572000"/>
+            <a:off x="4504267" y="685800"/>
+            <a:ext cx="6079066" cy="5486400"/>
           </a:xfrm>
         </p:spPr>
         <p:txBody>
-          <a:bodyPr anchor="ctr">
-            <a:normAutofit/>
-          </a:bodyPr>
+          <a:bodyPr/>
           <a:lstStyle>
             <a:lvl1pPr>
               <a:defRPr sz="2000"/>
@@ -4835,16 +2391,24 @@
         </p:nvSpPr>
         <p:spPr>
           <a:xfrm>
-            <a:off x="1154953" y="3129280"/>
-            <a:ext cx="3401063" cy="2895599"/>
+            <a:off x="841248" y="2099734"/>
+            <a:ext cx="3200400" cy="3810001"/>
           </a:xfrm>
         </p:spPr>
         <p:txBody>
-          <a:bodyPr/>
+          <a:bodyPr>
+            <a:normAutofit/>
+          </a:bodyPr>
           <a:lstStyle>
             <a:lvl1pPr marL="0" indent="0">
+              <a:lnSpc>
+                <a:spcPct val="114000"/>
+              </a:lnSpc>
+              <a:spcBef>
+                <a:spcPts val="800"/>
+              </a:spcBef>
               <a:buNone/>
-              <a:defRPr sz="1400"/>
+              <a:defRPr sz="1300"/>
             </a:lvl1pPr>
             <a:lvl2pPr marL="457200" indent="0">
               <a:buNone/>
@@ -4890,7 +2454,7 @@
       </p:sp>
       <p:sp>
         <p:nvSpPr>
-          <p:cNvPr id="7" name="Date Placeholder 4"/>
+          <p:cNvPr id="5" name="Date Placeholder 4"/>
           <p:cNvSpPr>
             <a:spLocks noGrp="1"/>
           </p:cNvSpPr>
@@ -4905,7 +2469,7 @@
           <a:p>
             <a:fld id="{8E665CEB-0076-4E37-B880-BCEA9784DE0A}" type="datetimeFigureOut">
               <a:rPr lang="en-US" smtClean="0"/>
-              <a:t>7/28/2025</a:t>
+              <a:t>10/29/2025</a:t>
             </a:fld>
             <a:endParaRPr lang="en-US" dirty="0"/>
           </a:p>
@@ -4913,7 +2477,7 @@
       </p:sp>
       <p:sp>
         <p:nvSpPr>
-          <p:cNvPr id="5" name="Footer Placeholder 5"/>
+          <p:cNvPr id="6" name="Footer Placeholder 5"/>
           <p:cNvSpPr>
             <a:spLocks noGrp="1"/>
           </p:cNvSpPr>
@@ -4932,7 +2496,7 @@
       </p:sp>
       <p:sp>
         <p:nvSpPr>
-          <p:cNvPr id="6" name="Slide Number Placeholder 6"/>
+          <p:cNvPr id="7" name="Slide Number Placeholder 6"/>
           <p:cNvSpPr>
             <a:spLocks noGrp="1"/>
           </p:cNvSpPr>
@@ -4957,7 +2521,7 @@
     </p:spTree>
     <p:extLst>
       <p:ext uri="{BB962C8B-B14F-4D97-AF65-F5344CB8AC3E}">
-        <p14:creationId xmlns:p14="http://schemas.microsoft.com/office/powerpoint/2010/main" val="339630243"/>
+        <p14:creationId xmlns:p14="http://schemas.microsoft.com/office/powerpoint/2010/main" val="1617500133"/>
       </p:ext>
     </p:extLst>
   </p:cSld>
@@ -4986,6 +2550,51 @@
       </p:grpSpPr>
       <p:sp>
         <p:nvSpPr>
+          <p:cNvPr id="8" name="Rectangle 7"/>
+          <p:cNvSpPr/>
+          <p:nvPr/>
+        </p:nvSpPr>
+        <p:spPr>
+          <a:xfrm>
+            <a:off x="0" y="5105400"/>
+            <a:ext cx="11292840" cy="1752600"/>
+          </a:xfrm>
+          <a:prstGeom prst="rect">
+            <a:avLst/>
+          </a:prstGeom>
+          <a:solidFill>
+            <a:srgbClr val="000000"/>
+          </a:solidFill>
+          <a:ln>
+            <a:noFill/>
+          </a:ln>
+        </p:spPr>
+        <p:style>
+          <a:lnRef idx="2">
+            <a:schemeClr val="accent1">
+              <a:shade val="50000"/>
+            </a:schemeClr>
+          </a:lnRef>
+          <a:fillRef idx="1">
+            <a:schemeClr val="accent1"/>
+          </a:fillRef>
+          <a:effectRef idx="0">
+            <a:schemeClr val="accent1"/>
+          </a:effectRef>
+          <a:fontRef idx="minor">
+            <a:schemeClr val="lt1"/>
+          </a:fontRef>
+        </p:style>
+        <p:txBody>
+          <a:bodyPr/>
+          <a:lstStyle/>
+          <a:p>
+            <a:endParaRPr lang="en-US"/>
+          </a:p>
+        </p:txBody>
+      </p:sp>
+      <p:sp>
+        <p:nvSpPr>
           <p:cNvPr id="2" name="Title 1"/>
           <p:cNvSpPr>
             <a:spLocks noGrp="1"/>
@@ -4996,8 +2605,8 @@
         </p:nvSpPr>
         <p:spPr>
           <a:xfrm>
-            <a:off x="1153907" y="1854192"/>
-            <a:ext cx="5092906" cy="1574808"/>
+            <a:off x="914400" y="5257800"/>
+            <a:ext cx="9982200" cy="914400"/>
           </a:xfrm>
         </p:spPr>
         <p:txBody>
@@ -5005,8 +2614,12 @@
             <a:normAutofit/>
           </a:bodyPr>
           <a:lstStyle>
-            <a:lvl1pPr algn="l">
-              <a:defRPr sz="3600" b="0"/>
+            <a:lvl1pPr>
+              <a:defRPr sz="2800" b="0">
+                <a:solidFill>
+                  <a:schemeClr val="bg1"/>
+                </a:solidFill>
+              </a:defRPr>
             </a:lvl1pPr>
           </a:lstStyle>
           <a:p>
@@ -5030,62 +2643,55 @@
         </p:nvSpPr>
         <p:spPr>
           <a:xfrm>
-            <a:off x="6949546" y="1143000"/>
-            <a:ext cx="3200400" cy="4572000"/>
+            <a:off x="0" y="0"/>
+            <a:ext cx="11292840" cy="5128923"/>
           </a:xfrm>
-          <a:prstGeom prst="roundRect">
-            <a:avLst>
-              <a:gd name="adj" fmla="val 1858"/>
-            </a:avLst>
-          </a:prstGeom>
-          <a:effectLst>
-            <a:outerShdw blurRad="50800" dist="50800" dir="5400000" algn="tl" rotWithShape="0">
-              <a:srgbClr val="000000">
-                <a:alpha val="43000"/>
-              </a:srgbClr>
-            </a:outerShdw>
-          </a:effectLst>
+          <a:solidFill>
+            <a:schemeClr val="accent1"/>
+          </a:solidFill>
         </p:spPr>
         <p:txBody>
-          <a:bodyPr anchor="t">
-            <a:normAutofit/>
-          </a:bodyPr>
+          <a:bodyPr anchor="t"/>
           <a:lstStyle>
-            <a:lvl1pPr marL="0" indent="0" algn="ctr">
+            <a:lvl1pPr marL="0" indent="0">
               <a:buNone/>
-              <a:defRPr sz="1600"/>
+              <a:defRPr sz="3200">
+                <a:solidFill>
+                  <a:schemeClr val="bg1"/>
+                </a:solidFill>
+              </a:defRPr>
             </a:lvl1pPr>
             <a:lvl2pPr marL="457200" indent="0">
               <a:buNone/>
-              <a:defRPr sz="1600"/>
+              <a:defRPr sz="2800"/>
             </a:lvl2pPr>
             <a:lvl3pPr marL="914400" indent="0">
               <a:buNone/>
-              <a:defRPr sz="1600"/>
+              <a:defRPr sz="2400"/>
             </a:lvl3pPr>
             <a:lvl4pPr marL="1371600" indent="0">
               <a:buNone/>
-              <a:defRPr sz="1600"/>
+              <a:defRPr sz="2000"/>
             </a:lvl4pPr>
             <a:lvl5pPr marL="1828800" indent="0">
               <a:buNone/>
-              <a:defRPr sz="1600"/>
+              <a:defRPr sz="2000"/>
             </a:lvl5pPr>
             <a:lvl6pPr marL="2286000" indent="0">
               <a:buNone/>
-              <a:defRPr sz="1600"/>
+              <a:defRPr sz="2000"/>
             </a:lvl6pPr>
             <a:lvl7pPr marL="2743200" indent="0">
               <a:buNone/>
-              <a:defRPr sz="1600"/>
+              <a:defRPr sz="2000"/>
             </a:lvl7pPr>
             <a:lvl8pPr marL="3200400" indent="0">
               <a:buNone/>
-              <a:defRPr sz="1600"/>
+              <a:defRPr sz="2000"/>
             </a:lvl8pPr>
             <a:lvl9pPr marL="3657600" indent="0">
               <a:buNone/>
-              <a:defRPr sz="1600"/>
+              <a:defRPr sz="2000"/>
             </a:lvl9pPr>
           </a:lstStyle>
           <a:p>
@@ -5109,8 +2715,8 @@
         </p:nvSpPr>
         <p:spPr>
           <a:xfrm>
-            <a:off x="1154954" y="3657600"/>
-            <a:ext cx="5084979" cy="1371600"/>
+            <a:off x="914400" y="6108589"/>
+            <a:ext cx="9982200" cy="597011"/>
           </a:xfrm>
         </p:spPr>
         <p:txBody>
@@ -5119,8 +2725,20 @@
           </a:bodyPr>
           <a:lstStyle>
             <a:lvl1pPr marL="0" indent="0">
+              <a:lnSpc>
+                <a:spcPct val="100000"/>
+              </a:lnSpc>
+              <a:spcBef>
+                <a:spcPts val="800"/>
+              </a:spcBef>
               <a:buNone/>
-              <a:defRPr sz="1400"/>
+              <a:defRPr sz="1300">
+                <a:solidFill>
+                  <a:schemeClr val="bg1">
+                    <a:lumMod val="85000"/>
+                  </a:schemeClr>
+                </a:solidFill>
+              </a:defRPr>
             </a:lvl1pPr>
             <a:lvl2pPr marL="457200" indent="0">
               <a:buNone/>
@@ -5181,7 +2799,7 @@
           <a:p>
             <a:fld id="{A6149E5E-3896-4118-99A7-7B85668F1C5E}" type="datetimeFigureOut">
               <a:rPr lang="en-US" smtClean="0"/>
-              <a:t>7/28/2025</a:t>
+              <a:t>10/29/2025</a:t>
             </a:fld>
             <a:endParaRPr lang="en-US" dirty="0"/>
           </a:p>
@@ -5233,7 +2851,7 @@
     </p:spTree>
     <p:extLst>
       <p:ext uri="{BB962C8B-B14F-4D97-AF65-F5344CB8AC3E}">
-        <p14:creationId xmlns:p14="http://schemas.microsoft.com/office/powerpoint/2010/main" val="817585023"/>
+        <p14:creationId xmlns:p14="http://schemas.microsoft.com/office/powerpoint/2010/main" val="1517965220"/>
       </p:ext>
     </p:extLst>
   </p:cSld>
@@ -5247,7 +2865,7 @@
 <p:sldMaster xmlns:a="http://schemas.openxmlformats.org/drawingml/2006/main" xmlns:r="http://schemas.openxmlformats.org/officeDocument/2006/relationships" xmlns:p="http://schemas.openxmlformats.org/presentationml/2006/main">
   <p:cSld>
     <p:bg>
-      <p:bgRef idx="1003">
+      <p:bgRef idx="1001">
         <a:schemeClr val="bg2"/>
       </p:bgRef>
     </p:bg>
@@ -5265,220 +2883,52 @@
           <a:chExt cx="0" cy="0"/>
         </a:xfrm>
       </p:grpSpPr>
-      <p:pic>
-        <p:nvPicPr>
-          <p:cNvPr id="8" name="Picture 7"/>
-          <p:cNvPicPr>
-            <a:picLocks noChangeAspect="1"/>
-          </p:cNvPicPr>
-          <p:nvPr/>
-        </p:nvPicPr>
-        <p:blipFill rotWithShape="1">
-          <a:blip r:embed="rId19">
-            <a:extLst>
-              <a:ext uri="{28A0092B-C50C-407E-A947-70E740481C1C}">
-                <a14:useLocalDpi xmlns:a14="http://schemas.microsoft.com/office/drawing/2010/main" val="0"/>
-              </a:ext>
-            </a:extLst>
-          </a:blip>
-          <a:srcRect l="3613"/>
-          <a:stretch/>
-        </p:blipFill>
-        <p:spPr>
-          <a:xfrm>
-            <a:off x="0" y="2669685"/>
-            <a:ext cx="4037012" cy="4188315"/>
-          </a:xfrm>
-          <a:prstGeom prst="rect">
-            <a:avLst/>
-          </a:prstGeom>
-        </p:spPr>
-      </p:pic>
-      <p:pic>
-        <p:nvPicPr>
-          <p:cNvPr id="7" name="Picture 6"/>
-          <p:cNvPicPr>
-            <a:picLocks noChangeAspect="1"/>
-          </p:cNvPicPr>
-          <p:nvPr/>
-        </p:nvPicPr>
-        <p:blipFill rotWithShape="1">
-          <a:blip r:embed="rId20">
-            <a:extLst>
-              <a:ext uri="{28A0092B-C50C-407E-A947-70E740481C1C}">
-                <a14:useLocalDpi xmlns:a14="http://schemas.microsoft.com/office/drawing/2010/main" val="0"/>
-              </a:ext>
-            </a:extLst>
-          </a:blip>
-          <a:srcRect l="35640"/>
-          <a:stretch/>
-        </p:blipFill>
-        <p:spPr>
-          <a:xfrm>
-            <a:off x="0" y="2892347"/>
-            <a:ext cx="1522412" cy="2365453"/>
-          </a:xfrm>
-          <a:prstGeom prst="rect">
-            <a:avLst/>
-          </a:prstGeom>
-        </p:spPr>
-      </p:pic>
       <p:sp>
         <p:nvSpPr>
-          <p:cNvPr id="16" name="Oval 15"/>
+          <p:cNvPr id="7" name="Rectangle 6"/>
           <p:cNvSpPr/>
           <p:nvPr/>
         </p:nvSpPr>
         <p:spPr>
           <a:xfrm>
-            <a:off x="8609012" y="1676400"/>
-            <a:ext cx="2819400" cy="2819400"/>
+            <a:off x="11292840" y="0"/>
+            <a:ext cx="914400" cy="6858000"/>
           </a:xfrm>
-          <a:prstGeom prst="ellipse">
+          <a:prstGeom prst="rect">
             <a:avLst/>
           </a:prstGeom>
-          <a:gradFill flip="none" rotWithShape="1">
-            <a:gsLst>
-              <a:gs pos="0">
-                <a:schemeClr val="bg2">
-                  <a:lumMod val="60000"/>
-                  <a:lumOff val="40000"/>
-                  <a:alpha val="7000"/>
-                </a:schemeClr>
-              </a:gs>
-              <a:gs pos="69000">
-                <a:schemeClr val="bg2">
-                  <a:lumMod val="60000"/>
-                  <a:lumOff val="40000"/>
-                  <a:alpha val="0"/>
-                </a:schemeClr>
-              </a:gs>
-              <a:gs pos="36000">
-                <a:schemeClr val="bg2">
-                  <a:lumMod val="60000"/>
-                  <a:lumOff val="40000"/>
-                  <a:alpha val="6000"/>
-                </a:schemeClr>
-              </a:gs>
-            </a:gsLst>
-            <a:path path="circle">
-              <a:fillToRect l="50000" t="50000" r="50000" b="50000"/>
-            </a:path>
-            <a:tileRect/>
-          </a:gradFill>
+          <a:solidFill>
+            <a:schemeClr val="tx2">
+              <a:lumMod val="75000"/>
+            </a:schemeClr>
+          </a:solidFill>
           <a:ln>
             <a:noFill/>
           </a:ln>
-          <a:effectLst/>
         </p:spPr>
         <p:style>
-          <a:lnRef idx="1">
-            <a:schemeClr val="accent1"/>
+          <a:lnRef idx="2">
+            <a:schemeClr val="accent1">
+              <a:shade val="50000"/>
+            </a:schemeClr>
           </a:lnRef>
-          <a:fillRef idx="3">
+          <a:fillRef idx="1">
             <a:schemeClr val="accent1"/>
           </a:fillRef>
-          <a:effectRef idx="2">
+          <a:effectRef idx="0">
             <a:schemeClr val="accent1"/>
           </a:effectRef>
           <a:fontRef idx="minor">
             <a:schemeClr val="lt1"/>
           </a:fontRef>
         </p:style>
-      </p:sp>
-      <p:pic>
-        <p:nvPicPr>
-          <p:cNvPr id="9" name="Picture 8"/>
-          <p:cNvPicPr>
-            <a:picLocks noChangeAspect="1"/>
-          </p:cNvPicPr>
-          <p:nvPr/>
-        </p:nvPicPr>
-        <p:blipFill rotWithShape="1">
-          <a:blip r:embed="rId21">
-            <a:extLst>
-              <a:ext uri="{28A0092B-C50C-407E-A947-70E740481C1C}">
-                <a14:useLocalDpi xmlns:a14="http://schemas.microsoft.com/office/drawing/2010/main" val="0"/>
-              </a:ext>
-            </a:extLst>
-          </a:blip>
-          <a:srcRect t="28813"/>
-          <a:stretch/>
-        </p:blipFill>
-        <p:spPr>
-          <a:xfrm>
-            <a:off x="7999412" y="0"/>
-            <a:ext cx="1603387" cy="1141407"/>
-          </a:xfrm>
-          <a:prstGeom prst="rect">
-            <a:avLst/>
-          </a:prstGeom>
-        </p:spPr>
-      </p:pic>
-      <p:pic>
-        <p:nvPicPr>
-          <p:cNvPr id="10" name="Picture 9"/>
-          <p:cNvPicPr>
-            <a:picLocks noChangeAspect="1"/>
-          </p:cNvPicPr>
-          <p:nvPr/>
-        </p:nvPicPr>
-        <p:blipFill rotWithShape="1">
-          <a:blip r:embed="rId22">
-            <a:extLst>
-              <a:ext uri="{28A0092B-C50C-407E-A947-70E740481C1C}">
-                <a14:useLocalDpi xmlns:a14="http://schemas.microsoft.com/office/drawing/2010/main" val="0"/>
-              </a:ext>
-            </a:extLst>
-          </a:blip>
-          <a:srcRect b="23320"/>
-          <a:stretch/>
-        </p:blipFill>
-        <p:spPr>
-          <a:xfrm>
-            <a:off x="8605878" y="6096000"/>
-            <a:ext cx="993734" cy="762000"/>
-          </a:xfrm>
-          <a:prstGeom prst="rect">
-            <a:avLst/>
-          </a:prstGeom>
-        </p:spPr>
-      </p:pic>
-      <p:sp>
-        <p:nvSpPr>
-          <p:cNvPr id="14" name="Rectangle 13"/>
-          <p:cNvSpPr/>
-          <p:nvPr/>
-        </p:nvSpPr>
-        <p:spPr>
-          <a:xfrm>
-            <a:off x="10437812" y="0"/>
-            <a:ext cx="685800" cy="1143000"/>
-          </a:xfrm>
-          <a:prstGeom prst="rect">
-            <a:avLst/>
-          </a:prstGeom>
-          <a:solidFill>
-            <a:schemeClr val="accent1"/>
-          </a:solidFill>
-          <a:ln>
-            <a:noFill/>
-          </a:ln>
-        </p:spPr>
-        <p:style>
-          <a:lnRef idx="1">
-            <a:schemeClr val="accent1"/>
-          </a:lnRef>
-          <a:fillRef idx="3">
-            <a:schemeClr val="accent1"/>
-          </a:fillRef>
-          <a:effectRef idx="2">
-            <a:schemeClr val="accent1"/>
-          </a:effectRef>
-          <a:fontRef idx="minor">
-            <a:schemeClr val="lt1"/>
-          </a:fontRef>
-        </p:style>
+        <p:txBody>
+          <a:bodyPr/>
+          <a:lstStyle/>
+          <a:p>
+            <a:endParaRPr lang="en-US"/>
+          </a:p>
+        </p:txBody>
       </p:sp>
       <p:sp>
         <p:nvSpPr>
@@ -5492,16 +2942,16 @@
         </p:nvSpPr>
         <p:spPr>
           <a:xfrm>
-            <a:off x="646111" y="452718"/>
-            <a:ext cx="9404723" cy="1400530"/>
+            <a:off x="1261872" y="365760"/>
+            <a:ext cx="9692640" cy="1325562"/>
           </a:xfrm>
           <a:prstGeom prst="rect">
             <a:avLst/>
           </a:prstGeom>
         </p:spPr>
         <p:txBody>
-          <a:bodyPr vert="horz" lIns="91440" tIns="45720" rIns="91440" bIns="45720" rtlCol="0" anchor="t">
-            <a:noAutofit/>
+          <a:bodyPr vert="horz" lIns="91440" tIns="45720" rIns="91440" bIns="45720" rtlCol="0" anchor="b">
+            <a:normAutofit/>
           </a:bodyPr>
           <a:lstStyle/>
           <a:p>
@@ -5525,8 +2975,8 @@
         </p:nvSpPr>
         <p:spPr>
           <a:xfrm>
-            <a:off x="1103312" y="2052918"/>
-            <a:ext cx="8946541" cy="4195481"/>
+            <a:off x="1261872" y="1828800"/>
+            <a:ext cx="8595360" cy="4351337"/>
           </a:xfrm>
           <a:prstGeom prst="rect">
             <a:avLst/>
@@ -5540,38 +2990,37 @@
           <a:p>
             <a:pPr lvl="0"/>
             <a:r>
-              <a:rPr lang="en-US"/>
+              <a:rPr lang="en-US" dirty="0"/>
               <a:t>Click to edit Master text styles</a:t>
             </a:r>
           </a:p>
           <a:p>
             <a:pPr lvl="1"/>
             <a:r>
-              <a:rPr lang="en-US"/>
+              <a:rPr lang="en-US" dirty="0"/>
               <a:t>Second level</a:t>
             </a:r>
           </a:p>
           <a:p>
             <a:pPr lvl="2"/>
             <a:r>
-              <a:rPr lang="en-US"/>
+              <a:rPr lang="en-US" dirty="0"/>
               <a:t>Third level</a:t>
             </a:r>
           </a:p>
           <a:p>
             <a:pPr lvl="3"/>
             <a:r>
-              <a:rPr lang="en-US"/>
+              <a:rPr lang="en-US" dirty="0"/>
               <a:t>Fourth level</a:t>
             </a:r>
           </a:p>
           <a:p>
             <a:pPr lvl="4"/>
             <a:r>
-              <a:rPr lang="en-US"/>
+              <a:rPr lang="en-US" dirty="0"/>
               <a:t>Fifth level</a:t>
             </a:r>
-            <a:endParaRPr lang="en-US" dirty="0"/>
           </a:p>
         </p:txBody>
       </p:sp>
@@ -5586,23 +3035,23 @@
           </p:nvPr>
         </p:nvSpPr>
         <p:spPr>
-          <a:xfrm rot="5400000">
-            <a:off x="10155639" y="1790701"/>
-            <a:ext cx="990599" cy="304799"/>
+          <a:xfrm rot="16200000">
+            <a:off x="10797542" y="998537"/>
+            <a:ext cx="1904999" cy="365125"/>
           </a:xfrm>
           <a:prstGeom prst="rect">
             <a:avLst/>
           </a:prstGeom>
         </p:spPr>
         <p:txBody>
-          <a:bodyPr vert="horz" lIns="91440" tIns="45720" rIns="91440" bIns="45720" rtlCol="0" anchor="t"/>
+          <a:bodyPr vert="horz" lIns="91440" tIns="45720" rIns="91440" bIns="45720" rtlCol="0" anchor="ctr"/>
           <a:lstStyle>
-            <a:lvl1pPr algn="l">
-              <a:defRPr sz="1100" b="0" i="0">
+            <a:lvl1pPr algn="r">
+              <a:defRPr sz="1050" b="0">
                 <a:solidFill>
-                  <a:schemeClr val="tx1">
-                    <a:tint val="75000"/>
-                    <a:alpha val="60000"/>
+                  <a:schemeClr val="tx2">
+                    <a:lumMod val="20000"/>
+                    <a:lumOff val="80000"/>
                   </a:schemeClr>
                 </a:solidFill>
               </a:defRPr>
@@ -5611,7 +3060,7 @@
           <a:p>
             <a:fld id="{7E0D914D-B099-4142-A885-11F276715148}" type="datetimeFigureOut">
               <a:rPr lang="en-US" smtClean="0"/>
-              <a:t>7/28/2025</a:t>
+              <a:t>10/29/2025</a:t>
             </a:fld>
             <a:endParaRPr lang="en-US" dirty="0"/>
           </a:p>
@@ -5628,23 +3077,23 @@
           </p:nvPr>
         </p:nvSpPr>
         <p:spPr>
-          <a:xfrm rot="5400000">
-            <a:off x="8951573" y="3225297"/>
-            <a:ext cx="3859795" cy="304801"/>
+          <a:xfrm rot="16200000">
+            <a:off x="9959341" y="4046537"/>
+            <a:ext cx="3581400" cy="365125"/>
           </a:xfrm>
           <a:prstGeom prst="rect">
             <a:avLst/>
           </a:prstGeom>
         </p:spPr>
         <p:txBody>
-          <a:bodyPr vert="horz" lIns="91440" tIns="45720" rIns="91440" bIns="45720" rtlCol="0" anchor="b"/>
+          <a:bodyPr vert="horz" lIns="91440" tIns="45720" rIns="91440" bIns="45720" rtlCol="0" anchor="ctr"/>
           <a:lstStyle>
             <a:lvl1pPr algn="l">
-              <a:defRPr sz="1100" b="0" i="0">
+              <a:defRPr sz="1050">
                 <a:solidFill>
-                  <a:schemeClr val="tx1">
-                    <a:tint val="75000"/>
-                    <a:alpha val="60000"/>
+                  <a:schemeClr val="tx2">
+                    <a:lumMod val="20000"/>
+                    <a:lumOff val="80000"/>
                   </a:schemeClr>
                 </a:solidFill>
               </a:defRPr>
@@ -5665,23 +3114,26 @@
             <p:ph type="sldNum" sz="quarter" idx="4"/>
           </p:nvPr>
         </p:nvSpPr>
-        <p:spPr bwMode="gray">
+        <p:spPr>
           <a:xfrm>
-            <a:off x="10352540" y="295729"/>
-            <a:ext cx="838199" cy="767687"/>
+            <a:off x="11292840" y="6172200"/>
+            <a:ext cx="914400" cy="593725"/>
           </a:xfrm>
           <a:prstGeom prst="rect">
             <a:avLst/>
           </a:prstGeom>
         </p:spPr>
         <p:txBody>
-          <a:bodyPr vert="horz" lIns="91440" tIns="45720" rIns="91440" bIns="45720" rtlCol="0" anchor="b"/>
+          <a:bodyPr vert="horz" lIns="45720" tIns="45720" rIns="45720" bIns="45720" rtlCol="0" anchor="ctr">
+            <a:normAutofit/>
+          </a:bodyPr>
           <a:lstStyle>
             <a:lvl1pPr algn="ctr">
-              <a:defRPr sz="2800" b="0" i="0">
+              <a:defRPr sz="3600">
                 <a:solidFill>
-                  <a:schemeClr val="tx1">
-                    <a:tint val="75000"/>
+                  <a:schemeClr val="tx2">
+                    <a:lumMod val="60000"/>
+                    <a:lumOff val="40000"/>
                   </a:schemeClr>
                 </a:solidFill>
               </a:defRPr>
@@ -5700,122 +3152,36 @@
     </p:spTree>
     <p:extLst>
       <p:ext uri="{BB962C8B-B14F-4D97-AF65-F5344CB8AC3E}">
-        <p14:creationId xmlns:p14="http://schemas.microsoft.com/office/powerpoint/2010/main" val="1190028650"/>
+        <p14:creationId xmlns:p14="http://schemas.microsoft.com/office/powerpoint/2010/main" val="1627339"/>
       </p:ext>
     </p:extLst>
   </p:cSld>
   <p:clrMap bg1="dk1" tx1="lt1" bg2="dk2" tx2="lt2" accent1="accent1" accent2="accent2" accent3="accent3" accent4="accent4" accent5="accent5" accent6="accent6" hlink="hlink" folHlink="folHlink"/>
   <p:sldLayoutIdLst>
-    <p:sldLayoutId id="2147483672" r:id="rId1"/>
-    <p:sldLayoutId id="2147483673" r:id="rId2"/>
-    <p:sldLayoutId id="2147483674" r:id="rId3"/>
-    <p:sldLayoutId id="2147483675" r:id="rId4"/>
-    <p:sldLayoutId id="2147483676" r:id="rId5"/>
-    <p:sldLayoutId id="2147483677" r:id="rId6"/>
-    <p:sldLayoutId id="2147483678" r:id="rId7"/>
-    <p:sldLayoutId id="2147483679" r:id="rId8"/>
-    <p:sldLayoutId id="2147483680" r:id="rId9"/>
-    <p:sldLayoutId id="2147483681" r:id="rId10"/>
-    <p:sldLayoutId id="2147483682" r:id="rId11"/>
-    <p:sldLayoutId id="2147483683" r:id="rId12"/>
-    <p:sldLayoutId id="2147483684" r:id="rId13"/>
-    <p:sldLayoutId id="2147483685" r:id="rId14"/>
-    <p:sldLayoutId id="2147483686" r:id="rId15"/>
-    <p:sldLayoutId id="2147483687" r:id="rId16"/>
-    <p:sldLayoutId id="2147483688" r:id="rId17"/>
+    <p:sldLayoutId id="2147483690" r:id="rId1"/>
+    <p:sldLayoutId id="2147483691" r:id="rId2"/>
+    <p:sldLayoutId id="2147483692" r:id="rId3"/>
+    <p:sldLayoutId id="2147483693" r:id="rId4"/>
+    <p:sldLayoutId id="2147483694" r:id="rId5"/>
+    <p:sldLayoutId id="2147483695" r:id="rId6"/>
+    <p:sldLayoutId id="2147483696" r:id="rId7"/>
+    <p:sldLayoutId id="2147483697" r:id="rId8"/>
+    <p:sldLayoutId id="2147483698" r:id="rId9"/>
+    <p:sldLayoutId id="2147483699" r:id="rId10"/>
+    <p:sldLayoutId id="2147483700" r:id="rId11"/>
   </p:sldLayoutIdLst>
   <p:hf sldNum="0" hdr="0" ftr="0" dt="0"/>
   <p:txStyles>
     <p:titleStyle>
-      <a:lvl1pPr algn="l" defTabSz="457200" rtl="0" eaLnBrk="1" latinLnBrk="0" hangingPunct="1">
+      <a:lvl1pPr algn="l" defTabSz="914400" rtl="0" eaLnBrk="1" latinLnBrk="0" hangingPunct="1">
+        <a:lnSpc>
+          <a:spcPct val="90000"/>
+        </a:lnSpc>
         <a:spcBef>
           <a:spcPct val="0"/>
         </a:spcBef>
         <a:buNone/>
-        <a:defRPr sz="4200" b="0" i="0" kern="1200">
-          <a:solidFill>
-            <a:schemeClr val="tx2"/>
-          </a:solidFill>
-          <a:latin typeface="+mj-lt"/>
-          <a:ea typeface="+mj-ea"/>
-          <a:cs typeface="+mj-cs"/>
-        </a:defRPr>
-      </a:lvl1pPr>
-      <a:lvl2pPr eaLnBrk="1" hangingPunct="1">
-        <a:defRPr>
-          <a:solidFill>
-            <a:schemeClr val="tx2"/>
-          </a:solidFill>
-        </a:defRPr>
-      </a:lvl2pPr>
-      <a:lvl3pPr eaLnBrk="1" hangingPunct="1">
-        <a:defRPr>
-          <a:solidFill>
-            <a:schemeClr val="tx2"/>
-          </a:solidFill>
-        </a:defRPr>
-      </a:lvl3pPr>
-      <a:lvl4pPr eaLnBrk="1" hangingPunct="1">
-        <a:defRPr>
-          <a:solidFill>
-            <a:schemeClr val="tx2"/>
-          </a:solidFill>
-        </a:defRPr>
-      </a:lvl4pPr>
-      <a:lvl5pPr eaLnBrk="1" hangingPunct="1">
-        <a:defRPr>
-          <a:solidFill>
-            <a:schemeClr val="tx2"/>
-          </a:solidFill>
-        </a:defRPr>
-      </a:lvl5pPr>
-      <a:lvl6pPr eaLnBrk="1" hangingPunct="1">
-        <a:defRPr>
-          <a:solidFill>
-            <a:schemeClr val="tx2"/>
-          </a:solidFill>
-        </a:defRPr>
-      </a:lvl6pPr>
-      <a:lvl7pPr eaLnBrk="1" hangingPunct="1">
-        <a:defRPr>
-          <a:solidFill>
-            <a:schemeClr val="tx2"/>
-          </a:solidFill>
-        </a:defRPr>
-      </a:lvl7pPr>
-      <a:lvl8pPr eaLnBrk="1" hangingPunct="1">
-        <a:defRPr>
-          <a:solidFill>
-            <a:schemeClr val="tx2"/>
-          </a:solidFill>
-        </a:defRPr>
-      </a:lvl8pPr>
-      <a:lvl9pPr eaLnBrk="1" hangingPunct="1">
-        <a:defRPr>
-          <a:solidFill>
-            <a:schemeClr val="tx2"/>
-          </a:solidFill>
-        </a:defRPr>
-      </a:lvl9pPr>
-    </p:titleStyle>
-    <p:bodyStyle>
-      <a:lvl1pPr marL="342900" indent="-342900" algn="l" defTabSz="457200" rtl="0" eaLnBrk="1" latinLnBrk="0" hangingPunct="1">
-        <a:spcBef>
-          <a:spcPts val="1000"/>
-        </a:spcBef>
-        <a:spcAft>
-          <a:spcPts val="0"/>
-        </a:spcAft>
-        <a:buClr>
-          <a:schemeClr val="bg2">
-            <a:lumMod val="40000"/>
-            <a:lumOff val="60000"/>
-          </a:schemeClr>
-        </a:buClr>
-        <a:buSzPct val="80000"/>
-        <a:buFont typeface="Wingdings 3" charset="2"/>
-        <a:buChar char=""/>
-        <a:defRPr sz="2000" b="0" i="0" kern="1200">
+        <a:defRPr sz="4400" kern="1200" spc="-50" baseline="0">
           <a:solidFill>
             <a:schemeClr val="tx1"/>
           </a:solidFill>
@@ -5824,204 +3190,247 @@
           <a:cs typeface="+mj-cs"/>
         </a:defRPr>
       </a:lvl1pPr>
-      <a:lvl2pPr marL="742950" indent="-285750" algn="l" defTabSz="457200" rtl="0" eaLnBrk="1" latinLnBrk="0" hangingPunct="1">
+    </p:titleStyle>
+    <p:bodyStyle>
+      <a:lvl1pPr marL="182880" indent="-182880" algn="l" defTabSz="914400" rtl="0" eaLnBrk="1" latinLnBrk="0" hangingPunct="1">
+        <a:lnSpc>
+          <a:spcPct val="95000"/>
+        </a:lnSpc>
         <a:spcBef>
-          <a:spcPts val="1000"/>
+          <a:spcPts val="1400"/>
         </a:spcBef>
         <a:spcAft>
-          <a:spcPts val="0"/>
+          <a:spcPts val="200"/>
         </a:spcAft>
         <a:buClr>
-          <a:schemeClr val="bg2">
-            <a:lumMod val="40000"/>
-            <a:lumOff val="60000"/>
-          </a:schemeClr>
+          <a:schemeClr val="accent1"/>
         </a:buClr>
         <a:buSzPct val="80000"/>
-        <a:buFont typeface="Wingdings 3" charset="2"/>
-        <a:buChar char=""/>
-        <a:defRPr sz="1800" b="0" i="0" kern="1200">
+        <a:buFont typeface="Arial" pitchFamily="34" charset="0"/>
+        <a:buChar char="•"/>
+        <a:defRPr sz="2400" kern="1200" spc="10" baseline="0">
           <a:solidFill>
             <a:schemeClr val="tx1"/>
           </a:solidFill>
-          <a:latin typeface="+mj-lt"/>
-          <a:ea typeface="+mj-ea"/>
-          <a:cs typeface="+mj-cs"/>
+          <a:latin typeface="+mn-lt"/>
+          <a:ea typeface="+mn-ea"/>
+          <a:cs typeface="+mn-cs"/>
+        </a:defRPr>
+      </a:lvl1pPr>
+      <a:lvl2pPr marL="457200" indent="-182880" algn="l" defTabSz="914400" rtl="0" eaLnBrk="1" latinLnBrk="0" hangingPunct="1">
+        <a:lnSpc>
+          <a:spcPct val="90000"/>
+        </a:lnSpc>
+        <a:spcBef>
+          <a:spcPts val="300"/>
+        </a:spcBef>
+        <a:spcAft>
+          <a:spcPts val="300"/>
+        </a:spcAft>
+        <a:buClr>
+          <a:schemeClr val="accent1"/>
+        </a:buClr>
+        <a:buFont typeface="Wingdings 2" pitchFamily="18" charset="2"/>
+        <a:buChar char=""/>
+        <a:defRPr sz="2000" kern="1200">
+          <a:solidFill>
+            <a:schemeClr val="tx1">
+              <a:lumMod val="85000"/>
+              <a:lumOff val="15000"/>
+            </a:schemeClr>
+          </a:solidFill>
+          <a:latin typeface="+mn-lt"/>
+          <a:ea typeface="+mn-ea"/>
+          <a:cs typeface="+mn-cs"/>
         </a:defRPr>
       </a:lvl2pPr>
-      <a:lvl3pPr marL="1143000" indent="-228600" algn="l" defTabSz="457200" rtl="0" eaLnBrk="1" latinLnBrk="0" hangingPunct="1">
+      <a:lvl3pPr marL="731520" indent="-182880" algn="l" defTabSz="914400" rtl="0" eaLnBrk="1" latinLnBrk="0" hangingPunct="1">
+        <a:lnSpc>
+          <a:spcPct val="90000"/>
+        </a:lnSpc>
         <a:spcBef>
-          <a:spcPts val="1000"/>
+          <a:spcPts val="300"/>
         </a:spcBef>
         <a:spcAft>
-          <a:spcPts val="0"/>
+          <a:spcPts val="300"/>
         </a:spcAft>
         <a:buClr>
-          <a:schemeClr val="bg2">
-            <a:lumMod val="40000"/>
-            <a:lumOff val="60000"/>
-          </a:schemeClr>
+          <a:schemeClr val="accent1"/>
         </a:buClr>
-        <a:buSzPct val="80000"/>
-        <a:buFont typeface="Wingdings 3" charset="2"/>
-        <a:buChar char=""/>
-        <a:defRPr sz="1600" b="0" i="0" kern="1200">
+        <a:buFont typeface="Wingdings 2" pitchFamily="18" charset="2"/>
+        <a:buChar char=""/>
+        <a:defRPr sz="1800" kern="1200">
           <a:solidFill>
-            <a:schemeClr val="tx1"/>
+            <a:schemeClr val="tx1">
+              <a:lumMod val="85000"/>
+              <a:lumOff val="15000"/>
+            </a:schemeClr>
           </a:solidFill>
-          <a:latin typeface="+mj-lt"/>
-          <a:ea typeface="+mj-ea"/>
-          <a:cs typeface="+mj-cs"/>
+          <a:latin typeface="+mn-lt"/>
+          <a:ea typeface="+mn-ea"/>
+          <a:cs typeface="+mn-cs"/>
         </a:defRPr>
       </a:lvl3pPr>
-      <a:lvl4pPr marL="1600200" indent="-228600" algn="l" defTabSz="457200" rtl="0" eaLnBrk="1" latinLnBrk="0" hangingPunct="1">
+      <a:lvl4pPr marL="1005840" indent="-182880" algn="l" defTabSz="914400" rtl="0" eaLnBrk="1" latinLnBrk="0" hangingPunct="1">
+        <a:lnSpc>
+          <a:spcPct val="90000"/>
+        </a:lnSpc>
         <a:spcBef>
-          <a:spcPts val="1000"/>
+          <a:spcPts val="300"/>
         </a:spcBef>
         <a:spcAft>
-          <a:spcPts val="0"/>
+          <a:spcPts val="300"/>
         </a:spcAft>
         <a:buClr>
-          <a:schemeClr val="bg2">
-            <a:lumMod val="40000"/>
-            <a:lumOff val="60000"/>
-          </a:schemeClr>
+          <a:schemeClr val="accent1"/>
         </a:buClr>
-        <a:buSzPct val="80000"/>
-        <a:buFont typeface="Wingdings 3" charset="2"/>
-        <a:buChar char=""/>
-        <a:defRPr sz="1400" b="0" i="0" kern="1200">
+        <a:buFont typeface="Wingdings 2" pitchFamily="18" charset="2"/>
+        <a:buChar char=""/>
+        <a:defRPr sz="1800" kern="1200">
           <a:solidFill>
-            <a:schemeClr val="tx1"/>
+            <a:schemeClr val="tx1">
+              <a:lumMod val="85000"/>
+              <a:lumOff val="15000"/>
+            </a:schemeClr>
           </a:solidFill>
-          <a:latin typeface="+mj-lt"/>
-          <a:ea typeface="+mj-ea"/>
-          <a:cs typeface="+mj-cs"/>
+          <a:latin typeface="+mn-lt"/>
+          <a:ea typeface="+mn-ea"/>
+          <a:cs typeface="+mn-cs"/>
         </a:defRPr>
       </a:lvl4pPr>
-      <a:lvl5pPr marL="2057400" indent="-228600" algn="l" defTabSz="457200" rtl="0" eaLnBrk="1" latinLnBrk="0" hangingPunct="1">
+      <a:lvl5pPr marL="1280160" indent="-182880" algn="l" defTabSz="914400" rtl="0" eaLnBrk="1" latinLnBrk="0" hangingPunct="1">
+        <a:lnSpc>
+          <a:spcPct val="90000"/>
+        </a:lnSpc>
         <a:spcBef>
-          <a:spcPts val="1000"/>
+          <a:spcPts val="300"/>
         </a:spcBef>
         <a:spcAft>
-          <a:spcPts val="0"/>
+          <a:spcPts val="300"/>
         </a:spcAft>
         <a:buClr>
-          <a:schemeClr val="bg2">
-            <a:lumMod val="40000"/>
-            <a:lumOff val="60000"/>
-          </a:schemeClr>
+          <a:schemeClr val="accent1"/>
         </a:buClr>
-        <a:buSzPct val="80000"/>
-        <a:buFont typeface="Wingdings 3" charset="2"/>
-        <a:buChar char=""/>
-        <a:defRPr sz="1400" b="0" i="0" kern="1200">
+        <a:buFont typeface="Wingdings 2" pitchFamily="18" charset="2"/>
+        <a:buChar char=""/>
+        <a:defRPr sz="1800" kern="1200">
           <a:solidFill>
-            <a:schemeClr val="tx1"/>
+            <a:schemeClr val="tx1">
+              <a:lumMod val="85000"/>
+              <a:lumOff val="15000"/>
+            </a:schemeClr>
           </a:solidFill>
-          <a:latin typeface="+mj-lt"/>
-          <a:ea typeface="+mj-ea"/>
-          <a:cs typeface="+mj-cs"/>
+          <a:latin typeface="+mn-lt"/>
+          <a:ea typeface="+mn-ea"/>
+          <a:cs typeface="+mn-cs"/>
         </a:defRPr>
       </a:lvl5pPr>
-      <a:lvl6pPr marL="2506000" indent="-228600" algn="l" defTabSz="457200" rtl="0" eaLnBrk="1" latinLnBrk="0" hangingPunct="1">
+      <a:lvl6pPr marL="1600000" indent="-228600" algn="l" defTabSz="914400" rtl="0" eaLnBrk="1" latinLnBrk="0" hangingPunct="1">
+        <a:lnSpc>
+          <a:spcPct val="90000"/>
+        </a:lnSpc>
         <a:spcBef>
-          <a:spcPts val="1000"/>
+          <a:spcPts val="300"/>
         </a:spcBef>
         <a:spcAft>
-          <a:spcPts val="0"/>
+          <a:spcPts val="300"/>
         </a:spcAft>
         <a:buClr>
-          <a:schemeClr val="bg2">
-            <a:lumMod val="40000"/>
-            <a:lumOff val="60000"/>
-          </a:schemeClr>
+          <a:schemeClr val="accent1"/>
         </a:buClr>
-        <a:buSzPct val="80000"/>
-        <a:buFont typeface="Wingdings 3" charset="2"/>
-        <a:buChar char=""/>
-        <a:defRPr sz="1400" b="0" i="0" kern="1200">
+        <a:buFont typeface="Wingdings 2" pitchFamily="18" charset="2"/>
+        <a:buChar char=""/>
+        <a:defRPr sz="1400" kern="1200">
           <a:solidFill>
-            <a:schemeClr val="tx1"/>
+            <a:schemeClr val="tx1">
+              <a:lumMod val="85000"/>
+              <a:lumOff val="15000"/>
+            </a:schemeClr>
           </a:solidFill>
-          <a:latin typeface="+mj-lt"/>
-          <a:ea typeface="+mj-ea"/>
-          <a:cs typeface="+mj-cs"/>
+          <a:latin typeface="+mn-lt"/>
+          <a:ea typeface="+mn-ea"/>
+          <a:cs typeface="+mn-cs"/>
         </a:defRPr>
       </a:lvl6pPr>
-      <a:lvl7pPr marL="2971800" indent="-228600" algn="l" defTabSz="457200" rtl="0" eaLnBrk="1" latinLnBrk="0" hangingPunct="1">
+      <a:lvl7pPr marL="1900000" indent="-228600" algn="l" defTabSz="914400" rtl="0" eaLnBrk="1" latinLnBrk="0" hangingPunct="1">
+        <a:lnSpc>
+          <a:spcPct val="90000"/>
+        </a:lnSpc>
         <a:spcBef>
-          <a:spcPts val="1000"/>
+          <a:spcPts val="300"/>
         </a:spcBef>
         <a:spcAft>
-          <a:spcPts val="0"/>
+          <a:spcPts val="300"/>
         </a:spcAft>
         <a:buClr>
-          <a:schemeClr val="bg2">
-            <a:lumMod val="40000"/>
-            <a:lumOff val="60000"/>
-          </a:schemeClr>
+          <a:schemeClr val="accent1"/>
         </a:buClr>
-        <a:buSzPct val="80000"/>
-        <a:buFont typeface="Wingdings 3" charset="2"/>
-        <a:buChar char=""/>
-        <a:defRPr sz="1400" b="0" i="0" kern="1200">
+        <a:buFont typeface="Wingdings 2" pitchFamily="18" charset="2"/>
+        <a:buChar char=""/>
+        <a:defRPr sz="1400" kern="1200">
           <a:solidFill>
-            <a:schemeClr val="tx1"/>
+            <a:schemeClr val="tx1">
+              <a:lumMod val="85000"/>
+              <a:lumOff val="15000"/>
+            </a:schemeClr>
           </a:solidFill>
-          <a:latin typeface="+mj-lt"/>
-          <a:ea typeface="+mj-ea"/>
-          <a:cs typeface="+mj-cs"/>
+          <a:latin typeface="+mn-lt"/>
+          <a:ea typeface="+mn-ea"/>
+          <a:cs typeface="+mn-cs"/>
         </a:defRPr>
       </a:lvl7pPr>
-      <a:lvl8pPr marL="3429000" indent="-228600" algn="l" defTabSz="457200" rtl="0" eaLnBrk="1" latinLnBrk="0" hangingPunct="1">
+      <a:lvl8pPr marL="2200000" indent="-228600" algn="l" defTabSz="914400" rtl="0" eaLnBrk="1" latinLnBrk="0" hangingPunct="1">
+        <a:lnSpc>
+          <a:spcPct val="90000"/>
+        </a:lnSpc>
         <a:spcBef>
-          <a:spcPts val="1000"/>
+          <a:spcPts val="300"/>
         </a:spcBef>
         <a:spcAft>
-          <a:spcPts val="0"/>
+          <a:spcPts val="300"/>
         </a:spcAft>
         <a:buClr>
-          <a:schemeClr val="bg2">
-            <a:lumMod val="40000"/>
-            <a:lumOff val="60000"/>
-          </a:schemeClr>
+          <a:schemeClr val="accent1"/>
         </a:buClr>
-        <a:buSzPct val="80000"/>
-        <a:buFont typeface="Wingdings 3" charset="2"/>
-        <a:buChar char=""/>
-        <a:defRPr sz="1400" b="0" i="0" kern="1200">
+        <a:buFont typeface="Wingdings 2" pitchFamily="18" charset="2"/>
+        <a:buChar char=""/>
+        <a:defRPr sz="1400" kern="1200">
           <a:solidFill>
-            <a:schemeClr val="tx1"/>
+            <a:schemeClr val="tx1">
+              <a:lumMod val="85000"/>
+              <a:lumOff val="15000"/>
+            </a:schemeClr>
           </a:solidFill>
-          <a:latin typeface="+mj-lt"/>
-          <a:ea typeface="+mj-ea"/>
-          <a:cs typeface="+mj-cs"/>
+          <a:latin typeface="+mn-lt"/>
+          <a:ea typeface="+mn-ea"/>
+          <a:cs typeface="+mn-cs"/>
         </a:defRPr>
       </a:lvl8pPr>
-      <a:lvl9pPr marL="3886200" indent="-228600" algn="l" defTabSz="457200" rtl="0" eaLnBrk="1" latinLnBrk="0" hangingPunct="1">
+      <a:lvl9pPr marL="2500000" indent="-228600" algn="l" defTabSz="914400" rtl="0" eaLnBrk="1" latinLnBrk="0" hangingPunct="1">
+        <a:lnSpc>
+          <a:spcPct val="90000"/>
+        </a:lnSpc>
         <a:spcBef>
-          <a:spcPts val="1000"/>
+          <a:spcPts val="300"/>
         </a:spcBef>
         <a:spcAft>
-          <a:spcPts val="0"/>
+          <a:spcPts val="300"/>
         </a:spcAft>
         <a:buClr>
-          <a:schemeClr val="bg2">
-            <a:lumMod val="40000"/>
-            <a:lumOff val="60000"/>
-          </a:schemeClr>
+          <a:schemeClr val="accent1"/>
         </a:buClr>
-        <a:buSzPct val="80000"/>
-        <a:buFont typeface="Wingdings 3" charset="2"/>
-        <a:buChar char=""/>
-        <a:defRPr sz="1400" b="0" i="0" kern="1200">
+        <a:buFont typeface="Wingdings 2" pitchFamily="18" charset="2"/>
+        <a:buChar char=""/>
+        <a:defRPr sz="1400" kern="1200">
           <a:solidFill>
-            <a:schemeClr val="tx1"/>
+            <a:schemeClr val="tx1">
+              <a:lumMod val="85000"/>
+              <a:lumOff val="15000"/>
+            </a:schemeClr>
           </a:solidFill>
-          <a:latin typeface="+mj-lt"/>
-          <a:ea typeface="+mj-ea"/>
-          <a:cs typeface="+mj-cs"/>
+          <a:latin typeface="+mn-lt"/>
+          <a:ea typeface="+mn-ea"/>
+          <a:cs typeface="+mn-cs"/>
         </a:defRPr>
       </a:lvl9pPr>
     </p:bodyStyle>
@@ -6029,7 +3438,7 @@
       <a:defPPr>
         <a:defRPr lang="en-US"/>
       </a:defPPr>
-      <a:lvl1pPr marL="0" algn="l" defTabSz="457200" rtl="0" eaLnBrk="1" latinLnBrk="0" hangingPunct="1">
+      <a:lvl1pPr marL="0" algn="l" defTabSz="914400" rtl="0" eaLnBrk="1" latinLnBrk="0" hangingPunct="1">
         <a:defRPr sz="1800" kern="1200">
           <a:solidFill>
             <a:schemeClr val="tx1"/>
@@ -6039,7 +3448,7 @@
           <a:cs typeface="+mn-cs"/>
         </a:defRPr>
       </a:lvl1pPr>
-      <a:lvl2pPr marL="457200" algn="l" defTabSz="457200" rtl="0" eaLnBrk="1" latinLnBrk="0" hangingPunct="1">
+      <a:lvl2pPr marL="457200" algn="l" defTabSz="914400" rtl="0" eaLnBrk="1" latinLnBrk="0" hangingPunct="1">
         <a:defRPr sz="1800" kern="1200">
           <a:solidFill>
             <a:schemeClr val="tx1"/>
@@ -6049,7 +3458,7 @@
           <a:cs typeface="+mn-cs"/>
         </a:defRPr>
       </a:lvl2pPr>
-      <a:lvl3pPr marL="914400" algn="l" defTabSz="457200" rtl="0" eaLnBrk="1" latinLnBrk="0" hangingPunct="1">
+      <a:lvl3pPr marL="914400" algn="l" defTabSz="914400" rtl="0" eaLnBrk="1" latinLnBrk="0" hangingPunct="1">
         <a:defRPr sz="1800" kern="1200">
           <a:solidFill>
             <a:schemeClr val="tx1"/>
@@ -6059,7 +3468,7 @@
           <a:cs typeface="+mn-cs"/>
         </a:defRPr>
       </a:lvl3pPr>
-      <a:lvl4pPr marL="1371600" algn="l" defTabSz="457200" rtl="0" eaLnBrk="1" latinLnBrk="0" hangingPunct="1">
+      <a:lvl4pPr marL="1371600" algn="l" defTabSz="914400" rtl="0" eaLnBrk="1" latinLnBrk="0" hangingPunct="1">
         <a:defRPr sz="1800" kern="1200">
           <a:solidFill>
             <a:schemeClr val="tx1"/>
@@ -6069,7 +3478,7 @@
           <a:cs typeface="+mn-cs"/>
         </a:defRPr>
       </a:lvl4pPr>
-      <a:lvl5pPr marL="1828800" algn="l" defTabSz="457200" rtl="0" eaLnBrk="1" latinLnBrk="0" hangingPunct="1">
+      <a:lvl5pPr marL="1828800" algn="l" defTabSz="914400" rtl="0" eaLnBrk="1" latinLnBrk="0" hangingPunct="1">
         <a:defRPr sz="1800" kern="1200">
           <a:solidFill>
             <a:schemeClr val="tx1"/>
@@ -6079,7 +3488,7 @@
           <a:cs typeface="+mn-cs"/>
         </a:defRPr>
       </a:lvl5pPr>
-      <a:lvl6pPr marL="2286000" algn="l" defTabSz="457200" rtl="0" eaLnBrk="1" latinLnBrk="0" hangingPunct="1">
+      <a:lvl6pPr marL="2286000" algn="l" defTabSz="914400" rtl="0" eaLnBrk="1" latinLnBrk="0" hangingPunct="1">
         <a:defRPr sz="1800" kern="1200">
           <a:solidFill>
             <a:schemeClr val="tx1"/>
@@ -6089,7 +3498,7 @@
           <a:cs typeface="+mn-cs"/>
         </a:defRPr>
       </a:lvl6pPr>
-      <a:lvl7pPr marL="2743200" algn="l" defTabSz="457200" rtl="0" eaLnBrk="1" latinLnBrk="0" hangingPunct="1">
+      <a:lvl7pPr marL="2743200" algn="l" defTabSz="914400" rtl="0" eaLnBrk="1" latinLnBrk="0" hangingPunct="1">
         <a:defRPr sz="1800" kern="1200">
           <a:solidFill>
             <a:schemeClr val="tx1"/>
@@ -6099,7 +3508,7 @@
           <a:cs typeface="+mn-cs"/>
         </a:defRPr>
       </a:lvl7pPr>
-      <a:lvl8pPr marL="3200400" algn="l" defTabSz="457200" rtl="0" eaLnBrk="1" latinLnBrk="0" hangingPunct="1">
+      <a:lvl8pPr marL="3200400" algn="l" defTabSz="914400" rtl="0" eaLnBrk="1" latinLnBrk="0" hangingPunct="1">
         <a:defRPr sz="1800" kern="1200">
           <a:solidFill>
             <a:schemeClr val="tx1"/>
@@ -6109,7 +3518,7 @@
           <a:cs typeface="+mn-cs"/>
         </a:defRPr>
       </a:lvl8pPr>
-      <a:lvl9pPr marL="3657600" algn="l" defTabSz="457200" rtl="0" eaLnBrk="1" latinLnBrk="0" hangingPunct="1">
+      <a:lvl9pPr marL="3657600" algn="l" defTabSz="914400" rtl="0" eaLnBrk="1" latinLnBrk="0" hangingPunct="1">
         <a:defRPr sz="1800" kern="1200">
           <a:solidFill>
             <a:schemeClr val="tx1"/>
@@ -6121,41 +3530,28 @@
       </a:lvl9pPr>
     </p:otherStyle>
   </p:txStyles>
+  <p:extLst>
+    <p:ext uri="{27BBF7A9-308A-43DC-89C8-2F10F3537804}">
+      <p15:sldGuideLst xmlns:p15="http://schemas.microsoft.com/office/powerpoint/2012/main">
+        <p15:guide id="1" orient="horz" pos="2160" userDrawn="1">
+          <p15:clr>
+            <a:srgbClr val="F26B43"/>
+          </p15:clr>
+        </p15:guide>
+        <p15:guide id="2" pos="3840" userDrawn="1">
+          <p15:clr>
+            <a:srgbClr val="F26B43"/>
+          </p15:clr>
+        </p15:guide>
+      </p15:sldGuideLst>
+    </p:ext>
+  </p:extLst>
 </p:sldMaster>
 </file>
 
 <file path=ppt/slides/slide1.xml><?xml version="1.0" encoding="utf-8"?>
 <p:sld xmlns:a="http://schemas.openxmlformats.org/drawingml/2006/main" xmlns:r="http://schemas.openxmlformats.org/officeDocument/2006/relationships" xmlns:p="http://schemas.openxmlformats.org/presentationml/2006/main">
   <p:cSld>
-    <p:bg>
-      <p:bgPr>
-        <a:gradFill rotWithShape="1">
-          <a:gsLst>
-            <a:gs pos="0">
-              <a:schemeClr val="bg2">
-                <a:tint val="97000"/>
-                <a:hueMod val="88000"/>
-                <a:satMod val="130000"/>
-                <a:lumMod val="124000"/>
-              </a:schemeClr>
-            </a:gs>
-            <a:gs pos="100000">
-              <a:schemeClr val="bg2">
-                <a:tint val="96000"/>
-                <a:shade val="88000"/>
-                <a:hueMod val="108000"/>
-                <a:satMod val="164000"/>
-                <a:lumMod val="76000"/>
-              </a:schemeClr>
-            </a:gs>
-          </a:gsLst>
-          <a:path path="circle">
-            <a:fillToRect l="45000" t="65000" r="125000" b="100000"/>
-          </a:path>
-        </a:gradFill>
-        <a:effectLst/>
-      </p:bgPr>
-    </p:bg>
     <p:spTree>
       <p:nvGrpSpPr>
         <p:cNvPr id="1" name=""/>
@@ -6172,960 +3568,73 @@
       </p:grpSpPr>
       <p:sp>
         <p:nvSpPr>
-          <p:cNvPr id="8" name="Rectangle 7">
+          <p:cNvPr id="2" name="Title 1">
             <a:extLst>
               <a:ext uri="{FF2B5EF4-FFF2-40B4-BE49-F238E27FC236}">
-                <a16:creationId xmlns:a16="http://schemas.microsoft.com/office/drawing/2014/main" id="{DE27238C-8EAF-4098-86E6-7723B7DAE601}"/>
-              </a:ext>
-              <a:ext uri="{C183D7F6-B498-43B3-948B-1728B52AA6E4}">
-                <adec:decorative xmlns:adec="http://schemas.microsoft.com/office/drawing/2017/decorative" val="1"/>
+                <a16:creationId xmlns:a16="http://schemas.microsoft.com/office/drawing/2014/main" id="{41E32DFB-759E-FB11-8122-08A8588CA5F9}"/>
               </a:ext>
             </a:extLst>
           </p:cNvPr>
           <p:cNvSpPr>
-            <a:spLocks noGrp="1" noRot="1" noChangeAspect="1" noMove="1" noResize="1" noEditPoints="1" noAdjustHandles="1" noChangeArrowheads="1" noChangeShapeType="1" noTextEdit="1"/>
+            <a:spLocks noGrp="1"/>
           </p:cNvSpPr>
           <p:nvPr>
-            <p:extLst>
-              <p:ext uri="{386F3935-93C4-4BCD-93E2-E3B085C9AB24}">
-                <p16:designElem xmlns:p16="http://schemas.microsoft.com/office/powerpoint/2015/main" val="1"/>
-              </p:ext>
-            </p:extLst>
+            <p:ph type="ctrTitle"/>
           </p:nvPr>
         </p:nvSpPr>
         <p:spPr>
           <a:xfrm>
-            <a:off x="1" y="0"/>
-            <a:ext cx="12192000" cy="6858000"/>
+            <a:off x="1261872" y="448056"/>
+            <a:ext cx="9070848" cy="4645152"/>
           </a:xfrm>
-          <a:prstGeom prst="rect">
-            <a:avLst/>
-          </a:prstGeom>
-          <a:solidFill>
-            <a:schemeClr val="tx2"/>
-          </a:solidFill>
-          <a:ln>
-            <a:noFill/>
-          </a:ln>
-        </p:spPr>
-        <p:style>
-          <a:lnRef idx="2">
-            <a:schemeClr val="accent1">
-              <a:shade val="50000"/>
-            </a:schemeClr>
-          </a:lnRef>
-          <a:fillRef idx="1003">
-            <a:schemeClr val="dk2"/>
-          </a:fillRef>
-          <a:effectRef idx="0">
-            <a:schemeClr val="accent1"/>
-          </a:effectRef>
-          <a:fontRef idx="minor">
-            <a:schemeClr val="lt1"/>
-          </a:fontRef>
-        </p:style>
-        <p:txBody>
-          <a:bodyPr rtlCol="0" anchor="ctr"/>
-          <a:lstStyle/>
-          <a:p>
-            <a:pPr algn="ctr"/>
-            <a:endParaRPr lang="en-US"/>
-          </a:p>
-        </p:txBody>
-      </p:sp>
-      <p:sp>
-        <p:nvSpPr>
-          <p:cNvPr id="10" name="Freeform 36">
-            <a:extLst>
-              <a:ext uri="{FF2B5EF4-FFF2-40B4-BE49-F238E27FC236}">
-                <a16:creationId xmlns:a16="http://schemas.microsoft.com/office/drawing/2014/main" id="{992F97B1-1891-4FCC-9E5F-BA97EDB48F89}"/>
-              </a:ext>
-              <a:ext uri="{C183D7F6-B498-43B3-948B-1728B52AA6E4}">
-                <adec:decorative xmlns:adec="http://schemas.microsoft.com/office/drawing/2017/decorative" val="1"/>
-              </a:ext>
-            </a:extLst>
-          </p:cNvPr>
-          <p:cNvSpPr>
-            <a:spLocks noGrp="1" noRot="1" noChangeAspect="1" noMove="1" noResize="1" noEditPoints="1" noAdjustHandles="1" noChangeArrowheads="1" noChangeShapeType="1" noTextEdit="1"/>
-          </p:cNvSpPr>
-          <p:nvPr>
-            <p:extLst>
-              <p:ext uri="{386F3935-93C4-4BCD-93E2-E3B085C9AB24}">
-                <p16:designElem xmlns:p16="http://schemas.microsoft.com/office/powerpoint/2015/main" val="1"/>
-              </p:ext>
-            </p:extLst>
-          </p:nvPr>
-        </p:nvSpPr>
-        <p:spPr>
-          <a:xfrm flipH="1">
-            <a:off x="9351010" y="0"/>
-            <a:ext cx="559472" cy="3709642"/>
-          </a:xfrm>
-          <a:custGeom>
-            <a:avLst/>
-            <a:gdLst>
-              <a:gd name="connsiteX0" fmla="*/ 0 w 559472"/>
-              <a:gd name="connsiteY0" fmla="*/ 0 h 3709642"/>
-              <a:gd name="connsiteX1" fmla="*/ 473952 w 559472"/>
-              <a:gd name="connsiteY1" fmla="*/ 0 h 3709642"/>
-              <a:gd name="connsiteX2" fmla="*/ 485840 w 559472"/>
-              <a:gd name="connsiteY2" fmla="*/ 161194 h 3709642"/>
-              <a:gd name="connsiteX3" fmla="*/ 523949 w 559472"/>
-              <a:gd name="connsiteY3" fmla="*/ 3672197 h 3709642"/>
-              <a:gd name="connsiteX4" fmla="*/ 454748 w 559472"/>
-              <a:gd name="connsiteY4" fmla="*/ 3709642 h 3709642"/>
-              <a:gd name="connsiteX5" fmla="*/ 448224 w 559472"/>
-              <a:gd name="connsiteY5" fmla="*/ 3510471 h 3709642"/>
-              <a:gd name="connsiteX6" fmla="*/ 443564 w 559472"/>
-              <a:gd name="connsiteY6" fmla="*/ 3408563 h 3709642"/>
-              <a:gd name="connsiteX7" fmla="*/ 438902 w 559472"/>
-              <a:gd name="connsiteY7" fmla="*/ 3304407 h 3709642"/>
-              <a:gd name="connsiteX8" fmla="*/ 433941 w 559472"/>
-              <a:gd name="connsiteY8" fmla="*/ 3198777 h 3709642"/>
-              <a:gd name="connsiteX9" fmla="*/ 427584 w 559472"/>
-              <a:gd name="connsiteY9" fmla="*/ 3092510 h 3709642"/>
-              <a:gd name="connsiteX10" fmla="*/ 420988 w 559472"/>
-              <a:gd name="connsiteY10" fmla="*/ 2984390 h 3709642"/>
-              <a:gd name="connsiteX11" fmla="*/ 414330 w 559472"/>
-              <a:gd name="connsiteY11" fmla="*/ 2874401 h 3709642"/>
-              <a:gd name="connsiteX12" fmla="*/ 406840 w 559472"/>
-              <a:gd name="connsiteY12" fmla="*/ 2762980 h 3709642"/>
-              <a:gd name="connsiteX13" fmla="*/ 397745 w 559472"/>
-              <a:gd name="connsiteY13" fmla="*/ 2650566 h 3709642"/>
-              <a:gd name="connsiteX14" fmla="*/ 389154 w 559472"/>
-              <a:gd name="connsiteY14" fmla="*/ 2536612 h 3709642"/>
-              <a:gd name="connsiteX15" fmla="*/ 379225 w 559472"/>
-              <a:gd name="connsiteY15" fmla="*/ 2421642 h 3709642"/>
-              <a:gd name="connsiteX16" fmla="*/ 368316 w 559472"/>
-              <a:gd name="connsiteY16" fmla="*/ 2305627 h 3709642"/>
-              <a:gd name="connsiteX17" fmla="*/ 357466 w 559472"/>
-              <a:gd name="connsiteY17" fmla="*/ 2189233 h 3709642"/>
-              <a:gd name="connsiteX18" fmla="*/ 344982 w 559472"/>
-              <a:gd name="connsiteY18" fmla="*/ 2071473 h 3709642"/>
-              <a:gd name="connsiteX19" fmla="*/ 332466 w 559472"/>
-              <a:gd name="connsiteY19" fmla="*/ 1952216 h 3709642"/>
-              <a:gd name="connsiteX20" fmla="*/ 319121 w 559472"/>
-              <a:gd name="connsiteY20" fmla="*/ 1833776 h 3709642"/>
-              <a:gd name="connsiteX21" fmla="*/ 304408 w 559472"/>
-              <a:gd name="connsiteY21" fmla="*/ 1713948 h 3709642"/>
-              <a:gd name="connsiteX22" fmla="*/ 288685 w 559472"/>
-              <a:gd name="connsiteY22" fmla="*/ 1592703 h 3709642"/>
-              <a:gd name="connsiteX23" fmla="*/ 273050 w 559472"/>
-              <a:gd name="connsiteY23" fmla="*/ 1471451 h 3709642"/>
-              <a:gd name="connsiteX24" fmla="*/ 255813 w 559472"/>
-              <a:gd name="connsiteY24" fmla="*/ 1350328 h 3709642"/>
-              <a:gd name="connsiteX25" fmla="*/ 237060 w 559472"/>
-              <a:gd name="connsiteY25" fmla="*/ 1227080 h 3709642"/>
-              <a:gd name="connsiteX26" fmla="*/ 218488 w 559472"/>
-              <a:gd name="connsiteY26" fmla="*/ 1106065 h 3709642"/>
-              <a:gd name="connsiteX27" fmla="*/ 198221 w 559472"/>
-              <a:gd name="connsiteY27" fmla="*/ 982940 h 3709642"/>
-              <a:gd name="connsiteX28" fmla="*/ 177152 w 559472"/>
-              <a:gd name="connsiteY28" fmla="*/ 858755 h 3709642"/>
-              <a:gd name="connsiteX29" fmla="*/ 155551 w 559472"/>
-              <a:gd name="connsiteY29" fmla="*/ 736861 h 3709642"/>
-              <a:gd name="connsiteX30" fmla="*/ 131782 w 559472"/>
-              <a:gd name="connsiteY30" fmla="*/ 613645 h 3709642"/>
-              <a:gd name="connsiteX31" fmla="*/ 107123 w 559472"/>
-              <a:gd name="connsiteY31" fmla="*/ 490500 h 3709642"/>
-              <a:gd name="connsiteX32" fmla="*/ 82552 w 559472"/>
-              <a:gd name="connsiteY32" fmla="*/ 367348 h 3709642"/>
-              <a:gd name="connsiteX33" fmla="*/ 55608 w 559472"/>
-              <a:gd name="connsiteY33" fmla="*/ 244762 h 3709642"/>
-              <a:gd name="connsiteX34" fmla="*/ 28130 w 559472"/>
-              <a:gd name="connsiteY34" fmla="*/ 122220 h 3709642"/>
-              <a:gd name="connsiteX35" fmla="*/ 0 w 559472"/>
-              <a:gd name="connsiteY35" fmla="*/ 0 h 3709642"/>
-            </a:gdLst>
-            <a:ahLst/>
-            <a:cxnLst>
-              <a:cxn ang="0">
-                <a:pos x="connsiteX0" y="connsiteY0"/>
-              </a:cxn>
-              <a:cxn ang="0">
-                <a:pos x="connsiteX1" y="connsiteY1"/>
-              </a:cxn>
-              <a:cxn ang="0">
-                <a:pos x="connsiteX2" y="connsiteY2"/>
-              </a:cxn>
-              <a:cxn ang="0">
-                <a:pos x="connsiteX3" y="connsiteY3"/>
-              </a:cxn>
-              <a:cxn ang="0">
-                <a:pos x="connsiteX4" y="connsiteY4"/>
-              </a:cxn>
-              <a:cxn ang="0">
-                <a:pos x="connsiteX5" y="connsiteY5"/>
-              </a:cxn>
-              <a:cxn ang="0">
-                <a:pos x="connsiteX6" y="connsiteY6"/>
-              </a:cxn>
-              <a:cxn ang="0">
-                <a:pos x="connsiteX7" y="connsiteY7"/>
-              </a:cxn>
-              <a:cxn ang="0">
-                <a:pos x="connsiteX8" y="connsiteY8"/>
-              </a:cxn>
-              <a:cxn ang="0">
-                <a:pos x="connsiteX9" y="connsiteY9"/>
-              </a:cxn>
-              <a:cxn ang="0">
-                <a:pos x="connsiteX10" y="connsiteY10"/>
-              </a:cxn>
-              <a:cxn ang="0">
-                <a:pos x="connsiteX11" y="connsiteY11"/>
-              </a:cxn>
-              <a:cxn ang="0">
-                <a:pos x="connsiteX12" y="connsiteY12"/>
-              </a:cxn>
-              <a:cxn ang="0">
-                <a:pos x="connsiteX13" y="connsiteY13"/>
-              </a:cxn>
-              <a:cxn ang="0">
-                <a:pos x="connsiteX14" y="connsiteY14"/>
-              </a:cxn>
-              <a:cxn ang="0">
-                <a:pos x="connsiteX15" y="connsiteY15"/>
-              </a:cxn>
-              <a:cxn ang="0">
-                <a:pos x="connsiteX16" y="connsiteY16"/>
-              </a:cxn>
-              <a:cxn ang="0">
-                <a:pos x="connsiteX17" y="connsiteY17"/>
-              </a:cxn>
-              <a:cxn ang="0">
-                <a:pos x="connsiteX18" y="connsiteY18"/>
-              </a:cxn>
-              <a:cxn ang="0">
-                <a:pos x="connsiteX19" y="connsiteY19"/>
-              </a:cxn>
-              <a:cxn ang="0">
-                <a:pos x="connsiteX20" y="connsiteY20"/>
-              </a:cxn>
-              <a:cxn ang="0">
-                <a:pos x="connsiteX21" y="connsiteY21"/>
-              </a:cxn>
-              <a:cxn ang="0">
-                <a:pos x="connsiteX22" y="connsiteY22"/>
-              </a:cxn>
-              <a:cxn ang="0">
-                <a:pos x="connsiteX23" y="connsiteY23"/>
-              </a:cxn>
-              <a:cxn ang="0">
-                <a:pos x="connsiteX24" y="connsiteY24"/>
-              </a:cxn>
-              <a:cxn ang="0">
-                <a:pos x="connsiteX25" y="connsiteY25"/>
-              </a:cxn>
-              <a:cxn ang="0">
-                <a:pos x="connsiteX26" y="connsiteY26"/>
-              </a:cxn>
-              <a:cxn ang="0">
-                <a:pos x="connsiteX27" y="connsiteY27"/>
-              </a:cxn>
-              <a:cxn ang="0">
-                <a:pos x="connsiteX28" y="connsiteY28"/>
-              </a:cxn>
-              <a:cxn ang="0">
-                <a:pos x="connsiteX29" y="connsiteY29"/>
-              </a:cxn>
-              <a:cxn ang="0">
-                <a:pos x="connsiteX30" y="connsiteY30"/>
-              </a:cxn>
-              <a:cxn ang="0">
-                <a:pos x="connsiteX31" y="connsiteY31"/>
-              </a:cxn>
-              <a:cxn ang="0">
-                <a:pos x="connsiteX32" y="connsiteY32"/>
-              </a:cxn>
-              <a:cxn ang="0">
-                <a:pos x="connsiteX33" y="connsiteY33"/>
-              </a:cxn>
-              <a:cxn ang="0">
-                <a:pos x="connsiteX34" y="connsiteY34"/>
-              </a:cxn>
-              <a:cxn ang="0">
-                <a:pos x="connsiteX35" y="connsiteY35"/>
-              </a:cxn>
-            </a:cxnLst>
-            <a:rect l="l" t="t" r="r" b="b"/>
-            <a:pathLst>
-              <a:path w="559472" h="3709642">
-                <a:moveTo>
-                  <a:pt x="0" y="0"/>
-                </a:moveTo>
-                <a:lnTo>
-                  <a:pt x="473952" y="0"/>
-                </a:lnTo>
-                <a:lnTo>
-                  <a:pt x="485840" y="161194"/>
-                </a:lnTo>
-                <a:cubicBezTo>
-                  <a:pt x="552063" y="1147770"/>
-                  <a:pt x="592441" y="3086737"/>
-                  <a:pt x="523949" y="3672197"/>
-                </a:cubicBezTo>
-                <a:cubicBezTo>
-                  <a:pt x="500842" y="3684557"/>
-                  <a:pt x="477855" y="3697282"/>
-                  <a:pt x="454748" y="3709642"/>
-                </a:cubicBezTo>
-                <a:lnTo>
-                  <a:pt x="448224" y="3510471"/>
-                </a:lnTo>
-                <a:lnTo>
-                  <a:pt x="443564" y="3408563"/>
-                </a:lnTo>
-                <a:lnTo>
-                  <a:pt x="438902" y="3304407"/>
-                </a:lnTo>
-                <a:lnTo>
-                  <a:pt x="433941" y="3198777"/>
-                </a:lnTo>
-                <a:lnTo>
-                  <a:pt x="427584" y="3092510"/>
-                </a:lnTo>
-                <a:lnTo>
-                  <a:pt x="420988" y="2984390"/>
-                </a:lnTo>
-                <a:lnTo>
-                  <a:pt x="414330" y="2874401"/>
-                </a:lnTo>
-                <a:lnTo>
-                  <a:pt x="406840" y="2762980"/>
-                </a:lnTo>
-                <a:lnTo>
-                  <a:pt x="397745" y="2650566"/>
-                </a:lnTo>
-                <a:lnTo>
-                  <a:pt x="389154" y="2536612"/>
-                </a:lnTo>
-                <a:lnTo>
-                  <a:pt x="379225" y="2421642"/>
-                </a:lnTo>
-                <a:lnTo>
-                  <a:pt x="368316" y="2305627"/>
-                </a:lnTo>
-                <a:lnTo>
-                  <a:pt x="357466" y="2189233"/>
-                </a:lnTo>
-                <a:lnTo>
-                  <a:pt x="344982" y="2071473"/>
-                </a:lnTo>
-                <a:lnTo>
-                  <a:pt x="332466" y="1952216"/>
-                </a:lnTo>
-                <a:lnTo>
-                  <a:pt x="319121" y="1833776"/>
-                </a:lnTo>
-                <a:lnTo>
-                  <a:pt x="304408" y="1713948"/>
-                </a:lnTo>
-                <a:lnTo>
-                  <a:pt x="288685" y="1592703"/>
-                </a:lnTo>
-                <a:lnTo>
-                  <a:pt x="273050" y="1471451"/>
-                </a:lnTo>
-                <a:lnTo>
-                  <a:pt x="255813" y="1350328"/>
-                </a:lnTo>
-                <a:lnTo>
-                  <a:pt x="237060" y="1227080"/>
-                </a:lnTo>
-                <a:lnTo>
-                  <a:pt x="218488" y="1106065"/>
-                </a:lnTo>
-                <a:lnTo>
-                  <a:pt x="198221" y="982940"/>
-                </a:lnTo>
-                <a:lnTo>
-                  <a:pt x="177152" y="858755"/>
-                </a:lnTo>
-                <a:lnTo>
-                  <a:pt x="155551" y="736861"/>
-                </a:lnTo>
-                <a:lnTo>
-                  <a:pt x="131782" y="613645"/>
-                </a:lnTo>
-                <a:lnTo>
-                  <a:pt x="107123" y="490500"/>
-                </a:lnTo>
-                <a:lnTo>
-                  <a:pt x="82552" y="367348"/>
-                </a:lnTo>
-                <a:lnTo>
-                  <a:pt x="55608" y="244762"/>
-                </a:lnTo>
-                <a:lnTo>
-                  <a:pt x="28130" y="122220"/>
-                </a:lnTo>
-                <a:lnTo>
-                  <a:pt x="0" y="0"/>
-                </a:lnTo>
-                <a:close/>
-              </a:path>
-            </a:pathLst>
-          </a:custGeom>
-          <a:solidFill>
-            <a:schemeClr val="bg2">
-              <a:lumMod val="60000"/>
-              <a:lumOff val="40000"/>
-              <a:alpha val="20000"/>
-            </a:schemeClr>
-          </a:solidFill>
-          <a:ln>
-            <a:noFill/>
-          </a:ln>
         </p:spPr>
         <p:txBody>
-          <a:bodyPr rtlCol="0" anchor="ctr"/>
-          <a:lstStyle/>
-          <a:p>
-            <a:pPr algn="ctr"/>
-            <a:endParaRPr lang="en-US"/>
-          </a:p>
-        </p:txBody>
-      </p:sp>
-      <p:sp useBgFill="1">
-        <p:nvSpPr>
-          <p:cNvPr id="12" name="Freeform: Shape 11">
-            <a:extLst>
-              <a:ext uri="{FF2B5EF4-FFF2-40B4-BE49-F238E27FC236}">
-                <a16:creationId xmlns:a16="http://schemas.microsoft.com/office/drawing/2014/main" id="{78C6C821-FEE1-4EB6-9590-C021440C77DE}"/>
-              </a:ext>
-              <a:ext uri="{C183D7F6-B498-43B3-948B-1728B52AA6E4}">
-                <adec:decorative xmlns:adec="http://schemas.microsoft.com/office/drawing/2017/decorative" val="1"/>
-              </a:ext>
-            </a:extLst>
-          </p:cNvPr>
-          <p:cNvSpPr>
-            <a:spLocks noGrp="1" noRot="1" noChangeAspect="1" noMove="1" noResize="1" noEditPoints="1" noAdjustHandles="1" noChangeArrowheads="1" noChangeShapeType="1" noTextEdit="1"/>
-          </p:cNvSpPr>
-          <p:nvPr>
-            <p:extLst>
-              <p:ext uri="{386F3935-93C4-4BCD-93E2-E3B085C9AB24}">
-                <p16:designElem xmlns:p16="http://schemas.microsoft.com/office/powerpoint/2015/main" val="1"/>
-              </p:ext>
-            </p:extLst>
-          </p:nvPr>
-        </p:nvSpPr>
-        <p:spPr>
-          <a:xfrm>
-            <a:off x="-3175" y="0"/>
-            <a:ext cx="9700459" cy="6858001"/>
-          </a:xfrm>
-          <a:custGeom>
-            <a:avLst/>
-            <a:gdLst>
-              <a:gd name="connsiteX0" fmla="*/ 0 w 9700459"/>
-              <a:gd name="connsiteY0" fmla="*/ 0 h 6858001"/>
-              <a:gd name="connsiteX1" fmla="*/ 1323975 w 9700459"/>
-              <a:gd name="connsiteY1" fmla="*/ 0 h 6858001"/>
-              <a:gd name="connsiteX2" fmla="*/ 1517015 w 9700459"/>
-              <a:gd name="connsiteY2" fmla="*/ 0 h 6858001"/>
-              <a:gd name="connsiteX3" fmla="*/ 3241265 w 9700459"/>
-              <a:gd name="connsiteY3" fmla="*/ 0 h 6858001"/>
-              <a:gd name="connsiteX4" fmla="*/ 3241265 w 9700459"/>
-              <a:gd name="connsiteY4" fmla="*/ 1 h 6858001"/>
-              <a:gd name="connsiteX5" fmla="*/ 8355744 w 9700459"/>
-              <a:gd name="connsiteY5" fmla="*/ 1 h 6858001"/>
-              <a:gd name="connsiteX6" fmla="*/ 8355744 w 9700459"/>
-              <a:gd name="connsiteY6" fmla="*/ 0 h 6858001"/>
-              <a:gd name="connsiteX7" fmla="*/ 9699282 w 9700459"/>
-              <a:gd name="connsiteY7" fmla="*/ 0 h 6858001"/>
-              <a:gd name="connsiteX8" fmla="*/ 9674237 w 9700459"/>
-              <a:gd name="connsiteY8" fmla="*/ 155677 h 6858001"/>
-              <a:gd name="connsiteX9" fmla="*/ 9650368 w 9700459"/>
-              <a:gd name="connsiteY9" fmla="*/ 310668 h 6858001"/>
-              <a:gd name="connsiteX10" fmla="*/ 9627004 w 9700459"/>
-              <a:gd name="connsiteY10" fmla="*/ 466344 h 6858001"/>
-              <a:gd name="connsiteX11" fmla="*/ 9607001 w 9700459"/>
-              <a:gd name="connsiteY11" fmla="*/ 622707 h 6858001"/>
-              <a:gd name="connsiteX12" fmla="*/ 9586830 w 9700459"/>
-              <a:gd name="connsiteY12" fmla="*/ 778383 h 6858001"/>
-              <a:gd name="connsiteX13" fmla="*/ 9568004 w 9700459"/>
-              <a:gd name="connsiteY13" fmla="*/ 934746 h 6858001"/>
-              <a:gd name="connsiteX14" fmla="*/ 9551868 w 9700459"/>
-              <a:gd name="connsiteY14" fmla="*/ 1089051 h 6858001"/>
-              <a:gd name="connsiteX15" fmla="*/ 9536572 w 9700459"/>
-              <a:gd name="connsiteY15" fmla="*/ 1245413 h 6858001"/>
-              <a:gd name="connsiteX16" fmla="*/ 9522620 w 9700459"/>
-              <a:gd name="connsiteY16" fmla="*/ 1401090 h 6858001"/>
-              <a:gd name="connsiteX17" fmla="*/ 9510518 w 9700459"/>
-              <a:gd name="connsiteY17" fmla="*/ 1554023 h 6858001"/>
-              <a:gd name="connsiteX18" fmla="*/ 9498415 w 9700459"/>
-              <a:gd name="connsiteY18" fmla="*/ 1709014 h 6858001"/>
-              <a:gd name="connsiteX19" fmla="*/ 9488330 w 9700459"/>
-              <a:gd name="connsiteY19" fmla="*/ 1861947 h 6858001"/>
-              <a:gd name="connsiteX20" fmla="*/ 9480430 w 9700459"/>
-              <a:gd name="connsiteY20" fmla="*/ 2014881 h 6858001"/>
-              <a:gd name="connsiteX21" fmla="*/ 9472193 w 9700459"/>
-              <a:gd name="connsiteY21" fmla="*/ 2167128 h 6858001"/>
-              <a:gd name="connsiteX22" fmla="*/ 9465302 w 9700459"/>
-              <a:gd name="connsiteY22" fmla="*/ 2318004 h 6858001"/>
-              <a:gd name="connsiteX23" fmla="*/ 9460427 w 9700459"/>
-              <a:gd name="connsiteY23" fmla="*/ 2467509 h 6858001"/>
-              <a:gd name="connsiteX24" fmla="*/ 9456225 w 9700459"/>
-              <a:gd name="connsiteY24" fmla="*/ 2617013 h 6858001"/>
-              <a:gd name="connsiteX25" fmla="*/ 9452191 w 9700459"/>
-              <a:gd name="connsiteY25" fmla="*/ 2765146 h 6858001"/>
-              <a:gd name="connsiteX26" fmla="*/ 9450342 w 9700459"/>
-              <a:gd name="connsiteY26" fmla="*/ 2911221 h 6858001"/>
-              <a:gd name="connsiteX27" fmla="*/ 9448325 w 9700459"/>
-              <a:gd name="connsiteY27" fmla="*/ 3057297 h 6858001"/>
-              <a:gd name="connsiteX28" fmla="*/ 9447316 w 9700459"/>
-              <a:gd name="connsiteY28" fmla="*/ 3201315 h 6858001"/>
-              <a:gd name="connsiteX29" fmla="*/ 9448325 w 9700459"/>
-              <a:gd name="connsiteY29" fmla="*/ 3343961 h 6858001"/>
-              <a:gd name="connsiteX30" fmla="*/ 9448325 w 9700459"/>
-              <a:gd name="connsiteY30" fmla="*/ 3485236 h 6858001"/>
-              <a:gd name="connsiteX31" fmla="*/ 9450342 w 9700459"/>
-              <a:gd name="connsiteY31" fmla="*/ 3625139 h 6858001"/>
-              <a:gd name="connsiteX32" fmla="*/ 9453367 w 9700459"/>
-              <a:gd name="connsiteY32" fmla="*/ 3762299 h 6858001"/>
-              <a:gd name="connsiteX33" fmla="*/ 9456225 w 9700459"/>
-              <a:gd name="connsiteY33" fmla="*/ 3898087 h 6858001"/>
-              <a:gd name="connsiteX34" fmla="*/ 9459419 w 9700459"/>
-              <a:gd name="connsiteY34" fmla="*/ 4031133 h 6858001"/>
-              <a:gd name="connsiteX35" fmla="*/ 9464293 w 9700459"/>
-              <a:gd name="connsiteY35" fmla="*/ 4163492 h 6858001"/>
-              <a:gd name="connsiteX36" fmla="*/ 9469504 w 9700459"/>
-              <a:gd name="connsiteY36" fmla="*/ 4293793 h 6858001"/>
-              <a:gd name="connsiteX37" fmla="*/ 9474210 w 9700459"/>
-              <a:gd name="connsiteY37" fmla="*/ 4421352 h 6858001"/>
-              <a:gd name="connsiteX38" fmla="*/ 9487490 w 9700459"/>
-              <a:gd name="connsiteY38" fmla="*/ 4670298 h 6858001"/>
-              <a:gd name="connsiteX39" fmla="*/ 9501609 w 9700459"/>
-              <a:gd name="connsiteY39" fmla="*/ 4908956 h 6858001"/>
-              <a:gd name="connsiteX40" fmla="*/ 9516401 w 9700459"/>
-              <a:gd name="connsiteY40" fmla="*/ 5138013 h 6858001"/>
-              <a:gd name="connsiteX41" fmla="*/ 9532706 w 9700459"/>
-              <a:gd name="connsiteY41" fmla="*/ 5354726 h 6858001"/>
-              <a:gd name="connsiteX42" fmla="*/ 9549683 w 9700459"/>
-              <a:gd name="connsiteY42" fmla="*/ 5561838 h 6858001"/>
-              <a:gd name="connsiteX43" fmla="*/ 9568004 w 9700459"/>
-              <a:gd name="connsiteY43" fmla="*/ 5753862 h 6858001"/>
-              <a:gd name="connsiteX44" fmla="*/ 9585990 w 9700459"/>
-              <a:gd name="connsiteY44" fmla="*/ 5934227 h 6858001"/>
-              <a:gd name="connsiteX45" fmla="*/ 9603975 w 9700459"/>
-              <a:gd name="connsiteY45" fmla="*/ 6100191 h 6858001"/>
-              <a:gd name="connsiteX46" fmla="*/ 9620952 w 9700459"/>
-              <a:gd name="connsiteY46" fmla="*/ 6252438 h 6858001"/>
-              <a:gd name="connsiteX47" fmla="*/ 9637089 w 9700459"/>
-              <a:gd name="connsiteY47" fmla="*/ 6387541 h 6858001"/>
-              <a:gd name="connsiteX48" fmla="*/ 9652385 w 9700459"/>
-              <a:gd name="connsiteY48" fmla="*/ 6509613 h 6858001"/>
-              <a:gd name="connsiteX49" fmla="*/ 9665160 w 9700459"/>
-              <a:gd name="connsiteY49" fmla="*/ 6612483 h 6858001"/>
-              <a:gd name="connsiteX50" fmla="*/ 9677262 w 9700459"/>
-              <a:gd name="connsiteY50" fmla="*/ 6698894 h 6858001"/>
-              <a:gd name="connsiteX51" fmla="*/ 9694576 w 9700459"/>
-              <a:gd name="connsiteY51" fmla="*/ 6817538 h 6858001"/>
-              <a:gd name="connsiteX52" fmla="*/ 9700459 w 9700459"/>
-              <a:gd name="connsiteY52" fmla="*/ 6858000 h 6858001"/>
-              <a:gd name="connsiteX53" fmla="*/ 8795105 w 9700459"/>
-              <a:gd name="connsiteY53" fmla="*/ 6858000 h 6858001"/>
-              <a:gd name="connsiteX54" fmla="*/ 8795105 w 9700459"/>
-              <a:gd name="connsiteY54" fmla="*/ 6858001 h 6858001"/>
-              <a:gd name="connsiteX55" fmla="*/ 2704541 w 9700459"/>
-              <a:gd name="connsiteY55" fmla="*/ 6858001 h 6858001"/>
-              <a:gd name="connsiteX56" fmla="*/ 2704541 w 9700459"/>
-              <a:gd name="connsiteY56" fmla="*/ 6858000 h 6858001"/>
-              <a:gd name="connsiteX57" fmla="*/ 1517015 w 9700459"/>
-              <a:gd name="connsiteY57" fmla="*/ 6858000 h 6858001"/>
-              <a:gd name="connsiteX58" fmla="*/ 1323975 w 9700459"/>
-              <a:gd name="connsiteY58" fmla="*/ 6858000 h 6858001"/>
-              <a:gd name="connsiteX59" fmla="*/ 0 w 9700459"/>
-              <a:gd name="connsiteY59" fmla="*/ 6858000 h 6858001"/>
-            </a:gdLst>
-            <a:ahLst/>
-            <a:cxnLst>
-              <a:cxn ang="0">
-                <a:pos x="connsiteX0" y="connsiteY0"/>
-              </a:cxn>
-              <a:cxn ang="0">
-                <a:pos x="connsiteX1" y="connsiteY1"/>
-              </a:cxn>
-              <a:cxn ang="0">
-                <a:pos x="connsiteX2" y="connsiteY2"/>
-              </a:cxn>
-              <a:cxn ang="0">
-                <a:pos x="connsiteX3" y="connsiteY3"/>
-              </a:cxn>
-              <a:cxn ang="0">
-                <a:pos x="connsiteX4" y="connsiteY4"/>
-              </a:cxn>
-              <a:cxn ang="0">
-                <a:pos x="connsiteX5" y="connsiteY5"/>
-              </a:cxn>
-              <a:cxn ang="0">
-                <a:pos x="connsiteX6" y="connsiteY6"/>
-              </a:cxn>
-              <a:cxn ang="0">
-                <a:pos x="connsiteX7" y="connsiteY7"/>
-              </a:cxn>
-              <a:cxn ang="0">
-                <a:pos x="connsiteX8" y="connsiteY8"/>
-              </a:cxn>
-              <a:cxn ang="0">
-                <a:pos x="connsiteX9" y="connsiteY9"/>
-              </a:cxn>
-              <a:cxn ang="0">
-                <a:pos x="connsiteX10" y="connsiteY10"/>
-              </a:cxn>
-              <a:cxn ang="0">
-                <a:pos x="connsiteX11" y="connsiteY11"/>
-              </a:cxn>
-              <a:cxn ang="0">
-                <a:pos x="connsiteX12" y="connsiteY12"/>
-              </a:cxn>
-              <a:cxn ang="0">
-                <a:pos x="connsiteX13" y="connsiteY13"/>
-              </a:cxn>
-              <a:cxn ang="0">
-                <a:pos x="connsiteX14" y="connsiteY14"/>
-              </a:cxn>
-              <a:cxn ang="0">
-                <a:pos x="connsiteX15" y="connsiteY15"/>
-              </a:cxn>
-              <a:cxn ang="0">
-                <a:pos x="connsiteX16" y="connsiteY16"/>
-              </a:cxn>
-              <a:cxn ang="0">
-                <a:pos x="connsiteX17" y="connsiteY17"/>
-              </a:cxn>
-              <a:cxn ang="0">
-                <a:pos x="connsiteX18" y="connsiteY18"/>
-              </a:cxn>
-              <a:cxn ang="0">
-                <a:pos x="connsiteX19" y="connsiteY19"/>
-              </a:cxn>
-              <a:cxn ang="0">
-                <a:pos x="connsiteX20" y="connsiteY20"/>
-              </a:cxn>
-              <a:cxn ang="0">
-                <a:pos x="connsiteX21" y="connsiteY21"/>
-              </a:cxn>
-              <a:cxn ang="0">
-                <a:pos x="connsiteX22" y="connsiteY22"/>
-              </a:cxn>
-              <a:cxn ang="0">
-                <a:pos x="connsiteX23" y="connsiteY23"/>
-              </a:cxn>
-              <a:cxn ang="0">
-                <a:pos x="connsiteX24" y="connsiteY24"/>
-              </a:cxn>
-              <a:cxn ang="0">
-                <a:pos x="connsiteX25" y="connsiteY25"/>
-              </a:cxn>
-              <a:cxn ang="0">
-                <a:pos x="connsiteX26" y="connsiteY26"/>
-              </a:cxn>
-              <a:cxn ang="0">
-                <a:pos x="connsiteX27" y="connsiteY27"/>
-              </a:cxn>
-              <a:cxn ang="0">
-                <a:pos x="connsiteX28" y="connsiteY28"/>
-              </a:cxn>
-              <a:cxn ang="0">
-                <a:pos x="connsiteX29" y="connsiteY29"/>
-              </a:cxn>
-              <a:cxn ang="0">
-                <a:pos x="connsiteX30" y="connsiteY30"/>
-              </a:cxn>
-              <a:cxn ang="0">
-                <a:pos x="connsiteX31" y="connsiteY31"/>
-              </a:cxn>
-              <a:cxn ang="0">
-                <a:pos x="connsiteX32" y="connsiteY32"/>
-              </a:cxn>
-              <a:cxn ang="0">
-                <a:pos x="connsiteX33" y="connsiteY33"/>
-              </a:cxn>
-              <a:cxn ang="0">
-                <a:pos x="connsiteX34" y="connsiteY34"/>
-              </a:cxn>
-              <a:cxn ang="0">
-                <a:pos x="connsiteX35" y="connsiteY35"/>
-              </a:cxn>
-              <a:cxn ang="0">
-                <a:pos x="connsiteX36" y="connsiteY36"/>
-              </a:cxn>
-              <a:cxn ang="0">
-                <a:pos x="connsiteX37" y="connsiteY37"/>
-              </a:cxn>
-              <a:cxn ang="0">
-                <a:pos x="connsiteX38" y="connsiteY38"/>
-              </a:cxn>
-              <a:cxn ang="0">
-                <a:pos x="connsiteX39" y="connsiteY39"/>
-              </a:cxn>
-              <a:cxn ang="0">
-                <a:pos x="connsiteX40" y="connsiteY40"/>
-              </a:cxn>
-              <a:cxn ang="0">
-                <a:pos x="connsiteX41" y="connsiteY41"/>
-              </a:cxn>
-              <a:cxn ang="0">
-                <a:pos x="connsiteX42" y="connsiteY42"/>
-              </a:cxn>
-              <a:cxn ang="0">
-                <a:pos x="connsiteX43" y="connsiteY43"/>
-              </a:cxn>
-              <a:cxn ang="0">
-                <a:pos x="connsiteX44" y="connsiteY44"/>
-              </a:cxn>
-              <a:cxn ang="0">
-                <a:pos x="connsiteX45" y="connsiteY45"/>
-              </a:cxn>
-              <a:cxn ang="0">
-                <a:pos x="connsiteX46" y="connsiteY46"/>
-              </a:cxn>
-              <a:cxn ang="0">
-                <a:pos x="connsiteX47" y="connsiteY47"/>
-              </a:cxn>
-              <a:cxn ang="0">
-                <a:pos x="connsiteX48" y="connsiteY48"/>
-              </a:cxn>
-              <a:cxn ang="0">
-                <a:pos x="connsiteX49" y="connsiteY49"/>
-              </a:cxn>
-              <a:cxn ang="0">
-                <a:pos x="connsiteX50" y="connsiteY50"/>
-              </a:cxn>
-              <a:cxn ang="0">
-                <a:pos x="connsiteX51" y="connsiteY51"/>
-              </a:cxn>
-              <a:cxn ang="0">
-                <a:pos x="connsiteX52" y="connsiteY52"/>
-              </a:cxn>
-              <a:cxn ang="0">
-                <a:pos x="connsiteX53" y="connsiteY53"/>
-              </a:cxn>
-              <a:cxn ang="0">
-                <a:pos x="connsiteX54" y="connsiteY54"/>
-              </a:cxn>
-              <a:cxn ang="0">
-                <a:pos x="connsiteX55" y="connsiteY55"/>
-              </a:cxn>
-              <a:cxn ang="0">
-                <a:pos x="connsiteX56" y="connsiteY56"/>
-              </a:cxn>
-              <a:cxn ang="0">
-                <a:pos x="connsiteX57" y="connsiteY57"/>
-              </a:cxn>
-              <a:cxn ang="0">
-                <a:pos x="connsiteX58" y="connsiteY58"/>
-              </a:cxn>
-              <a:cxn ang="0">
-                <a:pos x="connsiteX59" y="connsiteY59"/>
-              </a:cxn>
-            </a:cxnLst>
-            <a:rect l="l" t="t" r="r" b="b"/>
-            <a:pathLst>
-              <a:path w="9700459" h="6858001">
-                <a:moveTo>
-                  <a:pt x="0" y="0"/>
-                </a:moveTo>
-                <a:lnTo>
-                  <a:pt x="1323975" y="0"/>
-                </a:lnTo>
-                <a:lnTo>
-                  <a:pt x="1517015" y="0"/>
-                </a:lnTo>
-                <a:lnTo>
-                  <a:pt x="3241265" y="0"/>
-                </a:lnTo>
-                <a:lnTo>
-                  <a:pt x="3241265" y="1"/>
-                </a:lnTo>
-                <a:lnTo>
-                  <a:pt x="8355744" y="1"/>
-                </a:lnTo>
-                <a:lnTo>
-                  <a:pt x="8355744" y="0"/>
-                </a:lnTo>
-                <a:lnTo>
-                  <a:pt x="9699282" y="0"/>
-                </a:lnTo>
-                <a:lnTo>
-                  <a:pt x="9674237" y="155677"/>
-                </a:lnTo>
-                <a:lnTo>
-                  <a:pt x="9650368" y="310668"/>
-                </a:lnTo>
-                <a:lnTo>
-                  <a:pt x="9627004" y="466344"/>
-                </a:lnTo>
-                <a:lnTo>
-                  <a:pt x="9607001" y="622707"/>
-                </a:lnTo>
-                <a:lnTo>
-                  <a:pt x="9586830" y="778383"/>
-                </a:lnTo>
-                <a:lnTo>
-                  <a:pt x="9568004" y="934746"/>
-                </a:lnTo>
-                <a:lnTo>
-                  <a:pt x="9551868" y="1089051"/>
-                </a:lnTo>
-                <a:lnTo>
-                  <a:pt x="9536572" y="1245413"/>
-                </a:lnTo>
-                <a:lnTo>
-                  <a:pt x="9522620" y="1401090"/>
-                </a:lnTo>
-                <a:lnTo>
-                  <a:pt x="9510518" y="1554023"/>
-                </a:lnTo>
-                <a:lnTo>
-                  <a:pt x="9498415" y="1709014"/>
-                </a:lnTo>
-                <a:lnTo>
-                  <a:pt x="9488330" y="1861947"/>
-                </a:lnTo>
-                <a:lnTo>
-                  <a:pt x="9480430" y="2014881"/>
-                </a:lnTo>
-                <a:lnTo>
-                  <a:pt x="9472193" y="2167128"/>
-                </a:lnTo>
-                <a:lnTo>
-                  <a:pt x="9465302" y="2318004"/>
-                </a:lnTo>
-                <a:lnTo>
-                  <a:pt x="9460427" y="2467509"/>
-                </a:lnTo>
-                <a:lnTo>
-                  <a:pt x="9456225" y="2617013"/>
-                </a:lnTo>
-                <a:lnTo>
-                  <a:pt x="9452191" y="2765146"/>
-                </a:lnTo>
-                <a:lnTo>
-                  <a:pt x="9450342" y="2911221"/>
-                </a:lnTo>
-                <a:lnTo>
-                  <a:pt x="9448325" y="3057297"/>
-                </a:lnTo>
-                <a:lnTo>
-                  <a:pt x="9447316" y="3201315"/>
-                </a:lnTo>
-                <a:lnTo>
-                  <a:pt x="9448325" y="3343961"/>
-                </a:lnTo>
-                <a:lnTo>
-                  <a:pt x="9448325" y="3485236"/>
-                </a:lnTo>
-                <a:lnTo>
-                  <a:pt x="9450342" y="3625139"/>
-                </a:lnTo>
-                <a:lnTo>
-                  <a:pt x="9453367" y="3762299"/>
-                </a:lnTo>
-                <a:lnTo>
-                  <a:pt x="9456225" y="3898087"/>
-                </a:lnTo>
-                <a:lnTo>
-                  <a:pt x="9459419" y="4031133"/>
-                </a:lnTo>
-                <a:lnTo>
-                  <a:pt x="9464293" y="4163492"/>
-                </a:lnTo>
-                <a:lnTo>
-                  <a:pt x="9469504" y="4293793"/>
-                </a:lnTo>
-                <a:lnTo>
-                  <a:pt x="9474210" y="4421352"/>
-                </a:lnTo>
-                <a:lnTo>
-                  <a:pt x="9487490" y="4670298"/>
-                </a:lnTo>
-                <a:lnTo>
-                  <a:pt x="9501609" y="4908956"/>
-                </a:lnTo>
-                <a:lnTo>
-                  <a:pt x="9516401" y="5138013"/>
-                </a:lnTo>
-                <a:lnTo>
-                  <a:pt x="9532706" y="5354726"/>
-                </a:lnTo>
-                <a:lnTo>
-                  <a:pt x="9549683" y="5561838"/>
-                </a:lnTo>
-                <a:lnTo>
-                  <a:pt x="9568004" y="5753862"/>
-                </a:lnTo>
-                <a:lnTo>
-                  <a:pt x="9585990" y="5934227"/>
-                </a:lnTo>
-                <a:lnTo>
-                  <a:pt x="9603975" y="6100191"/>
-                </a:lnTo>
-                <a:lnTo>
-                  <a:pt x="9620952" y="6252438"/>
-                </a:lnTo>
-                <a:lnTo>
-                  <a:pt x="9637089" y="6387541"/>
-                </a:lnTo>
-                <a:lnTo>
-                  <a:pt x="9652385" y="6509613"/>
-                </a:lnTo>
-                <a:lnTo>
-                  <a:pt x="9665160" y="6612483"/>
-                </a:lnTo>
-                <a:lnTo>
-                  <a:pt x="9677262" y="6698894"/>
-                </a:lnTo>
-                <a:lnTo>
-                  <a:pt x="9694576" y="6817538"/>
-                </a:lnTo>
-                <a:lnTo>
-                  <a:pt x="9700459" y="6858000"/>
-                </a:lnTo>
-                <a:lnTo>
-                  <a:pt x="8795105" y="6858000"/>
-                </a:lnTo>
-                <a:lnTo>
-                  <a:pt x="8795105" y="6858001"/>
-                </a:lnTo>
-                <a:lnTo>
-                  <a:pt x="2704541" y="6858001"/>
-                </a:lnTo>
-                <a:lnTo>
-                  <a:pt x="2704541" y="6858000"/>
-                </a:lnTo>
-                <a:lnTo>
-                  <a:pt x="1517015" y="6858000"/>
-                </a:lnTo>
-                <a:lnTo>
-                  <a:pt x="1323975" y="6858000"/>
-                </a:lnTo>
-                <a:lnTo>
-                  <a:pt x="0" y="6858000"/>
-                </a:lnTo>
-                <a:close/>
-              </a:path>
-            </a:pathLst>
-          </a:custGeom>
-          <a:ln>
-            <a:noFill/>
-          </a:ln>
-        </p:spPr>
-        <p:txBody>
-          <a:bodyPr rot="0" spcFirstLastPara="0" vertOverflow="overflow" horzOverflow="overflow" vert="horz" wrap="square" lIns="91440" tIns="45720" rIns="91440" bIns="45720" numCol="1" spcCol="0" rtlCol="0" fromWordArt="0" anchor="ctr" anchorCtr="0" forceAA="0" compatLnSpc="1">
-            <a:prstTxWarp prst="textNoShape">
-              <a:avLst/>
-            </a:prstTxWarp>
-            <a:noAutofit/>
+          <a:bodyPr>
+            <a:normAutofit/>
           </a:bodyPr>
           <a:lstStyle/>
           <a:p>
-            <a:pPr algn="ctr"/>
-            <a:endParaRPr lang="en-US">
+            <a:pPr>
+              <a:lnSpc>
+                <a:spcPct val="100000"/>
+              </a:lnSpc>
+              <a:spcAft>
+                <a:spcPts val="1200"/>
+              </a:spcAft>
+            </a:pPr>
+            <a:r>
+              <a:rPr lang="en-US" b="1" dirty="0"/>
+              <a:t>Hungarian focus constructions:</a:t>
+            </a:r>
+            <a:br>
+              <a:rPr lang="en-US" dirty="0"/>
+            </a:br>
+            <a:r>
+              <a:rPr lang="en-US" sz="4800" dirty="0"/>
+              <a:t>A visual world paradigm study with self-paced reading and eye-tracking</a:t>
+            </a:r>
+            <a:br>
+              <a:rPr lang="en-US" sz="4800" dirty="0"/>
+            </a:br>
+            <a:r>
+              <a:rPr lang="hu-HU" sz="4000" dirty="0">
+                <a:solidFill>
+                  <a:schemeClr val="accent1"/>
+                </a:solidFill>
+              </a:rPr>
+              <a:t>—</a:t>
+            </a:r>
+            <a:r>
+              <a:rPr lang="en-US" sz="4000" dirty="0">
+                <a:solidFill>
+                  <a:schemeClr val="accent1"/>
+                </a:solidFill>
+              </a:rPr>
+              <a:t>a small update</a:t>
+            </a:r>
+            <a:endParaRPr lang="en-US" dirty="0">
               <a:solidFill>
-                <a:schemeClr val="tx1"/>
+                <a:schemeClr val="accent1"/>
               </a:solidFill>
             </a:endParaRPr>
           </a:p>
@@ -7136,7 +3645,7 @@
           <p:cNvPr id="3" name="Subtitle 2">
             <a:extLst>
               <a:ext uri="{FF2B5EF4-FFF2-40B4-BE49-F238E27FC236}">
-                <a16:creationId xmlns:a16="http://schemas.microsoft.com/office/drawing/2014/main" id="{74A44953-4E30-84DB-0469-E110DEC268C4}"/>
+                <a16:creationId xmlns:a16="http://schemas.microsoft.com/office/drawing/2014/main" id="{9358F378-2C56-AECD-4BE5-0D9CA3ABBEAF}"/>
               </a:ext>
             </a:extLst>
           </p:cNvPr>
@@ -7149,164 +3658,44 @@
         </p:nvSpPr>
         <p:spPr>
           <a:xfrm>
-            <a:off x="292607" y="4777380"/>
-            <a:ext cx="7837259" cy="861420"/>
+            <a:off x="1261872" y="5093208"/>
+            <a:ext cx="9418320" cy="1399032"/>
           </a:xfrm>
         </p:spPr>
         <p:txBody>
-          <a:bodyPr>
-            <a:normAutofit/>
-          </a:bodyPr>
-          <a:lstStyle/>
-          <a:p>
-            <a:r>
-              <a:rPr lang="hu-HU" dirty="0" err="1">
-                <a:solidFill>
-                  <a:schemeClr val="tx1">
-                    <a:lumMod val="85000"/>
-                    <a:lumOff val="15000"/>
-                  </a:schemeClr>
-                </a:solidFill>
-              </a:rPr>
-              <a:t>Intro</a:t>
-            </a:r>
-            <a:endParaRPr lang="hu-HU" dirty="0">
-              <a:solidFill>
-                <a:schemeClr val="tx1">
-                  <a:lumMod val="85000"/>
-                  <a:lumOff val="15000"/>
-                </a:schemeClr>
-              </a:solidFill>
-            </a:endParaRPr>
-          </a:p>
-        </p:txBody>
-      </p:sp>
-      <p:sp>
-        <p:nvSpPr>
-          <p:cNvPr id="2" name="Title 1">
-            <a:extLst>
-              <a:ext uri="{FF2B5EF4-FFF2-40B4-BE49-F238E27FC236}">
-                <a16:creationId xmlns:a16="http://schemas.microsoft.com/office/drawing/2014/main" id="{9B4EA4BC-07B0-5F86-EA61-564035AA04CC}"/>
-              </a:ext>
-            </a:extLst>
-          </p:cNvPr>
-          <p:cNvSpPr>
-            <a:spLocks noGrp="1"/>
-          </p:cNvSpPr>
-          <p:nvPr>
-            <p:ph type="ctrTitle"/>
-          </p:nvPr>
-        </p:nvSpPr>
-        <p:spPr>
-          <a:xfrm>
-            <a:off x="292608" y="557784"/>
-            <a:ext cx="9404675" cy="4219597"/>
-          </a:xfrm>
-        </p:spPr>
-        <p:txBody>
-          <a:bodyPr>
-            <a:normAutofit fontScale="90000"/>
-          </a:bodyPr>
-          <a:lstStyle/>
-          <a:p>
-            <a:r>
-              <a:rPr lang="hu-HU" b="1" dirty="0" err="1"/>
-              <a:t>Hungarian</a:t>
-            </a:r>
-            <a:r>
-              <a:rPr lang="hu-HU" b="1" dirty="0"/>
-              <a:t> </a:t>
-            </a:r>
-            <a:br>
-              <a:rPr lang="en-US" b="1" dirty="0"/>
-            </a:br>
-            <a:br>
-              <a:rPr lang="en-US" b="1" dirty="0"/>
-            </a:br>
-            <a:r>
-              <a:rPr lang="en-US" dirty="0"/>
-              <a:t>Self-paced reading+ </a:t>
-            </a:r>
-            <a:br>
-              <a:rPr lang="en-US" dirty="0"/>
-            </a:br>
-            <a:r>
-              <a:rPr lang="en-US" dirty="0"/>
-              <a:t>Visual world paradigm</a:t>
-            </a:r>
-            <a:endParaRPr lang="hu-HU" dirty="0"/>
-          </a:p>
-        </p:txBody>
-      </p:sp>
-      <p:sp>
-        <p:nvSpPr>
-          <p:cNvPr id="14" name="Rectangle 13">
-            <a:extLst>
-              <a:ext uri="{FF2B5EF4-FFF2-40B4-BE49-F238E27FC236}">
-                <a16:creationId xmlns:a16="http://schemas.microsoft.com/office/drawing/2014/main" id="{B61A74B3-E247-44D4-8C48-FAE8E2056401}"/>
-              </a:ext>
-              <a:ext uri="{C183D7F6-B498-43B3-948B-1728B52AA6E4}">
-                <adec:decorative xmlns:adec="http://schemas.microsoft.com/office/drawing/2017/decorative" val="1"/>
-              </a:ext>
-            </a:extLst>
-          </p:cNvPr>
-          <p:cNvSpPr>
-            <a:spLocks noGrp="1" noRot="1" noChangeAspect="1" noMove="1" noResize="1" noEditPoints="1" noAdjustHandles="1" noChangeArrowheads="1" noChangeShapeType="1" noTextEdit="1"/>
-          </p:cNvSpPr>
-          <p:nvPr>
-            <p:extLst>
-              <p:ext uri="{386F3935-93C4-4BCD-93E2-E3B085C9AB24}">
-                <p16:designElem xmlns:p16="http://schemas.microsoft.com/office/powerpoint/2015/main" val="1"/>
-              </p:ext>
-            </p:extLst>
-          </p:nvPr>
-        </p:nvSpPr>
-        <p:spPr>
-          <a:xfrm>
-            <a:off x="10437812" y="0"/>
-            <a:ext cx="685800" cy="1143000"/>
-          </a:xfrm>
-          <a:prstGeom prst="rect">
-            <a:avLst/>
-          </a:prstGeom>
-          <a:solidFill>
-            <a:schemeClr val="accent1"/>
-          </a:solidFill>
-          <a:ln>
-            <a:noFill/>
-          </a:ln>
-        </p:spPr>
-        <p:style>
-          <a:lnRef idx="1">
-            <a:schemeClr val="accent1"/>
-          </a:lnRef>
-          <a:fillRef idx="3">
-            <a:schemeClr val="accent1"/>
-          </a:fillRef>
-          <a:effectRef idx="2">
-            <a:schemeClr val="accent1"/>
-          </a:effectRef>
-          <a:fontRef idx="minor">
-            <a:schemeClr val="lt1"/>
-          </a:fontRef>
-        </p:style>
-        <p:txBody>
           <a:bodyPr/>
           <a:lstStyle/>
           <a:p>
-            <a:endParaRPr lang="hu-HU"/>
+            <a:r>
+              <a:rPr lang="en-US" dirty="0"/>
+              <a:t>PARTI G</a:t>
+            </a:r>
+            <a:r>
+              <a:rPr lang="hu-HU" dirty="0"/>
+              <a:t>á</a:t>
+            </a:r>
+            <a:r>
+              <a:rPr lang="en-US" dirty="0"/>
+              <a:t>bor</a:t>
+            </a:r>
+          </a:p>
+          <a:p>
+            <a:r>
+              <a:rPr lang="en-US" dirty="0"/>
+              <a:t>2025.10.30.</a:t>
+            </a:r>
           </a:p>
         </p:txBody>
       </p:sp>
     </p:spTree>
     <p:extLst>
       <p:ext uri="{BB962C8B-B14F-4D97-AF65-F5344CB8AC3E}">
-        <p14:creationId xmlns:p14="http://schemas.microsoft.com/office/powerpoint/2010/main" val="3340496395"/>
+        <p14:creationId xmlns:p14="http://schemas.microsoft.com/office/powerpoint/2010/main" val="2301625551"/>
       </p:ext>
     </p:extLst>
   </p:cSld>
   <p:clrMapOvr>
-    <a:overrideClrMapping bg1="lt1" tx1="dk1" bg2="lt2" tx2="dk2" accent1="accent1" accent2="accent2" accent3="accent3" accent4="accent4" accent5="accent5" accent6="accent6" hlink="hlink" folHlink="folHlink"/>
+    <a:masterClrMapping/>
   </p:clrMapOvr>
 </p:sld>
 </file>
@@ -8042,35 +4431,35 @@
             <a:r>
               <a:rPr lang="hu-HU" b="1" dirty="0" err="1">
                 <a:solidFill>
-                  <a:srgbClr val="FF0000"/>
+                  <a:schemeClr val="accent4"/>
                 </a:solidFill>
               </a:rPr>
               <a:t>self-directed</a:t>
             </a:r>
             <a:endParaRPr lang="hu-HU" b="1" dirty="0">
               <a:solidFill>
-                <a:srgbClr val="FF0000"/>
+                <a:schemeClr val="accent4"/>
               </a:solidFill>
             </a:endParaRPr>
           </a:p>
           <a:p>
             <a:endParaRPr lang="en-US" b="1" dirty="0">
               <a:solidFill>
-                <a:srgbClr val="FF0000"/>
+                <a:schemeClr val="accent4"/>
               </a:solidFill>
             </a:endParaRPr>
           </a:p>
           <a:p>
             <a:endParaRPr lang="hu-HU" b="1" dirty="0">
               <a:solidFill>
-                <a:srgbClr val="FF0000"/>
+                <a:schemeClr val="accent4"/>
               </a:solidFill>
             </a:endParaRPr>
           </a:p>
           <a:p>
             <a:endParaRPr lang="hu-HU" b="1" dirty="0">
               <a:solidFill>
-                <a:srgbClr val="FF0000"/>
+                <a:schemeClr val="accent4"/>
               </a:solidFill>
             </a:endParaRPr>
           </a:p>
@@ -8078,35 +4467,35 @@
             <a:r>
               <a:rPr lang="hu-HU" b="1" dirty="0" err="1">
                 <a:solidFill>
-                  <a:srgbClr val="FF0000"/>
+                  <a:schemeClr val="accent4"/>
                 </a:solidFill>
               </a:rPr>
               <a:t>other-directed</a:t>
             </a:r>
             <a:endParaRPr lang="hu-HU" b="1" dirty="0">
               <a:solidFill>
-                <a:srgbClr val="FF0000"/>
+                <a:schemeClr val="accent4"/>
               </a:solidFill>
             </a:endParaRPr>
           </a:p>
           <a:p>
             <a:endParaRPr lang="hu-HU" b="1" dirty="0">
               <a:solidFill>
-                <a:srgbClr val="FF0000"/>
+                <a:schemeClr val="accent4"/>
               </a:solidFill>
             </a:endParaRPr>
           </a:p>
           <a:p>
             <a:endParaRPr lang="en-US" b="1" dirty="0">
               <a:solidFill>
-                <a:srgbClr val="FF0000"/>
+                <a:schemeClr val="accent4"/>
               </a:solidFill>
             </a:endParaRPr>
           </a:p>
           <a:p>
             <a:endParaRPr lang="hu-HU" b="1" dirty="0">
               <a:solidFill>
-                <a:srgbClr val="FF0000"/>
+                <a:schemeClr val="accent4"/>
               </a:solidFill>
             </a:endParaRPr>
           </a:p>
@@ -8114,7 +4503,7 @@
             <a:r>
               <a:rPr lang="hu-HU" b="1" dirty="0" err="1">
                 <a:solidFill>
-                  <a:srgbClr val="FF0000"/>
+                  <a:schemeClr val="accent4"/>
                 </a:solidFill>
               </a:rPr>
               <a:t>self</a:t>
@@ -8122,7 +4511,7 @@
             <a:r>
               <a:rPr lang="hu-HU" b="1" dirty="0">
                 <a:solidFill>
-                  <a:srgbClr val="FF0000"/>
+                  <a:schemeClr val="accent4"/>
                 </a:solidFill>
               </a:rPr>
               <a:t>-</a:t>
@@ -8130,7 +4519,7 @@
             <a:r>
               <a:rPr lang="hu-HU" b="1" dirty="0" err="1">
                 <a:solidFill>
-                  <a:srgbClr val="FF0000"/>
+                  <a:schemeClr val="accent4"/>
                 </a:solidFill>
               </a:rPr>
               <a:t>directed</a:t>
@@ -8138,7 +4527,7 @@
             <a:r>
               <a:rPr lang="hu-HU" b="1" dirty="0">
                 <a:solidFill>
-                  <a:srgbClr val="FF0000"/>
+                  <a:schemeClr val="accent4"/>
                 </a:solidFill>
               </a:rPr>
               <a:t>-x</a:t>
@@ -8337,7 +4726,7 @@
         <p:spPr>
           <a:xfrm>
             <a:off x="1764792" y="1853248"/>
-            <a:ext cx="10011188" cy="3416320"/>
+            <a:ext cx="10011188" cy="3139321"/>
           </a:xfrm>
           <a:prstGeom prst="rect">
             <a:avLst/>
@@ -8357,7 +4746,7 @@
             <a:r>
               <a:rPr lang="hu-HU" b="1" dirty="0">
                 <a:solidFill>
-                  <a:srgbClr val="92D050"/>
+                  <a:schemeClr val="accent1"/>
                 </a:solidFill>
               </a:rPr>
               <a:t>kérkedett</a:t>
@@ -8542,7 +4931,7 @@
             <a:r>
               <a:rPr lang="hu-HU" b="1" dirty="0">
                 <a:solidFill>
-                  <a:srgbClr val="92D050"/>
+                  <a:schemeClr val="accent1"/>
                 </a:solidFill>
               </a:rPr>
               <a:t>megdicsérte</a:t>
@@ -8723,7 +5112,7 @@
             <a:r>
               <a:rPr lang="hu-HU" b="1" dirty="0">
                 <a:solidFill>
-                  <a:srgbClr val="92D050"/>
+                  <a:schemeClr val="accent1"/>
                 </a:solidFill>
               </a:rPr>
               <a:t>kérkedett</a:t>
@@ -8910,7 +5299,7 @@
         <p:spPr>
           <a:xfrm>
             <a:off x="0" y="1853248"/>
-            <a:ext cx="6094476" cy="3416320"/>
+            <a:ext cx="4782312" cy="3416320"/>
           </a:xfrm>
           <a:prstGeom prst="rect">
             <a:avLst/>
@@ -8926,35 +5315,35 @@
             <a:r>
               <a:rPr lang="hu-HU" b="1" dirty="0" err="1">
                 <a:solidFill>
-                  <a:srgbClr val="FF0000"/>
+                  <a:schemeClr val="accent4"/>
                 </a:solidFill>
               </a:rPr>
               <a:t>self-directed</a:t>
             </a:r>
             <a:endParaRPr lang="hu-HU" b="1" dirty="0">
               <a:solidFill>
-                <a:srgbClr val="FF0000"/>
+                <a:schemeClr val="accent4"/>
               </a:solidFill>
             </a:endParaRPr>
           </a:p>
           <a:p>
             <a:endParaRPr lang="en-US" b="1" dirty="0">
               <a:solidFill>
-                <a:srgbClr val="FF0000"/>
+                <a:schemeClr val="accent4"/>
               </a:solidFill>
             </a:endParaRPr>
           </a:p>
           <a:p>
             <a:endParaRPr lang="hu-HU" b="1" dirty="0">
               <a:solidFill>
-                <a:srgbClr val="FF0000"/>
+                <a:schemeClr val="accent4"/>
               </a:solidFill>
             </a:endParaRPr>
           </a:p>
           <a:p>
             <a:endParaRPr lang="hu-HU" b="1" dirty="0">
               <a:solidFill>
-                <a:srgbClr val="FF0000"/>
+                <a:schemeClr val="accent4"/>
               </a:solidFill>
             </a:endParaRPr>
           </a:p>
@@ -8962,35 +5351,35 @@
             <a:r>
               <a:rPr lang="hu-HU" b="1" dirty="0" err="1">
                 <a:solidFill>
-                  <a:srgbClr val="FF0000"/>
+                  <a:schemeClr val="accent4"/>
                 </a:solidFill>
               </a:rPr>
               <a:t>other-directed</a:t>
             </a:r>
             <a:endParaRPr lang="hu-HU" b="1" dirty="0">
               <a:solidFill>
-                <a:srgbClr val="FF0000"/>
+                <a:schemeClr val="accent4"/>
               </a:solidFill>
             </a:endParaRPr>
           </a:p>
           <a:p>
             <a:endParaRPr lang="hu-HU" b="1" dirty="0">
               <a:solidFill>
-                <a:srgbClr val="FF0000"/>
+                <a:schemeClr val="accent4"/>
               </a:solidFill>
             </a:endParaRPr>
           </a:p>
           <a:p>
             <a:endParaRPr lang="en-US" b="1" dirty="0">
               <a:solidFill>
-                <a:srgbClr val="FF0000"/>
+                <a:schemeClr val="accent4"/>
               </a:solidFill>
             </a:endParaRPr>
           </a:p>
           <a:p>
             <a:endParaRPr lang="hu-HU" b="1" dirty="0">
               <a:solidFill>
-                <a:srgbClr val="FF0000"/>
+                <a:schemeClr val="accent4"/>
               </a:solidFill>
             </a:endParaRPr>
           </a:p>
@@ -8998,7 +5387,7 @@
             <a:r>
               <a:rPr lang="hu-HU" b="1" dirty="0" err="1">
                 <a:solidFill>
-                  <a:srgbClr val="FF0000"/>
+                  <a:schemeClr val="accent4"/>
                 </a:solidFill>
               </a:rPr>
               <a:t>self</a:t>
@@ -9006,7 +5395,7 @@
             <a:r>
               <a:rPr lang="hu-HU" b="1" dirty="0">
                 <a:solidFill>
-                  <a:srgbClr val="FF0000"/>
+                  <a:schemeClr val="accent4"/>
                 </a:solidFill>
               </a:rPr>
               <a:t>-</a:t>
@@ -9014,7 +5403,7 @@
             <a:r>
               <a:rPr lang="hu-HU" b="1" dirty="0" err="1">
                 <a:solidFill>
-                  <a:srgbClr val="FF0000"/>
+                  <a:schemeClr val="accent4"/>
                 </a:solidFill>
               </a:rPr>
               <a:t>directed</a:t>
@@ -9022,28 +5411,28 @@
             <a:r>
               <a:rPr lang="hu-HU" b="1" dirty="0">
                 <a:solidFill>
-                  <a:srgbClr val="FF0000"/>
+                  <a:schemeClr val="accent4"/>
                 </a:solidFill>
               </a:rPr>
               <a:t>-x</a:t>
             </a:r>
             <a:endParaRPr lang="en-US" b="1" dirty="0">
               <a:solidFill>
-                <a:srgbClr val="FF0000"/>
+                <a:schemeClr val="accent4"/>
               </a:solidFill>
             </a:endParaRPr>
           </a:p>
           <a:p>
             <a:endParaRPr lang="en-US" b="1" dirty="0">
               <a:solidFill>
-                <a:srgbClr val="FF0000"/>
+                <a:schemeClr val="accent4"/>
               </a:solidFill>
             </a:endParaRPr>
           </a:p>
           <a:p>
             <a:endParaRPr lang="en-US" b="1" dirty="0">
               <a:solidFill>
-                <a:srgbClr val="FF0000"/>
+                <a:schemeClr val="accent4"/>
               </a:solidFill>
             </a:endParaRPr>
           </a:p>
@@ -9051,14 +5440,14 @@
             <a:r>
               <a:rPr lang="en-US" b="1" dirty="0">
                 <a:solidFill>
-                  <a:srgbClr val="FF0000"/>
+                  <a:schemeClr val="accent4"/>
                 </a:solidFill>
               </a:rPr>
               <a:t>other-directed-x</a:t>
             </a:r>
             <a:endParaRPr lang="hu-HU" b="1" dirty="0">
               <a:solidFill>
-                <a:srgbClr val="FF0000"/>
+                <a:schemeClr val="accent4"/>
               </a:solidFill>
             </a:endParaRPr>
           </a:p>
@@ -10021,35 +6410,35 @@
             <a:r>
               <a:rPr lang="hu-HU" b="1" dirty="0" err="1">
                 <a:solidFill>
-                  <a:srgbClr val="FF0000"/>
+                  <a:schemeClr val="accent4"/>
                 </a:solidFill>
               </a:rPr>
               <a:t>male-male</a:t>
             </a:r>
             <a:endParaRPr lang="hu-HU" b="1" dirty="0">
               <a:solidFill>
-                <a:srgbClr val="FF0000"/>
+                <a:schemeClr val="accent4"/>
               </a:solidFill>
             </a:endParaRPr>
           </a:p>
           <a:p>
             <a:endParaRPr lang="en-US" b="1" dirty="0">
               <a:solidFill>
-                <a:srgbClr val="FF0000"/>
+                <a:schemeClr val="accent4"/>
               </a:solidFill>
             </a:endParaRPr>
           </a:p>
           <a:p>
             <a:endParaRPr lang="hu-HU" b="1" dirty="0">
               <a:solidFill>
-                <a:srgbClr val="FF0000"/>
+                <a:schemeClr val="accent4"/>
               </a:solidFill>
             </a:endParaRPr>
           </a:p>
           <a:p>
             <a:endParaRPr lang="hu-HU" b="1" dirty="0">
               <a:solidFill>
-                <a:srgbClr val="FF0000"/>
+                <a:schemeClr val="accent4"/>
               </a:solidFill>
             </a:endParaRPr>
           </a:p>
@@ -10057,35 +6446,35 @@
             <a:r>
               <a:rPr lang="hu-HU" b="1" dirty="0" err="1">
                 <a:solidFill>
-                  <a:srgbClr val="FF0000"/>
+                  <a:schemeClr val="accent4"/>
                 </a:solidFill>
               </a:rPr>
               <a:t>female-male</a:t>
             </a:r>
             <a:endParaRPr lang="hu-HU" b="1" dirty="0">
               <a:solidFill>
-                <a:srgbClr val="FF0000"/>
+                <a:schemeClr val="accent4"/>
               </a:solidFill>
             </a:endParaRPr>
           </a:p>
           <a:p>
             <a:endParaRPr lang="hu-HU" b="1" dirty="0">
               <a:solidFill>
-                <a:srgbClr val="FF0000"/>
+                <a:schemeClr val="accent4"/>
               </a:solidFill>
             </a:endParaRPr>
           </a:p>
           <a:p>
             <a:endParaRPr lang="en-US" b="1" dirty="0">
               <a:solidFill>
-                <a:srgbClr val="FF0000"/>
+                <a:schemeClr val="accent4"/>
               </a:solidFill>
             </a:endParaRPr>
           </a:p>
           <a:p>
             <a:endParaRPr lang="hu-HU" b="1" dirty="0">
               <a:solidFill>
-                <a:srgbClr val="FF0000"/>
+                <a:schemeClr val="accent4"/>
               </a:solidFill>
             </a:endParaRPr>
           </a:p>
@@ -10093,14 +6482,14 @@
             <a:r>
               <a:rPr lang="hu-HU" b="1" dirty="0" err="1">
                 <a:solidFill>
-                  <a:srgbClr val="FF0000"/>
+                  <a:schemeClr val="accent4"/>
                 </a:solidFill>
               </a:rPr>
               <a:t>male-female</a:t>
             </a:r>
             <a:endParaRPr lang="hu-HU" b="1" dirty="0">
               <a:solidFill>
-                <a:srgbClr val="FF0000"/>
+                <a:schemeClr val="accent4"/>
               </a:solidFill>
             </a:endParaRPr>
           </a:p>
@@ -10297,7 +6686,7 @@
         <p:spPr>
           <a:xfrm>
             <a:off x="1508760" y="1853248"/>
-            <a:ext cx="10267220" cy="3416320"/>
+            <a:ext cx="10267220" cy="2585323"/>
           </a:xfrm>
           <a:prstGeom prst="rect">
             <a:avLst/>
@@ -10317,7 +6706,7 @@
             <a:r>
               <a:rPr lang="en-US" b="1" dirty="0" err="1">
                 <a:solidFill>
-                  <a:srgbClr val="00B0F0"/>
+                  <a:schemeClr val="accent2"/>
                 </a:solidFill>
               </a:rPr>
               <a:t>pilóta</a:t>
@@ -10353,7 +6742,7 @@
             <a:r>
               <a:rPr lang="en-US" b="1" dirty="0" err="1">
                 <a:solidFill>
-                  <a:srgbClr val="00B0F0"/>
+                  <a:schemeClr val="accent2"/>
                 </a:solidFill>
               </a:rPr>
               <a:t>professzor</a:t>
@@ -10411,10 +6800,7 @@
             <a:r>
               <a:rPr lang="en-US" b="1" dirty="0" err="1">
                 <a:solidFill>
-                  <a:schemeClr val="accent6">
-                    <a:lumMod val="60000"/>
-                    <a:lumOff val="40000"/>
-                  </a:schemeClr>
+                  <a:schemeClr val="accent3"/>
                 </a:solidFill>
               </a:rPr>
               <a:t>modell</a:t>
@@ -10450,7 +6836,7 @@
             <a:r>
               <a:rPr lang="en-US" b="1" dirty="0" err="1">
                 <a:solidFill>
-                  <a:srgbClr val="00B0F0"/>
+                  <a:schemeClr val="accent2"/>
                 </a:solidFill>
               </a:rPr>
               <a:t>professzor</a:t>
@@ -10508,7 +6894,7 @@
             <a:r>
               <a:rPr lang="en-US" b="1" dirty="0" err="1">
                 <a:solidFill>
-                  <a:srgbClr val="00B0F0"/>
+                  <a:schemeClr val="accent2"/>
                 </a:solidFill>
               </a:rPr>
               <a:t>pilóta</a:t>
@@ -10544,10 +6930,7 @@
             <a:r>
               <a:rPr lang="en-US" b="1" dirty="0" err="1">
                 <a:solidFill>
-                  <a:schemeClr val="accent6">
-                    <a:lumMod val="60000"/>
-                    <a:lumOff val="40000"/>
-                  </a:schemeClr>
+                  <a:schemeClr val="accent3"/>
                 </a:solidFill>
               </a:rPr>
               <a:t>modell</a:t>
@@ -10630,35 +7013,35 @@
             <a:r>
               <a:rPr lang="hu-HU" b="1" dirty="0" err="1">
                 <a:solidFill>
-                  <a:srgbClr val="FF0000"/>
+                  <a:schemeClr val="accent4"/>
                 </a:solidFill>
               </a:rPr>
               <a:t>male-male</a:t>
             </a:r>
             <a:endParaRPr lang="hu-HU" b="1" dirty="0">
               <a:solidFill>
-                <a:srgbClr val="FF0000"/>
+                <a:schemeClr val="accent4"/>
               </a:solidFill>
             </a:endParaRPr>
           </a:p>
           <a:p>
             <a:endParaRPr lang="en-US" b="1" dirty="0">
               <a:solidFill>
-                <a:srgbClr val="FF0000"/>
+                <a:schemeClr val="accent4"/>
               </a:solidFill>
             </a:endParaRPr>
           </a:p>
           <a:p>
             <a:endParaRPr lang="hu-HU" b="1" dirty="0">
               <a:solidFill>
-                <a:srgbClr val="FF0000"/>
+                <a:schemeClr val="accent4"/>
               </a:solidFill>
             </a:endParaRPr>
           </a:p>
           <a:p>
             <a:endParaRPr lang="hu-HU" b="1" dirty="0">
               <a:solidFill>
-                <a:srgbClr val="FF0000"/>
+                <a:schemeClr val="accent4"/>
               </a:solidFill>
             </a:endParaRPr>
           </a:p>
@@ -10666,35 +7049,35 @@
             <a:r>
               <a:rPr lang="hu-HU" b="1" dirty="0" err="1">
                 <a:solidFill>
-                  <a:srgbClr val="FF0000"/>
+                  <a:schemeClr val="accent4"/>
                 </a:solidFill>
               </a:rPr>
               <a:t>female-male</a:t>
             </a:r>
             <a:endParaRPr lang="hu-HU" b="1" dirty="0">
               <a:solidFill>
-                <a:srgbClr val="FF0000"/>
+                <a:schemeClr val="accent4"/>
               </a:solidFill>
             </a:endParaRPr>
           </a:p>
           <a:p>
             <a:endParaRPr lang="hu-HU" b="1" dirty="0">
               <a:solidFill>
-                <a:srgbClr val="FF0000"/>
+                <a:schemeClr val="accent4"/>
               </a:solidFill>
             </a:endParaRPr>
           </a:p>
           <a:p>
             <a:endParaRPr lang="en-US" b="1" dirty="0">
               <a:solidFill>
-                <a:srgbClr val="FF0000"/>
+                <a:schemeClr val="accent4"/>
               </a:solidFill>
             </a:endParaRPr>
           </a:p>
           <a:p>
             <a:endParaRPr lang="hu-HU" b="1" dirty="0">
               <a:solidFill>
-                <a:srgbClr val="FF0000"/>
+                <a:schemeClr val="accent4"/>
               </a:solidFill>
             </a:endParaRPr>
           </a:p>
@@ -10702,14 +7085,14 @@
             <a:r>
               <a:rPr lang="hu-HU" b="1" dirty="0" err="1">
                 <a:solidFill>
-                  <a:srgbClr val="FF0000"/>
+                  <a:schemeClr val="accent4"/>
                 </a:solidFill>
               </a:rPr>
               <a:t>male-female</a:t>
             </a:r>
             <a:endParaRPr lang="hu-HU" b="1" dirty="0">
               <a:solidFill>
-                <a:srgbClr val="FF0000"/>
+                <a:schemeClr val="accent4"/>
               </a:solidFill>
             </a:endParaRPr>
           </a:p>
@@ -11770,6 +8153,273 @@
           <p:cNvPr id="2" name="Title 1">
             <a:extLst>
               <a:ext uri="{FF2B5EF4-FFF2-40B4-BE49-F238E27FC236}">
+                <a16:creationId xmlns:a16="http://schemas.microsoft.com/office/drawing/2014/main" id="{59AB0727-3DA5-0AA9-FB61-340E126F2C72}"/>
+              </a:ext>
+            </a:extLst>
+          </p:cNvPr>
+          <p:cNvSpPr>
+            <a:spLocks noGrp="1"/>
+          </p:cNvSpPr>
+          <p:nvPr>
+            <p:ph type="title"/>
+          </p:nvPr>
+        </p:nvSpPr>
+        <p:spPr/>
+        <p:txBody>
+          <a:bodyPr/>
+          <a:lstStyle/>
+          <a:p>
+            <a:endParaRPr lang="en-US"/>
+          </a:p>
+        </p:txBody>
+      </p:sp>
+      <p:sp>
+        <p:nvSpPr>
+          <p:cNvPr id="3" name="Content Placeholder 2">
+            <a:extLst>
+              <a:ext uri="{FF2B5EF4-FFF2-40B4-BE49-F238E27FC236}">
+                <a16:creationId xmlns:a16="http://schemas.microsoft.com/office/drawing/2014/main" id="{2EF06EFF-E630-EE9A-71BF-1E3785A1FD0E}"/>
+              </a:ext>
+            </a:extLst>
+          </p:cNvPr>
+          <p:cNvSpPr>
+            <a:spLocks noGrp="1"/>
+          </p:cNvSpPr>
+          <p:nvPr>
+            <p:ph idx="1"/>
+          </p:nvPr>
+        </p:nvSpPr>
+        <p:spPr/>
+        <p:txBody>
+          <a:bodyPr/>
+          <a:lstStyle/>
+          <a:p>
+            <a:endParaRPr lang="en-US"/>
+          </a:p>
+        </p:txBody>
+      </p:sp>
+    </p:spTree>
+    <p:extLst>
+      <p:ext uri="{BB962C8B-B14F-4D97-AF65-F5344CB8AC3E}">
+        <p14:creationId xmlns:p14="http://schemas.microsoft.com/office/powerpoint/2010/main" val="2666151524"/>
+      </p:ext>
+    </p:extLst>
+  </p:cSld>
+  <p:clrMapOvr>
+    <a:masterClrMapping/>
+  </p:clrMapOvr>
+</p:sld>
+</file>
+
+<file path=ppt/slides/slide19.xml><?xml version="1.0" encoding="utf-8"?>
+<p:sld xmlns:a="http://schemas.openxmlformats.org/drawingml/2006/main" xmlns:r="http://schemas.openxmlformats.org/officeDocument/2006/relationships" xmlns:p="http://schemas.openxmlformats.org/presentationml/2006/main">
+  <p:cSld>
+    <p:spTree>
+      <p:nvGrpSpPr>
+        <p:cNvPr id="1" name=""/>
+        <p:cNvGrpSpPr/>
+        <p:nvPr/>
+      </p:nvGrpSpPr>
+      <p:grpSpPr>
+        <a:xfrm>
+          <a:off x="0" y="0"/>
+          <a:ext cx="0" cy="0"/>
+          <a:chOff x="0" y="0"/>
+          <a:chExt cx="0" cy="0"/>
+        </a:xfrm>
+      </p:grpSpPr>
+      <p:sp>
+        <p:nvSpPr>
+          <p:cNvPr id="2" name="Title 1">
+            <a:extLst>
+              <a:ext uri="{FF2B5EF4-FFF2-40B4-BE49-F238E27FC236}">
+                <a16:creationId xmlns:a16="http://schemas.microsoft.com/office/drawing/2014/main" id="{E06BCB83-4076-CDB6-8446-CBE2597AD4D2}"/>
+              </a:ext>
+            </a:extLst>
+          </p:cNvPr>
+          <p:cNvSpPr>
+            <a:spLocks noGrp="1"/>
+          </p:cNvSpPr>
+          <p:nvPr>
+            <p:ph type="title"/>
+          </p:nvPr>
+        </p:nvSpPr>
+        <p:spPr/>
+        <p:txBody>
+          <a:bodyPr/>
+          <a:lstStyle/>
+          <a:p>
+            <a:r>
+              <a:rPr lang="en-US" b="1" dirty="0"/>
+              <a:t>I-DT (Identification by Dispersion Threshold)</a:t>
+            </a:r>
+            <a:endParaRPr lang="en-US" dirty="0"/>
+          </a:p>
+        </p:txBody>
+      </p:sp>
+      <p:sp>
+        <p:nvSpPr>
+          <p:cNvPr id="3" name="Text Placeholder 2">
+            <a:extLst>
+              <a:ext uri="{FF2B5EF4-FFF2-40B4-BE49-F238E27FC236}">
+                <a16:creationId xmlns:a16="http://schemas.microsoft.com/office/drawing/2014/main" id="{6F30539E-05D6-F336-B407-C68B190EA0F0}"/>
+              </a:ext>
+            </a:extLst>
+          </p:cNvPr>
+          <p:cNvSpPr>
+            <a:spLocks noGrp="1"/>
+          </p:cNvSpPr>
+          <p:nvPr>
+            <p:ph type="body" idx="1"/>
+          </p:nvPr>
+        </p:nvSpPr>
+        <p:spPr/>
+        <p:txBody>
+          <a:bodyPr/>
+          <a:lstStyle/>
+          <a:p>
+            <a:endParaRPr lang="en-US"/>
+          </a:p>
+        </p:txBody>
+      </p:sp>
+    </p:spTree>
+    <p:extLst>
+      <p:ext uri="{BB962C8B-B14F-4D97-AF65-F5344CB8AC3E}">
+        <p14:creationId xmlns:p14="http://schemas.microsoft.com/office/powerpoint/2010/main" val="2140675630"/>
+      </p:ext>
+    </p:extLst>
+  </p:cSld>
+  <p:clrMapOvr>
+    <a:masterClrMapping/>
+  </p:clrMapOvr>
+</p:sld>
+</file>
+
+<file path=ppt/slides/slide2.xml><?xml version="1.0" encoding="utf-8"?>
+<p:sld xmlns:a="http://schemas.openxmlformats.org/drawingml/2006/main" xmlns:r="http://schemas.openxmlformats.org/officeDocument/2006/relationships" xmlns:p="http://schemas.openxmlformats.org/presentationml/2006/main">
+  <p:cSld>
+    <p:spTree>
+      <p:nvGrpSpPr>
+        <p:cNvPr id="1" name=""/>
+        <p:cNvGrpSpPr/>
+        <p:nvPr/>
+      </p:nvGrpSpPr>
+      <p:grpSpPr>
+        <a:xfrm>
+          <a:off x="0" y="0"/>
+          <a:ext cx="0" cy="0"/>
+          <a:chOff x="0" y="0"/>
+          <a:chExt cx="0" cy="0"/>
+        </a:xfrm>
+      </p:grpSpPr>
+      <p:sp>
+        <p:nvSpPr>
+          <p:cNvPr id="2" name="Title 1">
+            <a:extLst>
+              <a:ext uri="{FF2B5EF4-FFF2-40B4-BE49-F238E27FC236}">
+                <a16:creationId xmlns:a16="http://schemas.microsoft.com/office/drawing/2014/main" id="{A4D60146-A04E-7C75-312D-CEF9DF697CB6}"/>
+              </a:ext>
+            </a:extLst>
+          </p:cNvPr>
+          <p:cNvSpPr>
+            <a:spLocks noGrp="1"/>
+          </p:cNvSpPr>
+          <p:nvPr>
+            <p:ph type="title"/>
+          </p:nvPr>
+        </p:nvSpPr>
+        <p:spPr/>
+        <p:txBody>
+          <a:bodyPr/>
+          <a:lstStyle/>
+          <a:p>
+            <a:r>
+              <a:rPr lang="en-US" dirty="0"/>
+              <a:t>Two experiments</a:t>
+            </a:r>
+            <a:endParaRPr lang="hu-HU" dirty="0"/>
+          </a:p>
+        </p:txBody>
+      </p:sp>
+      <p:sp>
+        <p:nvSpPr>
+          <p:cNvPr id="3" name="Content Placeholder 2">
+            <a:extLst>
+              <a:ext uri="{FF2B5EF4-FFF2-40B4-BE49-F238E27FC236}">
+                <a16:creationId xmlns:a16="http://schemas.microsoft.com/office/drawing/2014/main" id="{04AB75DE-FF2B-28BD-5AEA-EFAA0D1301EA}"/>
+              </a:ext>
+            </a:extLst>
+          </p:cNvPr>
+          <p:cNvSpPr>
+            <a:spLocks noGrp="1"/>
+          </p:cNvSpPr>
+          <p:nvPr>
+            <p:ph idx="1"/>
+          </p:nvPr>
+        </p:nvSpPr>
+        <p:spPr/>
+        <p:txBody>
+          <a:bodyPr/>
+          <a:lstStyle/>
+          <a:p>
+            <a:pPr marL="457200" indent="-457200">
+              <a:buFont typeface="+mj-lt"/>
+              <a:buAutoNum type="arabicPeriod"/>
+            </a:pPr>
+            <a:r>
+              <a:rPr lang="en-US" dirty="0"/>
+              <a:t>Hungarian focus constructions – exclusivity vs. </a:t>
+            </a:r>
+            <a:r>
+              <a:rPr lang="en-US" dirty="0" err="1"/>
+              <a:t>contrastivity</a:t>
+            </a:r>
+            <a:endParaRPr lang="en-US" dirty="0"/>
+          </a:p>
+          <a:p>
+            <a:pPr marL="857250" lvl="1" indent="-457200"/>
+            <a:r>
+              <a:rPr lang="en-US" dirty="0"/>
+              <a:t>Testing if Hungarian focus is exhaustive by default, or if it can be contrastive.</a:t>
+            </a:r>
+          </a:p>
+        </p:txBody>
+      </p:sp>
+    </p:spTree>
+    <p:extLst>
+      <p:ext uri="{BB962C8B-B14F-4D97-AF65-F5344CB8AC3E}">
+        <p14:creationId xmlns:p14="http://schemas.microsoft.com/office/powerpoint/2010/main" val="3829102750"/>
+      </p:ext>
+    </p:extLst>
+  </p:cSld>
+  <p:clrMapOvr>
+    <a:masterClrMapping/>
+  </p:clrMapOvr>
+</p:sld>
+</file>
+
+<file path=ppt/slides/slide20.xml><?xml version="1.0" encoding="utf-8"?>
+<p:sld xmlns:a="http://schemas.openxmlformats.org/drawingml/2006/main" xmlns:r="http://schemas.openxmlformats.org/officeDocument/2006/relationships" xmlns:p="http://schemas.openxmlformats.org/presentationml/2006/main">
+  <p:cSld>
+    <p:spTree>
+      <p:nvGrpSpPr>
+        <p:cNvPr id="1" name=""/>
+        <p:cNvGrpSpPr/>
+        <p:nvPr/>
+      </p:nvGrpSpPr>
+      <p:grpSpPr>
+        <a:xfrm>
+          <a:off x="0" y="0"/>
+          <a:ext cx="0" cy="0"/>
+          <a:chOff x="0" y="0"/>
+          <a:chExt cx="0" cy="0"/>
+        </a:xfrm>
+      </p:grpSpPr>
+      <p:sp>
+        <p:nvSpPr>
+          <p:cNvPr id="2" name="Title 1">
+            <a:extLst>
+              <a:ext uri="{FF2B5EF4-FFF2-40B4-BE49-F238E27FC236}">
                 <a16:creationId xmlns:a16="http://schemas.microsoft.com/office/drawing/2014/main" id="{B18CD16A-0C78-C41D-28BF-C7196830A885}"/>
               </a:ext>
             </a:extLst>
@@ -11904,7 +8554,7 @@
 </p:sld>
 </file>
 
-<file path=ppt/slides/slide19.xml><?xml version="1.0" encoding="utf-8"?>
+<file path=ppt/slides/slide21.xml><?xml version="1.0" encoding="utf-8"?>
 <p:sld xmlns:a="http://schemas.openxmlformats.org/drawingml/2006/main" xmlns:r="http://schemas.openxmlformats.org/officeDocument/2006/relationships" xmlns:p="http://schemas.openxmlformats.org/presentationml/2006/main">
   <p:cSld>
     <p:spTree>
@@ -11921,6 +8571,45 @@
           <a:chExt cx="0" cy="0"/>
         </a:xfrm>
       </p:grpSpPr>
+      <p:sp>
+        <p:nvSpPr>
+          <p:cNvPr id="2" name="Title 1">
+            <a:extLst>
+              <a:ext uri="{FF2B5EF4-FFF2-40B4-BE49-F238E27FC236}">
+                <a16:creationId xmlns:a16="http://schemas.microsoft.com/office/drawing/2014/main" id="{66F63319-B987-40B0-3DBF-D520397AAAA1}"/>
+              </a:ext>
+            </a:extLst>
+          </p:cNvPr>
+          <p:cNvSpPr>
+            <a:spLocks noGrp="1"/>
+          </p:cNvSpPr>
+          <p:nvPr>
+            <p:ph type="title"/>
+          </p:nvPr>
+        </p:nvSpPr>
+        <p:spPr>
+          <a:xfrm>
+            <a:off x="636916" y="4854346"/>
+            <a:ext cx="10407602" cy="868026"/>
+          </a:xfrm>
+        </p:spPr>
+        <p:txBody>
+          <a:bodyPr vert="horz" lIns="91440" tIns="45720" rIns="91440" bIns="45720" rtlCol="0" anchor="b">
+            <a:normAutofit/>
+          </a:bodyPr>
+          <a:lstStyle/>
+          <a:p>
+            <a:r>
+              <a:rPr lang="en-US" sz="4800" dirty="0">
+                <a:solidFill>
+                  <a:srgbClr val="EBEBEB"/>
+                </a:solidFill>
+              </a:rPr>
+              <a:t>Thank you!</a:t>
+            </a:r>
+          </a:p>
+        </p:txBody>
+      </p:sp>
       <p:pic>
         <p:nvPicPr>
           <p:cNvPr id="5" name="Content Placeholder 4" descr="A banana on a white surface&#10;&#10;AI-generated content may be incorrect.">
@@ -11946,8 +8635,8 @@
         </p:blipFill>
         <p:spPr>
           <a:xfrm>
-            <a:off x="1" y="-5"/>
-            <a:ext cx="6095999" cy="5323119"/>
+            <a:off x="-262" y="-5"/>
+            <a:ext cx="5675638" cy="4956053"/>
           </a:xfrm>
           <a:custGeom>
             <a:avLst/>
@@ -12070,8 +8759,8 @@
         </p:blipFill>
         <p:spPr>
           <a:xfrm>
-            <a:off x="6096000" y="9404"/>
-            <a:ext cx="6095696" cy="4844942"/>
+            <a:off x="5675376" y="9404"/>
+            <a:ext cx="5671433" cy="4507732"/>
           </a:xfrm>
           <a:custGeom>
             <a:avLst/>
@@ -12165,152 +8854,10 @@
           </a:custGeom>
         </p:spPr>
       </p:pic>
-      <p:sp>
-        <p:nvSpPr>
-          <p:cNvPr id="2" name="Title 1">
-            <a:extLst>
-              <a:ext uri="{FF2B5EF4-FFF2-40B4-BE49-F238E27FC236}">
-                <a16:creationId xmlns:a16="http://schemas.microsoft.com/office/drawing/2014/main" id="{66F63319-B987-40B0-3DBF-D520397AAAA1}"/>
-              </a:ext>
-            </a:extLst>
-          </p:cNvPr>
-          <p:cNvSpPr>
-            <a:spLocks noGrp="1"/>
-          </p:cNvSpPr>
-          <p:nvPr>
-            <p:ph type="title"/>
-          </p:nvPr>
-        </p:nvSpPr>
-        <p:spPr>
-          <a:xfrm>
-            <a:off x="636916" y="4854346"/>
-            <a:ext cx="10407602" cy="868026"/>
-          </a:xfrm>
-        </p:spPr>
-        <p:txBody>
-          <a:bodyPr vert="horz" lIns="91440" tIns="45720" rIns="91440" bIns="45720" rtlCol="0" anchor="b">
-            <a:normAutofit/>
-          </a:bodyPr>
-          <a:lstStyle/>
-          <a:p>
-            <a:r>
-              <a:rPr lang="en-US" sz="4800" dirty="0">
-                <a:solidFill>
-                  <a:srgbClr val="EBEBEB"/>
-                </a:solidFill>
-              </a:rPr>
-              <a:t>Thank you!</a:t>
-            </a:r>
-          </a:p>
-        </p:txBody>
-      </p:sp>
     </p:spTree>
     <p:extLst>
       <p:ext uri="{BB962C8B-B14F-4D97-AF65-F5344CB8AC3E}">
         <p14:creationId xmlns:p14="http://schemas.microsoft.com/office/powerpoint/2010/main" val="1389209863"/>
-      </p:ext>
-    </p:extLst>
-  </p:cSld>
-  <p:clrMapOvr>
-    <a:masterClrMapping/>
-  </p:clrMapOvr>
-</p:sld>
-</file>
-
-<file path=ppt/slides/slide2.xml><?xml version="1.0" encoding="utf-8"?>
-<p:sld xmlns:a="http://schemas.openxmlformats.org/drawingml/2006/main" xmlns:r="http://schemas.openxmlformats.org/officeDocument/2006/relationships" xmlns:p="http://schemas.openxmlformats.org/presentationml/2006/main">
-  <p:cSld>
-    <p:spTree>
-      <p:nvGrpSpPr>
-        <p:cNvPr id="1" name=""/>
-        <p:cNvGrpSpPr/>
-        <p:nvPr/>
-      </p:nvGrpSpPr>
-      <p:grpSpPr>
-        <a:xfrm>
-          <a:off x="0" y="0"/>
-          <a:ext cx="0" cy="0"/>
-          <a:chOff x="0" y="0"/>
-          <a:chExt cx="0" cy="0"/>
-        </a:xfrm>
-      </p:grpSpPr>
-      <p:sp>
-        <p:nvSpPr>
-          <p:cNvPr id="2" name="Title 1">
-            <a:extLst>
-              <a:ext uri="{FF2B5EF4-FFF2-40B4-BE49-F238E27FC236}">
-                <a16:creationId xmlns:a16="http://schemas.microsoft.com/office/drawing/2014/main" id="{A4D60146-A04E-7C75-312D-CEF9DF697CB6}"/>
-              </a:ext>
-            </a:extLst>
-          </p:cNvPr>
-          <p:cNvSpPr>
-            <a:spLocks noGrp="1"/>
-          </p:cNvSpPr>
-          <p:nvPr>
-            <p:ph type="title"/>
-          </p:nvPr>
-        </p:nvSpPr>
-        <p:spPr/>
-        <p:txBody>
-          <a:bodyPr/>
-          <a:lstStyle/>
-          <a:p>
-            <a:r>
-              <a:rPr lang="en-US" dirty="0"/>
-              <a:t>Two experiments</a:t>
-            </a:r>
-            <a:endParaRPr lang="hu-HU" dirty="0"/>
-          </a:p>
-        </p:txBody>
-      </p:sp>
-      <p:sp>
-        <p:nvSpPr>
-          <p:cNvPr id="3" name="Content Placeholder 2">
-            <a:extLst>
-              <a:ext uri="{FF2B5EF4-FFF2-40B4-BE49-F238E27FC236}">
-                <a16:creationId xmlns:a16="http://schemas.microsoft.com/office/drawing/2014/main" id="{04AB75DE-FF2B-28BD-5AEA-EFAA0D1301EA}"/>
-              </a:ext>
-            </a:extLst>
-          </p:cNvPr>
-          <p:cNvSpPr>
-            <a:spLocks noGrp="1"/>
-          </p:cNvSpPr>
-          <p:nvPr>
-            <p:ph idx="1"/>
-          </p:nvPr>
-        </p:nvSpPr>
-        <p:spPr/>
-        <p:txBody>
-          <a:bodyPr/>
-          <a:lstStyle/>
-          <a:p>
-            <a:pPr marL="457200" indent="-457200">
-              <a:buFont typeface="+mj-lt"/>
-              <a:buAutoNum type="arabicPeriod"/>
-            </a:pPr>
-            <a:r>
-              <a:rPr lang="en-US" dirty="0"/>
-              <a:t>Hungarian focus constructions – exclusivity vs. </a:t>
-            </a:r>
-            <a:r>
-              <a:rPr lang="en-US" dirty="0" err="1"/>
-              <a:t>contrastivity</a:t>
-            </a:r>
-            <a:endParaRPr lang="en-US" dirty="0"/>
-          </a:p>
-          <a:p>
-            <a:pPr marL="857250" lvl="1" indent="-457200"/>
-            <a:r>
-              <a:rPr lang="en-US" dirty="0"/>
-              <a:t>Testing if Hungarian focus is exhaustive by default, or if it can be contrastive.</a:t>
-            </a:r>
-          </a:p>
-        </p:txBody>
-      </p:sp>
-    </p:spTree>
-    <p:extLst>
-      <p:ext uri="{BB962C8B-B14F-4D97-AF65-F5344CB8AC3E}">
-        <p14:creationId xmlns:p14="http://schemas.microsoft.com/office/powerpoint/2010/main" val="3829102750"/>
       </p:ext>
     </p:extLst>
   </p:cSld>
@@ -13563,35 +10110,35 @@
             <a:r>
               <a:rPr lang="hu-HU" b="1" dirty="0" err="1">
                 <a:solidFill>
-                  <a:srgbClr val="FF0000"/>
+                  <a:schemeClr val="accent4"/>
                 </a:solidFill>
               </a:rPr>
               <a:t>exclusive</a:t>
             </a:r>
             <a:endParaRPr lang="hu-HU" b="1" dirty="0">
               <a:solidFill>
-                <a:srgbClr val="FF0000"/>
+                <a:schemeClr val="accent4"/>
               </a:solidFill>
             </a:endParaRPr>
           </a:p>
           <a:p>
             <a:endParaRPr lang="hu-HU" b="1" dirty="0">
               <a:solidFill>
-                <a:srgbClr val="FF0000"/>
+                <a:schemeClr val="accent4"/>
               </a:solidFill>
             </a:endParaRPr>
           </a:p>
           <a:p>
             <a:endParaRPr lang="en-US" b="1" dirty="0">
               <a:solidFill>
-                <a:srgbClr val="FF0000"/>
+                <a:schemeClr val="accent4"/>
               </a:solidFill>
             </a:endParaRPr>
           </a:p>
           <a:p>
             <a:endParaRPr lang="hu-HU" b="1" dirty="0">
               <a:solidFill>
-                <a:srgbClr val="FF0000"/>
+                <a:schemeClr val="accent4"/>
               </a:solidFill>
             </a:endParaRPr>
           </a:p>
@@ -13599,35 +10146,35 @@
             <a:r>
               <a:rPr lang="hu-HU" b="1" dirty="0" err="1">
                 <a:solidFill>
-                  <a:srgbClr val="FF0000"/>
+                  <a:schemeClr val="accent4"/>
                 </a:solidFill>
               </a:rPr>
               <a:t>focus</a:t>
             </a:r>
             <a:endParaRPr lang="hu-HU" b="1" dirty="0">
               <a:solidFill>
-                <a:srgbClr val="FF0000"/>
+                <a:schemeClr val="accent4"/>
               </a:solidFill>
             </a:endParaRPr>
           </a:p>
           <a:p>
             <a:endParaRPr lang="hu-HU" b="1" dirty="0">
               <a:solidFill>
-                <a:srgbClr val="FF0000"/>
+                <a:schemeClr val="accent4"/>
               </a:solidFill>
             </a:endParaRPr>
           </a:p>
           <a:p>
             <a:endParaRPr lang="en-US" b="1" dirty="0">
               <a:solidFill>
-                <a:srgbClr val="FF0000"/>
+                <a:schemeClr val="accent4"/>
               </a:solidFill>
             </a:endParaRPr>
           </a:p>
           <a:p>
             <a:endParaRPr lang="hu-HU" b="1" dirty="0">
               <a:solidFill>
-                <a:srgbClr val="FF0000"/>
+                <a:schemeClr val="accent4"/>
               </a:solidFill>
             </a:endParaRPr>
           </a:p>
@@ -13635,14 +10182,14 @@
             <a:r>
               <a:rPr lang="hu-HU" b="1" dirty="0" err="1">
                 <a:solidFill>
-                  <a:srgbClr val="FF0000"/>
+                  <a:schemeClr val="accent4"/>
                 </a:solidFill>
               </a:rPr>
               <a:t>contrastive</a:t>
             </a:r>
             <a:endParaRPr lang="hu-HU" b="1" dirty="0">
               <a:solidFill>
-                <a:srgbClr val="FF0000"/>
+                <a:schemeClr val="accent4"/>
               </a:solidFill>
             </a:endParaRPr>
           </a:p>
@@ -14643,35 +11190,35 @@
             <a:r>
               <a:rPr lang="hu-HU" b="1" dirty="0" err="1">
                 <a:solidFill>
-                  <a:srgbClr val="FF0000"/>
+                  <a:schemeClr val="accent4"/>
                 </a:solidFill>
               </a:rPr>
               <a:t>exclusive</a:t>
             </a:r>
             <a:endParaRPr lang="hu-HU" b="1" dirty="0">
               <a:solidFill>
-                <a:srgbClr val="FF0000"/>
+                <a:schemeClr val="accent4"/>
               </a:solidFill>
             </a:endParaRPr>
           </a:p>
           <a:p>
             <a:endParaRPr lang="hu-HU" b="1" dirty="0">
               <a:solidFill>
-                <a:srgbClr val="FF0000"/>
+                <a:schemeClr val="accent4"/>
               </a:solidFill>
             </a:endParaRPr>
           </a:p>
           <a:p>
             <a:endParaRPr lang="en-US" b="1" dirty="0">
               <a:solidFill>
-                <a:srgbClr val="FF0000"/>
+                <a:schemeClr val="accent4"/>
               </a:solidFill>
             </a:endParaRPr>
           </a:p>
           <a:p>
             <a:endParaRPr lang="hu-HU" b="1" dirty="0">
               <a:solidFill>
-                <a:srgbClr val="FF0000"/>
+                <a:schemeClr val="accent4"/>
               </a:solidFill>
             </a:endParaRPr>
           </a:p>
@@ -14679,35 +11226,35 @@
             <a:r>
               <a:rPr lang="hu-HU" b="1" dirty="0" err="1">
                 <a:solidFill>
-                  <a:srgbClr val="FF0000"/>
+                  <a:schemeClr val="accent4"/>
                 </a:solidFill>
               </a:rPr>
               <a:t>focus</a:t>
             </a:r>
             <a:endParaRPr lang="hu-HU" b="1" dirty="0">
               <a:solidFill>
-                <a:srgbClr val="FF0000"/>
+                <a:schemeClr val="accent4"/>
               </a:solidFill>
             </a:endParaRPr>
           </a:p>
           <a:p>
             <a:endParaRPr lang="hu-HU" b="1" dirty="0">
               <a:solidFill>
-                <a:srgbClr val="FF0000"/>
+                <a:schemeClr val="accent4"/>
               </a:solidFill>
             </a:endParaRPr>
           </a:p>
           <a:p>
             <a:endParaRPr lang="en-US" b="1" dirty="0">
               <a:solidFill>
-                <a:srgbClr val="FF0000"/>
+                <a:schemeClr val="accent4"/>
               </a:solidFill>
             </a:endParaRPr>
           </a:p>
           <a:p>
             <a:endParaRPr lang="hu-HU" b="1" dirty="0">
               <a:solidFill>
-                <a:srgbClr val="FF0000"/>
+                <a:schemeClr val="accent4"/>
               </a:solidFill>
             </a:endParaRPr>
           </a:p>
@@ -14715,14 +11262,14 @@
             <a:r>
               <a:rPr lang="hu-HU" b="1" dirty="0" err="1">
                 <a:solidFill>
-                  <a:srgbClr val="FF0000"/>
+                  <a:schemeClr val="accent4"/>
                 </a:solidFill>
               </a:rPr>
               <a:t>contrastive</a:t>
             </a:r>
             <a:endParaRPr lang="hu-HU" b="1" dirty="0">
               <a:solidFill>
-                <a:srgbClr val="FF0000"/>
+                <a:schemeClr val="accent4"/>
               </a:solidFill>
             </a:endParaRPr>
           </a:p>
@@ -16639,175 +13186,96 @@
 </file>
 
 <file path=ppt/theme/theme1.xml><?xml version="1.0" encoding="utf-8"?>
-<a:theme xmlns:a="http://schemas.openxmlformats.org/drawingml/2006/main" name="Ion">
+<a:theme xmlns:a="http://schemas.openxmlformats.org/drawingml/2006/main" name="View">
   <a:themeElements>
-    <a:clrScheme name="Ion">
+    <a:clrScheme name="Nord">
       <a:dk1>
-        <a:sysClr val="windowText" lastClr="000000"/>
+        <a:srgbClr val="2E3440"/>
       </a:dk1>
       <a:lt1>
-        <a:sysClr val="window" lastClr="FFFFFF"/>
+        <a:srgbClr val="ECEFF4"/>
       </a:lt1>
       <a:dk2>
-        <a:srgbClr val="1E5155"/>
+        <a:srgbClr val="3B4252"/>
       </a:dk2>
       <a:lt2>
-        <a:srgbClr val="EBEBEB"/>
+        <a:srgbClr val="E5E9F0"/>
       </a:lt2>
       <a:accent1>
-        <a:srgbClr val="B01513"/>
+        <a:srgbClr val="A3BE8C"/>
       </a:accent1>
       <a:accent2>
-        <a:srgbClr val="EA6312"/>
+        <a:srgbClr val="88C0D0"/>
       </a:accent2>
       <a:accent3>
-        <a:srgbClr val="E6B729"/>
+        <a:srgbClr val="EBCB8B"/>
       </a:accent3>
       <a:accent4>
-        <a:srgbClr val="6AAC90"/>
+        <a:srgbClr val="9F7FC3"/>
       </a:accent4>
       <a:accent5>
-        <a:srgbClr val="54849A"/>
+        <a:srgbClr val="D8DEE9"/>
       </a:accent5>
       <a:accent6>
-        <a:srgbClr val="9E5E9B"/>
+        <a:srgbClr val="4C566A"/>
       </a:accent6>
       <a:hlink>
-        <a:srgbClr val="58C1BA"/>
+        <a:srgbClr val="5E81AC"/>
       </a:hlink>
       <a:folHlink>
-        <a:srgbClr val="9DFFCB"/>
+        <a:srgbClr val="81A1C1"/>
       </a:folHlink>
     </a:clrScheme>
-    <a:fontScheme name="Ion">
+    <a:fontScheme name="Brill + Noto">
       <a:majorFont>
-        <a:latin typeface="Century Gothic" panose="020B0502020202020204"/>
-        <a:ea typeface=""/>
+        <a:latin typeface="Brill"/>
+        <a:ea typeface="Noto Serif TC"/>
         <a:cs typeface=""/>
-        <a:font script="Jpan" typeface="メイリオ"/>
-        <a:font script="Hang" typeface="맑은 고딕"/>
-        <a:font script="Hans" typeface="宋体"/>
-        <a:font script="Hant" typeface="新細明體"/>
-        <a:font script="Arab" typeface="Times New Roman"/>
-        <a:font script="Hebr" typeface="Times New Roman"/>
-        <a:font script="Thai" typeface="Angsana New"/>
-        <a:font script="Ethi" typeface="Nyala"/>
-        <a:font script="Beng" typeface="Vrinda"/>
-        <a:font script="Gujr" typeface="Shruti"/>
-        <a:font script="Khmr" typeface="MoolBoran"/>
-        <a:font script="Knda" typeface="Tunga"/>
-        <a:font script="Guru" typeface="Raavi"/>
-        <a:font script="Cans" typeface="Euphemia"/>
-        <a:font script="Cher" typeface="Plantagenet Cherokee"/>
-        <a:font script="Yiii" typeface="Microsoft Yi Baiti"/>
-        <a:font script="Tibt" typeface="Microsoft Himalaya"/>
-        <a:font script="Thaa" typeface="MV Boli"/>
-        <a:font script="Deva" typeface="Mangal"/>
-        <a:font script="Telu" typeface="Gautami"/>
-        <a:font script="Taml" typeface="Latha"/>
-        <a:font script="Syrc" typeface="Estrangelo Edessa"/>
-        <a:font script="Orya" typeface="Kalinga"/>
-        <a:font script="Mlym" typeface="Kartika"/>
-        <a:font script="Laoo" typeface="DokChampa"/>
-        <a:font script="Sinh" typeface="Iskoola Pota"/>
-        <a:font script="Mong" typeface="Mongolian Baiti"/>
-        <a:font script="Viet" typeface="Times New Roman"/>
-        <a:font script="Uigh" typeface="Microsoft Uighur"/>
-        <a:font script="Geor" typeface="Sylfaen"/>
       </a:majorFont>
       <a:minorFont>
-        <a:latin typeface="Century Gothic" panose="020B0502020202020204"/>
-        <a:ea typeface=""/>
+        <a:latin typeface="Brill"/>
+        <a:ea typeface="Noto Serif TC"/>
         <a:cs typeface=""/>
-        <a:font script="Jpan" typeface="メイリオ"/>
-        <a:font script="Hang" typeface="맑은 고딕"/>
-        <a:font script="Hans" typeface="宋体"/>
-        <a:font script="Hant" typeface="新細明體"/>
-        <a:font script="Arab" typeface="Arial"/>
-        <a:font script="Hebr" typeface="Arial"/>
-        <a:font script="Thai" typeface="Cordia New"/>
-        <a:font script="Ethi" typeface="Nyala"/>
-        <a:font script="Beng" typeface="Vrinda"/>
-        <a:font script="Gujr" typeface="Shruti"/>
-        <a:font script="Khmr" typeface="DaunPenh"/>
-        <a:font script="Knda" typeface="Tunga"/>
-        <a:font script="Guru" typeface="Raavi"/>
-        <a:font script="Cans" typeface="Euphemia"/>
-        <a:font script="Cher" typeface="Plantagenet Cherokee"/>
-        <a:font script="Yiii" typeface="Microsoft Yi Baiti"/>
-        <a:font script="Tibt" typeface="Microsoft Himalaya"/>
-        <a:font script="Thaa" typeface="MV Boli"/>
-        <a:font script="Deva" typeface="Mangal"/>
-        <a:font script="Telu" typeface="Gautami"/>
-        <a:font script="Taml" typeface="Latha"/>
-        <a:font script="Syrc" typeface="Estrangelo Edessa"/>
-        <a:font script="Orya" typeface="Kalinga"/>
-        <a:font script="Mlym" typeface="Kartika"/>
-        <a:font script="Laoo" typeface="DokChampa"/>
-        <a:font script="Sinh" typeface="Iskoola Pota"/>
-        <a:font script="Mong" typeface="Mongolian Baiti"/>
-        <a:font script="Viet" typeface="Arial"/>
-        <a:font script="Uigh" typeface="Microsoft Uighur"/>
-        <a:font script="Geor" typeface="Sylfaen"/>
       </a:minorFont>
     </a:fontScheme>
-    <a:fmtScheme name="Ion">
+    <a:fmtScheme name="View">
       <a:fillStyleLst>
         <a:solidFill>
           <a:schemeClr val="phClr"/>
         </a:solidFill>
-        <a:gradFill rotWithShape="1">
-          <a:gsLst>
-            <a:gs pos="0">
-              <a:schemeClr val="phClr">
-                <a:tint val="64000"/>
-                <a:lumMod val="118000"/>
-              </a:schemeClr>
-            </a:gs>
-            <a:gs pos="100000">
-              <a:schemeClr val="phClr">
-                <a:tint val="92000"/>
-                <a:alpha val="100000"/>
-                <a:lumMod val="110000"/>
-              </a:schemeClr>
-            </a:gs>
-          </a:gsLst>
-          <a:lin ang="5400000" scaled="0"/>
-        </a:gradFill>
-        <a:gradFill rotWithShape="1">
-          <a:gsLst>
-            <a:gs pos="0">
-              <a:schemeClr val="phClr">
-                <a:tint val="98000"/>
-                <a:lumMod val="114000"/>
-              </a:schemeClr>
-            </a:gs>
-            <a:gs pos="100000">
-              <a:schemeClr val="phClr">
-                <a:shade val="90000"/>
-                <a:lumMod val="84000"/>
-              </a:schemeClr>
-            </a:gs>
-          </a:gsLst>
-          <a:lin ang="5400000" scaled="0"/>
-        </a:gradFill>
+        <a:solidFill>
+          <a:schemeClr val="phClr">
+            <a:tint val="60000"/>
+            <a:satMod val="120000"/>
+          </a:schemeClr>
+        </a:solidFill>
+        <a:solidFill>
+          <a:schemeClr val="phClr">
+            <a:shade val="75000"/>
+            <a:satMod val="160000"/>
+          </a:schemeClr>
+        </a:solidFill>
       </a:fillStyleLst>
       <a:lnStyleLst>
-        <a:ln w="9525" cap="rnd" cmpd="sng" algn="ctr">
+        <a:ln w="9525" cap="flat" cmpd="sng" algn="ctr">
           <a:solidFill>
             <a:schemeClr val="phClr"/>
           </a:solidFill>
           <a:prstDash val="solid"/>
         </a:ln>
-        <a:ln w="19050" cap="rnd" cmpd="sng" algn="ctr">
+        <a:ln w="13970" cap="flat" cmpd="sng" algn="ctr">
           <a:solidFill>
             <a:schemeClr val="phClr"/>
           </a:solidFill>
           <a:prstDash val="solid"/>
         </a:ln>
-        <a:ln w="28575" cap="rnd" cmpd="sng" algn="ctr">
+        <a:ln w="17145" cap="flat" cmpd="sng" algn="ctr">
           <a:solidFill>
-            <a:schemeClr val="phClr"/>
+            <a:schemeClr val="phClr">
+              <a:shade val="95000"/>
+              <a:alpha val="95000"/>
+              <a:satMod val="150000"/>
+            </a:schemeClr>
           </a:solidFill>
           <a:prstDash val="solid"/>
         </a:ln>
@@ -16818,18 +13286,9 @@
         </a:effectStyle>
         <a:effectStyle>
           <a:effectLst>
-            <a:outerShdw blurRad="38100" dist="25400" dir="5400000" rotWithShape="0">
+            <a:outerShdw blurRad="50800" dist="15240" dir="5400000" algn="tl" rotWithShape="0">
               <a:srgbClr val="000000">
-                <a:alpha val="45000"/>
-              </a:srgbClr>
-            </a:outerShdw>
-          </a:effectLst>
-        </a:effectStyle>
-        <a:effectStyle>
-          <a:effectLst>
-            <a:outerShdw blurRad="63500" dist="38100" dir="5400000" rotWithShape="0">
-              <a:srgbClr val="000000">
-                <a:alpha val="60000"/>
+                <a:alpha val="75000"/>
               </a:srgbClr>
             </a:outerShdw>
           </a:effectLst>
@@ -16837,10 +13296,40 @@
             <a:camera prst="orthographicFront">
               <a:rot lat="0" lon="0" rev="0"/>
             </a:camera>
-            <a:lightRig rig="threePt" dir="tl"/>
+            <a:lightRig rig="brightRoom" dir="tl"/>
           </a:scene3d>
-          <a:sp3d prstMaterial="plastic">
-            <a:bevelT w="0" h="0"/>
+          <a:sp3d contourW="9525" prstMaterial="flat">
+            <a:bevelT w="0" h="0" prst="coolSlant"/>
+            <a:contourClr>
+              <a:schemeClr val="phClr">
+                <a:shade val="35000"/>
+                <a:satMod val="130000"/>
+              </a:schemeClr>
+            </a:contourClr>
+          </a:sp3d>
+        </a:effectStyle>
+        <a:effectStyle>
+          <a:effectLst>
+            <a:outerShdw blurRad="76200" dist="25400" dir="5400000" algn="tl" rotWithShape="0">
+              <a:srgbClr val="000000">
+                <a:alpha val="55000"/>
+              </a:srgbClr>
+            </a:outerShdw>
+          </a:effectLst>
+          <a:scene3d>
+            <a:camera prst="orthographicFront">
+              <a:rot lat="0" lon="0" rev="0"/>
+            </a:camera>
+            <a:lightRig rig="brightRoom" dir="tl"/>
+          </a:scene3d>
+          <a:sp3d contourW="19050" prstMaterial="flat">
+            <a:bevelT w="0" h="0" prst="coolSlant"/>
+            <a:contourClr>
+              <a:schemeClr val="phClr">
+                <a:shade val="25000"/>
+                <a:satMod val="140000"/>
+              </a:schemeClr>
+            </a:contourClr>
           </a:sp3d>
         </a:effectStyle>
       </a:effectStyleLst>
@@ -16848,49 +13337,34 @@
         <a:solidFill>
           <a:schemeClr val="phClr"/>
         </a:solidFill>
+        <a:solidFill>
+          <a:schemeClr val="phClr">
+            <a:tint val="95000"/>
+            <a:satMod val="170000"/>
+          </a:schemeClr>
+        </a:solidFill>
         <a:gradFill rotWithShape="1">
           <a:gsLst>
             <a:gs pos="0">
               <a:schemeClr val="phClr">
-                <a:tint val="97000"/>
-                <a:hueMod val="88000"/>
+                <a:tint val="94000"/>
+                <a:shade val="98000"/>
                 <a:satMod val="130000"/>
-                <a:lumMod val="124000"/>
+                <a:lumMod val="102000"/>
               </a:schemeClr>
             </a:gs>
             <a:gs pos="100000">
               <a:schemeClr val="phClr">
-                <a:tint val="96000"/>
-                <a:shade val="88000"/>
-                <a:hueMod val="108000"/>
-                <a:satMod val="164000"/>
-                <a:lumMod val="76000"/>
+                <a:tint val="98000"/>
+                <a:shade val="78000"/>
+                <a:satMod val="140000"/>
               </a:schemeClr>
             </a:gs>
           </a:gsLst>
           <a:path path="circle">
-            <a:fillToRect l="45000" t="65000" r="125000" b="100000"/>
+            <a:fillToRect l="100000" t="100000" r="100000" b="100000"/>
           </a:path>
         </a:gradFill>
-        <a:blipFill rotWithShape="1">
-          <a:blip xmlns:r="http://schemas.openxmlformats.org/officeDocument/2006/relationships" r:embed="rId1">
-            <a:duotone>
-              <a:schemeClr val="phClr">
-                <a:shade val="69000"/>
-                <a:hueMod val="108000"/>
-                <a:satMod val="164000"/>
-                <a:lumMod val="74000"/>
-              </a:schemeClr>
-              <a:schemeClr val="phClr">
-                <a:tint val="96000"/>
-                <a:hueMod val="88000"/>
-                <a:satMod val="140000"/>
-                <a:lumMod val="132000"/>
-              </a:schemeClr>
-            </a:duotone>
-          </a:blip>
-          <a:stretch/>
-        </a:blipFill>
       </a:bgFillStyleLst>
     </a:fmtScheme>
   </a:themeElements>
@@ -16898,7 +13372,7 @@
   <a:extraClrSchemeLst/>
   <a:extLst>
     <a:ext uri="{05A4C25C-085E-4340-85A3-A5531E510DB2}">
-      <thm15:themeFamily xmlns:thm15="http://schemas.microsoft.com/office/thememl/2012/main" name="Ion" id="{B8441ADB-2E43-4AF7-B97A-BD870242C6A8}" vid="{292E63A9-BB86-4E3D-B92A-7223C6510D2E}"/>
+      <thm15:themeFamily xmlns:thm15="http://schemas.microsoft.com/office/thememl/2012/main" name="View" id="{BA0EB5A6-F2D4-4F82-977B-64ADEE4A2A69}" vid="{3969A8A2-35DB-4E3B-8885-16FD20568674}"/>
     </a:ext>
   </a:extLst>
 </a:theme>

--- a/hun.pptx
+++ b/hun.pptx
@@ -4131,8 +4131,12 @@
               <a:t>á</a:t>
             </a:r>
             <a:r>
-              <a:rPr lang="en-US" dirty="0"/>
+              <a:rPr lang="en-US" dirty="0" err="1"/>
               <a:t>bor</a:t>
+            </a:r>
+            <a:r>
+              <a:rPr lang="en-US" dirty="0"/>
+              <a:t>, Dr. HSU Yu-Yin </a:t>
             </a:r>
           </a:p>
           <a:p>
@@ -4592,7 +4596,7 @@
       </p:sp>
       <p:sp>
         <p:nvSpPr>
-          <p:cNvPr id="4" name=" 3">
+          <p:cNvPr id="4" name="Content Placeholder 3">
             <a:extLst>
               <a:ext uri="{FF2B5EF4-FFF2-40B4-BE49-F238E27FC236}">
                 <a16:creationId xmlns:a16="http://schemas.microsoft.com/office/drawing/2014/main" id="{9602444B-6EBA-8506-D78B-358F6ABDCE29}"/>
@@ -4961,7 +4965,7 @@
       </p:sp>
       <p:sp>
         <p:nvSpPr>
-          <p:cNvPr id="4" name=" 3">
+          <p:cNvPr id="4" name="Content Placeholder 3">
             <a:extLst>
               <a:ext uri="{FF2B5EF4-FFF2-40B4-BE49-F238E27FC236}">
                 <a16:creationId xmlns:a16="http://schemas.microsoft.com/office/drawing/2014/main" id="{74EBE464-7209-9D9B-0CED-31FFD63CD61D}"/>
@@ -5276,7 +5280,7 @@
       </p:sp>
       <p:sp>
         <p:nvSpPr>
-          <p:cNvPr id="4" name=" 3">
+          <p:cNvPr id="4" name="Content Placeholder 3">
             <a:extLst>
               <a:ext uri="{FF2B5EF4-FFF2-40B4-BE49-F238E27FC236}">
                 <a16:creationId xmlns:a16="http://schemas.microsoft.com/office/drawing/2014/main" id="{3F8EF6E3-A1FA-8342-0D19-289C75F76A43}"/>
@@ -5709,7 +5713,7 @@
       </p:sp>
       <p:sp>
         <p:nvSpPr>
-          <p:cNvPr id="4" name=" 3">
+          <p:cNvPr id="4" name="Content Placeholder 3">
             <a:extLst>
               <a:ext uri="{FF2B5EF4-FFF2-40B4-BE49-F238E27FC236}">
                 <a16:creationId xmlns:a16="http://schemas.microsoft.com/office/drawing/2014/main" id="{72B36A24-8501-0CC3-1762-E2A23E5FEC4E}"/>
@@ -6173,7 +6177,7 @@
       </p:sp>
       <p:sp>
         <p:nvSpPr>
-          <p:cNvPr id="4" name=" 3">
+          <p:cNvPr id="4" name="Content Placeholder 3">
             <a:extLst>
               <a:ext uri="{FF2B5EF4-FFF2-40B4-BE49-F238E27FC236}">
                 <a16:creationId xmlns:a16="http://schemas.microsoft.com/office/drawing/2014/main" id="{1DCAE51D-A235-D515-6F37-0EAA9B0D81FF}"/>
@@ -6348,7 +6352,7 @@
       </p:sp>
       <p:sp>
         <p:nvSpPr>
-          <p:cNvPr id="4" name=" 3">
+          <p:cNvPr id="4" name="Content Placeholder 3">
             <a:extLst>
               <a:ext uri="{FF2B5EF4-FFF2-40B4-BE49-F238E27FC236}">
                 <a16:creationId xmlns:a16="http://schemas.microsoft.com/office/drawing/2014/main" id="{D4F984ED-5652-66D7-A9D6-D2C5742DD3FE}"/>
@@ -6539,7 +6543,7 @@
       </p:sp>
       <p:sp>
         <p:nvSpPr>
-          <p:cNvPr id="4" name=" 3">
+          <p:cNvPr id="4" name="Content Placeholder 3">
             <a:extLst>
               <a:ext uri="{FF2B5EF4-FFF2-40B4-BE49-F238E27FC236}">
                 <a16:creationId xmlns:a16="http://schemas.microsoft.com/office/drawing/2014/main" id="{5AC4E7EC-DC7E-3BA2-98E9-45B8B9EC6EDD}"/>
@@ -6831,7 +6835,7 @@
       </p:sp>
       <p:sp>
         <p:nvSpPr>
-          <p:cNvPr id="4" name=" 3">
+          <p:cNvPr id="4" name="Content Placeholder 3">
             <a:extLst>
               <a:ext uri="{FF2B5EF4-FFF2-40B4-BE49-F238E27FC236}">
                 <a16:creationId xmlns:a16="http://schemas.microsoft.com/office/drawing/2014/main" id="{2F512AE7-A361-2707-C100-78DB839DA5DE}"/>
@@ -12229,7 +12233,7 @@
       </p:sp>
       <p:sp>
         <p:nvSpPr>
-          <p:cNvPr id="4" name=" 3">
+          <p:cNvPr id="4" name="Content Placeholder 3">
             <a:extLst>
               <a:ext uri="{FF2B5EF4-FFF2-40B4-BE49-F238E27FC236}">
                 <a16:creationId xmlns:a16="http://schemas.microsoft.com/office/drawing/2014/main" id="{B84D5A86-E4B2-8693-D80C-42779AD8487C}"/>
@@ -12390,7 +12394,7 @@
       </p:sp>
       <p:sp>
         <p:nvSpPr>
-          <p:cNvPr id="4" name=" 3">
+          <p:cNvPr id="4" name="Content Placeholder 3">
             <a:extLst>
               <a:ext uri="{FF2B5EF4-FFF2-40B4-BE49-F238E27FC236}">
                 <a16:creationId xmlns:a16="http://schemas.microsoft.com/office/drawing/2014/main" id="{CACCF0BA-50BA-56AF-5DAC-DC21C77A09D1}"/>
@@ -13695,7 +13699,7 @@
       </p:sp>
       <p:sp>
         <p:nvSpPr>
-          <p:cNvPr id="4" name=" 3">
+          <p:cNvPr id="4" name="Content Placeholder 3">
             <a:extLst>
               <a:ext uri="{FF2B5EF4-FFF2-40B4-BE49-F238E27FC236}">
                 <a16:creationId xmlns:a16="http://schemas.microsoft.com/office/drawing/2014/main" id="{AF2D8ACD-8532-482A-82AA-0D3A1F2E3BF2}"/>
@@ -15046,7 +15050,7 @@
       </p:sp>
       <p:sp>
         <p:nvSpPr>
-          <p:cNvPr id="4" name=" 3">
+          <p:cNvPr id="4" name="Content Placeholder 3">
             <a:extLst>
               <a:ext uri="{FF2B5EF4-FFF2-40B4-BE49-F238E27FC236}">
                 <a16:creationId xmlns:a16="http://schemas.microsoft.com/office/drawing/2014/main" id="{5CC6FB7D-8385-6F5E-836E-AAF57B6FD8A9}"/>
@@ -16102,7 +16106,7 @@
       </p:sp>
       <p:sp>
         <p:nvSpPr>
-          <p:cNvPr id="4" name=" 3">
+          <p:cNvPr id="4" name="Content Placeholder 3">
             <a:extLst>
               <a:ext uri="{FF2B5EF4-FFF2-40B4-BE49-F238E27FC236}">
                 <a16:creationId xmlns:a16="http://schemas.microsoft.com/office/drawing/2014/main" id="{14EFFE6A-DDFC-FFA5-509A-FB66B6AB90BD}"/>
@@ -16357,7 +16361,7 @@
       </p:sp>
       <p:sp>
         <p:nvSpPr>
-          <p:cNvPr id="4" name=" 3">
+          <p:cNvPr id="4" name="Content Placeholder 3">
             <a:extLst>
               <a:ext uri="{FF2B5EF4-FFF2-40B4-BE49-F238E27FC236}">
                 <a16:creationId xmlns:a16="http://schemas.microsoft.com/office/drawing/2014/main" id="{B397352C-30E6-BDE5-B0CF-AD56744B5FEC}"/>
@@ -16530,7 +16534,7 @@
       </p:sp>
       <p:sp>
         <p:nvSpPr>
-          <p:cNvPr id="4" name=" 3">
+          <p:cNvPr id="4" name="Content Placeholder 3">
             <a:extLst>
               <a:ext uri="{FF2B5EF4-FFF2-40B4-BE49-F238E27FC236}">
                 <a16:creationId xmlns:a16="http://schemas.microsoft.com/office/drawing/2014/main" id="{3D0266F2-DF35-D7E3-9EF9-D6286D56D9E9}"/>
@@ -16605,8 +16609,16 @@
             <a:pPr lvl="1"/>
             <a:r>
               <a:rPr lang="en-US" dirty="0"/>
-              <a:t>Good for low- to mid-frequency eye trackers; static stimuli; simple </a:t>
-            </a:r>
+              <a:t>Good for low- to mid-frequency eye trackers; static stimuli; simple</a:t>
+            </a:r>
+          </a:p>
+          <a:p>
+            <a:pPr lvl="1"/>
+            <a:r>
+              <a:rPr lang="en-US"/>
+              <a:t>Cleans noise/jitter </a:t>
+            </a:r>
+            <a:endParaRPr lang="en-US" dirty="0"/>
           </a:p>
           <a:p>
             <a:r>
@@ -17478,7 +17490,7 @@
       </p:sp>
       <p:sp>
         <p:nvSpPr>
-          <p:cNvPr id="4" name=" 3">
+          <p:cNvPr id="4" name="Content Placeholder 3">
             <a:extLst>
               <a:ext uri="{FF2B5EF4-FFF2-40B4-BE49-F238E27FC236}">
                 <a16:creationId xmlns:a16="http://schemas.microsoft.com/office/drawing/2014/main" id="{4A203931-D9DD-BCB6-376D-96956F8D26C7}"/>
@@ -17634,7 +17646,7 @@
       </p:sp>
       <p:sp>
         <p:nvSpPr>
-          <p:cNvPr id="4" name=" 3">
+          <p:cNvPr id="4" name="Content Placeholder 3">
             <a:extLst>
               <a:ext uri="{FF2B5EF4-FFF2-40B4-BE49-F238E27FC236}">
                 <a16:creationId xmlns:a16="http://schemas.microsoft.com/office/drawing/2014/main" id="{F5949E58-2434-9F63-DAF1-B4AE2112596E}"/>
@@ -17656,7 +17668,7 @@
         </p:spPr>
         <p:txBody>
           <a:bodyPr>
-            <a:normAutofit/>
+            <a:normAutofit fontScale="92500" lnSpcReduction="20000"/>
           </a:bodyPr>
           <a:lstStyle/>
           <a:p>
@@ -17673,7 +17685,7 @@
             </a:r>
             <a:r>
               <a:rPr lang="en-US" dirty="0"/>
-              <a:t>: total dwell time; no. of transitions; condition</a:t>
+              <a:t>: total dwell time; no. of transitions; dominant side(?); condition</a:t>
             </a:r>
           </a:p>
           <a:p>
@@ -17870,11 +17882,38 @@
             <a:pPr marL="2880" indent="0">
               <a:buNone/>
             </a:pPr>
-            <a:endParaRPr lang="en-US" dirty="0">
-              <a:solidFill>
-                <a:schemeClr val="accent4"/>
-              </a:solidFill>
-            </a:endParaRPr>
+            <a:r>
+              <a:rPr lang="en-US" dirty="0">
+                <a:solidFill>
+                  <a:schemeClr val="accent5"/>
+                </a:solidFill>
+              </a:rPr>
+              <a:t>RQ: How people interpret the pre-verbal focus</a:t>
+            </a:r>
+            <a:r>
+              <a:rPr lang="hu-HU" dirty="0">
+                <a:solidFill>
+                  <a:schemeClr val="accent5"/>
+                </a:solidFill>
+              </a:rPr>
+              <a:t> in </a:t>
+            </a:r>
+            <a:r>
+              <a:rPr lang="hu-HU" dirty="0" err="1">
+                <a:solidFill>
+                  <a:schemeClr val="accent5"/>
+                </a:solidFill>
+              </a:rPr>
+              <a:t>Hungarian</a:t>
+            </a:r>
+            <a:r>
+              <a:rPr lang="en-US" dirty="0">
+                <a:solidFill>
+                  <a:schemeClr val="accent5"/>
+                </a:solidFill>
+              </a:rPr>
+              <a:t> re. exclusivity?</a:t>
+            </a:r>
           </a:p>
           <a:p>
             <a:pPr marL="2880" indent="0">
@@ -17886,14 +17925,46 @@
                   <a:schemeClr val="accent4"/>
                 </a:solidFill>
               </a:rPr>
-              <a:t>What is our question here? What are we trying to understand?</a:t>
+              <a:t>What is our specific question here? What are we trying to understand?</a:t>
             </a:r>
           </a:p>
           <a:p>
             <a:pPr marL="2880" indent="0">
               <a:buNone/>
             </a:pPr>
-            <a:endParaRPr lang="hu-HU" sz="2400" dirty="0">
+            <a:r>
+              <a:rPr lang="en-US" dirty="0">
+                <a:solidFill>
+                  <a:schemeClr val="accent4"/>
+                </a:solidFill>
+              </a:rPr>
+              <a:t>How to utilize ET data to interpret the pre-verbal focus</a:t>
+            </a:r>
+            <a:r>
+              <a:rPr lang="hu-HU" dirty="0">
+                <a:solidFill>
+                  <a:schemeClr val="accent4"/>
+                </a:solidFill>
+              </a:rPr>
+              <a:t> in </a:t>
+            </a:r>
+            <a:r>
+              <a:rPr lang="hu-HU" dirty="0" err="1">
+                <a:solidFill>
+                  <a:schemeClr val="accent4"/>
+                </a:solidFill>
+              </a:rPr>
+              <a:t>Hungarian</a:t>
+            </a:r>
+            <a:r>
+              <a:rPr lang="en-US" dirty="0">
+                <a:solidFill>
+                  <a:schemeClr val="accent4"/>
+                </a:solidFill>
+              </a:rPr>
+              <a:t>?</a:t>
+            </a:r>
+            <a:endParaRPr lang="hu-HU" dirty="0">
               <a:cs typeface="Cascadia Mono" panose="020B0609020000020004" pitchFamily="49" charset="0"/>
             </a:endParaRPr>
           </a:p>
@@ -18209,7 +18280,105 @@
                                         <p:tgtEl>
                                           <p:spTgt spid="4">
                                             <p:txEl>
+                                              <p:pRg st="6" end="6"/>
+                                            </p:txEl>
+                                          </p:spTgt>
+                                        </p:tgtEl>
+                                        <p:attrNameLst>
+                                          <p:attrName>style.visibility</p:attrName>
+                                        </p:attrNameLst>
+                                      </p:cBhvr>
+                                      <p:to>
+                                        <p:strVal val="visible"/>
+                                      </p:to>
+                                    </p:set>
+                                  </p:childTnLst>
+                                </p:cTn>
+                              </p:par>
+                            </p:childTnLst>
+                          </p:cTn>
+                        </p:par>
+                      </p:childTnLst>
+                    </p:cTn>
+                  </p:par>
+                  <p:par>
+                    <p:cTn id="27" fill="hold">
+                      <p:stCondLst>
+                        <p:cond delay="indefinite"/>
+                      </p:stCondLst>
+                      <p:childTnLst>
+                        <p:par>
+                          <p:cTn id="28" fill="hold">
+                            <p:stCondLst>
+                              <p:cond delay="0"/>
+                            </p:stCondLst>
+                            <p:childTnLst>
+                              <p:par>
+                                <p:cTn id="29" presetID="1" presetClass="entr" presetSubtype="0" fill="hold" grpId="0" nodeType="clickEffect">
+                                  <p:stCondLst>
+                                    <p:cond delay="0"/>
+                                  </p:stCondLst>
+                                  <p:childTnLst>
+                                    <p:set>
+                                      <p:cBhvr>
+                                        <p:cTn id="30" dur="1" fill="hold">
+                                          <p:stCondLst>
+                                            <p:cond delay="0"/>
+                                          </p:stCondLst>
+                                        </p:cTn>
+                                        <p:tgtEl>
+                                          <p:spTgt spid="4">
+                                            <p:txEl>
                                               <p:pRg st="7" end="7"/>
+                                            </p:txEl>
+                                          </p:spTgt>
+                                        </p:tgtEl>
+                                        <p:attrNameLst>
+                                          <p:attrName>style.visibility</p:attrName>
+                                        </p:attrNameLst>
+                                      </p:cBhvr>
+                                      <p:to>
+                                        <p:strVal val="visible"/>
+                                      </p:to>
+                                    </p:set>
+                                  </p:childTnLst>
+                                </p:cTn>
+                              </p:par>
+                            </p:childTnLst>
+                          </p:cTn>
+                        </p:par>
+                      </p:childTnLst>
+                    </p:cTn>
+                  </p:par>
+                  <p:par>
+                    <p:cTn id="31" fill="hold">
+                      <p:stCondLst>
+                        <p:cond delay="indefinite"/>
+                      </p:stCondLst>
+                      <p:childTnLst>
+                        <p:par>
+                          <p:cTn id="32" fill="hold">
+                            <p:stCondLst>
+                              <p:cond delay="0"/>
+                            </p:stCondLst>
+                            <p:childTnLst>
+                              <p:par>
+                                <p:cTn id="33" presetID="1" presetClass="entr" presetSubtype="0" fill="hold" grpId="0" nodeType="clickEffect">
+                                  <p:stCondLst>
+                                    <p:cond delay="0"/>
+                                  </p:stCondLst>
+                                  <p:childTnLst>
+                                    <p:set>
+                                      <p:cBhvr>
+                                        <p:cTn id="34" dur="1" fill="hold">
+                                          <p:stCondLst>
+                                            <p:cond delay="0"/>
+                                          </p:stCondLst>
+                                        </p:cTn>
+                                        <p:tgtEl>
+                                          <p:spTgt spid="4">
+                                            <p:txEl>
+                                              <p:pRg st="8" end="8"/>
                                             </p:txEl>
                                           </p:spTgt>
                                         </p:tgtEl>
@@ -18777,7 +18946,7 @@
       </p:sp>
       <p:sp>
         <p:nvSpPr>
-          <p:cNvPr id="4" name=" 3">
+          <p:cNvPr id="4" name="Content Placeholder 3">
             <a:extLst>
               <a:ext uri="{FF2B5EF4-FFF2-40B4-BE49-F238E27FC236}">
                 <a16:creationId xmlns:a16="http://schemas.microsoft.com/office/drawing/2014/main" id="{2BEB1C4F-A965-7236-A5F6-80B08D21DE86}"/>
@@ -29846,14 +30015,14 @@
           <a:p>
             <a:r>
               <a:rPr lang="en-US" dirty="0"/>
-              <a:t>Cont.</a:t>
-            </a:r>
-          </a:p>
-        </p:txBody>
-      </p:sp>
-      <p:sp>
-        <p:nvSpPr>
-          <p:cNvPr id="4" name=" 3">
+              <a:t>Focus construction &amp; its characteristics</a:t>
+            </a:r>
+          </a:p>
+        </p:txBody>
+      </p:sp>
+      <p:sp>
+        <p:nvSpPr>
+          <p:cNvPr id="4" name="Content Placeholder 3">
             <a:extLst>
               <a:ext uri="{FF2B5EF4-FFF2-40B4-BE49-F238E27FC236}">
                 <a16:creationId xmlns:a16="http://schemas.microsoft.com/office/drawing/2014/main" id="{045D0446-9C79-8BD8-F039-F3CE9DC062EB}"/>
@@ -30046,7 +30215,7 @@
       </p:sp>
       <p:sp>
         <p:nvSpPr>
-          <p:cNvPr id="4" name=" 3">
+          <p:cNvPr id="4" name="Content Placeholder 3">
             <a:extLst>
               <a:ext uri="{FF2B5EF4-FFF2-40B4-BE49-F238E27FC236}">
                 <a16:creationId xmlns:a16="http://schemas.microsoft.com/office/drawing/2014/main" id="{C80480D6-A8A8-28D9-4C70-F828FBA14479}"/>
